--- a/example/Rapportage Heideveen.pptx
+++ b/example/Rapportage Heideveen.pptx
@@ -1483,7 +1483,7 @@
 </pc:chgInfo>
 </file>
 
-<file path=ppt/charts/chart4c4c10161773.xml><?xml version="1.0" encoding="utf-8"?>
+<file path=ppt/charts/chartc701b5d2775.xml><?xml version="1.0" encoding="utf-8"?>
 <c:chartSpace xmlns:c="http://schemas.openxmlformats.org/drawingml/2006/chart" xmlns:a="http://schemas.openxmlformats.org/drawingml/2006/main" xmlns:r="http://schemas.openxmlformats.org/officeDocument/2006/relationships">
   <c:date1904 val="0"/>
   <c:lang val="fr-FR"/>
@@ -1518,7 +1518,7 @@
                 <a:ea typeface="Calibri"/>
                 <a:sym typeface="Calibri"/>
               </a:rPr>
-              <a:t>Variant 4</a:t>
+              <a:t>Variant 5</a:t>
             </a:r>
           </a:p>
         </c:rich>
@@ -1595,129 +1595,28 @@
           </c:dLbls>
           <c:cat>
             <c:strRef>
-              <c:f>sheet1!$A$2:$A$4</c:f>
+              <c:f>sheet1!$A$2:$A$3</c:f>
               <c:strCache>
-                <c:ptCount val="3"/>
+                <c:ptCount val="2"/>
                 <c:pt idx="0">
-                  <c:v>Heeft psychische klachten</c:v>
+                  <c:v>Jongen</c:v>
                 </c:pt>
                 <c:pt idx="1">
-                  <c:v>Geeft geen mantelzorg</c:v>
-                </c:pt>
-                <c:pt idx="2">
-                  <c:v>Heeft een zeer goede gezondheid</c:v>
+                  <c:v>Meisje</c:v>
                 </c:pt>
               </c:strCache>
             </c:strRef>
           </c:cat>
           <c:val>
             <c:numRef>
-              <c:f>sheet1!$B$2:$B$4</c:f>
+              <c:f>sheet1!$B$2:$B$3</c:f>
               <c:numCache>
-                <c:ptCount val="3"/>
+                <c:ptCount val="2"/>
                 <c:pt idx="0">
-                  <c:v>0.2679194</c:v>
+                  <c:v>0.2833711</c:v>
                 </c:pt>
                 <c:pt idx="1">
-                  <c:v>0.8514397</c:v>
-                </c:pt>
-                <c:pt idx="2">
-                  <c:v>0.2936311</c:v>
-                </c:pt>
-              </c:numCache>
-            </c:numRef>
-          </c:val>
-        </c:ser>
-        <c:ser>
-          <c:idx val="1"/>
-          <c:order val="1"/>
-          <c:tx>
-            <c:strRef>
-              <c:f>sheet1!$C$1</c:f>
-              <c:strCache>
-                <c:ptCount val="1"/>
-                <c:pt idx="0">
-                  <c:v>Nederland</c:v>
-                </c:pt>
-              </c:strCache>
-            </c:strRef>
-          </c:tx>
-          <c:spPr>
-            <a:solidFill>
-              <a:srgbClr val="E54800">
-                <a:alpha val="100000"/>
-              </a:srgbClr>
-            </a:solidFill>
-            <a:ln w="25400">
-              <a:solidFill>
-                <a:srgbClr val="FFFFFF">
-                  <a:alpha val="0"/>
-                </a:srgbClr>
-              </a:solidFill>
-            </a:ln>
-            <a:effectLst/>
-          </c:spPr>
-          <c:invertIfNegative val="0"/>
-          <c:dLbls>
-            <c:dLblPos val="outEnd"/>
-            <c:numFmt formatCode="0%" sourceLinked="0"/>
-            <c:separator val=", "/>
-            <c:showBubbleSize val="0"/>
-            <c:showCatName val="0"/>
-            <c:showLegendKey val="0"/>
-            <c:showPercent val="0"/>
-            <c:showSerName val="0"/>
-            <c:showVal val="1"/>
-            <c:txPr>
-              <a:bodyPr/>
-              <a:lstStyle/>
-              <a:p>
-                <a:pPr>
-                  <a:defRPr cap="none" sz="800" i="0" b="0" u="none">
-                    <a:solidFill>
-                      <a:srgbClr val="000000">
-                        <a:alpha val="100000"/>
-                      </a:srgbClr>
-                    </a:solidFill>
-                    <a:latin typeface="Calibri"/>
-                    <a:cs typeface="Calibri"/>
-                    <a:ea typeface="Calibri"/>
-                    <a:sym typeface="Calibri"/>
-                  </a:defRPr>
-                </a:pPr>
-              </a:p>
-            </c:txPr>
-          </c:dLbls>
-          <c:cat>
-            <c:strRef>
-              <c:f>sheet1!$A$2:$A$4</c:f>
-              <c:strCache>
-                <c:ptCount val="3"/>
-                <c:pt idx="0">
-                  <c:v>Heeft psychische klachten</c:v>
-                </c:pt>
-                <c:pt idx="1">
-                  <c:v>Geeft geen mantelzorg</c:v>
-                </c:pt>
-                <c:pt idx="2">
-                  <c:v>Heeft een zeer goede gezondheid</c:v>
-                </c:pt>
-              </c:strCache>
-            </c:strRef>
-          </c:cat>
-          <c:val>
-            <c:numRef>
-              <c:f>sheet1!$C$2:$C$4</c:f>
-              <c:numCache>
-                <c:ptCount val="3"/>
-                <c:pt idx="0">
-                  <c:v>0.2753591</c:v>
-                </c:pt>
-                <c:pt idx="1">
-                  <c:v>0.8527339</c:v>
-                </c:pt>
-                <c:pt idx="2">
-                  <c:v>0.3070725</c:v>
+                  <c:v>0.2587723</c:v>
                 </c:pt>
               </c:numCache>
             </c:numRef>
@@ -1872,7 +1771,7 @@
 </c:chartSpace>
 </file>
 
-<file path=ppt/charts/chart4c4c129015de.xml><?xml version="1.0" encoding="utf-8"?>
+<file path=ppt/charts/chartc701dd725df.xml><?xml version="1.0" encoding="utf-8"?>
 <c:chartSpace xmlns:c="http://schemas.openxmlformats.org/drawingml/2006/chart" xmlns:a="http://schemas.openxmlformats.org/drawingml/2006/main" xmlns:r="http://schemas.openxmlformats.org/officeDocument/2006/relationships">
   <c:date1904 val="0"/>
   <c:lang val="fr-FR"/>
@@ -1907,7 +1806,7 @@
                 <a:ea typeface="Calibri"/>
                 <a:sym typeface="Calibri"/>
               </a:rPr>
-              <a:t>Variant 8</a:t>
+              <a:t>Variant 9</a:t>
             </a:r>
           </a:p>
         </c:rich>
@@ -1931,7 +1830,7 @@
               <c:strCache>
                 <c:ptCount val="1"/>
                 <c:pt idx="0">
-                  <c:v>Jongen</c:v>
+                  <c:v>Zandwijk</c:v>
                 </c:pt>
               </c:strCache>
             </c:strRef>
@@ -1984,34 +1883,28 @@
           </c:dLbls>
           <c:cat>
             <c:strRef>
-              <c:f>sheet1!$A$2:$A$4</c:f>
+              <c:f>sheet1!$A$2:$A$3</c:f>
               <c:strCache>
-                <c:ptCount val="3"/>
+                <c:ptCount val="2"/>
                 <c:pt idx="0">
-                  <c:v>Heeft psychische klachten</c:v>
+                  <c:v>Klas 2</c:v>
                 </c:pt>
                 <c:pt idx="1">
-                  <c:v>Geeft geen mantelzorg</c:v>
-                </c:pt>
-                <c:pt idx="2">
-                  <c:v>Heeft een zeer goede gezondheid</c:v>
+                  <c:v>Klas 4</c:v>
                 </c:pt>
               </c:strCache>
             </c:strRef>
           </c:cat>
           <c:val>
             <c:numRef>
-              <c:f>sheet1!$B$2:$B$4</c:f>
+              <c:f>sheet1!$B$2:$B$3</c:f>
               <c:numCache>
-                <c:ptCount val="3"/>
+                <c:ptCount val="2"/>
                 <c:pt idx="0">
-                  <c:v>0.2833711</c:v>
+                  <c:v>0.2607700</c:v>
                 </c:pt>
                 <c:pt idx="1">
-                  <c:v>0.8544202</c:v>
-                </c:pt>
-                <c:pt idx="2">
-                  <c:v>0.3212508</c:v>
+                  <c:v>0.2945237</c:v>
                 </c:pt>
               </c:numCache>
             </c:numRef>
@@ -2026,14 +1919,14 @@
               <c:strCache>
                 <c:ptCount val="1"/>
                 <c:pt idx="0">
-                  <c:v>Meisje</c:v>
+                  <c:v>Nederland</c:v>
                 </c:pt>
               </c:strCache>
             </c:strRef>
           </c:tx>
           <c:spPr>
             <a:solidFill>
-              <a:srgbClr val="6FC7FF">
+              <a:srgbClr val="E54800">
                 <a:alpha val="100000"/>
               </a:srgbClr>
             </a:solidFill>
@@ -2079,34 +1972,28 @@
           </c:dLbls>
           <c:cat>
             <c:strRef>
-              <c:f>sheet1!$A$2:$A$4</c:f>
+              <c:f>sheet1!$A$2:$A$3</c:f>
               <c:strCache>
-                <c:ptCount val="3"/>
+                <c:ptCount val="2"/>
                 <c:pt idx="0">
-                  <c:v>Heeft psychische klachten</c:v>
+                  <c:v>Klas 2</c:v>
                 </c:pt>
                 <c:pt idx="1">
-                  <c:v>Geeft geen mantelzorg</c:v>
-                </c:pt>
-                <c:pt idx="2">
-                  <c:v>Heeft een zeer goede gezondheid</c:v>
+                  <c:v>Klas 4</c:v>
                 </c:pt>
               </c:strCache>
             </c:strRef>
           </c:cat>
           <c:val>
             <c:numRef>
-              <c:f>sheet1!$C$2:$C$4</c:f>
+              <c:f>sheet1!$C$2:$C$3</c:f>
               <c:numCache>
-                <c:ptCount val="3"/>
+                <c:ptCount val="2"/>
                 <c:pt idx="0">
-                  <c:v>0.2587723</c:v>
+                  <c:v>0.2818699</c:v>
                 </c:pt>
                 <c:pt idx="1">
-                  <c:v>0.8539607</c:v>
-                </c:pt>
-                <c:pt idx="2">
-                  <c:v>0.2719618</c:v>
+                  <c:v>0.2738343</c:v>
                 </c:pt>
               </c:numCache>
             </c:numRef>
@@ -2261,7 +2148,7 @@
 </c:chartSpace>
 </file>
 
-<file path=ppt/charts/chart4c4c15091449.xml><?xml version="1.0" encoding="utf-8"?>
+<file path=ppt/charts/chartc702050244a.xml><?xml version="1.0" encoding="utf-8"?>
 <c:chartSpace xmlns:c="http://schemas.openxmlformats.org/drawingml/2006/chart" xmlns:a="http://schemas.openxmlformats.org/drawingml/2006/main" xmlns:r="http://schemas.openxmlformats.org/officeDocument/2006/relationships">
   <c:date1904 val="0"/>
   <c:lang val="fr-FR"/>
@@ -2296,7 +2183,7 @@
                 <a:ea typeface="Calibri"/>
                 <a:sym typeface="Calibri"/>
               </a:rPr>
-              <a:t>Variant 12</a:t>
+              <a:t>Variant 13</a:t>
             </a:r>
           </a:p>
         </c:rich>
@@ -2320,7 +2207,7 @@
               <c:strCache>
                 <c:ptCount val="1"/>
                 <c:pt idx="0">
-                  <c:v>Zandwijk</c:v>
+                  <c:v>Jongen</c:v>
                 </c:pt>
               </c:strCache>
             </c:strRef>
@@ -2373,40 +2260,319 @@
           </c:dLbls>
           <c:cat>
             <c:strRef>
-              <c:f>sheet1!$A$2:$A$5</c:f>
+              <c:f>sheet1!$A$2:$A$4</c:f>
               <c:strCache>
-                <c:ptCount val="4"/>
+                <c:ptCount val="3"/>
                 <c:pt idx="0">
-                  <c:v>Jongen</c:v>
+                  <c:v>Heeft psychische klachten</c:v>
                 </c:pt>
                 <c:pt idx="1">
-                  <c:v>Meisje</c:v>
+                  <c:v>Geeft geen mantelzorg</c:v>
                 </c:pt>
                 <c:pt idx="2">
-                  <c:v>Klas 2</c:v>
-                </c:pt>
-                <c:pt idx="3">
-                  <c:v>Klas 4</c:v>
+                  <c:v>Heeft een zeer goede gezondheid</c:v>
                 </c:pt>
               </c:strCache>
             </c:strRef>
           </c:cat>
           <c:val>
             <c:numRef>
-              <c:f>sheet1!$B$2:$B$5</c:f>
+              <c:f>sheet1!$B$2:$B$4</c:f>
               <c:numCache>
-                <c:ptCount val="4"/>
+                <c:ptCount val="3"/>
                 <c:pt idx="0">
                   <c:v>0.2833711</c:v>
                 </c:pt>
                 <c:pt idx="1">
+                  <c:v>0.8544202</c:v>
+                </c:pt>
+                <c:pt idx="2">
+                  <c:v>0.3212508</c:v>
+                </c:pt>
+              </c:numCache>
+            </c:numRef>
+          </c:val>
+        </c:ser>
+        <c:ser>
+          <c:idx val="1"/>
+          <c:order val="1"/>
+          <c:tx>
+            <c:strRef>
+              <c:f>sheet1!$C$1</c:f>
+              <c:strCache>
+                <c:ptCount val="1"/>
+                <c:pt idx="0">
+                  <c:v>Meisje</c:v>
+                </c:pt>
+              </c:strCache>
+            </c:strRef>
+          </c:tx>
+          <c:spPr>
+            <a:solidFill>
+              <a:srgbClr val="6FC7FF">
+                <a:alpha val="100000"/>
+              </a:srgbClr>
+            </a:solidFill>
+            <a:ln w="25400">
+              <a:solidFill>
+                <a:srgbClr val="FFFFFF">
+                  <a:alpha val="0"/>
+                </a:srgbClr>
+              </a:solidFill>
+            </a:ln>
+            <a:effectLst/>
+          </c:spPr>
+          <c:invertIfNegative val="0"/>
+          <c:dLbls>
+            <c:dLblPos val="outEnd"/>
+            <c:numFmt formatCode="0%" sourceLinked="0"/>
+            <c:separator val=", "/>
+            <c:showBubbleSize val="0"/>
+            <c:showCatName val="0"/>
+            <c:showLegendKey val="0"/>
+            <c:showPercent val="0"/>
+            <c:showSerName val="0"/>
+            <c:showVal val="1"/>
+            <c:txPr>
+              <a:bodyPr/>
+              <a:lstStyle/>
+              <a:p>
+                <a:pPr>
+                  <a:defRPr cap="none" sz="800" i="0" b="0" u="none">
+                    <a:solidFill>
+                      <a:srgbClr val="000000">
+                        <a:alpha val="100000"/>
+                      </a:srgbClr>
+                    </a:solidFill>
+                    <a:latin typeface="Calibri"/>
+                    <a:cs typeface="Calibri"/>
+                    <a:ea typeface="Calibri"/>
+                    <a:sym typeface="Calibri"/>
+                  </a:defRPr>
+                </a:pPr>
+              </a:p>
+            </c:txPr>
+          </c:dLbls>
+          <c:cat>
+            <c:strRef>
+              <c:f>sheet1!$A$2:$A$4</c:f>
+              <c:strCache>
+                <c:ptCount val="3"/>
+                <c:pt idx="0">
+                  <c:v>Heeft psychische klachten</c:v>
+                </c:pt>
+                <c:pt idx="1">
+                  <c:v>Geeft geen mantelzorg</c:v>
+                </c:pt>
+                <c:pt idx="2">
+                  <c:v>Heeft een zeer goede gezondheid</c:v>
+                </c:pt>
+              </c:strCache>
+            </c:strRef>
+          </c:cat>
+          <c:val>
+            <c:numRef>
+              <c:f>sheet1!$C$2:$C$4</c:f>
+              <c:numCache>
+                <c:ptCount val="3"/>
+                <c:pt idx="0">
                   <c:v>0.2587723</c:v>
                 </c:pt>
+                <c:pt idx="1">
+                  <c:v>0.8539607</c:v>
+                </c:pt>
                 <c:pt idx="2">
+                  <c:v>0.2719618</c:v>
+                </c:pt>
+              </c:numCache>
+            </c:numRef>
+          </c:val>
+        </c:ser>
+        <c:ser>
+          <c:idx val="2"/>
+          <c:order val="2"/>
+          <c:tx>
+            <c:strRef>
+              <c:f>sheet1!$D$1</c:f>
+              <c:strCache>
+                <c:ptCount val="1"/>
+                <c:pt idx="0">
+                  <c:v>Klas 2</c:v>
+                </c:pt>
+              </c:strCache>
+            </c:strRef>
+          </c:tx>
+          <c:spPr>
+            <a:solidFill>
+              <a:srgbClr val="E54800">
+                <a:alpha val="100000"/>
+              </a:srgbClr>
+            </a:solidFill>
+            <a:ln w="25400">
+              <a:solidFill>
+                <a:srgbClr val="FFFFFF">
+                  <a:alpha val="0"/>
+                </a:srgbClr>
+              </a:solidFill>
+            </a:ln>
+            <a:effectLst/>
+          </c:spPr>
+          <c:invertIfNegative val="0"/>
+          <c:dLbls>
+            <c:dLblPos val="outEnd"/>
+            <c:numFmt formatCode="0%" sourceLinked="0"/>
+            <c:separator val=", "/>
+            <c:showBubbleSize val="0"/>
+            <c:showCatName val="0"/>
+            <c:showLegendKey val="0"/>
+            <c:showPercent val="0"/>
+            <c:showSerName val="0"/>
+            <c:showVal val="1"/>
+            <c:txPr>
+              <a:bodyPr/>
+              <a:lstStyle/>
+              <a:p>
+                <a:pPr>
+                  <a:defRPr cap="none" sz="800" i="0" b="0" u="none">
+                    <a:solidFill>
+                      <a:srgbClr val="000000">
+                        <a:alpha val="100000"/>
+                      </a:srgbClr>
+                    </a:solidFill>
+                    <a:latin typeface="Calibri"/>
+                    <a:cs typeface="Calibri"/>
+                    <a:ea typeface="Calibri"/>
+                    <a:sym typeface="Calibri"/>
+                  </a:defRPr>
+                </a:pPr>
+              </a:p>
+            </c:txPr>
+          </c:dLbls>
+          <c:cat>
+            <c:strRef>
+              <c:f>sheet1!$A$2:$A$4</c:f>
+              <c:strCache>
+                <c:ptCount val="3"/>
+                <c:pt idx="0">
+                  <c:v>Heeft psychische klachten</c:v>
+                </c:pt>
+                <c:pt idx="1">
+                  <c:v>Geeft geen mantelzorg</c:v>
+                </c:pt>
+                <c:pt idx="2">
+                  <c:v>Heeft een zeer goede gezondheid</c:v>
+                </c:pt>
+              </c:strCache>
+            </c:strRef>
+          </c:cat>
+          <c:val>
+            <c:numRef>
+              <c:f>sheet1!$D$2:$D$4</c:f>
+              <c:numCache>
+                <c:ptCount val="3"/>
+                <c:pt idx="0">
                   <c:v>0.2607700</c:v>
                 </c:pt>
-                <c:pt idx="3">
+                <c:pt idx="1">
+                  <c:v>0.8433078</c:v>
+                </c:pt>
+                <c:pt idx="2">
+                  <c:v>0.2981898</c:v>
+                </c:pt>
+              </c:numCache>
+            </c:numRef>
+          </c:val>
+        </c:ser>
+        <c:ser>
+          <c:idx val="3"/>
+          <c:order val="3"/>
+          <c:tx>
+            <c:strRef>
+              <c:f>sheet1!$E$1</c:f>
+              <c:strCache>
+                <c:ptCount val="1"/>
+                <c:pt idx="0">
+                  <c:v>Klas 4</c:v>
+                </c:pt>
+              </c:strCache>
+            </c:strRef>
+          </c:tx>
+          <c:spPr>
+            <a:solidFill>
+              <a:srgbClr val="FFB18E">
+                <a:alpha val="100000"/>
+              </a:srgbClr>
+            </a:solidFill>
+            <a:ln w="25400">
+              <a:solidFill>
+                <a:srgbClr val="FFFFFF">
+                  <a:alpha val="0"/>
+                </a:srgbClr>
+              </a:solidFill>
+            </a:ln>
+            <a:effectLst/>
+          </c:spPr>
+          <c:invertIfNegative val="0"/>
+          <c:dLbls>
+            <c:dLblPos val="outEnd"/>
+            <c:numFmt formatCode="0%" sourceLinked="0"/>
+            <c:separator val=", "/>
+            <c:showBubbleSize val="0"/>
+            <c:showCatName val="0"/>
+            <c:showLegendKey val="0"/>
+            <c:showPercent val="0"/>
+            <c:showSerName val="0"/>
+            <c:showVal val="1"/>
+            <c:txPr>
+              <a:bodyPr/>
+              <a:lstStyle/>
+              <a:p>
+                <a:pPr>
+                  <a:defRPr cap="none" sz="800" i="0" b="0" u="none">
+                    <a:solidFill>
+                      <a:srgbClr val="000000">
+                        <a:alpha val="100000"/>
+                      </a:srgbClr>
+                    </a:solidFill>
+                    <a:latin typeface="Calibri"/>
+                    <a:cs typeface="Calibri"/>
+                    <a:ea typeface="Calibri"/>
+                    <a:sym typeface="Calibri"/>
+                  </a:defRPr>
+                </a:pPr>
+              </a:p>
+            </c:txPr>
+          </c:dLbls>
+          <c:cat>
+            <c:strRef>
+              <c:f>sheet1!$A$2:$A$4</c:f>
+              <c:strCache>
+                <c:ptCount val="3"/>
+                <c:pt idx="0">
+                  <c:v>Heeft psychische klachten</c:v>
+                </c:pt>
+                <c:pt idx="1">
+                  <c:v>Geeft geen mantelzorg</c:v>
+                </c:pt>
+                <c:pt idx="2">
+                  <c:v>Heeft een zeer goede gezondheid</c:v>
+                </c:pt>
+              </c:strCache>
+            </c:strRef>
+          </c:cat>
+          <c:val>
+            <c:numRef>
+              <c:f>sheet1!$E$2:$E$4</c:f>
+              <c:numCache>
+                <c:ptCount val="3"/>
+                <c:pt idx="0">
                   <c:v>0.2945237</c:v>
+                </c:pt>
+                <c:pt idx="1">
+                  <c:v>0.8461971</c:v>
+                </c:pt>
+                <c:pt idx="2">
+                  <c:v>0.2963516</c:v>
                 </c:pt>
               </c:numCache>
             </c:numRef>
@@ -2561,7 +2727,7 @@
 </c:chartSpace>
 </file>
 
-<file path=ppt/charts/chart4c4c178212b4.xml><?xml version="1.0" encoding="utf-8"?>
+<file path=ppt/charts/chartc7022c922b5.xml><?xml version="1.0" encoding="utf-8"?>
 <c:chartSpace xmlns:c="http://schemas.openxmlformats.org/drawingml/2006/chart" xmlns:a="http://schemas.openxmlformats.org/drawingml/2006/main" xmlns:r="http://schemas.openxmlformats.org/officeDocument/2006/relationships">
   <c:date1904 val="0"/>
   <c:lang val="fr-FR"/>
@@ -2596,7 +2762,7 @@
                 <a:ea typeface="Calibri"/>
                 <a:sym typeface="Calibri"/>
               </a:rPr>
-              <a:t>Variant 16</a:t>
+              <a:t>Variant 17</a:t>
             </a:r>
           </a:p>
         </c:rich>
@@ -2620,7 +2786,7 @@
               <c:strCache>
                 <c:ptCount val="1"/>
                 <c:pt idx="0">
-                  <c:v>Jongen (Klas 2)</c:v>
+                  <c:v>Zandwijk</c:v>
                 </c:pt>
               </c:strCache>
             </c:strRef>
@@ -2673,34 +2839,40 @@
           </c:dLbls>
           <c:cat>
             <c:strRef>
-              <c:f>sheet1!$A$2:$A$4</c:f>
+              <c:f>sheet1!$A$2:$A$5</c:f>
               <c:strCache>
-                <c:ptCount val="3"/>
+                <c:ptCount val="4"/>
                 <c:pt idx="0">
-                  <c:v>Heeft psychische klachten</c:v>
+                  <c:v>Jongen</c:v>
                 </c:pt>
                 <c:pt idx="1">
-                  <c:v>Geeft geen mantelzorg</c:v>
+                  <c:v>Meisje</c:v>
                 </c:pt>
                 <c:pt idx="2">
-                  <c:v>Heeft een zeer goede gezondheid</c:v>
+                  <c:v>Klas 2</c:v>
+                </c:pt>
+                <c:pt idx="3">
+                  <c:v>Klas 4</c:v>
                 </c:pt>
               </c:strCache>
             </c:strRef>
           </c:cat>
           <c:val>
             <c:numRef>
-              <c:f>sheet1!$B$2:$B$4</c:f>
+              <c:f>sheet1!$B$2:$B$5</c:f>
               <c:numCache>
-                <c:ptCount val="3"/>
+                <c:ptCount val="4"/>
                 <c:pt idx="0">
-                  <c:v>0.2810564</c:v>
+                  <c:v>0.2833711</c:v>
                 </c:pt>
                 <c:pt idx="1">
-                  <c:v>0.8348222</c:v>
+                  <c:v>0.2587723</c:v>
                 </c:pt>
                 <c:pt idx="2">
-                  <c:v>0.2718184</c:v>
+                  <c:v>0.2607700</c:v>
+                </c:pt>
+                <c:pt idx="3">
+                  <c:v>0.2945237</c:v>
                 </c:pt>
               </c:numCache>
             </c:numRef>
@@ -2715,102 +2887,7 @@
               <c:strCache>
                 <c:ptCount val="1"/>
                 <c:pt idx="0">
-                  <c:v>Jongen (Klas 4)</c:v>
-                </c:pt>
-              </c:strCache>
-            </c:strRef>
-          </c:tx>
-          <c:spPr>
-            <a:solidFill>
-              <a:srgbClr val="6FC7FF">
-                <a:alpha val="100000"/>
-              </a:srgbClr>
-            </a:solidFill>
-            <a:ln w="25400">
-              <a:solidFill>
-                <a:srgbClr val="FFFFFF">
-                  <a:alpha val="0"/>
-                </a:srgbClr>
-              </a:solidFill>
-            </a:ln>
-            <a:effectLst/>
-          </c:spPr>
-          <c:invertIfNegative val="0"/>
-          <c:dLbls>
-            <c:dLblPos val="outEnd"/>
-            <c:numFmt formatCode="0%" sourceLinked="0"/>
-            <c:separator val=", "/>
-            <c:showBubbleSize val="0"/>
-            <c:showCatName val="0"/>
-            <c:showLegendKey val="0"/>
-            <c:showPercent val="0"/>
-            <c:showSerName val="0"/>
-            <c:showVal val="1"/>
-            <c:txPr>
-              <a:bodyPr/>
-              <a:lstStyle/>
-              <a:p>
-                <a:pPr>
-                  <a:defRPr cap="none" sz="800" i="0" b="0" u="none">
-                    <a:solidFill>
-                      <a:srgbClr val="000000">
-                        <a:alpha val="100000"/>
-                      </a:srgbClr>
-                    </a:solidFill>
-                    <a:latin typeface="Calibri"/>
-                    <a:cs typeface="Calibri"/>
-                    <a:ea typeface="Calibri"/>
-                    <a:sym typeface="Calibri"/>
-                  </a:defRPr>
-                </a:pPr>
-              </a:p>
-            </c:txPr>
-          </c:dLbls>
-          <c:cat>
-            <c:strRef>
-              <c:f>sheet1!$A$2:$A$4</c:f>
-              <c:strCache>
-                <c:ptCount val="3"/>
-                <c:pt idx="0">
-                  <c:v>Heeft psychische klachten</c:v>
-                </c:pt>
-                <c:pt idx="1">
-                  <c:v>Geeft geen mantelzorg</c:v>
-                </c:pt>
-                <c:pt idx="2">
-                  <c:v>Heeft een zeer goede gezondheid</c:v>
-                </c:pt>
-              </c:strCache>
-            </c:strRef>
-          </c:cat>
-          <c:val>
-            <c:numRef>
-              <c:f>sheet1!$C$2:$C$4</c:f>
-              <c:numCache>
-                <c:ptCount val="3"/>
-                <c:pt idx="0">
-                  <c:v>0.2994914</c:v>
-                </c:pt>
-                <c:pt idx="1">
-                  <c:v>0.8513757</c:v>
-                </c:pt>
-                <c:pt idx="2">
-                  <c:v>0.3782528</c:v>
-                </c:pt>
-              </c:numCache>
-            </c:numRef>
-          </c:val>
-        </c:ser>
-        <c:ser>
-          <c:idx val="2"/>
-          <c:order val="2"/>
-          <c:tx>
-            <c:strRef>
-              <c:f>sheet1!$D$1</c:f>
-              <c:strCache>
-                <c:ptCount val="1"/>
-                <c:pt idx="0">
-                  <c:v>Meisje (Klas 2)</c:v>
+                  <c:v>Nederland</c:v>
                 </c:pt>
               </c:strCache>
             </c:strRef>
@@ -2863,129 +2940,40 @@
           </c:dLbls>
           <c:cat>
             <c:strRef>
-              <c:f>sheet1!$A$2:$A$4</c:f>
+              <c:f>sheet1!$A$2:$A$5</c:f>
               <c:strCache>
-                <c:ptCount val="3"/>
+                <c:ptCount val="4"/>
                 <c:pt idx="0">
-                  <c:v>Heeft psychische klachten</c:v>
+                  <c:v>Jongen</c:v>
                 </c:pt>
                 <c:pt idx="1">
-                  <c:v>Geeft geen mantelzorg</c:v>
+                  <c:v>Meisje</c:v>
                 </c:pt>
                 <c:pt idx="2">
-                  <c:v>Heeft een zeer goede gezondheid</c:v>
+                  <c:v>Klas 2</c:v>
+                </c:pt>
+                <c:pt idx="3">
+                  <c:v>Klas 4</c:v>
                 </c:pt>
               </c:strCache>
             </c:strRef>
           </c:cat>
           <c:val>
             <c:numRef>
-              <c:f>sheet1!$D$2:$D$4</c:f>
+              <c:f>sheet1!$C$2:$C$5</c:f>
               <c:numCache>
-                <c:ptCount val="3"/>
+                <c:ptCount val="4"/>
                 <c:pt idx="0">
-                  <c:v>0.2484313</c:v>
+                  <c:v>0.2810797</c:v>
                 </c:pt>
                 <c:pt idx="1">
-                  <c:v>0.8430085</c:v>
+                  <c:v>0.2733080</c:v>
                 </c:pt>
                 <c:pt idx="2">
-                  <c:v>0.3214396</c:v>
-                </c:pt>
-              </c:numCache>
-            </c:numRef>
-          </c:val>
-        </c:ser>
-        <c:ser>
-          <c:idx val="3"/>
-          <c:order val="3"/>
-          <c:tx>
-            <c:strRef>
-              <c:f>sheet1!$E$1</c:f>
-              <c:strCache>
-                <c:ptCount val="1"/>
-                <c:pt idx="0">
-                  <c:v>Meisje (Klas 4)</c:v>
-                </c:pt>
-              </c:strCache>
-            </c:strRef>
-          </c:tx>
-          <c:spPr>
-            <a:solidFill>
-              <a:srgbClr val="FFB18E">
-                <a:alpha val="100000"/>
-              </a:srgbClr>
-            </a:solidFill>
-            <a:ln w="25400">
-              <a:solidFill>
-                <a:srgbClr val="FFFFFF">
-                  <a:alpha val="0"/>
-                </a:srgbClr>
-              </a:solidFill>
-            </a:ln>
-            <a:effectLst/>
-          </c:spPr>
-          <c:invertIfNegative val="0"/>
-          <c:dLbls>
-            <c:dLblPos val="outEnd"/>
-            <c:numFmt formatCode="0%" sourceLinked="0"/>
-            <c:separator val=", "/>
-            <c:showBubbleSize val="0"/>
-            <c:showCatName val="0"/>
-            <c:showLegendKey val="0"/>
-            <c:showPercent val="0"/>
-            <c:showSerName val="0"/>
-            <c:showVal val="1"/>
-            <c:txPr>
-              <a:bodyPr/>
-              <a:lstStyle/>
-              <a:p>
-                <a:pPr>
-                  <a:defRPr cap="none" sz="800" i="0" b="0" u="none">
-                    <a:solidFill>
-                      <a:srgbClr val="000000">
-                        <a:alpha val="100000"/>
-                      </a:srgbClr>
-                    </a:solidFill>
-                    <a:latin typeface="Calibri"/>
-                    <a:cs typeface="Calibri"/>
-                    <a:ea typeface="Calibri"/>
-                    <a:sym typeface="Calibri"/>
-                  </a:defRPr>
-                </a:pPr>
-              </a:p>
-            </c:txPr>
-          </c:dLbls>
-          <c:cat>
-            <c:strRef>
-              <c:f>sheet1!$A$2:$A$4</c:f>
-              <c:strCache>
-                <c:ptCount val="3"/>
-                <c:pt idx="0">
-                  <c:v>Heeft psychische klachten</c:v>
-                </c:pt>
-                <c:pt idx="1">
-                  <c:v>Geeft geen mantelzorg</c:v>
-                </c:pt>
-                <c:pt idx="2">
-                  <c:v>Heeft een zeer goede gezondheid</c:v>
-                </c:pt>
-              </c:strCache>
-            </c:strRef>
-          </c:cat>
-          <c:val>
-            <c:numRef>
-              <c:f>sheet1!$E$2:$E$4</c:f>
-              <c:numCache>
-                <c:ptCount val="3"/>
-                <c:pt idx="0">
-                  <c:v>0.2907135</c:v>
-                </c:pt>
-                <c:pt idx="1">
-                  <c:v>0.8602841</c:v>
-                </c:pt>
-                <c:pt idx="2">
-                  <c:v>0.2203051</c:v>
+                  <c:v>0.2818699</c:v>
+                </c:pt>
+                <c:pt idx="3">
+                  <c:v>0.2738343</c:v>
                 </c:pt>
               </c:numCache>
             </c:numRef>
@@ -3140,7 +3128,2914 @@
 </c:chartSpace>
 </file>
 
-<file path=ppt/charts/chart4c4c19fb111f.xml><?xml version="1.0" encoding="utf-8"?>
+<file path=ppt/charts/chartc7025422120.xml><?xml version="1.0" encoding="utf-8"?>
+<c:chartSpace xmlns:c="http://schemas.openxmlformats.org/drawingml/2006/chart" xmlns:a="http://schemas.openxmlformats.org/drawingml/2006/main" xmlns:r="http://schemas.openxmlformats.org/officeDocument/2006/relationships">
+  <c:date1904 val="0"/>
+  <c:lang val="fr-FR"/>
+  <c:roundedCorners val="0"/>
+  <mc:AlternateContent xmlns:mc="http://schemas.openxmlformats.org/markup-compatibility/2006">
+    <mc:Choice xmlns:c14="http://schemas.microsoft.com/office/drawing/2007/8/2/chart" Requires="c14">
+      <c14:style val="118"/>
+    </mc:Choice>
+    <mc:Fallback>
+      <c:style val="18"/>
+    </mc:Fallback>
+  </mc:AlternateContent>
+  <c:chart>
+    <c:title xmlns:c="http://schemas.openxmlformats.org/drawingml/2006/chart" xmlns:a="http://schemas.openxmlformats.org/drawingml/2006/main" xmlns:r="http://schemas.openxmlformats.org/officeDocument/2006/relationships">
+      <c:tx>
+        <c:rich>
+          <a:bodyPr/>
+          <a:lstStyle/>
+          <a:p>
+            <a:pPr>
+              <a:defRPr/>
+            </a:pPr>
+            <a:r>
+              <a:rPr cap="none" sz="900" i="0" b="1" u="none">
+                <a:solidFill>
+                  <a:srgbClr val="000000">
+                    <a:alpha val="100000"/>
+                  </a:srgbClr>
+                </a:solidFill>
+                <a:latin typeface="Calibri"/>
+                <a:cs typeface="Calibri"/>
+                <a:ea typeface="Calibri"/>
+                <a:sym typeface="Calibri"/>
+              </a:rPr>
+              <a:t>Staafgrafiek Variant 17 liggend</a:t>
+            </a:r>
+          </a:p>
+        </c:rich>
+      </c:tx>
+      <c:layout/>
+      <c:overlay val="0"/>
+    </c:title>
+    <c:autoTitleDeleted val="0"/>
+    <c:plotArea xmlns:c="http://schemas.openxmlformats.org/drawingml/2006/chart" xmlns:a="http://schemas.openxmlformats.org/drawingml/2006/main" xmlns:r="http://schemas.openxmlformats.org/officeDocument/2006/relationships">
+      <c:layout/>
+      <c:barChart>
+        <c:barDir val="bar"/>
+        <c:grouping val="clustered"/>
+        <c:varyColors val="0"/>
+        <c:ser>
+          <c:idx val="0"/>
+          <c:order val="0"/>
+          <c:tx>
+            <c:strRef>
+              <c:f>sheet1!$B$1</c:f>
+              <c:strCache>
+                <c:ptCount val="1"/>
+                <c:pt idx="0">
+                  <c:v>Nederland</c:v>
+                </c:pt>
+              </c:strCache>
+            </c:strRef>
+          </c:tx>
+          <c:spPr>
+            <a:solidFill>
+              <a:srgbClr val="E54800">
+                <a:alpha val="100000"/>
+              </a:srgbClr>
+            </a:solidFill>
+            <a:ln w="25400">
+              <a:solidFill>
+                <a:srgbClr val="FFFFFF">
+                  <a:alpha val="0"/>
+                </a:srgbClr>
+              </a:solidFill>
+            </a:ln>
+            <a:effectLst/>
+          </c:spPr>
+          <c:invertIfNegative val="0"/>
+          <c:dLbls>
+            <c:dLblPos val="outEnd"/>
+            <c:numFmt formatCode="0%" sourceLinked="0"/>
+            <c:separator val=", "/>
+            <c:showBubbleSize val="0"/>
+            <c:showCatName val="0"/>
+            <c:showLegendKey val="0"/>
+            <c:showPercent val="0"/>
+            <c:showSerName val="0"/>
+            <c:showVal val="1"/>
+            <c:txPr>
+              <a:bodyPr/>
+              <a:lstStyle/>
+              <a:p>
+                <a:pPr>
+                  <a:defRPr cap="none" sz="800" i="0" b="0" u="none">
+                    <a:solidFill>
+                      <a:srgbClr val="000000">
+                        <a:alpha val="100000"/>
+                      </a:srgbClr>
+                    </a:solidFill>
+                    <a:latin typeface="Calibri"/>
+                    <a:cs typeface="Calibri"/>
+                    <a:ea typeface="Calibri"/>
+                    <a:sym typeface="Calibri"/>
+                  </a:defRPr>
+                </a:pPr>
+              </a:p>
+            </c:txPr>
+          </c:dLbls>
+          <c:cat>
+            <c:strRef>
+              <c:f>sheet1!$A$2:$A$5</c:f>
+              <c:strCache>
+                <c:ptCount val="4"/>
+                <c:pt idx="0">
+                  <c:v>Klas 4</c:v>
+                </c:pt>
+                <c:pt idx="1">
+                  <c:v>Klas 2</c:v>
+                </c:pt>
+                <c:pt idx="2">
+                  <c:v>Meisje</c:v>
+                </c:pt>
+                <c:pt idx="3">
+                  <c:v>Jongen</c:v>
+                </c:pt>
+              </c:strCache>
+            </c:strRef>
+          </c:cat>
+          <c:val>
+            <c:numRef>
+              <c:f>sheet1!$B$2:$B$5</c:f>
+              <c:numCache>
+                <c:ptCount val="4"/>
+                <c:pt idx="0">
+                  <c:v>0.2738343</c:v>
+                </c:pt>
+                <c:pt idx="1">
+                  <c:v>0.2818699</c:v>
+                </c:pt>
+                <c:pt idx="2">
+                  <c:v>0.2733080</c:v>
+                </c:pt>
+                <c:pt idx="3">
+                  <c:v>0.2810797</c:v>
+                </c:pt>
+              </c:numCache>
+            </c:numRef>
+          </c:val>
+        </c:ser>
+        <c:ser>
+          <c:idx val="1"/>
+          <c:order val="1"/>
+          <c:tx>
+            <c:strRef>
+              <c:f>sheet1!$C$1</c:f>
+              <c:strCache>
+                <c:ptCount val="1"/>
+                <c:pt idx="0">
+                  <c:v>Zandwijk</c:v>
+                </c:pt>
+              </c:strCache>
+            </c:strRef>
+          </c:tx>
+          <c:spPr>
+            <a:solidFill>
+              <a:srgbClr val="005C96">
+                <a:alpha val="100000"/>
+              </a:srgbClr>
+            </a:solidFill>
+            <a:ln w="25400">
+              <a:solidFill>
+                <a:srgbClr val="FFFFFF">
+                  <a:alpha val="0"/>
+                </a:srgbClr>
+              </a:solidFill>
+            </a:ln>
+            <a:effectLst/>
+          </c:spPr>
+          <c:invertIfNegative val="0"/>
+          <c:dLbls>
+            <c:dLblPos val="outEnd"/>
+            <c:numFmt formatCode="0%" sourceLinked="0"/>
+            <c:separator val=", "/>
+            <c:showBubbleSize val="0"/>
+            <c:showCatName val="0"/>
+            <c:showLegendKey val="0"/>
+            <c:showPercent val="0"/>
+            <c:showSerName val="0"/>
+            <c:showVal val="1"/>
+            <c:txPr>
+              <a:bodyPr/>
+              <a:lstStyle/>
+              <a:p>
+                <a:pPr>
+                  <a:defRPr cap="none" sz="800" i="0" b="0" u="none">
+                    <a:solidFill>
+                      <a:srgbClr val="000000">
+                        <a:alpha val="100000"/>
+                      </a:srgbClr>
+                    </a:solidFill>
+                    <a:latin typeface="Calibri"/>
+                    <a:cs typeface="Calibri"/>
+                    <a:ea typeface="Calibri"/>
+                    <a:sym typeface="Calibri"/>
+                  </a:defRPr>
+                </a:pPr>
+              </a:p>
+            </c:txPr>
+          </c:dLbls>
+          <c:cat>
+            <c:strRef>
+              <c:f>sheet1!$A$2:$A$5</c:f>
+              <c:strCache>
+                <c:ptCount val="4"/>
+                <c:pt idx="0">
+                  <c:v>Klas 4</c:v>
+                </c:pt>
+                <c:pt idx="1">
+                  <c:v>Klas 2</c:v>
+                </c:pt>
+                <c:pt idx="2">
+                  <c:v>Meisje</c:v>
+                </c:pt>
+                <c:pt idx="3">
+                  <c:v>Jongen</c:v>
+                </c:pt>
+              </c:strCache>
+            </c:strRef>
+          </c:cat>
+          <c:val>
+            <c:numRef>
+              <c:f>sheet1!$C$2:$C$5</c:f>
+              <c:numCache>
+                <c:ptCount val="4"/>
+                <c:pt idx="0">
+                  <c:v>0.2945237</c:v>
+                </c:pt>
+                <c:pt idx="1">
+                  <c:v>0.2607700</c:v>
+                </c:pt>
+                <c:pt idx="2">
+                  <c:v>0.2587723</c:v>
+                </c:pt>
+                <c:pt idx="3">
+                  <c:v>0.2833711</c:v>
+                </c:pt>
+              </c:numCache>
+            </c:numRef>
+          </c:val>
+        </c:ser>
+        <c:dLbls>
+          <c:dLblPos val="outEnd"/>
+          <c:numFmt formatCode="0%" sourceLinked="0"/>
+          <c:separator val=", "/>
+          <c:showBubbleSize val="0"/>
+          <c:showCatName val="0"/>
+          <c:showLegendKey val="0"/>
+          <c:showPercent val="0"/>
+          <c:showSerName val="0"/>
+          <c:showVal val="1"/>
+        </c:dLbls>
+        <c:gapWidth val="30"/>
+        <c:overlap val="-30"/>
+        <c:axId val="64451712"/>
+        <c:axId val="64453248"/>
+      </c:barChart>
+      <c:catAx>
+        <c:axId val="64451712"/>
+        <c:scaling>
+          <c:orientation val="minMax"/>
+        </c:scaling>
+        <c:delete val="0"/>
+        <c:axPos val="l"/>
+        <c:majorTickMark val="none"/>
+        <c:minorTickMark val="none"/>
+        <c:tickLblPos val="nextTo"/>
+        <c:txPr>
+          <a:bodyPr rot="0" vert="horz"/>
+          <a:lstStyle/>
+          <a:p>
+            <a:pPr>
+              <a:defRPr cap="none" sz="800" i="0" b="0" u="none">
+                <a:solidFill>
+                  <a:srgbClr val="000000">
+                    <a:alpha val="100000"/>
+                  </a:srgbClr>
+                </a:solidFill>
+                <a:latin typeface="Calibri"/>
+                <a:cs typeface="Calibri"/>
+                <a:ea typeface="Calibri"/>
+                <a:sym typeface="Calibri"/>
+              </a:defRPr>
+            </a:pPr>
+          </a:p>
+        </c:txPr>
+        <c:spPr>
+          <a:ln algn="ctr" w="12700">
+            <a:solidFill>
+              <a:srgbClr val="000000">
+                <a:alpha val="100000"/>
+              </a:srgbClr>
+            </a:solidFill>
+            <a:prstDash val="solid"/>
+          </a:ln>
+        </c:spPr>
+        <c:numFmt formatCode="General" sourceLinked="0"/>
+        <c:crossAx val="64453248"/>
+        <c:crosses val="autoZero"/>
+      </c:catAx>
+      <c:valAx>
+        <c:axId val="64453248"/>
+        <c:scaling>
+          <c:orientation val="minMax"/>
+          <c:max val="1.00"/>
+          <c:min val="0.00"/>
+        </c:scaling>
+        <c:delete val="0"/>
+        <c:axPos val="l"/>
+        <c:majorTickMark val="none"/>
+        <c:minorTickMark val="none"/>
+        <c:tickLblPos val="nextTo"/>
+        <c:txPr>
+          <a:bodyPr rot="0" vert="horz"/>
+          <a:lstStyle/>
+          <a:p>
+            <a:pPr>
+              <a:defRPr cap="none" sz="900" i="0" b="0" u="none">
+                <a:solidFill>
+                  <a:srgbClr val="000000">
+                    <a:alpha val="100000"/>
+                  </a:srgbClr>
+                </a:solidFill>
+                <a:latin typeface="Calibri"/>
+                <a:cs typeface="Calibri"/>
+                <a:ea typeface="Calibri"/>
+                <a:sym typeface="Calibri"/>
+              </a:defRPr>
+            </a:pPr>
+          </a:p>
+        </c:txPr>
+        <c:spPr>
+          <a:ln algn="ctr" w="12700">
+            <a:solidFill>
+              <a:srgbClr val="000000">
+                <a:alpha val="100000"/>
+              </a:srgbClr>
+            </a:solidFill>
+            <a:prstDash val="solid"/>
+          </a:ln>
+        </c:spPr>
+        <c:numFmt formatCode="0%" sourceLinked="0"/>
+        <c:crossAx val="64451712"/>
+        <c:crosses val="autoZero"/>
+      </c:valAx>
+    </c:plotArea>
+    <c:legend>
+      <c:legendPos val="b"/>
+      <c:layout/>
+      <c:overlay val="0"/>
+      <c:txPr xmlns:c="http://schemas.openxmlformats.org/drawingml/2006/chart" xmlns:a="http://schemas.openxmlformats.org/drawingml/2006/main">
+        <a:bodyPr/>
+        <a:lstStyle/>
+        <a:p>
+          <a:pPr>
+            <a:defRPr cap="none" sz="900" i="0" b="0" u="none">
+              <a:solidFill>
+                <a:srgbClr val="000000">
+                  <a:alpha val="100000"/>
+                </a:srgbClr>
+              </a:solidFill>
+              <a:latin typeface="Calibri"/>
+              <a:cs typeface="Calibri"/>
+              <a:ea typeface="Calibri"/>
+              <a:sym typeface="Calibri"/>
+            </a:defRPr>
+          </a:pPr>
+        </a:p>
+      </c:txPr>
+    </c:legend>
+    <c:plotVisOnly val="1"/>
+    <c:dispBlanksAs val="gap"/>
+    <c:showDLblsOverMax val="0"/>
+  </c:chart>
+  <c:txPr>
+    <a:bodyPr/>
+    <a:lstStyle/>
+    <a:p>
+      <a:pPr>
+        <a:defRPr sz="1800"/>
+      </a:pPr>
+      <a:endParaRPr lang="fr-FR"/>
+    </a:p>
+  </c:txPr>
+  <c:externalData r:id="rId1">
+    <c:autoUpdate val="0"/>
+  </c:externalData>
+</c:chartSpace>
+</file>
+
+<file path=ppt/charts/chartc702dfa4abe.xml><?xml version="1.0" encoding="utf-8"?>
+<c:chartSpace xmlns:c="http://schemas.openxmlformats.org/drawingml/2006/chart" xmlns:a="http://schemas.openxmlformats.org/drawingml/2006/main" xmlns:r="http://schemas.openxmlformats.org/officeDocument/2006/relationships">
+  <c:date1904 val="0"/>
+  <c:lang val="fr-FR"/>
+  <c:roundedCorners val="0"/>
+  <mc:AlternateContent xmlns:mc="http://schemas.openxmlformats.org/markup-compatibility/2006">
+    <mc:Choice xmlns:c14="http://schemas.microsoft.com/office/drawing/2007/8/2/chart" Requires="c14">
+      <c14:style val="118"/>
+    </mc:Choice>
+    <mc:Fallback>
+      <c:style val="18"/>
+    </mc:Fallback>
+  </mc:AlternateContent>
+  <c:chart>
+    <c:title xmlns:c="http://schemas.openxmlformats.org/drawingml/2006/chart" xmlns:a="http://schemas.openxmlformats.org/drawingml/2006/main" xmlns:r="http://schemas.openxmlformats.org/officeDocument/2006/relationships">
+      <c:tx>
+        <c:rich>
+          <a:bodyPr/>
+          <a:lstStyle/>
+          <a:p>
+            <a:pPr>
+              <a:defRPr/>
+            </a:pPr>
+            <a:r>
+              <a:rPr cap="none" sz="900" i="0" b="1" u="none">
+                <a:solidFill>
+                  <a:srgbClr val="000000">
+                    <a:alpha val="100000"/>
+                  </a:srgbClr>
+                </a:solidFill>
+                <a:latin typeface="Calibri"/>
+                <a:cs typeface="Calibri"/>
+                <a:ea typeface="Calibri"/>
+                <a:sym typeface="Calibri"/>
+              </a:rPr>
+              <a:t>Top 3 bronnen van stress</a:t>
+            </a:r>
+          </a:p>
+        </c:rich>
+      </c:tx>
+      <c:layout/>
+      <c:overlay val="0"/>
+    </c:title>
+    <c:autoTitleDeleted val="0"/>
+    <c:plotArea xmlns:c="http://schemas.openxmlformats.org/drawingml/2006/chart" xmlns:a="http://schemas.openxmlformats.org/drawingml/2006/main" xmlns:r="http://schemas.openxmlformats.org/officeDocument/2006/relationships">
+      <c:layout/>
+      <c:barChart>
+        <c:barDir val="col"/>
+        <c:grouping val="clustered"/>
+        <c:varyColors val="0"/>
+        <c:ser>
+          <c:idx val="0"/>
+          <c:order val="0"/>
+          <c:tx>
+            <c:strRef>
+              <c:f>sheet1!$B$1</c:f>
+              <c:strCache>
+                <c:ptCount val="1"/>
+                <c:pt idx="0">
+                  <c:v>Zandwijk</c:v>
+                </c:pt>
+              </c:strCache>
+            </c:strRef>
+          </c:tx>
+          <c:spPr>
+            <a:solidFill>
+              <a:srgbClr val="005C96">
+                <a:alpha val="100000"/>
+              </a:srgbClr>
+            </a:solidFill>
+            <a:ln w="25400">
+              <a:solidFill>
+                <a:srgbClr val="FFFFFF">
+                  <a:alpha val="0"/>
+                </a:srgbClr>
+              </a:solidFill>
+            </a:ln>
+            <a:effectLst/>
+          </c:spPr>
+          <c:invertIfNegative val="0"/>
+          <c:dLbls>
+            <c:dLblPos val="outEnd"/>
+            <c:numFmt formatCode="0%" sourceLinked="0"/>
+            <c:separator val=", "/>
+            <c:showBubbleSize val="0"/>
+            <c:showCatName val="0"/>
+            <c:showLegendKey val="0"/>
+            <c:showPercent val="0"/>
+            <c:showSerName val="0"/>
+            <c:showVal val="1"/>
+            <c:txPr>
+              <a:bodyPr/>
+              <a:lstStyle/>
+              <a:p>
+                <a:pPr>
+                  <a:defRPr cap="none" sz="800" i="0" b="0" u="none">
+                    <a:solidFill>
+                      <a:srgbClr val="000000">
+                        <a:alpha val="100000"/>
+                      </a:srgbClr>
+                    </a:solidFill>
+                    <a:latin typeface="Calibri"/>
+                    <a:cs typeface="Calibri"/>
+                    <a:ea typeface="Calibri"/>
+                    <a:sym typeface="Calibri"/>
+                  </a:defRPr>
+                </a:pPr>
+              </a:p>
+            </c:txPr>
+          </c:dLbls>
+          <c:cat>
+            <c:strRef>
+              <c:f>sheet1!$A$2:$A$4</c:f>
+              <c:strCache>
+                <c:ptCount val="3"/>
+                <c:pt idx="0">
+                  <c:v>Werk</c:v>
+                </c:pt>
+                <c:pt idx="1">
+                  <c:v>Thuissituatie</c:v>
+                </c:pt>
+                <c:pt idx="2">
+                  <c:v>Huiswerk</c:v>
+                </c:pt>
+              </c:strCache>
+            </c:strRef>
+          </c:cat>
+          <c:val>
+            <c:numRef>
+              <c:f>sheet1!$B$2:$B$4</c:f>
+              <c:numCache>
+                <c:ptCount val="3"/>
+                <c:pt idx="0">
+                  <c:v>0.9038882</c:v>
+                </c:pt>
+                <c:pt idx="1">
+                  <c:v>0.6779799</c:v>
+                </c:pt>
+                <c:pt idx="2">
+                  <c:v>0.6171864</c:v>
+                </c:pt>
+              </c:numCache>
+            </c:numRef>
+          </c:val>
+        </c:ser>
+        <c:dLbls>
+          <c:dLblPos val="outEnd"/>
+          <c:numFmt formatCode="0%" sourceLinked="0"/>
+          <c:separator val=", "/>
+          <c:showBubbleSize val="0"/>
+          <c:showCatName val="0"/>
+          <c:showLegendKey val="0"/>
+          <c:showPercent val="0"/>
+          <c:showSerName val="0"/>
+          <c:showVal val="1"/>
+        </c:dLbls>
+        <c:gapWidth val="150"/>
+        <c:overlap val="0"/>
+        <c:axId val="64451712"/>
+        <c:axId val="64453248"/>
+      </c:barChart>
+      <c:catAx>
+        <c:axId val="64451712"/>
+        <c:scaling>
+          <c:orientation val="minMax"/>
+        </c:scaling>
+        <c:delete val="0"/>
+        <c:axPos val="l"/>
+        <c:majorTickMark val="none"/>
+        <c:minorTickMark val="none"/>
+        <c:tickLblPos val="nextTo"/>
+        <c:txPr>
+          <a:bodyPr rot="0" vert="horz"/>
+          <a:lstStyle/>
+          <a:p>
+            <a:pPr>
+              <a:defRPr cap="none" sz="800" i="0" b="0" u="none">
+                <a:solidFill>
+                  <a:srgbClr val="000000">
+                    <a:alpha val="100000"/>
+                  </a:srgbClr>
+                </a:solidFill>
+                <a:latin typeface="Calibri"/>
+                <a:cs typeface="Calibri"/>
+                <a:ea typeface="Calibri"/>
+                <a:sym typeface="Calibri"/>
+              </a:defRPr>
+            </a:pPr>
+          </a:p>
+        </c:txPr>
+        <c:spPr>
+          <a:ln algn="ctr" w="12700">
+            <a:solidFill>
+              <a:srgbClr val="000000">
+                <a:alpha val="100000"/>
+              </a:srgbClr>
+            </a:solidFill>
+            <a:prstDash val="solid"/>
+          </a:ln>
+        </c:spPr>
+        <c:numFmt formatCode="General" sourceLinked="0"/>
+        <c:crossAx val="64453248"/>
+        <c:crosses val="autoZero"/>
+      </c:catAx>
+      <c:valAx>
+        <c:axId val="64453248"/>
+        <c:scaling>
+          <c:orientation val="minMax"/>
+          <c:max val="1.00"/>
+          <c:min val="0.00"/>
+        </c:scaling>
+        <c:delete val="0"/>
+        <c:axPos val="l"/>
+        <c:majorTickMark val="none"/>
+        <c:minorTickMark val="none"/>
+        <c:tickLblPos val="nextTo"/>
+        <c:txPr>
+          <a:bodyPr rot="0" vert="horz"/>
+          <a:lstStyle/>
+          <a:p>
+            <a:pPr>
+              <a:defRPr cap="none" sz="900" i="0" b="0" u="none">
+                <a:solidFill>
+                  <a:srgbClr val="000000">
+                    <a:alpha val="100000"/>
+                  </a:srgbClr>
+                </a:solidFill>
+                <a:latin typeface="Calibri"/>
+                <a:cs typeface="Calibri"/>
+                <a:ea typeface="Calibri"/>
+                <a:sym typeface="Calibri"/>
+              </a:defRPr>
+            </a:pPr>
+          </a:p>
+        </c:txPr>
+        <c:spPr>
+          <a:ln algn="ctr" w="12700">
+            <a:solidFill>
+              <a:srgbClr val="000000">
+                <a:alpha val="100000"/>
+              </a:srgbClr>
+            </a:solidFill>
+            <a:prstDash val="solid"/>
+          </a:ln>
+        </c:spPr>
+        <c:numFmt formatCode="0%" sourceLinked="0"/>
+        <c:crossAx val="64451712"/>
+        <c:crosses val="autoZero"/>
+      </c:valAx>
+    </c:plotArea>
+    <c:legend>
+      <c:legendPos val="b"/>
+      <c:layout/>
+      <c:overlay val="0"/>
+      <c:txPr xmlns:c="http://schemas.openxmlformats.org/drawingml/2006/chart" xmlns:a="http://schemas.openxmlformats.org/drawingml/2006/main">
+        <a:bodyPr/>
+        <a:lstStyle/>
+        <a:p>
+          <a:pPr>
+            <a:defRPr cap="none" sz="900" i="0" b="0" u="none">
+              <a:solidFill>
+                <a:srgbClr val="000000">
+                  <a:alpha val="100000"/>
+                </a:srgbClr>
+              </a:solidFill>
+              <a:latin typeface="Calibri"/>
+              <a:cs typeface="Calibri"/>
+              <a:ea typeface="Calibri"/>
+              <a:sym typeface="Calibri"/>
+            </a:defRPr>
+          </a:pPr>
+        </a:p>
+      </c:txPr>
+    </c:legend>
+    <c:plotVisOnly val="1"/>
+    <c:dispBlanksAs val="gap"/>
+    <c:showDLblsOverMax val="0"/>
+  </c:chart>
+  <c:txPr>
+    <a:bodyPr/>
+    <a:lstStyle/>
+    <a:p>
+      <a:pPr>
+        <a:defRPr sz="1800"/>
+      </a:pPr>
+      <a:endParaRPr lang="fr-FR"/>
+    </a:p>
+  </c:txPr>
+  <c:externalData r:id="rId1">
+    <c:autoUpdate val="0"/>
+  </c:externalData>
+</c:chartSpace>
+</file>
+
+<file path=ppt/charts/chartc70367250.xml><?xml version="1.0" encoding="utf-8"?>
+<c:chartSpace xmlns:c="http://schemas.openxmlformats.org/drawingml/2006/chart" xmlns:a="http://schemas.openxmlformats.org/drawingml/2006/main" xmlns:r="http://schemas.openxmlformats.org/officeDocument/2006/relationships">
+  <c:date1904 val="0"/>
+  <c:lang val="fr-FR"/>
+  <c:roundedCorners val="0"/>
+  <mc:AlternateContent xmlns:mc="http://schemas.openxmlformats.org/markup-compatibility/2006">
+    <mc:Choice xmlns:c14="http://schemas.microsoft.com/office/drawing/2007/8/2/chart" Requires="c14">
+      <c14:style val="118"/>
+    </mc:Choice>
+    <mc:Fallback>
+      <c:style val="18"/>
+    </mc:Fallback>
+  </mc:AlternateContent>
+  <c:chart>
+    <c:title xmlns:c="http://schemas.openxmlformats.org/drawingml/2006/chart" xmlns:a="http://schemas.openxmlformats.org/drawingml/2006/main" xmlns:r="http://schemas.openxmlformats.org/officeDocument/2006/relationships">
+      <c:tx>
+        <c:rich>
+          <a:bodyPr/>
+          <a:lstStyle/>
+          <a:p>
+            <a:pPr>
+              <a:defRPr/>
+            </a:pPr>
+            <a:r>
+              <a:rPr cap="none" sz="900" i="0" b="1" u="none">
+                <a:solidFill>
+                  <a:srgbClr val="000000">
+                    <a:alpha val="100000"/>
+                  </a:srgbClr>
+                </a:solidFill>
+                <a:latin typeface="Calibri"/>
+                <a:cs typeface="Calibri"/>
+                <a:ea typeface="Calibri"/>
+                <a:sym typeface="Calibri"/>
+              </a:rPr>
+              <a:t>Variant 18</a:t>
+            </a:r>
+          </a:p>
+        </c:rich>
+      </c:tx>
+      <c:layout/>
+      <c:overlay val="0"/>
+    </c:title>
+    <c:autoTitleDeleted val="0"/>
+    <c:plotArea xmlns:c="http://schemas.openxmlformats.org/drawingml/2006/chart" xmlns:a="http://schemas.openxmlformats.org/drawingml/2006/main" xmlns:r="http://schemas.openxmlformats.org/officeDocument/2006/relationships">
+      <c:layout/>
+      <c:barChart>
+        <c:barDir val="col"/>
+        <c:grouping val="clustered"/>
+        <c:varyColors val="0"/>
+        <c:ser>
+          <c:idx val="0"/>
+          <c:order val="0"/>
+          <c:tx>
+            <c:strRef>
+              <c:f>sheet1!$B$1</c:f>
+              <c:strCache>
+                <c:ptCount val="1"/>
+                <c:pt idx="0">
+                  <c:v>Jongen</c:v>
+                </c:pt>
+              </c:strCache>
+            </c:strRef>
+          </c:tx>
+          <c:spPr>
+            <a:solidFill>
+              <a:srgbClr val="005C96">
+                <a:alpha val="100000"/>
+              </a:srgbClr>
+            </a:solidFill>
+            <a:ln w="25400">
+              <a:solidFill>
+                <a:srgbClr val="FFFFFF">
+                  <a:alpha val="0"/>
+                </a:srgbClr>
+              </a:solidFill>
+            </a:ln>
+            <a:effectLst/>
+          </c:spPr>
+          <c:invertIfNegative val="0"/>
+          <c:dLbls>
+            <c:dLblPos val="outEnd"/>
+            <c:numFmt formatCode="0%" sourceLinked="0"/>
+            <c:separator val=", "/>
+            <c:showBubbleSize val="0"/>
+            <c:showCatName val="0"/>
+            <c:showLegendKey val="0"/>
+            <c:showPercent val="0"/>
+            <c:showSerName val="0"/>
+            <c:showVal val="1"/>
+            <c:txPr>
+              <a:bodyPr/>
+              <a:lstStyle/>
+              <a:p>
+                <a:pPr>
+                  <a:defRPr cap="none" sz="800" i="0" b="0" u="none">
+                    <a:solidFill>
+                      <a:srgbClr val="000000">
+                        <a:alpha val="100000"/>
+                      </a:srgbClr>
+                    </a:solidFill>
+                    <a:latin typeface="Calibri"/>
+                    <a:cs typeface="Calibri"/>
+                    <a:ea typeface="Calibri"/>
+                    <a:sym typeface="Calibri"/>
+                  </a:defRPr>
+                </a:pPr>
+              </a:p>
+            </c:txPr>
+          </c:dLbls>
+          <c:cat>
+            <c:strRef>
+              <c:f>sheet1!$A$2:$A$3</c:f>
+              <c:strCache>
+                <c:ptCount val="2"/>
+                <c:pt idx="0">
+                  <c:v>Zandwijk</c:v>
+                </c:pt>
+                <c:pt idx="1">
+                  <c:v>Nederland</c:v>
+                </c:pt>
+              </c:strCache>
+            </c:strRef>
+          </c:cat>
+          <c:val>
+            <c:numRef>
+              <c:f>sheet1!$B$2:$B$3</c:f>
+              <c:numCache>
+                <c:ptCount val="2"/>
+                <c:pt idx="0">
+                  <c:v>0.2833711</c:v>
+                </c:pt>
+                <c:pt idx="1">
+                  <c:v>0.2810797</c:v>
+                </c:pt>
+              </c:numCache>
+            </c:numRef>
+          </c:val>
+        </c:ser>
+        <c:ser>
+          <c:idx val="1"/>
+          <c:order val="1"/>
+          <c:tx>
+            <c:strRef>
+              <c:f>sheet1!$C$1</c:f>
+              <c:strCache>
+                <c:ptCount val="1"/>
+                <c:pt idx="0">
+                  <c:v>Meisje</c:v>
+                </c:pt>
+              </c:strCache>
+            </c:strRef>
+          </c:tx>
+          <c:spPr>
+            <a:solidFill>
+              <a:srgbClr val="6FC7FF">
+                <a:alpha val="100000"/>
+              </a:srgbClr>
+            </a:solidFill>
+            <a:ln w="25400">
+              <a:solidFill>
+                <a:srgbClr val="FFFFFF">
+                  <a:alpha val="0"/>
+                </a:srgbClr>
+              </a:solidFill>
+            </a:ln>
+            <a:effectLst/>
+          </c:spPr>
+          <c:invertIfNegative val="0"/>
+          <c:dLbls>
+            <c:dLblPos val="outEnd"/>
+            <c:numFmt formatCode="0%" sourceLinked="0"/>
+            <c:separator val=", "/>
+            <c:showBubbleSize val="0"/>
+            <c:showCatName val="0"/>
+            <c:showLegendKey val="0"/>
+            <c:showPercent val="0"/>
+            <c:showSerName val="0"/>
+            <c:showVal val="1"/>
+            <c:txPr>
+              <a:bodyPr/>
+              <a:lstStyle/>
+              <a:p>
+                <a:pPr>
+                  <a:defRPr cap="none" sz="800" i="0" b="0" u="none">
+                    <a:solidFill>
+                      <a:srgbClr val="000000">
+                        <a:alpha val="100000"/>
+                      </a:srgbClr>
+                    </a:solidFill>
+                    <a:latin typeface="Calibri"/>
+                    <a:cs typeface="Calibri"/>
+                    <a:ea typeface="Calibri"/>
+                    <a:sym typeface="Calibri"/>
+                  </a:defRPr>
+                </a:pPr>
+              </a:p>
+            </c:txPr>
+          </c:dLbls>
+          <c:cat>
+            <c:strRef>
+              <c:f>sheet1!$A$2:$A$3</c:f>
+              <c:strCache>
+                <c:ptCount val="2"/>
+                <c:pt idx="0">
+                  <c:v>Zandwijk</c:v>
+                </c:pt>
+                <c:pt idx="1">
+                  <c:v>Nederland</c:v>
+                </c:pt>
+              </c:strCache>
+            </c:strRef>
+          </c:cat>
+          <c:val>
+            <c:numRef>
+              <c:f>sheet1!$C$2:$C$3</c:f>
+              <c:numCache>
+                <c:ptCount val="2"/>
+                <c:pt idx="0">
+                  <c:v>0.2587723</c:v>
+                </c:pt>
+                <c:pt idx="1">
+                  <c:v>0.2733080</c:v>
+                </c:pt>
+              </c:numCache>
+            </c:numRef>
+          </c:val>
+        </c:ser>
+        <c:ser>
+          <c:idx val="2"/>
+          <c:order val="2"/>
+          <c:tx>
+            <c:strRef>
+              <c:f>sheet1!$D$1</c:f>
+              <c:strCache>
+                <c:ptCount val="1"/>
+                <c:pt idx="0">
+                  <c:v>Klas 2</c:v>
+                </c:pt>
+              </c:strCache>
+            </c:strRef>
+          </c:tx>
+          <c:spPr>
+            <a:solidFill>
+              <a:srgbClr val="E54800">
+                <a:alpha val="100000"/>
+              </a:srgbClr>
+            </a:solidFill>
+            <a:ln w="25400">
+              <a:solidFill>
+                <a:srgbClr val="FFFFFF">
+                  <a:alpha val="0"/>
+                </a:srgbClr>
+              </a:solidFill>
+            </a:ln>
+            <a:effectLst/>
+          </c:spPr>
+          <c:invertIfNegative val="0"/>
+          <c:dLbls>
+            <c:dLblPos val="outEnd"/>
+            <c:numFmt formatCode="0%" sourceLinked="0"/>
+            <c:separator val=", "/>
+            <c:showBubbleSize val="0"/>
+            <c:showCatName val="0"/>
+            <c:showLegendKey val="0"/>
+            <c:showPercent val="0"/>
+            <c:showSerName val="0"/>
+            <c:showVal val="1"/>
+            <c:txPr>
+              <a:bodyPr/>
+              <a:lstStyle/>
+              <a:p>
+                <a:pPr>
+                  <a:defRPr cap="none" sz="800" i="0" b="0" u="none">
+                    <a:solidFill>
+                      <a:srgbClr val="000000">
+                        <a:alpha val="100000"/>
+                      </a:srgbClr>
+                    </a:solidFill>
+                    <a:latin typeface="Calibri"/>
+                    <a:cs typeface="Calibri"/>
+                    <a:ea typeface="Calibri"/>
+                    <a:sym typeface="Calibri"/>
+                  </a:defRPr>
+                </a:pPr>
+              </a:p>
+            </c:txPr>
+          </c:dLbls>
+          <c:cat>
+            <c:strRef>
+              <c:f>sheet1!$A$2:$A$3</c:f>
+              <c:strCache>
+                <c:ptCount val="2"/>
+                <c:pt idx="0">
+                  <c:v>Zandwijk</c:v>
+                </c:pt>
+                <c:pt idx="1">
+                  <c:v>Nederland</c:v>
+                </c:pt>
+              </c:strCache>
+            </c:strRef>
+          </c:cat>
+          <c:val>
+            <c:numRef>
+              <c:f>sheet1!$D$2:$D$3</c:f>
+              <c:numCache>
+                <c:ptCount val="2"/>
+                <c:pt idx="0">
+                  <c:v>0.2607700</c:v>
+                </c:pt>
+                <c:pt idx="1">
+                  <c:v>0.2818699</c:v>
+                </c:pt>
+              </c:numCache>
+            </c:numRef>
+          </c:val>
+        </c:ser>
+        <c:ser>
+          <c:idx val="3"/>
+          <c:order val="3"/>
+          <c:tx>
+            <c:strRef>
+              <c:f>sheet1!$E$1</c:f>
+              <c:strCache>
+                <c:ptCount val="1"/>
+                <c:pt idx="0">
+                  <c:v>Klas 4</c:v>
+                </c:pt>
+              </c:strCache>
+            </c:strRef>
+          </c:tx>
+          <c:spPr>
+            <a:solidFill>
+              <a:srgbClr val="FFB18E">
+                <a:alpha val="100000"/>
+              </a:srgbClr>
+            </a:solidFill>
+            <a:ln w="25400">
+              <a:solidFill>
+                <a:srgbClr val="FFFFFF">
+                  <a:alpha val="0"/>
+                </a:srgbClr>
+              </a:solidFill>
+            </a:ln>
+            <a:effectLst/>
+          </c:spPr>
+          <c:invertIfNegative val="0"/>
+          <c:dLbls>
+            <c:dLblPos val="outEnd"/>
+            <c:numFmt formatCode="0%" sourceLinked="0"/>
+            <c:separator val=", "/>
+            <c:showBubbleSize val="0"/>
+            <c:showCatName val="0"/>
+            <c:showLegendKey val="0"/>
+            <c:showPercent val="0"/>
+            <c:showSerName val="0"/>
+            <c:showVal val="1"/>
+            <c:txPr>
+              <a:bodyPr/>
+              <a:lstStyle/>
+              <a:p>
+                <a:pPr>
+                  <a:defRPr cap="none" sz="800" i="0" b="0" u="none">
+                    <a:solidFill>
+                      <a:srgbClr val="000000">
+                        <a:alpha val="100000"/>
+                      </a:srgbClr>
+                    </a:solidFill>
+                    <a:latin typeface="Calibri"/>
+                    <a:cs typeface="Calibri"/>
+                    <a:ea typeface="Calibri"/>
+                    <a:sym typeface="Calibri"/>
+                  </a:defRPr>
+                </a:pPr>
+              </a:p>
+            </c:txPr>
+          </c:dLbls>
+          <c:cat>
+            <c:strRef>
+              <c:f>sheet1!$A$2:$A$3</c:f>
+              <c:strCache>
+                <c:ptCount val="2"/>
+                <c:pt idx="0">
+                  <c:v>Zandwijk</c:v>
+                </c:pt>
+                <c:pt idx="1">
+                  <c:v>Nederland</c:v>
+                </c:pt>
+              </c:strCache>
+            </c:strRef>
+          </c:cat>
+          <c:val>
+            <c:numRef>
+              <c:f>sheet1!$E$2:$E$3</c:f>
+              <c:numCache>
+                <c:ptCount val="2"/>
+                <c:pt idx="0">
+                  <c:v>0.2945237</c:v>
+                </c:pt>
+                <c:pt idx="1">
+                  <c:v>0.2738343</c:v>
+                </c:pt>
+              </c:numCache>
+            </c:numRef>
+          </c:val>
+        </c:ser>
+        <c:dLbls>
+          <c:dLblPos val="outEnd"/>
+          <c:numFmt formatCode="0%" sourceLinked="0"/>
+          <c:separator val=", "/>
+          <c:showBubbleSize val="0"/>
+          <c:showCatName val="0"/>
+          <c:showLegendKey val="0"/>
+          <c:showPercent val="0"/>
+          <c:showSerName val="0"/>
+          <c:showVal val="1"/>
+        </c:dLbls>
+        <c:gapWidth val="150"/>
+        <c:overlap val="0"/>
+        <c:axId val="64451712"/>
+        <c:axId val="64453248"/>
+      </c:barChart>
+      <c:catAx>
+        <c:axId val="64451712"/>
+        <c:scaling>
+          <c:orientation val="minMax"/>
+        </c:scaling>
+        <c:delete val="0"/>
+        <c:axPos val="l"/>
+        <c:majorTickMark val="none"/>
+        <c:minorTickMark val="none"/>
+        <c:tickLblPos val="nextTo"/>
+        <c:txPr>
+          <a:bodyPr rot="0" vert="horz"/>
+          <a:lstStyle/>
+          <a:p>
+            <a:pPr>
+              <a:defRPr cap="none" sz="800" i="0" b="0" u="none">
+                <a:solidFill>
+                  <a:srgbClr val="000000">
+                    <a:alpha val="100000"/>
+                  </a:srgbClr>
+                </a:solidFill>
+                <a:latin typeface="Calibri"/>
+                <a:cs typeface="Calibri"/>
+                <a:ea typeface="Calibri"/>
+                <a:sym typeface="Calibri"/>
+              </a:defRPr>
+            </a:pPr>
+          </a:p>
+        </c:txPr>
+        <c:spPr>
+          <a:ln algn="ctr" w="12700">
+            <a:solidFill>
+              <a:srgbClr val="000000">
+                <a:alpha val="100000"/>
+              </a:srgbClr>
+            </a:solidFill>
+            <a:prstDash val="solid"/>
+          </a:ln>
+        </c:spPr>
+        <c:numFmt formatCode="General" sourceLinked="0"/>
+        <c:crossAx val="64453248"/>
+        <c:crosses val="autoZero"/>
+      </c:catAx>
+      <c:valAx>
+        <c:axId val="64453248"/>
+        <c:scaling>
+          <c:orientation val="minMax"/>
+          <c:max val="1.00"/>
+          <c:min val="0.00"/>
+        </c:scaling>
+        <c:delete val="0"/>
+        <c:axPos val="l"/>
+        <c:majorTickMark val="none"/>
+        <c:minorTickMark val="none"/>
+        <c:tickLblPos val="nextTo"/>
+        <c:txPr>
+          <a:bodyPr rot="0" vert="horz"/>
+          <a:lstStyle/>
+          <a:p>
+            <a:pPr>
+              <a:defRPr cap="none" sz="900" i="0" b="0" u="none">
+                <a:solidFill>
+                  <a:srgbClr val="000000">
+                    <a:alpha val="100000"/>
+                  </a:srgbClr>
+                </a:solidFill>
+                <a:latin typeface="Calibri"/>
+                <a:cs typeface="Calibri"/>
+                <a:ea typeface="Calibri"/>
+                <a:sym typeface="Calibri"/>
+              </a:defRPr>
+            </a:pPr>
+          </a:p>
+        </c:txPr>
+        <c:spPr>
+          <a:ln algn="ctr" w="12700">
+            <a:solidFill>
+              <a:srgbClr val="000000">
+                <a:alpha val="100000"/>
+              </a:srgbClr>
+            </a:solidFill>
+            <a:prstDash val="solid"/>
+          </a:ln>
+        </c:spPr>
+        <c:numFmt formatCode="0%" sourceLinked="0"/>
+        <c:crossAx val="64451712"/>
+        <c:crosses val="autoZero"/>
+      </c:valAx>
+    </c:plotArea>
+    <c:legend>
+      <c:legendPos val="b"/>
+      <c:layout/>
+      <c:overlay val="0"/>
+      <c:txPr xmlns:c="http://schemas.openxmlformats.org/drawingml/2006/chart" xmlns:a="http://schemas.openxmlformats.org/drawingml/2006/main">
+        <a:bodyPr/>
+        <a:lstStyle/>
+        <a:p>
+          <a:pPr>
+            <a:defRPr cap="none" sz="900" i="0" b="0" u="none">
+              <a:solidFill>
+                <a:srgbClr val="000000">
+                  <a:alpha val="100000"/>
+                </a:srgbClr>
+              </a:solidFill>
+              <a:latin typeface="Calibri"/>
+              <a:cs typeface="Calibri"/>
+              <a:ea typeface="Calibri"/>
+              <a:sym typeface="Calibri"/>
+            </a:defRPr>
+          </a:pPr>
+        </a:p>
+      </c:txPr>
+    </c:legend>
+    <c:plotVisOnly val="1"/>
+    <c:dispBlanksAs val="gap"/>
+    <c:showDLblsOverMax val="0"/>
+  </c:chart>
+  <c:txPr>
+    <a:bodyPr/>
+    <a:lstStyle/>
+    <a:p>
+      <a:pPr>
+        <a:defRPr sz="1800"/>
+      </a:pPr>
+      <a:endParaRPr lang="fr-FR"/>
+    </a:p>
+  </c:txPr>
+  <c:externalData r:id="rId1">
+    <c:autoUpdate val="0"/>
+  </c:externalData>
+</c:chartSpace>
+</file>
+
+<file path=ppt/charts/chartc703abf47da.xml><?xml version="1.0" encoding="utf-8"?>
+<c:chartSpace xmlns:c="http://schemas.openxmlformats.org/drawingml/2006/chart" xmlns:a="http://schemas.openxmlformats.org/drawingml/2006/main" xmlns:r="http://schemas.openxmlformats.org/officeDocument/2006/relationships">
+  <c:date1904 val="0"/>
+  <c:lang val="fr-FR"/>
+  <c:roundedCorners val="0"/>
+  <mc:AlternateContent xmlns:mc="http://schemas.openxmlformats.org/markup-compatibility/2006">
+    <mc:Choice xmlns:c14="http://schemas.microsoft.com/office/drawing/2007/8/2/chart" Requires="c14">
+      <c14:style val="118"/>
+    </mc:Choice>
+    <mc:Fallback>
+      <c:style val="18"/>
+    </mc:Fallback>
+  </mc:AlternateContent>
+  <c:chart>
+    <c:title xmlns:c="http://schemas.openxmlformats.org/drawingml/2006/chart" xmlns:a="http://schemas.openxmlformats.org/drawingml/2006/main" xmlns:r="http://schemas.openxmlformats.org/officeDocument/2006/relationships">
+      <c:tx>
+        <c:rich>
+          <a:bodyPr/>
+          <a:lstStyle/>
+          <a:p>
+            <a:pPr>
+              <a:defRPr/>
+            </a:pPr>
+            <a:r>
+              <a:rPr cap="none" sz="900" i="0" b="1" u="none">
+                <a:solidFill>
+                  <a:srgbClr val="000000">
+                    <a:alpha val="100000"/>
+                  </a:srgbClr>
+                </a:solidFill>
+                <a:latin typeface="Calibri"/>
+                <a:cs typeface="Calibri"/>
+                <a:ea typeface="Calibri"/>
+                <a:sym typeface="Calibri"/>
+              </a:rPr>
+              <a:t>Variant 4</a:t>
+            </a:r>
+          </a:p>
+        </c:rich>
+      </c:tx>
+      <c:layout/>
+      <c:overlay val="0"/>
+    </c:title>
+    <c:autoTitleDeleted val="0"/>
+    <c:plotArea xmlns:c="http://schemas.openxmlformats.org/drawingml/2006/chart" xmlns:a="http://schemas.openxmlformats.org/drawingml/2006/main" xmlns:r="http://schemas.openxmlformats.org/officeDocument/2006/relationships">
+      <c:layout/>
+      <c:barChart>
+        <c:barDir val="col"/>
+        <c:grouping val="clustered"/>
+        <c:varyColors val="0"/>
+        <c:ser>
+          <c:idx val="0"/>
+          <c:order val="0"/>
+          <c:tx>
+            <c:strRef>
+              <c:f>sheet1!$B$1</c:f>
+              <c:strCache>
+                <c:ptCount val="1"/>
+                <c:pt idx="0">
+                  <c:v>Zandwijk</c:v>
+                </c:pt>
+              </c:strCache>
+            </c:strRef>
+          </c:tx>
+          <c:spPr>
+            <a:solidFill>
+              <a:srgbClr val="005C96">
+                <a:alpha val="100000"/>
+              </a:srgbClr>
+            </a:solidFill>
+            <a:ln w="25400">
+              <a:solidFill>
+                <a:srgbClr val="FFFFFF">
+                  <a:alpha val="0"/>
+                </a:srgbClr>
+              </a:solidFill>
+            </a:ln>
+            <a:effectLst/>
+          </c:spPr>
+          <c:invertIfNegative val="0"/>
+          <c:dLbls>
+            <c:dLblPos val="outEnd"/>
+            <c:numFmt formatCode="0%" sourceLinked="0"/>
+            <c:separator val=", "/>
+            <c:showBubbleSize val="0"/>
+            <c:showCatName val="0"/>
+            <c:showLegendKey val="0"/>
+            <c:showPercent val="0"/>
+            <c:showSerName val="0"/>
+            <c:showVal val="1"/>
+            <c:txPr>
+              <a:bodyPr/>
+              <a:lstStyle/>
+              <a:p>
+                <a:pPr>
+                  <a:defRPr cap="none" sz="800" i="0" b="0" u="none">
+                    <a:solidFill>
+                      <a:srgbClr val="000000">
+                        <a:alpha val="100000"/>
+                      </a:srgbClr>
+                    </a:solidFill>
+                    <a:latin typeface="Calibri"/>
+                    <a:cs typeface="Calibri"/>
+                    <a:ea typeface="Calibri"/>
+                    <a:sym typeface="Calibri"/>
+                  </a:defRPr>
+                </a:pPr>
+              </a:p>
+            </c:txPr>
+          </c:dLbls>
+          <c:cat>
+            <c:strRef>
+              <c:f>sheet1!$A$2:$A$4</c:f>
+              <c:strCache>
+                <c:ptCount val="3"/>
+                <c:pt idx="0">
+                  <c:v>Heeft psychische klachten</c:v>
+                </c:pt>
+                <c:pt idx="1">
+                  <c:v>Geeft geen mantelzorg</c:v>
+                </c:pt>
+                <c:pt idx="2">
+                  <c:v>Heeft een zeer goede gezondheid</c:v>
+                </c:pt>
+              </c:strCache>
+            </c:strRef>
+          </c:cat>
+          <c:val>
+            <c:numRef>
+              <c:f>sheet1!$B$2:$B$4</c:f>
+              <c:numCache>
+                <c:ptCount val="3"/>
+                <c:pt idx="0">
+                  <c:v>0.2679194</c:v>
+                </c:pt>
+                <c:pt idx="1">
+                  <c:v>0.8514397</c:v>
+                </c:pt>
+                <c:pt idx="2">
+                  <c:v>0.2936311</c:v>
+                </c:pt>
+              </c:numCache>
+            </c:numRef>
+          </c:val>
+        </c:ser>
+        <c:ser>
+          <c:idx val="1"/>
+          <c:order val="1"/>
+          <c:tx>
+            <c:strRef>
+              <c:f>sheet1!$C$1</c:f>
+              <c:strCache>
+                <c:ptCount val="1"/>
+                <c:pt idx="0">
+                  <c:v>Nederland</c:v>
+                </c:pt>
+              </c:strCache>
+            </c:strRef>
+          </c:tx>
+          <c:spPr>
+            <a:solidFill>
+              <a:srgbClr val="E54800">
+                <a:alpha val="100000"/>
+              </a:srgbClr>
+            </a:solidFill>
+            <a:ln w="25400">
+              <a:solidFill>
+                <a:srgbClr val="FFFFFF">
+                  <a:alpha val="0"/>
+                </a:srgbClr>
+              </a:solidFill>
+            </a:ln>
+            <a:effectLst/>
+          </c:spPr>
+          <c:invertIfNegative val="0"/>
+          <c:dLbls>
+            <c:dLblPos val="outEnd"/>
+            <c:numFmt formatCode="0%" sourceLinked="0"/>
+            <c:separator val=", "/>
+            <c:showBubbleSize val="0"/>
+            <c:showCatName val="0"/>
+            <c:showLegendKey val="0"/>
+            <c:showPercent val="0"/>
+            <c:showSerName val="0"/>
+            <c:showVal val="1"/>
+            <c:txPr>
+              <a:bodyPr/>
+              <a:lstStyle/>
+              <a:p>
+                <a:pPr>
+                  <a:defRPr cap="none" sz="800" i="0" b="0" u="none">
+                    <a:solidFill>
+                      <a:srgbClr val="000000">
+                        <a:alpha val="100000"/>
+                      </a:srgbClr>
+                    </a:solidFill>
+                    <a:latin typeface="Calibri"/>
+                    <a:cs typeface="Calibri"/>
+                    <a:ea typeface="Calibri"/>
+                    <a:sym typeface="Calibri"/>
+                  </a:defRPr>
+                </a:pPr>
+              </a:p>
+            </c:txPr>
+          </c:dLbls>
+          <c:cat>
+            <c:strRef>
+              <c:f>sheet1!$A$2:$A$4</c:f>
+              <c:strCache>
+                <c:ptCount val="3"/>
+                <c:pt idx="0">
+                  <c:v>Heeft psychische klachten</c:v>
+                </c:pt>
+                <c:pt idx="1">
+                  <c:v>Geeft geen mantelzorg</c:v>
+                </c:pt>
+                <c:pt idx="2">
+                  <c:v>Heeft een zeer goede gezondheid</c:v>
+                </c:pt>
+              </c:strCache>
+            </c:strRef>
+          </c:cat>
+          <c:val>
+            <c:numRef>
+              <c:f>sheet1!$C$2:$C$4</c:f>
+              <c:numCache>
+                <c:ptCount val="3"/>
+                <c:pt idx="0">
+                  <c:v>0.2753591</c:v>
+                </c:pt>
+                <c:pt idx="1">
+                  <c:v>0.8527339</c:v>
+                </c:pt>
+                <c:pt idx="2">
+                  <c:v>0.3070725</c:v>
+                </c:pt>
+              </c:numCache>
+            </c:numRef>
+          </c:val>
+        </c:ser>
+        <c:dLbls>
+          <c:dLblPos val="outEnd"/>
+          <c:numFmt formatCode="0%" sourceLinked="0"/>
+          <c:separator val=", "/>
+          <c:showBubbleSize val="0"/>
+          <c:showCatName val="0"/>
+          <c:showLegendKey val="0"/>
+          <c:showPercent val="0"/>
+          <c:showSerName val="0"/>
+          <c:showVal val="1"/>
+        </c:dLbls>
+        <c:gapWidth val="150"/>
+        <c:overlap val="0"/>
+        <c:axId val="64451712"/>
+        <c:axId val="64453248"/>
+      </c:barChart>
+      <c:catAx>
+        <c:axId val="64451712"/>
+        <c:scaling>
+          <c:orientation val="minMax"/>
+        </c:scaling>
+        <c:delete val="0"/>
+        <c:axPos val="l"/>
+        <c:majorTickMark val="none"/>
+        <c:minorTickMark val="none"/>
+        <c:tickLblPos val="nextTo"/>
+        <c:txPr>
+          <a:bodyPr rot="0" vert="horz"/>
+          <a:lstStyle/>
+          <a:p>
+            <a:pPr>
+              <a:defRPr cap="none" sz="800" i="0" b="0" u="none">
+                <a:solidFill>
+                  <a:srgbClr val="000000">
+                    <a:alpha val="100000"/>
+                  </a:srgbClr>
+                </a:solidFill>
+                <a:latin typeface="Calibri"/>
+                <a:cs typeface="Calibri"/>
+                <a:ea typeface="Calibri"/>
+                <a:sym typeface="Calibri"/>
+              </a:defRPr>
+            </a:pPr>
+          </a:p>
+        </c:txPr>
+        <c:spPr>
+          <a:ln algn="ctr" w="12700">
+            <a:solidFill>
+              <a:srgbClr val="000000">
+                <a:alpha val="100000"/>
+              </a:srgbClr>
+            </a:solidFill>
+            <a:prstDash val="solid"/>
+          </a:ln>
+        </c:spPr>
+        <c:numFmt formatCode="General" sourceLinked="0"/>
+        <c:crossAx val="64453248"/>
+        <c:crosses val="autoZero"/>
+      </c:catAx>
+      <c:valAx>
+        <c:axId val="64453248"/>
+        <c:scaling>
+          <c:orientation val="minMax"/>
+          <c:max val="1.00"/>
+          <c:min val="0.00"/>
+        </c:scaling>
+        <c:delete val="0"/>
+        <c:axPos val="l"/>
+        <c:majorTickMark val="none"/>
+        <c:minorTickMark val="none"/>
+        <c:tickLblPos val="nextTo"/>
+        <c:txPr>
+          <a:bodyPr rot="0" vert="horz"/>
+          <a:lstStyle/>
+          <a:p>
+            <a:pPr>
+              <a:defRPr cap="none" sz="900" i="0" b="0" u="none">
+                <a:solidFill>
+                  <a:srgbClr val="000000">
+                    <a:alpha val="100000"/>
+                  </a:srgbClr>
+                </a:solidFill>
+                <a:latin typeface="Calibri"/>
+                <a:cs typeface="Calibri"/>
+                <a:ea typeface="Calibri"/>
+                <a:sym typeface="Calibri"/>
+              </a:defRPr>
+            </a:pPr>
+          </a:p>
+        </c:txPr>
+        <c:spPr>
+          <a:ln algn="ctr" w="12700">
+            <a:solidFill>
+              <a:srgbClr val="000000">
+                <a:alpha val="100000"/>
+              </a:srgbClr>
+            </a:solidFill>
+            <a:prstDash val="solid"/>
+          </a:ln>
+        </c:spPr>
+        <c:numFmt formatCode="0%" sourceLinked="0"/>
+        <c:crossAx val="64451712"/>
+        <c:crosses val="autoZero"/>
+      </c:valAx>
+    </c:plotArea>
+    <c:legend>
+      <c:legendPos val="b"/>
+      <c:layout/>
+      <c:overlay val="0"/>
+      <c:txPr xmlns:c="http://schemas.openxmlformats.org/drawingml/2006/chart" xmlns:a="http://schemas.openxmlformats.org/drawingml/2006/main">
+        <a:bodyPr/>
+        <a:lstStyle/>
+        <a:p>
+          <a:pPr>
+            <a:defRPr cap="none" sz="900" i="0" b="0" u="none">
+              <a:solidFill>
+                <a:srgbClr val="000000">
+                  <a:alpha val="100000"/>
+                </a:srgbClr>
+              </a:solidFill>
+              <a:latin typeface="Calibri"/>
+              <a:cs typeface="Calibri"/>
+              <a:ea typeface="Calibri"/>
+              <a:sym typeface="Calibri"/>
+            </a:defRPr>
+          </a:pPr>
+        </a:p>
+      </c:txPr>
+    </c:legend>
+    <c:plotVisOnly val="1"/>
+    <c:dispBlanksAs val="gap"/>
+    <c:showDLblsOverMax val="0"/>
+  </c:chart>
+  <c:txPr>
+    <a:bodyPr/>
+    <a:lstStyle/>
+    <a:p>
+      <a:pPr>
+        <a:defRPr sz="1800"/>
+      </a:pPr>
+      <a:endParaRPr lang="fr-FR"/>
+    </a:p>
+  </c:txPr>
+  <c:externalData r:id="rId1">
+    <c:autoUpdate val="0"/>
+  </c:externalData>
+</c:chartSpace>
+</file>
+
+<file path=ppt/charts/chartc703d384645.xml><?xml version="1.0" encoding="utf-8"?>
+<c:chartSpace xmlns:c="http://schemas.openxmlformats.org/drawingml/2006/chart" xmlns:a="http://schemas.openxmlformats.org/drawingml/2006/main" xmlns:r="http://schemas.openxmlformats.org/officeDocument/2006/relationships">
+  <c:date1904 val="0"/>
+  <c:lang val="fr-FR"/>
+  <c:roundedCorners val="0"/>
+  <mc:AlternateContent xmlns:mc="http://schemas.openxmlformats.org/markup-compatibility/2006">
+    <mc:Choice xmlns:c14="http://schemas.microsoft.com/office/drawing/2007/8/2/chart" Requires="c14">
+      <c14:style val="118"/>
+    </mc:Choice>
+    <mc:Fallback>
+      <c:style val="18"/>
+    </mc:Fallback>
+  </mc:AlternateContent>
+  <c:chart>
+    <c:title xmlns:c="http://schemas.openxmlformats.org/drawingml/2006/chart" xmlns:a="http://schemas.openxmlformats.org/drawingml/2006/main" xmlns:r="http://schemas.openxmlformats.org/officeDocument/2006/relationships">
+      <c:tx>
+        <c:rich>
+          <a:bodyPr/>
+          <a:lstStyle/>
+          <a:p>
+            <a:pPr>
+              <a:defRPr/>
+            </a:pPr>
+            <a:r>
+              <a:rPr cap="none" sz="900" i="0" b="1" u="none">
+                <a:solidFill>
+                  <a:srgbClr val="000000">
+                    <a:alpha val="100000"/>
+                  </a:srgbClr>
+                </a:solidFill>
+                <a:latin typeface="Calibri"/>
+                <a:cs typeface="Calibri"/>
+                <a:ea typeface="Calibri"/>
+                <a:sym typeface="Calibri"/>
+              </a:rPr>
+              <a:t>Variant 8</a:t>
+            </a:r>
+          </a:p>
+        </c:rich>
+      </c:tx>
+      <c:layout/>
+      <c:overlay val="0"/>
+    </c:title>
+    <c:autoTitleDeleted val="0"/>
+    <c:plotArea xmlns:c="http://schemas.openxmlformats.org/drawingml/2006/chart" xmlns:a="http://schemas.openxmlformats.org/drawingml/2006/main" xmlns:r="http://schemas.openxmlformats.org/officeDocument/2006/relationships">
+      <c:layout/>
+      <c:barChart>
+        <c:barDir val="col"/>
+        <c:grouping val="clustered"/>
+        <c:varyColors val="0"/>
+        <c:ser>
+          <c:idx val="0"/>
+          <c:order val="0"/>
+          <c:tx>
+            <c:strRef>
+              <c:f>sheet1!$B$1</c:f>
+              <c:strCache>
+                <c:ptCount val="1"/>
+                <c:pt idx="0">
+                  <c:v>Jongen</c:v>
+                </c:pt>
+              </c:strCache>
+            </c:strRef>
+          </c:tx>
+          <c:spPr>
+            <a:solidFill>
+              <a:srgbClr val="005C96">
+                <a:alpha val="100000"/>
+              </a:srgbClr>
+            </a:solidFill>
+            <a:ln w="25400">
+              <a:solidFill>
+                <a:srgbClr val="FFFFFF">
+                  <a:alpha val="0"/>
+                </a:srgbClr>
+              </a:solidFill>
+            </a:ln>
+            <a:effectLst/>
+          </c:spPr>
+          <c:invertIfNegative val="0"/>
+          <c:dLbls>
+            <c:dLblPos val="outEnd"/>
+            <c:numFmt formatCode="0%" sourceLinked="0"/>
+            <c:separator val=", "/>
+            <c:showBubbleSize val="0"/>
+            <c:showCatName val="0"/>
+            <c:showLegendKey val="0"/>
+            <c:showPercent val="0"/>
+            <c:showSerName val="0"/>
+            <c:showVal val="1"/>
+            <c:txPr>
+              <a:bodyPr/>
+              <a:lstStyle/>
+              <a:p>
+                <a:pPr>
+                  <a:defRPr cap="none" sz="800" i="0" b="0" u="none">
+                    <a:solidFill>
+                      <a:srgbClr val="000000">
+                        <a:alpha val="100000"/>
+                      </a:srgbClr>
+                    </a:solidFill>
+                    <a:latin typeface="Calibri"/>
+                    <a:cs typeface="Calibri"/>
+                    <a:ea typeface="Calibri"/>
+                    <a:sym typeface="Calibri"/>
+                  </a:defRPr>
+                </a:pPr>
+              </a:p>
+            </c:txPr>
+          </c:dLbls>
+          <c:cat>
+            <c:strRef>
+              <c:f>sheet1!$A$2:$A$4</c:f>
+              <c:strCache>
+                <c:ptCount val="3"/>
+                <c:pt idx="0">
+                  <c:v>Heeft psychische klachten</c:v>
+                </c:pt>
+                <c:pt idx="1">
+                  <c:v>Geeft geen mantelzorg</c:v>
+                </c:pt>
+                <c:pt idx="2">
+                  <c:v>Heeft een zeer goede gezondheid</c:v>
+                </c:pt>
+              </c:strCache>
+            </c:strRef>
+          </c:cat>
+          <c:val>
+            <c:numRef>
+              <c:f>sheet1!$B$2:$B$4</c:f>
+              <c:numCache>
+                <c:ptCount val="3"/>
+                <c:pt idx="0">
+                  <c:v>0.2833711</c:v>
+                </c:pt>
+                <c:pt idx="1">
+                  <c:v>0.8544202</c:v>
+                </c:pt>
+                <c:pt idx="2">
+                  <c:v>0.3212508</c:v>
+                </c:pt>
+              </c:numCache>
+            </c:numRef>
+          </c:val>
+        </c:ser>
+        <c:ser>
+          <c:idx val="1"/>
+          <c:order val="1"/>
+          <c:tx>
+            <c:strRef>
+              <c:f>sheet1!$C$1</c:f>
+              <c:strCache>
+                <c:ptCount val="1"/>
+                <c:pt idx="0">
+                  <c:v>Meisje</c:v>
+                </c:pt>
+              </c:strCache>
+            </c:strRef>
+          </c:tx>
+          <c:spPr>
+            <a:solidFill>
+              <a:srgbClr val="6FC7FF">
+                <a:alpha val="100000"/>
+              </a:srgbClr>
+            </a:solidFill>
+            <a:ln w="25400">
+              <a:solidFill>
+                <a:srgbClr val="FFFFFF">
+                  <a:alpha val="0"/>
+                </a:srgbClr>
+              </a:solidFill>
+            </a:ln>
+            <a:effectLst/>
+          </c:spPr>
+          <c:invertIfNegative val="0"/>
+          <c:dLbls>
+            <c:dLblPos val="outEnd"/>
+            <c:numFmt formatCode="0%" sourceLinked="0"/>
+            <c:separator val=", "/>
+            <c:showBubbleSize val="0"/>
+            <c:showCatName val="0"/>
+            <c:showLegendKey val="0"/>
+            <c:showPercent val="0"/>
+            <c:showSerName val="0"/>
+            <c:showVal val="1"/>
+            <c:txPr>
+              <a:bodyPr/>
+              <a:lstStyle/>
+              <a:p>
+                <a:pPr>
+                  <a:defRPr cap="none" sz="800" i="0" b="0" u="none">
+                    <a:solidFill>
+                      <a:srgbClr val="000000">
+                        <a:alpha val="100000"/>
+                      </a:srgbClr>
+                    </a:solidFill>
+                    <a:latin typeface="Calibri"/>
+                    <a:cs typeface="Calibri"/>
+                    <a:ea typeface="Calibri"/>
+                    <a:sym typeface="Calibri"/>
+                  </a:defRPr>
+                </a:pPr>
+              </a:p>
+            </c:txPr>
+          </c:dLbls>
+          <c:cat>
+            <c:strRef>
+              <c:f>sheet1!$A$2:$A$4</c:f>
+              <c:strCache>
+                <c:ptCount val="3"/>
+                <c:pt idx="0">
+                  <c:v>Heeft psychische klachten</c:v>
+                </c:pt>
+                <c:pt idx="1">
+                  <c:v>Geeft geen mantelzorg</c:v>
+                </c:pt>
+                <c:pt idx="2">
+                  <c:v>Heeft een zeer goede gezondheid</c:v>
+                </c:pt>
+              </c:strCache>
+            </c:strRef>
+          </c:cat>
+          <c:val>
+            <c:numRef>
+              <c:f>sheet1!$C$2:$C$4</c:f>
+              <c:numCache>
+                <c:ptCount val="3"/>
+                <c:pt idx="0">
+                  <c:v>0.2587723</c:v>
+                </c:pt>
+                <c:pt idx="1">
+                  <c:v>0.8539607</c:v>
+                </c:pt>
+                <c:pt idx="2">
+                  <c:v>0.2719618</c:v>
+                </c:pt>
+              </c:numCache>
+            </c:numRef>
+          </c:val>
+        </c:ser>
+        <c:dLbls>
+          <c:dLblPos val="outEnd"/>
+          <c:numFmt formatCode="0%" sourceLinked="0"/>
+          <c:separator val=", "/>
+          <c:showBubbleSize val="0"/>
+          <c:showCatName val="0"/>
+          <c:showLegendKey val="0"/>
+          <c:showPercent val="0"/>
+          <c:showSerName val="0"/>
+          <c:showVal val="1"/>
+        </c:dLbls>
+        <c:gapWidth val="150"/>
+        <c:overlap val="0"/>
+        <c:axId val="64451712"/>
+        <c:axId val="64453248"/>
+      </c:barChart>
+      <c:catAx>
+        <c:axId val="64451712"/>
+        <c:scaling>
+          <c:orientation val="minMax"/>
+        </c:scaling>
+        <c:delete val="0"/>
+        <c:axPos val="l"/>
+        <c:majorTickMark val="none"/>
+        <c:minorTickMark val="none"/>
+        <c:tickLblPos val="nextTo"/>
+        <c:txPr>
+          <a:bodyPr rot="0" vert="horz"/>
+          <a:lstStyle/>
+          <a:p>
+            <a:pPr>
+              <a:defRPr cap="none" sz="800" i="0" b="0" u="none">
+                <a:solidFill>
+                  <a:srgbClr val="000000">
+                    <a:alpha val="100000"/>
+                  </a:srgbClr>
+                </a:solidFill>
+                <a:latin typeface="Calibri"/>
+                <a:cs typeface="Calibri"/>
+                <a:ea typeface="Calibri"/>
+                <a:sym typeface="Calibri"/>
+              </a:defRPr>
+            </a:pPr>
+          </a:p>
+        </c:txPr>
+        <c:spPr>
+          <a:ln algn="ctr" w="12700">
+            <a:solidFill>
+              <a:srgbClr val="000000">
+                <a:alpha val="100000"/>
+              </a:srgbClr>
+            </a:solidFill>
+            <a:prstDash val="solid"/>
+          </a:ln>
+        </c:spPr>
+        <c:numFmt formatCode="General" sourceLinked="0"/>
+        <c:crossAx val="64453248"/>
+        <c:crosses val="autoZero"/>
+      </c:catAx>
+      <c:valAx>
+        <c:axId val="64453248"/>
+        <c:scaling>
+          <c:orientation val="minMax"/>
+          <c:max val="1.00"/>
+          <c:min val="0.00"/>
+        </c:scaling>
+        <c:delete val="0"/>
+        <c:axPos val="l"/>
+        <c:majorTickMark val="none"/>
+        <c:minorTickMark val="none"/>
+        <c:tickLblPos val="nextTo"/>
+        <c:txPr>
+          <a:bodyPr rot="0" vert="horz"/>
+          <a:lstStyle/>
+          <a:p>
+            <a:pPr>
+              <a:defRPr cap="none" sz="900" i="0" b="0" u="none">
+                <a:solidFill>
+                  <a:srgbClr val="000000">
+                    <a:alpha val="100000"/>
+                  </a:srgbClr>
+                </a:solidFill>
+                <a:latin typeface="Calibri"/>
+                <a:cs typeface="Calibri"/>
+                <a:ea typeface="Calibri"/>
+                <a:sym typeface="Calibri"/>
+              </a:defRPr>
+            </a:pPr>
+          </a:p>
+        </c:txPr>
+        <c:spPr>
+          <a:ln algn="ctr" w="12700">
+            <a:solidFill>
+              <a:srgbClr val="000000">
+                <a:alpha val="100000"/>
+              </a:srgbClr>
+            </a:solidFill>
+            <a:prstDash val="solid"/>
+          </a:ln>
+        </c:spPr>
+        <c:numFmt formatCode="0%" sourceLinked="0"/>
+        <c:crossAx val="64451712"/>
+        <c:crosses val="autoZero"/>
+      </c:valAx>
+    </c:plotArea>
+    <c:legend>
+      <c:legendPos val="b"/>
+      <c:layout/>
+      <c:overlay val="0"/>
+      <c:txPr xmlns:c="http://schemas.openxmlformats.org/drawingml/2006/chart" xmlns:a="http://schemas.openxmlformats.org/drawingml/2006/main">
+        <a:bodyPr/>
+        <a:lstStyle/>
+        <a:p>
+          <a:pPr>
+            <a:defRPr cap="none" sz="900" i="0" b="0" u="none">
+              <a:solidFill>
+                <a:srgbClr val="000000">
+                  <a:alpha val="100000"/>
+                </a:srgbClr>
+              </a:solidFill>
+              <a:latin typeface="Calibri"/>
+              <a:cs typeface="Calibri"/>
+              <a:ea typeface="Calibri"/>
+              <a:sym typeface="Calibri"/>
+            </a:defRPr>
+          </a:pPr>
+        </a:p>
+      </c:txPr>
+    </c:legend>
+    <c:plotVisOnly val="1"/>
+    <c:dispBlanksAs val="gap"/>
+    <c:showDLblsOverMax val="0"/>
+  </c:chart>
+  <c:txPr>
+    <a:bodyPr/>
+    <a:lstStyle/>
+    <a:p>
+      <a:pPr>
+        <a:defRPr sz="1800"/>
+      </a:pPr>
+      <a:endParaRPr lang="fr-FR"/>
+    </a:p>
+  </c:txPr>
+  <c:externalData r:id="rId1">
+    <c:autoUpdate val="0"/>
+  </c:externalData>
+</c:chartSpace>
+</file>
+
+<file path=ppt/charts/chartc703fb244af.xml><?xml version="1.0" encoding="utf-8"?>
+<c:chartSpace xmlns:c="http://schemas.openxmlformats.org/drawingml/2006/chart" xmlns:a="http://schemas.openxmlformats.org/drawingml/2006/main" xmlns:r="http://schemas.openxmlformats.org/officeDocument/2006/relationships">
+  <c:date1904 val="0"/>
+  <c:lang val="fr-FR"/>
+  <c:roundedCorners val="0"/>
+  <mc:AlternateContent xmlns:mc="http://schemas.openxmlformats.org/markup-compatibility/2006">
+    <mc:Choice xmlns:c14="http://schemas.microsoft.com/office/drawing/2007/8/2/chart" Requires="c14">
+      <c14:style val="118"/>
+    </mc:Choice>
+    <mc:Fallback>
+      <c:style val="18"/>
+    </mc:Fallback>
+  </mc:AlternateContent>
+  <c:chart>
+    <c:title xmlns:c="http://schemas.openxmlformats.org/drawingml/2006/chart" xmlns:a="http://schemas.openxmlformats.org/drawingml/2006/main" xmlns:r="http://schemas.openxmlformats.org/officeDocument/2006/relationships">
+      <c:tx>
+        <c:rich>
+          <a:bodyPr/>
+          <a:lstStyle/>
+          <a:p>
+            <a:pPr>
+              <a:defRPr/>
+            </a:pPr>
+            <a:r>
+              <a:rPr cap="none" sz="900" i="0" b="1" u="none">
+                <a:solidFill>
+                  <a:srgbClr val="000000">
+                    <a:alpha val="100000"/>
+                  </a:srgbClr>
+                </a:solidFill>
+                <a:latin typeface="Calibri"/>
+                <a:cs typeface="Calibri"/>
+                <a:ea typeface="Calibri"/>
+                <a:sym typeface="Calibri"/>
+              </a:rPr>
+              <a:t>Variant 12</a:t>
+            </a:r>
+          </a:p>
+        </c:rich>
+      </c:tx>
+      <c:layout/>
+      <c:overlay val="0"/>
+    </c:title>
+    <c:autoTitleDeleted val="0"/>
+    <c:plotArea xmlns:c="http://schemas.openxmlformats.org/drawingml/2006/chart" xmlns:a="http://schemas.openxmlformats.org/drawingml/2006/main" xmlns:r="http://schemas.openxmlformats.org/officeDocument/2006/relationships">
+      <c:layout/>
+      <c:barChart>
+        <c:barDir val="col"/>
+        <c:grouping val="clustered"/>
+        <c:varyColors val="0"/>
+        <c:ser>
+          <c:idx val="0"/>
+          <c:order val="0"/>
+          <c:tx>
+            <c:strRef>
+              <c:f>sheet1!$B$1</c:f>
+              <c:strCache>
+                <c:ptCount val="1"/>
+                <c:pt idx="0">
+                  <c:v>Zandwijk</c:v>
+                </c:pt>
+              </c:strCache>
+            </c:strRef>
+          </c:tx>
+          <c:spPr>
+            <a:solidFill>
+              <a:srgbClr val="005C96">
+                <a:alpha val="100000"/>
+              </a:srgbClr>
+            </a:solidFill>
+            <a:ln w="25400">
+              <a:solidFill>
+                <a:srgbClr val="FFFFFF">
+                  <a:alpha val="0"/>
+                </a:srgbClr>
+              </a:solidFill>
+            </a:ln>
+            <a:effectLst/>
+          </c:spPr>
+          <c:invertIfNegative val="0"/>
+          <c:dLbls>
+            <c:dLblPos val="outEnd"/>
+            <c:numFmt formatCode="0%" sourceLinked="0"/>
+            <c:separator val=", "/>
+            <c:showBubbleSize val="0"/>
+            <c:showCatName val="0"/>
+            <c:showLegendKey val="0"/>
+            <c:showPercent val="0"/>
+            <c:showSerName val="0"/>
+            <c:showVal val="1"/>
+            <c:txPr>
+              <a:bodyPr/>
+              <a:lstStyle/>
+              <a:p>
+                <a:pPr>
+                  <a:defRPr cap="none" sz="800" i="0" b="0" u="none">
+                    <a:solidFill>
+                      <a:srgbClr val="000000">
+                        <a:alpha val="100000"/>
+                      </a:srgbClr>
+                    </a:solidFill>
+                    <a:latin typeface="Calibri"/>
+                    <a:cs typeface="Calibri"/>
+                    <a:ea typeface="Calibri"/>
+                    <a:sym typeface="Calibri"/>
+                  </a:defRPr>
+                </a:pPr>
+              </a:p>
+            </c:txPr>
+          </c:dLbls>
+          <c:cat>
+            <c:strRef>
+              <c:f>sheet1!$A$2:$A$5</c:f>
+              <c:strCache>
+                <c:ptCount val="4"/>
+                <c:pt idx="0">
+                  <c:v>Jongen</c:v>
+                </c:pt>
+                <c:pt idx="1">
+                  <c:v>Meisje</c:v>
+                </c:pt>
+                <c:pt idx="2">
+                  <c:v>Klas 2</c:v>
+                </c:pt>
+                <c:pt idx="3">
+                  <c:v>Klas 4</c:v>
+                </c:pt>
+              </c:strCache>
+            </c:strRef>
+          </c:cat>
+          <c:val>
+            <c:numRef>
+              <c:f>sheet1!$B$2:$B$5</c:f>
+              <c:numCache>
+                <c:ptCount val="4"/>
+                <c:pt idx="0">
+                  <c:v>0.2833711</c:v>
+                </c:pt>
+                <c:pt idx="1">
+                  <c:v>0.2587723</c:v>
+                </c:pt>
+                <c:pt idx="2">
+                  <c:v>0.2607700</c:v>
+                </c:pt>
+                <c:pt idx="3">
+                  <c:v>0.2945237</c:v>
+                </c:pt>
+              </c:numCache>
+            </c:numRef>
+          </c:val>
+        </c:ser>
+        <c:dLbls>
+          <c:dLblPos val="outEnd"/>
+          <c:numFmt formatCode="0%" sourceLinked="0"/>
+          <c:separator val=", "/>
+          <c:showBubbleSize val="0"/>
+          <c:showCatName val="0"/>
+          <c:showLegendKey val="0"/>
+          <c:showPercent val="0"/>
+          <c:showSerName val="0"/>
+          <c:showVal val="1"/>
+        </c:dLbls>
+        <c:gapWidth val="150"/>
+        <c:overlap val="0"/>
+        <c:axId val="64451712"/>
+        <c:axId val="64453248"/>
+      </c:barChart>
+      <c:catAx>
+        <c:axId val="64451712"/>
+        <c:scaling>
+          <c:orientation val="minMax"/>
+        </c:scaling>
+        <c:delete val="0"/>
+        <c:axPos val="l"/>
+        <c:majorTickMark val="none"/>
+        <c:minorTickMark val="none"/>
+        <c:tickLblPos val="nextTo"/>
+        <c:txPr>
+          <a:bodyPr rot="0" vert="horz"/>
+          <a:lstStyle/>
+          <a:p>
+            <a:pPr>
+              <a:defRPr cap="none" sz="800" i="0" b="0" u="none">
+                <a:solidFill>
+                  <a:srgbClr val="000000">
+                    <a:alpha val="100000"/>
+                  </a:srgbClr>
+                </a:solidFill>
+                <a:latin typeface="Calibri"/>
+                <a:cs typeface="Calibri"/>
+                <a:ea typeface="Calibri"/>
+                <a:sym typeface="Calibri"/>
+              </a:defRPr>
+            </a:pPr>
+          </a:p>
+        </c:txPr>
+        <c:spPr>
+          <a:ln algn="ctr" w="12700">
+            <a:solidFill>
+              <a:srgbClr val="000000">
+                <a:alpha val="100000"/>
+              </a:srgbClr>
+            </a:solidFill>
+            <a:prstDash val="solid"/>
+          </a:ln>
+        </c:spPr>
+        <c:numFmt formatCode="General" sourceLinked="0"/>
+        <c:crossAx val="64453248"/>
+        <c:crosses val="autoZero"/>
+      </c:catAx>
+      <c:valAx>
+        <c:axId val="64453248"/>
+        <c:scaling>
+          <c:orientation val="minMax"/>
+          <c:max val="1.00"/>
+          <c:min val="0.00"/>
+        </c:scaling>
+        <c:delete val="0"/>
+        <c:axPos val="l"/>
+        <c:majorTickMark val="none"/>
+        <c:minorTickMark val="none"/>
+        <c:tickLblPos val="nextTo"/>
+        <c:txPr>
+          <a:bodyPr rot="0" vert="horz"/>
+          <a:lstStyle/>
+          <a:p>
+            <a:pPr>
+              <a:defRPr cap="none" sz="900" i="0" b="0" u="none">
+                <a:solidFill>
+                  <a:srgbClr val="000000">
+                    <a:alpha val="100000"/>
+                  </a:srgbClr>
+                </a:solidFill>
+                <a:latin typeface="Calibri"/>
+                <a:cs typeface="Calibri"/>
+                <a:ea typeface="Calibri"/>
+                <a:sym typeface="Calibri"/>
+              </a:defRPr>
+            </a:pPr>
+          </a:p>
+        </c:txPr>
+        <c:spPr>
+          <a:ln algn="ctr" w="12700">
+            <a:solidFill>
+              <a:srgbClr val="000000">
+                <a:alpha val="100000"/>
+              </a:srgbClr>
+            </a:solidFill>
+            <a:prstDash val="solid"/>
+          </a:ln>
+        </c:spPr>
+        <c:numFmt formatCode="0%" sourceLinked="0"/>
+        <c:crossAx val="64451712"/>
+        <c:crosses val="autoZero"/>
+      </c:valAx>
+    </c:plotArea>
+    <c:legend>
+      <c:legendPos val="b"/>
+      <c:layout/>
+      <c:overlay val="0"/>
+      <c:txPr xmlns:c="http://schemas.openxmlformats.org/drawingml/2006/chart" xmlns:a="http://schemas.openxmlformats.org/drawingml/2006/main">
+        <a:bodyPr/>
+        <a:lstStyle/>
+        <a:p>
+          <a:pPr>
+            <a:defRPr cap="none" sz="900" i="0" b="0" u="none">
+              <a:solidFill>
+                <a:srgbClr val="000000">
+                  <a:alpha val="100000"/>
+                </a:srgbClr>
+              </a:solidFill>
+              <a:latin typeface="Calibri"/>
+              <a:cs typeface="Calibri"/>
+              <a:ea typeface="Calibri"/>
+              <a:sym typeface="Calibri"/>
+            </a:defRPr>
+          </a:pPr>
+        </a:p>
+      </c:txPr>
+    </c:legend>
+    <c:plotVisOnly val="1"/>
+    <c:dispBlanksAs val="gap"/>
+    <c:showDLblsOverMax val="0"/>
+  </c:chart>
+  <c:txPr>
+    <a:bodyPr/>
+    <a:lstStyle/>
+    <a:p>
+      <a:pPr>
+        <a:defRPr sz="1800"/>
+      </a:pPr>
+      <a:endParaRPr lang="fr-FR"/>
+    </a:p>
+  </c:txPr>
+  <c:externalData r:id="rId1">
+    <c:autoUpdate val="0"/>
+  </c:externalData>
+</c:chartSpace>
+</file>
+
+<file path=ppt/charts/chartc70422b431a.xml><?xml version="1.0" encoding="utf-8"?>
+<c:chartSpace xmlns:c="http://schemas.openxmlformats.org/drawingml/2006/chart" xmlns:a="http://schemas.openxmlformats.org/drawingml/2006/main" xmlns:r="http://schemas.openxmlformats.org/officeDocument/2006/relationships">
+  <c:date1904 val="0"/>
+  <c:lang val="fr-FR"/>
+  <c:roundedCorners val="0"/>
+  <mc:AlternateContent xmlns:mc="http://schemas.openxmlformats.org/markup-compatibility/2006">
+    <mc:Choice xmlns:c14="http://schemas.microsoft.com/office/drawing/2007/8/2/chart" Requires="c14">
+      <c14:style val="118"/>
+    </mc:Choice>
+    <mc:Fallback>
+      <c:style val="18"/>
+    </mc:Fallback>
+  </mc:AlternateContent>
+  <c:chart>
+    <c:title xmlns:c="http://schemas.openxmlformats.org/drawingml/2006/chart" xmlns:a="http://schemas.openxmlformats.org/drawingml/2006/main" xmlns:r="http://schemas.openxmlformats.org/officeDocument/2006/relationships">
+      <c:tx>
+        <c:rich>
+          <a:bodyPr/>
+          <a:lstStyle/>
+          <a:p>
+            <a:pPr>
+              <a:defRPr/>
+            </a:pPr>
+            <a:r>
+              <a:rPr cap="none" sz="900" i="0" b="1" u="none">
+                <a:solidFill>
+                  <a:srgbClr val="000000">
+                    <a:alpha val="100000"/>
+                  </a:srgbClr>
+                </a:solidFill>
+                <a:latin typeface="Calibri"/>
+                <a:cs typeface="Calibri"/>
+                <a:ea typeface="Calibri"/>
+                <a:sym typeface="Calibri"/>
+              </a:rPr>
+              <a:t>Variant 16</a:t>
+            </a:r>
+          </a:p>
+        </c:rich>
+      </c:tx>
+      <c:layout/>
+      <c:overlay val="0"/>
+    </c:title>
+    <c:autoTitleDeleted val="0"/>
+    <c:plotArea xmlns:c="http://schemas.openxmlformats.org/drawingml/2006/chart" xmlns:a="http://schemas.openxmlformats.org/drawingml/2006/main" xmlns:r="http://schemas.openxmlformats.org/officeDocument/2006/relationships">
+      <c:layout/>
+      <c:barChart>
+        <c:barDir val="col"/>
+        <c:grouping val="clustered"/>
+        <c:varyColors val="0"/>
+        <c:ser>
+          <c:idx val="0"/>
+          <c:order val="0"/>
+          <c:tx>
+            <c:strRef>
+              <c:f>sheet1!$B$1</c:f>
+              <c:strCache>
+                <c:ptCount val="1"/>
+                <c:pt idx="0">
+                  <c:v>Jongen (Klas 2)</c:v>
+                </c:pt>
+              </c:strCache>
+            </c:strRef>
+          </c:tx>
+          <c:spPr>
+            <a:solidFill>
+              <a:srgbClr val="005C96">
+                <a:alpha val="100000"/>
+              </a:srgbClr>
+            </a:solidFill>
+            <a:ln w="25400">
+              <a:solidFill>
+                <a:srgbClr val="FFFFFF">
+                  <a:alpha val="0"/>
+                </a:srgbClr>
+              </a:solidFill>
+            </a:ln>
+            <a:effectLst/>
+          </c:spPr>
+          <c:invertIfNegative val="0"/>
+          <c:dLbls>
+            <c:dLblPos val="outEnd"/>
+            <c:numFmt formatCode="0%" sourceLinked="0"/>
+            <c:separator val=", "/>
+            <c:showBubbleSize val="0"/>
+            <c:showCatName val="0"/>
+            <c:showLegendKey val="0"/>
+            <c:showPercent val="0"/>
+            <c:showSerName val="0"/>
+            <c:showVal val="1"/>
+            <c:txPr>
+              <a:bodyPr/>
+              <a:lstStyle/>
+              <a:p>
+                <a:pPr>
+                  <a:defRPr cap="none" sz="800" i="0" b="0" u="none">
+                    <a:solidFill>
+                      <a:srgbClr val="000000">
+                        <a:alpha val="100000"/>
+                      </a:srgbClr>
+                    </a:solidFill>
+                    <a:latin typeface="Calibri"/>
+                    <a:cs typeface="Calibri"/>
+                    <a:ea typeface="Calibri"/>
+                    <a:sym typeface="Calibri"/>
+                  </a:defRPr>
+                </a:pPr>
+              </a:p>
+            </c:txPr>
+          </c:dLbls>
+          <c:cat>
+            <c:strRef>
+              <c:f>sheet1!$A$2:$A$4</c:f>
+              <c:strCache>
+                <c:ptCount val="3"/>
+                <c:pt idx="0">
+                  <c:v>Heeft psychische klachten</c:v>
+                </c:pt>
+                <c:pt idx="1">
+                  <c:v>Geeft geen mantelzorg</c:v>
+                </c:pt>
+                <c:pt idx="2">
+                  <c:v>Heeft een zeer goede gezondheid</c:v>
+                </c:pt>
+              </c:strCache>
+            </c:strRef>
+          </c:cat>
+          <c:val>
+            <c:numRef>
+              <c:f>sheet1!$B$2:$B$4</c:f>
+              <c:numCache>
+                <c:ptCount val="3"/>
+                <c:pt idx="0">
+                  <c:v>0.2810564</c:v>
+                </c:pt>
+                <c:pt idx="1">
+                  <c:v>0.8348222</c:v>
+                </c:pt>
+                <c:pt idx="2">
+                  <c:v>0.2718184</c:v>
+                </c:pt>
+              </c:numCache>
+            </c:numRef>
+          </c:val>
+        </c:ser>
+        <c:ser>
+          <c:idx val="1"/>
+          <c:order val="1"/>
+          <c:tx>
+            <c:strRef>
+              <c:f>sheet1!$C$1</c:f>
+              <c:strCache>
+                <c:ptCount val="1"/>
+                <c:pt idx="0">
+                  <c:v>Jongen (Klas 4)</c:v>
+                </c:pt>
+              </c:strCache>
+            </c:strRef>
+          </c:tx>
+          <c:spPr>
+            <a:solidFill>
+              <a:srgbClr val="6FC7FF">
+                <a:alpha val="100000"/>
+              </a:srgbClr>
+            </a:solidFill>
+            <a:ln w="25400">
+              <a:solidFill>
+                <a:srgbClr val="FFFFFF">
+                  <a:alpha val="0"/>
+                </a:srgbClr>
+              </a:solidFill>
+            </a:ln>
+            <a:effectLst/>
+          </c:spPr>
+          <c:invertIfNegative val="0"/>
+          <c:dLbls>
+            <c:dLblPos val="outEnd"/>
+            <c:numFmt formatCode="0%" sourceLinked="0"/>
+            <c:separator val=", "/>
+            <c:showBubbleSize val="0"/>
+            <c:showCatName val="0"/>
+            <c:showLegendKey val="0"/>
+            <c:showPercent val="0"/>
+            <c:showSerName val="0"/>
+            <c:showVal val="1"/>
+            <c:txPr>
+              <a:bodyPr/>
+              <a:lstStyle/>
+              <a:p>
+                <a:pPr>
+                  <a:defRPr cap="none" sz="800" i="0" b="0" u="none">
+                    <a:solidFill>
+                      <a:srgbClr val="000000">
+                        <a:alpha val="100000"/>
+                      </a:srgbClr>
+                    </a:solidFill>
+                    <a:latin typeface="Calibri"/>
+                    <a:cs typeface="Calibri"/>
+                    <a:ea typeface="Calibri"/>
+                    <a:sym typeface="Calibri"/>
+                  </a:defRPr>
+                </a:pPr>
+              </a:p>
+            </c:txPr>
+          </c:dLbls>
+          <c:cat>
+            <c:strRef>
+              <c:f>sheet1!$A$2:$A$4</c:f>
+              <c:strCache>
+                <c:ptCount val="3"/>
+                <c:pt idx="0">
+                  <c:v>Heeft psychische klachten</c:v>
+                </c:pt>
+                <c:pt idx="1">
+                  <c:v>Geeft geen mantelzorg</c:v>
+                </c:pt>
+                <c:pt idx="2">
+                  <c:v>Heeft een zeer goede gezondheid</c:v>
+                </c:pt>
+              </c:strCache>
+            </c:strRef>
+          </c:cat>
+          <c:val>
+            <c:numRef>
+              <c:f>sheet1!$C$2:$C$4</c:f>
+              <c:numCache>
+                <c:ptCount val="3"/>
+                <c:pt idx="0">
+                  <c:v>0.2994914</c:v>
+                </c:pt>
+                <c:pt idx="1">
+                  <c:v>0.8513757</c:v>
+                </c:pt>
+                <c:pt idx="2">
+                  <c:v>0.3782528</c:v>
+                </c:pt>
+              </c:numCache>
+            </c:numRef>
+          </c:val>
+        </c:ser>
+        <c:ser>
+          <c:idx val="2"/>
+          <c:order val="2"/>
+          <c:tx>
+            <c:strRef>
+              <c:f>sheet1!$D$1</c:f>
+              <c:strCache>
+                <c:ptCount val="1"/>
+                <c:pt idx="0">
+                  <c:v>Meisje (Klas 2)</c:v>
+                </c:pt>
+              </c:strCache>
+            </c:strRef>
+          </c:tx>
+          <c:spPr>
+            <a:solidFill>
+              <a:srgbClr val="E54800">
+                <a:alpha val="100000"/>
+              </a:srgbClr>
+            </a:solidFill>
+            <a:ln w="25400">
+              <a:solidFill>
+                <a:srgbClr val="FFFFFF">
+                  <a:alpha val="0"/>
+                </a:srgbClr>
+              </a:solidFill>
+            </a:ln>
+            <a:effectLst/>
+          </c:spPr>
+          <c:invertIfNegative val="0"/>
+          <c:dLbls>
+            <c:dLblPos val="outEnd"/>
+            <c:numFmt formatCode="0%" sourceLinked="0"/>
+            <c:separator val=", "/>
+            <c:showBubbleSize val="0"/>
+            <c:showCatName val="0"/>
+            <c:showLegendKey val="0"/>
+            <c:showPercent val="0"/>
+            <c:showSerName val="0"/>
+            <c:showVal val="1"/>
+            <c:txPr>
+              <a:bodyPr/>
+              <a:lstStyle/>
+              <a:p>
+                <a:pPr>
+                  <a:defRPr cap="none" sz="800" i="0" b="0" u="none">
+                    <a:solidFill>
+                      <a:srgbClr val="000000">
+                        <a:alpha val="100000"/>
+                      </a:srgbClr>
+                    </a:solidFill>
+                    <a:latin typeface="Calibri"/>
+                    <a:cs typeface="Calibri"/>
+                    <a:ea typeface="Calibri"/>
+                    <a:sym typeface="Calibri"/>
+                  </a:defRPr>
+                </a:pPr>
+              </a:p>
+            </c:txPr>
+          </c:dLbls>
+          <c:cat>
+            <c:strRef>
+              <c:f>sheet1!$A$2:$A$4</c:f>
+              <c:strCache>
+                <c:ptCount val="3"/>
+                <c:pt idx="0">
+                  <c:v>Heeft psychische klachten</c:v>
+                </c:pt>
+                <c:pt idx="1">
+                  <c:v>Geeft geen mantelzorg</c:v>
+                </c:pt>
+                <c:pt idx="2">
+                  <c:v>Heeft een zeer goede gezondheid</c:v>
+                </c:pt>
+              </c:strCache>
+            </c:strRef>
+          </c:cat>
+          <c:val>
+            <c:numRef>
+              <c:f>sheet1!$D$2:$D$4</c:f>
+              <c:numCache>
+                <c:ptCount val="3"/>
+                <c:pt idx="0">
+                  <c:v>0.2484313</c:v>
+                </c:pt>
+                <c:pt idx="1">
+                  <c:v>0.8430085</c:v>
+                </c:pt>
+                <c:pt idx="2">
+                  <c:v>0.3214396</c:v>
+                </c:pt>
+              </c:numCache>
+            </c:numRef>
+          </c:val>
+        </c:ser>
+        <c:ser>
+          <c:idx val="3"/>
+          <c:order val="3"/>
+          <c:tx>
+            <c:strRef>
+              <c:f>sheet1!$E$1</c:f>
+              <c:strCache>
+                <c:ptCount val="1"/>
+                <c:pt idx="0">
+                  <c:v>Meisje (Klas 4)</c:v>
+                </c:pt>
+              </c:strCache>
+            </c:strRef>
+          </c:tx>
+          <c:spPr>
+            <a:solidFill>
+              <a:srgbClr val="FFB18E">
+                <a:alpha val="100000"/>
+              </a:srgbClr>
+            </a:solidFill>
+            <a:ln w="25400">
+              <a:solidFill>
+                <a:srgbClr val="FFFFFF">
+                  <a:alpha val="0"/>
+                </a:srgbClr>
+              </a:solidFill>
+            </a:ln>
+            <a:effectLst/>
+          </c:spPr>
+          <c:invertIfNegative val="0"/>
+          <c:dLbls>
+            <c:dLblPos val="outEnd"/>
+            <c:numFmt formatCode="0%" sourceLinked="0"/>
+            <c:separator val=", "/>
+            <c:showBubbleSize val="0"/>
+            <c:showCatName val="0"/>
+            <c:showLegendKey val="0"/>
+            <c:showPercent val="0"/>
+            <c:showSerName val="0"/>
+            <c:showVal val="1"/>
+            <c:txPr>
+              <a:bodyPr/>
+              <a:lstStyle/>
+              <a:p>
+                <a:pPr>
+                  <a:defRPr cap="none" sz="800" i="0" b="0" u="none">
+                    <a:solidFill>
+                      <a:srgbClr val="000000">
+                        <a:alpha val="100000"/>
+                      </a:srgbClr>
+                    </a:solidFill>
+                    <a:latin typeface="Calibri"/>
+                    <a:cs typeface="Calibri"/>
+                    <a:ea typeface="Calibri"/>
+                    <a:sym typeface="Calibri"/>
+                  </a:defRPr>
+                </a:pPr>
+              </a:p>
+            </c:txPr>
+          </c:dLbls>
+          <c:cat>
+            <c:strRef>
+              <c:f>sheet1!$A$2:$A$4</c:f>
+              <c:strCache>
+                <c:ptCount val="3"/>
+                <c:pt idx="0">
+                  <c:v>Heeft psychische klachten</c:v>
+                </c:pt>
+                <c:pt idx="1">
+                  <c:v>Geeft geen mantelzorg</c:v>
+                </c:pt>
+                <c:pt idx="2">
+                  <c:v>Heeft een zeer goede gezondheid</c:v>
+                </c:pt>
+              </c:strCache>
+            </c:strRef>
+          </c:cat>
+          <c:val>
+            <c:numRef>
+              <c:f>sheet1!$E$2:$E$4</c:f>
+              <c:numCache>
+                <c:ptCount val="3"/>
+                <c:pt idx="0">
+                  <c:v>0.2907135</c:v>
+                </c:pt>
+                <c:pt idx="1">
+                  <c:v>0.8602841</c:v>
+                </c:pt>
+                <c:pt idx="2">
+                  <c:v>0.2203051</c:v>
+                </c:pt>
+              </c:numCache>
+            </c:numRef>
+          </c:val>
+        </c:ser>
+        <c:dLbls>
+          <c:dLblPos val="outEnd"/>
+          <c:numFmt formatCode="0%" sourceLinked="0"/>
+          <c:separator val=", "/>
+          <c:showBubbleSize val="0"/>
+          <c:showCatName val="0"/>
+          <c:showLegendKey val="0"/>
+          <c:showPercent val="0"/>
+          <c:showSerName val="0"/>
+          <c:showVal val="1"/>
+        </c:dLbls>
+        <c:gapWidth val="150"/>
+        <c:overlap val="0"/>
+        <c:axId val="64451712"/>
+        <c:axId val="64453248"/>
+      </c:barChart>
+      <c:catAx>
+        <c:axId val="64451712"/>
+        <c:scaling>
+          <c:orientation val="minMax"/>
+        </c:scaling>
+        <c:delete val="0"/>
+        <c:axPos val="l"/>
+        <c:majorTickMark val="none"/>
+        <c:minorTickMark val="none"/>
+        <c:tickLblPos val="nextTo"/>
+        <c:txPr>
+          <a:bodyPr rot="0" vert="horz"/>
+          <a:lstStyle/>
+          <a:p>
+            <a:pPr>
+              <a:defRPr cap="none" sz="800" i="0" b="0" u="none">
+                <a:solidFill>
+                  <a:srgbClr val="000000">
+                    <a:alpha val="100000"/>
+                  </a:srgbClr>
+                </a:solidFill>
+                <a:latin typeface="Calibri"/>
+                <a:cs typeface="Calibri"/>
+                <a:ea typeface="Calibri"/>
+                <a:sym typeface="Calibri"/>
+              </a:defRPr>
+            </a:pPr>
+          </a:p>
+        </c:txPr>
+        <c:spPr>
+          <a:ln algn="ctr" w="12700">
+            <a:solidFill>
+              <a:srgbClr val="000000">
+                <a:alpha val="100000"/>
+              </a:srgbClr>
+            </a:solidFill>
+            <a:prstDash val="solid"/>
+          </a:ln>
+        </c:spPr>
+        <c:numFmt formatCode="General" sourceLinked="0"/>
+        <c:crossAx val="64453248"/>
+        <c:crosses val="autoZero"/>
+      </c:catAx>
+      <c:valAx>
+        <c:axId val="64453248"/>
+        <c:scaling>
+          <c:orientation val="minMax"/>
+          <c:max val="1.00"/>
+          <c:min val="0.00"/>
+        </c:scaling>
+        <c:delete val="0"/>
+        <c:axPos val="l"/>
+        <c:majorTickMark val="none"/>
+        <c:minorTickMark val="none"/>
+        <c:tickLblPos val="nextTo"/>
+        <c:txPr>
+          <a:bodyPr rot="0" vert="horz"/>
+          <a:lstStyle/>
+          <a:p>
+            <a:pPr>
+              <a:defRPr cap="none" sz="900" i="0" b="0" u="none">
+                <a:solidFill>
+                  <a:srgbClr val="000000">
+                    <a:alpha val="100000"/>
+                  </a:srgbClr>
+                </a:solidFill>
+                <a:latin typeface="Calibri"/>
+                <a:cs typeface="Calibri"/>
+                <a:ea typeface="Calibri"/>
+                <a:sym typeface="Calibri"/>
+              </a:defRPr>
+            </a:pPr>
+          </a:p>
+        </c:txPr>
+        <c:spPr>
+          <a:ln algn="ctr" w="12700">
+            <a:solidFill>
+              <a:srgbClr val="000000">
+                <a:alpha val="100000"/>
+              </a:srgbClr>
+            </a:solidFill>
+            <a:prstDash val="solid"/>
+          </a:ln>
+        </c:spPr>
+        <c:numFmt formatCode="0%" sourceLinked="0"/>
+        <c:crossAx val="64451712"/>
+        <c:crosses val="autoZero"/>
+      </c:valAx>
+    </c:plotArea>
+    <c:legend>
+      <c:legendPos val="b"/>
+      <c:layout/>
+      <c:overlay val="0"/>
+      <c:txPr xmlns:c="http://schemas.openxmlformats.org/drawingml/2006/chart" xmlns:a="http://schemas.openxmlformats.org/drawingml/2006/main">
+        <a:bodyPr/>
+        <a:lstStyle/>
+        <a:p>
+          <a:pPr>
+            <a:defRPr cap="none" sz="900" i="0" b="0" u="none">
+              <a:solidFill>
+                <a:srgbClr val="000000">
+                  <a:alpha val="100000"/>
+                </a:srgbClr>
+              </a:solidFill>
+              <a:latin typeface="Calibri"/>
+              <a:cs typeface="Calibri"/>
+              <a:ea typeface="Calibri"/>
+              <a:sym typeface="Calibri"/>
+            </a:defRPr>
+          </a:pPr>
+        </a:p>
+      </c:txPr>
+    </c:legend>
+    <c:plotVisOnly val="1"/>
+    <c:dispBlanksAs val="gap"/>
+    <c:showDLblsOverMax val="0"/>
+  </c:chart>
+  <c:txPr>
+    <a:bodyPr/>
+    <a:lstStyle/>
+    <a:p>
+      <a:pPr>
+        <a:defRPr sz="1800"/>
+      </a:pPr>
+      <a:endParaRPr lang="fr-FR"/>
+    </a:p>
+  </c:txPr>
+  <c:externalData r:id="rId1">
+    <c:autoUpdate val="0"/>
+  </c:externalData>
+</c:chartSpace>
+</file>
+
+<file path=ppt/charts/chartc7044a44185.xml><?xml version="1.0" encoding="utf-8"?>
 <c:chartSpace xmlns:c="http://schemas.openxmlformats.org/drawingml/2006/chart" xmlns:a="http://schemas.openxmlformats.org/drawingml/2006/main" xmlns:r="http://schemas.openxmlformats.org/officeDocument/2006/relationships">
   <c:date1904 val="0"/>
   <c:lang val="fr-FR"/>
@@ -3541,7 +6436,7 @@
 </c:chartSpace>
 </file>
 
-<file path=ppt/charts/chart4c4c1c75f8a.xml><?xml version="1.0" encoding="utf-8"?>
+<file path=ppt/charts/chartc70471d3ff0.xml><?xml version="1.0" encoding="utf-8"?>
 <c:chartSpace xmlns:c="http://schemas.openxmlformats.org/drawingml/2006/chart" xmlns:a="http://schemas.openxmlformats.org/drawingml/2006/main" xmlns:r="http://schemas.openxmlformats.org/officeDocument/2006/relationships">
   <c:date1904 val="0"/>
   <c:lang val="fr-FR"/>
@@ -3835,7 +6730,7 @@
 </c:chartSpace>
 </file>
 
-<file path=ppt/charts/chart4c4c2f7837d9.xml><?xml version="1.0" encoding="utf-8"?>
+<file path=ppt/charts/chartc705a21683f.xml><?xml version="1.0" encoding="utf-8"?>
 <c:chartSpace xmlns:c="http://schemas.openxmlformats.org/drawingml/2006/chart" xmlns:a="http://schemas.openxmlformats.org/drawingml/2006/main" xmlns:r="http://schemas.openxmlformats.org/officeDocument/2006/relationships">
   <c:date1904 val="0"/>
   <c:lang val="fr-FR"/>
@@ -4200,7 +7095,7 @@
 </c:chartSpace>
 </file>
 
-<file path=ppt/charts/chart4c4c3044ba9.xml><?xml version="1.0" encoding="utf-8"?>
+<file path=ppt/charts/chartc705c9a66aa.xml><?xml version="1.0" encoding="utf-8"?>
 <c:chartSpace xmlns:c="http://schemas.openxmlformats.org/drawingml/2006/chart" xmlns:a="http://schemas.openxmlformats.org/drawingml/2006/main" xmlns:r="http://schemas.openxmlformats.org/officeDocument/2006/relationships">
   <c:date1904 val="0"/>
   <c:lang val="fr-FR"/>
@@ -4235,7 +7130,7 @@
                 <a:ea typeface="Calibri"/>
                 <a:sym typeface="Calibri"/>
               </a:rPr>
-              <a:t>Variant 1</a:t>
+              <a:t>Variant 7</a:t>
             </a:r>
           </a:p>
         </c:rich>
@@ -4259,7 +7154,7 @@
               <c:strCache>
                 <c:ptCount val="1"/>
                 <c:pt idx="0">
-                  <c:v>Zandwijk</c:v>
+                  <c:v>Jongen</c:v>
                 </c:pt>
               </c:strCache>
             </c:strRef>
@@ -4327,7 +7222,90 @@
               <c:numCache>
                 <c:ptCount val="1"/>
                 <c:pt idx="0">
-                  <c:v>0.2679194</c:v>
+                  <c:v>0.2833711</c:v>
+                </c:pt>
+              </c:numCache>
+            </c:numRef>
+          </c:val>
+        </c:ser>
+        <c:ser>
+          <c:idx val="1"/>
+          <c:order val="1"/>
+          <c:tx>
+            <c:strRef>
+              <c:f>sheet1!$C$1</c:f>
+              <c:strCache>
+                <c:ptCount val="1"/>
+                <c:pt idx="0">
+                  <c:v>Meisje</c:v>
+                </c:pt>
+              </c:strCache>
+            </c:strRef>
+          </c:tx>
+          <c:spPr>
+            <a:solidFill>
+              <a:srgbClr val="6FC7FF">
+                <a:alpha val="100000"/>
+              </a:srgbClr>
+            </a:solidFill>
+            <a:ln w="25400">
+              <a:solidFill>
+                <a:srgbClr val="FFFFFF">
+                  <a:alpha val="0"/>
+                </a:srgbClr>
+              </a:solidFill>
+            </a:ln>
+            <a:effectLst/>
+          </c:spPr>
+          <c:invertIfNegative val="0"/>
+          <c:dLbls>
+            <c:dLblPos val="outEnd"/>
+            <c:numFmt formatCode="0%" sourceLinked="0"/>
+            <c:separator val=", "/>
+            <c:showBubbleSize val="0"/>
+            <c:showCatName val="0"/>
+            <c:showLegendKey val="0"/>
+            <c:showPercent val="0"/>
+            <c:showSerName val="0"/>
+            <c:showVal val="1"/>
+            <c:txPr>
+              <a:bodyPr/>
+              <a:lstStyle/>
+              <a:p>
+                <a:pPr>
+                  <a:defRPr cap="none" sz="800" i="0" b="0" u="none">
+                    <a:solidFill>
+                      <a:srgbClr val="000000">
+                        <a:alpha val="100000"/>
+                      </a:srgbClr>
+                    </a:solidFill>
+                    <a:latin typeface="Calibri"/>
+                    <a:cs typeface="Calibri"/>
+                    <a:ea typeface="Calibri"/>
+                    <a:sym typeface="Calibri"/>
+                  </a:defRPr>
+                </a:pPr>
+              </a:p>
+            </c:txPr>
+          </c:dLbls>
+          <c:cat>
+            <c:strRef>
+              <c:f>sheet1!$A$2:$A$2</c:f>
+              <c:strCache>
+                <c:ptCount val="1"/>
+                <c:pt idx="0">
+                  <c:v>Heeft psychische klachten</c:v>
+                </c:pt>
+              </c:strCache>
+            </c:strRef>
+          </c:cat>
+          <c:val>
+            <c:numRef>
+              <c:f>sheet1!$C$2:$C$2</c:f>
+              <c:numCache>
+                <c:ptCount val="1"/>
+                <c:pt idx="0">
+                  <c:v>0.2587723</c:v>
                 </c:pt>
               </c:numCache>
             </c:numRef>
@@ -4482,7 +7460,7 @@
 </c:chartSpace>
 </file>
 
-<file path=ppt/charts/chart4c4c31f13644.xml><?xml version="1.0" encoding="utf-8"?>
+<file path=ppt/charts/chartc705e1ba.xml><?xml version="1.0" encoding="utf-8"?>
 <c:chartSpace xmlns:c="http://schemas.openxmlformats.org/drawingml/2006/chart" xmlns:a="http://schemas.openxmlformats.org/drawingml/2006/main" xmlns:r="http://schemas.openxmlformats.org/officeDocument/2006/relationships">
   <c:date1904 val="0"/>
   <c:lang val="fr-FR"/>
@@ -4517,7 +7495,7 @@
                 <a:ea typeface="Calibri"/>
                 <a:sym typeface="Calibri"/>
               </a:rPr>
-              <a:t>Variant 7</a:t>
+              <a:t>Staafgrafiek Variant 17 liggend met aangepaste y-as</a:t>
             </a:r>
           </a:p>
         </c:rich>
@@ -4529,7 +7507,7 @@
     <c:plotArea xmlns:c="http://schemas.openxmlformats.org/drawingml/2006/chart" xmlns:a="http://schemas.openxmlformats.org/drawingml/2006/main" xmlns:r="http://schemas.openxmlformats.org/officeDocument/2006/relationships">
       <c:layout/>
       <c:barChart>
-        <c:barDir val="col"/>
+        <c:barDir val="bar"/>
         <c:grouping val="clustered"/>
         <c:varyColors val="0"/>
         <c:ser>
@@ -4541,7 +7519,108 @@
               <c:strCache>
                 <c:ptCount val="1"/>
                 <c:pt idx="0">
+                  <c:v>Nederland</c:v>
+                </c:pt>
+              </c:strCache>
+            </c:strRef>
+          </c:tx>
+          <c:spPr>
+            <a:solidFill>
+              <a:srgbClr val="E54800">
+                <a:alpha val="100000"/>
+              </a:srgbClr>
+            </a:solidFill>
+            <a:ln w="25400">
+              <a:solidFill>
+                <a:srgbClr val="FFFFFF">
+                  <a:alpha val="0"/>
+                </a:srgbClr>
+              </a:solidFill>
+            </a:ln>
+            <a:effectLst/>
+          </c:spPr>
+          <c:invertIfNegative val="0"/>
+          <c:dLbls>
+            <c:dLblPos val="outEnd"/>
+            <c:numFmt formatCode="0%" sourceLinked="0"/>
+            <c:separator val=", "/>
+            <c:showBubbleSize val="0"/>
+            <c:showCatName val="0"/>
+            <c:showLegendKey val="0"/>
+            <c:showPercent val="0"/>
+            <c:showSerName val="0"/>
+            <c:showVal val="1"/>
+            <c:txPr>
+              <a:bodyPr/>
+              <a:lstStyle/>
+              <a:p>
+                <a:pPr>
+                  <a:defRPr cap="none" sz="800" i="0" b="0" u="none">
+                    <a:solidFill>
+                      <a:srgbClr val="000000">
+                        <a:alpha val="100000"/>
+                      </a:srgbClr>
+                    </a:solidFill>
+                    <a:latin typeface="Calibri"/>
+                    <a:cs typeface="Calibri"/>
+                    <a:ea typeface="Calibri"/>
+                    <a:sym typeface="Calibri"/>
+                  </a:defRPr>
+                </a:pPr>
+              </a:p>
+            </c:txPr>
+          </c:dLbls>
+          <c:cat>
+            <c:strRef>
+              <c:f>sheet1!$A$2:$A$5</c:f>
+              <c:strCache>
+                <c:ptCount val="4"/>
+                <c:pt idx="0">
+                  <c:v>Klas 4</c:v>
+                </c:pt>
+                <c:pt idx="1">
+                  <c:v>Klas 2</c:v>
+                </c:pt>
+                <c:pt idx="2">
+                  <c:v>Meisje</c:v>
+                </c:pt>
+                <c:pt idx="3">
                   <c:v>Jongen</c:v>
+                </c:pt>
+              </c:strCache>
+            </c:strRef>
+          </c:cat>
+          <c:val>
+            <c:numRef>
+              <c:f>sheet1!$B$2:$B$5</c:f>
+              <c:numCache>
+                <c:ptCount val="4"/>
+                <c:pt idx="0">
+                  <c:v>0.2738343</c:v>
+                </c:pt>
+                <c:pt idx="1">
+                  <c:v>0.2818699</c:v>
+                </c:pt>
+                <c:pt idx="2">
+                  <c:v>0.2733080</c:v>
+                </c:pt>
+                <c:pt idx="3">
+                  <c:v>0.2810797</c:v>
+                </c:pt>
+              </c:numCache>
+            </c:numRef>
+          </c:val>
+        </c:ser>
+        <c:ser>
+          <c:idx val="1"/>
+          <c:order val="1"/>
+          <c:tx>
+            <c:strRef>
+              <c:f>sheet1!$C$1</c:f>
+              <c:strCache>
+                <c:ptCount val="1"/>
+                <c:pt idx="0">
+                  <c:v>Zandwijk</c:v>
                 </c:pt>
               </c:strCache>
             </c:strRef>
@@ -4594,22 +7673,328 @@
           </c:dLbls>
           <c:cat>
             <c:strRef>
-              <c:f>sheet1!$A$2:$A$2</c:f>
+              <c:f>sheet1!$A$2:$A$5</c:f>
               <c:strCache>
-                <c:ptCount val="1"/>
+                <c:ptCount val="4"/>
                 <c:pt idx="0">
-                  <c:v>Heeft psychische klachten</c:v>
+                  <c:v>Klas 4</c:v>
+                </c:pt>
+                <c:pt idx="1">
+                  <c:v>Klas 2</c:v>
+                </c:pt>
+                <c:pt idx="2">
+                  <c:v>Meisje</c:v>
+                </c:pt>
+                <c:pt idx="3">
+                  <c:v>Jongen</c:v>
                 </c:pt>
               </c:strCache>
             </c:strRef>
           </c:cat>
           <c:val>
             <c:numRef>
-              <c:f>sheet1!$B$2:$B$2</c:f>
+              <c:f>sheet1!$C$2:$C$5</c:f>
               <c:numCache>
+                <c:ptCount val="4"/>
+                <c:pt idx="0">
+                  <c:v>0.2945237</c:v>
+                </c:pt>
+                <c:pt idx="1">
+                  <c:v>0.2607700</c:v>
+                </c:pt>
+                <c:pt idx="2">
+                  <c:v>0.2587723</c:v>
+                </c:pt>
+                <c:pt idx="3">
+                  <c:v>0.2833711</c:v>
+                </c:pt>
+              </c:numCache>
+            </c:numRef>
+          </c:val>
+        </c:ser>
+        <c:dLbls>
+          <c:dLblPos val="outEnd"/>
+          <c:numFmt formatCode="0%" sourceLinked="0"/>
+          <c:separator val=", "/>
+          <c:showBubbleSize val="0"/>
+          <c:showCatName val="0"/>
+          <c:showLegendKey val="0"/>
+          <c:showPercent val="0"/>
+          <c:showSerName val="0"/>
+          <c:showVal val="1"/>
+        </c:dLbls>
+        <c:gapWidth val="30"/>
+        <c:overlap val="-30"/>
+        <c:axId val="64451712"/>
+        <c:axId val="64453248"/>
+      </c:barChart>
+      <c:catAx>
+        <c:axId val="64451712"/>
+        <c:scaling>
+          <c:orientation val="minMax"/>
+        </c:scaling>
+        <c:delete val="0"/>
+        <c:axPos val="l"/>
+        <c:majorTickMark val="none"/>
+        <c:minorTickMark val="none"/>
+        <c:tickLblPos val="nextTo"/>
+        <c:txPr>
+          <a:bodyPr rot="0" vert="horz"/>
+          <a:lstStyle/>
+          <a:p>
+            <a:pPr>
+              <a:defRPr cap="none" sz="800" i="0" b="0" u="none">
+                <a:solidFill>
+                  <a:srgbClr val="000000">
+                    <a:alpha val="100000"/>
+                  </a:srgbClr>
+                </a:solidFill>
+                <a:latin typeface="Calibri"/>
+                <a:cs typeface="Calibri"/>
+                <a:ea typeface="Calibri"/>
+                <a:sym typeface="Calibri"/>
+              </a:defRPr>
+            </a:pPr>
+          </a:p>
+        </c:txPr>
+        <c:spPr>
+          <a:ln algn="ctr" w="12700">
+            <a:solidFill>
+              <a:srgbClr val="000000">
+                <a:alpha val="100000"/>
+              </a:srgbClr>
+            </a:solidFill>
+            <a:prstDash val="solid"/>
+          </a:ln>
+        </c:spPr>
+        <c:numFmt formatCode="General" sourceLinked="0"/>
+        <c:crossAx val="64453248"/>
+        <c:crosses val="autoZero"/>
+      </c:catAx>
+      <c:valAx>
+        <c:axId val="64453248"/>
+        <c:scaling>
+          <c:orientation val="minMax"/>
+          <c:max val="0.50"/>
+          <c:min val="0.00"/>
+        </c:scaling>
+        <c:delete val="0"/>
+        <c:axPos val="l"/>
+        <c:majorTickMark val="none"/>
+        <c:minorTickMark val="none"/>
+        <c:tickLblPos val="nextTo"/>
+        <c:txPr>
+          <a:bodyPr rot="0" vert="horz"/>
+          <a:lstStyle/>
+          <a:p>
+            <a:pPr>
+              <a:defRPr cap="none" sz="900" i="0" b="0" u="none">
+                <a:solidFill>
+                  <a:srgbClr val="000000">
+                    <a:alpha val="100000"/>
+                  </a:srgbClr>
+                </a:solidFill>
+                <a:latin typeface="Calibri"/>
+                <a:cs typeface="Calibri"/>
+                <a:ea typeface="Calibri"/>
+                <a:sym typeface="Calibri"/>
+              </a:defRPr>
+            </a:pPr>
+          </a:p>
+        </c:txPr>
+        <c:spPr>
+          <a:ln algn="ctr" w="12700">
+            <a:solidFill>
+              <a:srgbClr val="000000">
+                <a:alpha val="100000"/>
+              </a:srgbClr>
+            </a:solidFill>
+            <a:prstDash val="solid"/>
+          </a:ln>
+        </c:spPr>
+        <c:numFmt formatCode="0%" sourceLinked="0"/>
+        <c:crossAx val="64451712"/>
+        <c:crosses val="autoZero"/>
+      </c:valAx>
+    </c:plotArea>
+    <c:legend>
+      <c:legendPos val="b"/>
+      <c:layout/>
+      <c:overlay val="0"/>
+      <c:txPr xmlns:c="http://schemas.openxmlformats.org/drawingml/2006/chart" xmlns:a="http://schemas.openxmlformats.org/drawingml/2006/main">
+        <a:bodyPr/>
+        <a:lstStyle/>
+        <a:p>
+          <a:pPr>
+            <a:defRPr cap="none" sz="900" i="0" b="0" u="none">
+              <a:solidFill>
+                <a:srgbClr val="000000">
+                  <a:alpha val="100000"/>
+                </a:srgbClr>
+              </a:solidFill>
+              <a:latin typeface="Calibri"/>
+              <a:cs typeface="Calibri"/>
+              <a:ea typeface="Calibri"/>
+              <a:sym typeface="Calibri"/>
+            </a:defRPr>
+          </a:pPr>
+        </a:p>
+      </c:txPr>
+    </c:legend>
+    <c:plotVisOnly val="1"/>
+    <c:dispBlanksAs val="gap"/>
+    <c:showDLblsOverMax val="0"/>
+  </c:chart>
+  <c:txPr>
+    <a:bodyPr/>
+    <a:lstStyle/>
+    <a:p>
+      <a:pPr>
+        <a:defRPr sz="1800"/>
+      </a:pPr>
+      <a:endParaRPr lang="fr-FR"/>
+    </a:p>
+  </c:txPr>
+  <c:externalData r:id="rId1">
+    <c:autoUpdate val="0"/>
+  </c:externalData>
+</c:chartSpace>
+</file>
+
+<file path=ppt/charts/chartc705f136515.xml><?xml version="1.0" encoding="utf-8"?>
+<c:chartSpace xmlns:c="http://schemas.openxmlformats.org/drawingml/2006/chart" xmlns:a="http://schemas.openxmlformats.org/drawingml/2006/main" xmlns:r="http://schemas.openxmlformats.org/officeDocument/2006/relationships">
+  <c:date1904 val="0"/>
+  <c:lang val="fr-FR"/>
+  <c:roundedCorners val="0"/>
+  <mc:AlternateContent xmlns:mc="http://schemas.openxmlformats.org/markup-compatibility/2006">
+    <mc:Choice xmlns:c14="http://schemas.microsoft.com/office/drawing/2007/8/2/chart" Requires="c14">
+      <c14:style val="118"/>
+    </mc:Choice>
+    <mc:Fallback>
+      <c:style val="18"/>
+    </mc:Fallback>
+  </mc:AlternateContent>
+  <c:chart>
+    <c:title xmlns:c="http://schemas.openxmlformats.org/drawingml/2006/chart" xmlns:a="http://schemas.openxmlformats.org/drawingml/2006/main" xmlns:r="http://schemas.openxmlformats.org/officeDocument/2006/relationships">
+      <c:tx>
+        <c:rich>
+          <a:bodyPr/>
+          <a:lstStyle/>
+          <a:p>
+            <a:pPr>
+              <a:defRPr/>
+            </a:pPr>
+            <a:r>
+              <a:rPr cap="none" sz="900" i="0" b="1" u="none">
+                <a:solidFill>
+                  <a:srgbClr val="000000">
+                    <a:alpha val="100000"/>
+                  </a:srgbClr>
+                </a:solidFill>
+                <a:latin typeface="Calibri"/>
+                <a:cs typeface="Calibri"/>
+                <a:ea typeface="Calibri"/>
+                <a:sym typeface="Calibri"/>
+              </a:rPr>
+              <a:t>Variant 11</a:t>
+            </a:r>
+          </a:p>
+        </c:rich>
+      </c:tx>
+      <c:layout/>
+      <c:overlay val="0"/>
+    </c:title>
+    <c:autoTitleDeleted val="0"/>
+    <c:plotArea xmlns:c="http://schemas.openxmlformats.org/drawingml/2006/chart" xmlns:a="http://schemas.openxmlformats.org/drawingml/2006/main" xmlns:r="http://schemas.openxmlformats.org/officeDocument/2006/relationships">
+      <c:layout/>
+      <c:barChart>
+        <c:barDir val="col"/>
+        <c:grouping val="clustered"/>
+        <c:varyColors val="0"/>
+        <c:ser>
+          <c:idx val="0"/>
+          <c:order val="0"/>
+          <c:tx>
+            <c:strRef>
+              <c:f>sheet1!$B$1</c:f>
+              <c:strCache>
                 <c:ptCount val="1"/>
                 <c:pt idx="0">
-                  <c:v>0.2833711</c:v>
+                  <c:v>Klas 2</c:v>
+                </c:pt>
+              </c:strCache>
+            </c:strRef>
+          </c:tx>
+          <c:spPr>
+            <a:solidFill>
+              <a:srgbClr val="005C96">
+                <a:alpha val="100000"/>
+              </a:srgbClr>
+            </a:solidFill>
+            <a:ln w="25400">
+              <a:solidFill>
+                <a:srgbClr val="FFFFFF">
+                  <a:alpha val="0"/>
+                </a:srgbClr>
+              </a:solidFill>
+            </a:ln>
+            <a:effectLst/>
+          </c:spPr>
+          <c:invertIfNegative val="0"/>
+          <c:dLbls>
+            <c:dLblPos val="outEnd"/>
+            <c:numFmt formatCode="0%" sourceLinked="0"/>
+            <c:separator val=", "/>
+            <c:showBubbleSize val="0"/>
+            <c:showCatName val="0"/>
+            <c:showLegendKey val="0"/>
+            <c:showPercent val="0"/>
+            <c:showSerName val="0"/>
+            <c:showVal val="1"/>
+            <c:txPr>
+              <a:bodyPr/>
+              <a:lstStyle/>
+              <a:p>
+                <a:pPr>
+                  <a:defRPr cap="none" sz="800" i="0" b="0" u="none">
+                    <a:solidFill>
+                      <a:srgbClr val="000000">
+                        <a:alpha val="100000"/>
+                      </a:srgbClr>
+                    </a:solidFill>
+                    <a:latin typeface="Calibri"/>
+                    <a:cs typeface="Calibri"/>
+                    <a:ea typeface="Calibri"/>
+                    <a:sym typeface="Calibri"/>
+                  </a:defRPr>
+                </a:pPr>
+              </a:p>
+            </c:txPr>
+          </c:dLbls>
+          <c:cat>
+            <c:strRef>
+              <c:f>sheet1!$A$2:$A$3</c:f>
+              <c:strCache>
+                <c:ptCount val="2"/>
+                <c:pt idx="0">
+                  <c:v>Zandwijk</c:v>
+                </c:pt>
+                <c:pt idx="1">
+                  <c:v>Nederland</c:v>
+                </c:pt>
+              </c:strCache>
+            </c:strRef>
+          </c:cat>
+          <c:val>
+            <c:numRef>
+              <c:f>sheet1!$B$2:$B$3</c:f>
+              <c:numCache>
+                <c:ptCount val="2"/>
+                <c:pt idx="0">
+                  <c:v>0.2607700</c:v>
+                </c:pt>
+                <c:pt idx="1">
+                  <c:v>0.2818699</c:v>
                 </c:pt>
               </c:numCache>
             </c:numRef>
@@ -4624,7 +8009,7 @@
               <c:strCache>
                 <c:ptCount val="1"/>
                 <c:pt idx="0">
-                  <c:v>Meisje</c:v>
+                  <c:v>Klas 4</c:v>
                 </c:pt>
               </c:strCache>
             </c:strRef>
@@ -4677,22 +8062,28 @@
           </c:dLbls>
           <c:cat>
             <c:strRef>
-              <c:f>sheet1!$A$2:$A$2</c:f>
+              <c:f>sheet1!$A$2:$A$3</c:f>
               <c:strCache>
-                <c:ptCount val="1"/>
+                <c:ptCount val="2"/>
                 <c:pt idx="0">
-                  <c:v>Heeft psychische klachten</c:v>
+                  <c:v>Zandwijk</c:v>
+                </c:pt>
+                <c:pt idx="1">
+                  <c:v>Nederland</c:v>
                 </c:pt>
               </c:strCache>
             </c:strRef>
           </c:cat>
           <c:val>
             <c:numRef>
-              <c:f>sheet1!$C$2:$C$2</c:f>
+              <c:f>sheet1!$C$2:$C$3</c:f>
               <c:numCache>
-                <c:ptCount val="1"/>
+                <c:ptCount val="2"/>
                 <c:pt idx="0">
-                  <c:v>0.2587723</c:v>
+                  <c:v>0.2945237</c:v>
+                </c:pt>
+                <c:pt idx="1">
+                  <c:v>0.2738343</c:v>
                 </c:pt>
               </c:numCache>
             </c:numRef>
@@ -4847,7 +8238,7 @@
 </c:chartSpace>
 </file>
 
-<file path=ppt/charts/chart4c4c346a34ae.xml><?xml version="1.0" encoding="utf-8"?>
+<file path=ppt/charts/chartc70618d6380.xml><?xml version="1.0" encoding="utf-8"?>
 <c:chartSpace xmlns:c="http://schemas.openxmlformats.org/drawingml/2006/chart" xmlns:a="http://schemas.openxmlformats.org/drawingml/2006/main" xmlns:r="http://schemas.openxmlformats.org/officeDocument/2006/relationships">
   <c:date1904 val="0"/>
   <c:lang val="fr-FR"/>
@@ -4882,7 +8273,7 @@
                 <a:ea typeface="Calibri"/>
                 <a:sym typeface="Calibri"/>
               </a:rPr>
-              <a:t>Variant 11</a:t>
+              <a:t>Variant 15</a:t>
             </a:r>
           </a:p>
         </c:rich>
@@ -4963,10 +8354,10 @@
               <c:strCache>
                 <c:ptCount val="2"/>
                 <c:pt idx="0">
-                  <c:v>Zandwijk</c:v>
+                  <c:v>Jongen</c:v>
                 </c:pt>
                 <c:pt idx="1">
-                  <c:v>Nederland</c:v>
+                  <c:v>Meisje</c:v>
                 </c:pt>
               </c:strCache>
             </c:strRef>
@@ -4977,10 +8368,10 @@
               <c:numCache>
                 <c:ptCount val="2"/>
                 <c:pt idx="0">
-                  <c:v>0.2607700</c:v>
+                  <c:v>0.2810564</c:v>
                 </c:pt>
                 <c:pt idx="1">
-                  <c:v>0.2818699</c:v>
+                  <c:v>0.2484313</c:v>
                 </c:pt>
               </c:numCache>
             </c:numRef>
@@ -5052,10 +8443,10 @@
               <c:strCache>
                 <c:ptCount val="2"/>
                 <c:pt idx="0">
-                  <c:v>Zandwijk</c:v>
+                  <c:v>Jongen</c:v>
                 </c:pt>
                 <c:pt idx="1">
-                  <c:v>Nederland</c:v>
+                  <c:v>Meisje</c:v>
                 </c:pt>
               </c:strCache>
             </c:strRef>
@@ -5066,10 +8457,10 @@
               <c:numCache>
                 <c:ptCount val="2"/>
                 <c:pt idx="0">
-                  <c:v>0.2945237</c:v>
+                  <c:v>0.2994914</c:v>
                 </c:pt>
                 <c:pt idx="1">
-                  <c:v>0.2738343</c:v>
+                  <c:v>0.2907135</c:v>
                 </c:pt>
               </c:numCache>
             </c:numRef>
@@ -5224,7 +8615,7 @@
 </c:chartSpace>
 </file>
 
-<file path=ppt/charts/chart4c4c36e43319.xml><?xml version="1.0" encoding="utf-8"?>
+<file path=ppt/charts/chartc70640661ea.xml><?xml version="1.0" encoding="utf-8"?>
 <c:chartSpace xmlns:c="http://schemas.openxmlformats.org/drawingml/2006/chart" xmlns:a="http://schemas.openxmlformats.org/drawingml/2006/main" xmlns:r="http://schemas.openxmlformats.org/officeDocument/2006/relationships">
   <c:date1904 val="0"/>
   <c:lang val="fr-FR"/>
@@ -5259,7 +8650,7 @@
                 <a:ea typeface="Calibri"/>
                 <a:sym typeface="Calibri"/>
               </a:rPr>
-              <a:t>Variant 15</a:t>
+              <a:t>Staafgrafiek Variant 17 zonder aanpassingen</a:t>
             </a:r>
           </a:p>
         </c:rich>
@@ -5283,7 +8674,7 @@
               <c:strCache>
                 <c:ptCount val="1"/>
                 <c:pt idx="0">
-                  <c:v>Klas 2</c:v>
+                  <c:v>Zandwijk</c:v>
                 </c:pt>
               </c:strCache>
             </c:strRef>
@@ -5336,28 +8727,40 @@
           </c:dLbls>
           <c:cat>
             <c:strRef>
-              <c:f>sheet1!$A$2:$A$3</c:f>
+              <c:f>sheet1!$A$2:$A$5</c:f>
               <c:strCache>
-                <c:ptCount val="2"/>
+                <c:ptCount val="4"/>
                 <c:pt idx="0">
                   <c:v>Jongen</c:v>
                 </c:pt>
                 <c:pt idx="1">
                   <c:v>Meisje</c:v>
+                </c:pt>
+                <c:pt idx="2">
+                  <c:v>Klas 2</c:v>
+                </c:pt>
+                <c:pt idx="3">
+                  <c:v>Klas 4</c:v>
                 </c:pt>
               </c:strCache>
             </c:strRef>
           </c:cat>
           <c:val>
             <c:numRef>
-              <c:f>sheet1!$B$2:$B$3</c:f>
+              <c:f>sheet1!$B$2:$B$5</c:f>
               <c:numCache>
-                <c:ptCount val="2"/>
+                <c:ptCount val="4"/>
                 <c:pt idx="0">
-                  <c:v>0.2810564</c:v>
+                  <c:v>0.2833711</c:v>
                 </c:pt>
                 <c:pt idx="1">
-                  <c:v>0.2484313</c:v>
+                  <c:v>0.2587723</c:v>
+                </c:pt>
+                <c:pt idx="2">
+                  <c:v>0.2607700</c:v>
+                </c:pt>
+                <c:pt idx="3">
+                  <c:v>0.2945237</c:v>
                 </c:pt>
               </c:numCache>
             </c:numRef>
@@ -5372,14 +8775,14 @@
               <c:strCache>
                 <c:ptCount val="1"/>
                 <c:pt idx="0">
-                  <c:v>Klas 4</c:v>
+                  <c:v>Nederland</c:v>
                 </c:pt>
               </c:strCache>
             </c:strRef>
           </c:tx>
           <c:spPr>
             <a:solidFill>
-              <a:srgbClr val="6FC7FF">
+              <a:srgbClr val="E54800">
                 <a:alpha val="100000"/>
               </a:srgbClr>
             </a:solidFill>
@@ -5425,28 +8828,40 @@
           </c:dLbls>
           <c:cat>
             <c:strRef>
-              <c:f>sheet1!$A$2:$A$3</c:f>
+              <c:f>sheet1!$A$2:$A$5</c:f>
               <c:strCache>
-                <c:ptCount val="2"/>
+                <c:ptCount val="4"/>
                 <c:pt idx="0">
                   <c:v>Jongen</c:v>
                 </c:pt>
                 <c:pt idx="1">
                   <c:v>Meisje</c:v>
+                </c:pt>
+                <c:pt idx="2">
+                  <c:v>Klas 2</c:v>
+                </c:pt>
+                <c:pt idx="3">
+                  <c:v>Klas 4</c:v>
                 </c:pt>
               </c:strCache>
             </c:strRef>
           </c:cat>
           <c:val>
             <c:numRef>
-              <c:f>sheet1!$C$2:$C$3</c:f>
+              <c:f>sheet1!$C$2:$C$5</c:f>
               <c:numCache>
-                <c:ptCount val="2"/>
+                <c:ptCount val="4"/>
                 <c:pt idx="0">
-                  <c:v>0.2994914</c:v>
+                  <c:v>0.2810797</c:v>
                 </c:pt>
                 <c:pt idx="1">
-                  <c:v>0.2907135</c:v>
+                  <c:v>0.2733080</c:v>
+                </c:pt>
+                <c:pt idx="2">
+                  <c:v>0.2818699</c:v>
+                </c:pt>
+                <c:pt idx="3">
+                  <c:v>0.2738343</c:v>
                 </c:pt>
               </c:numCache>
             </c:numRef>
@@ -5601,7 +9016,7 @@
 </c:chartSpace>
 </file>
 
-<file path=ppt/charts/chart4c4c395d3184.xml><?xml version="1.0" encoding="utf-8"?>
+<file path=ppt/charts/chartc707036f2.xml><?xml version="1.0" encoding="utf-8"?>
 <c:chartSpace xmlns:c="http://schemas.openxmlformats.org/drawingml/2006/chart" xmlns:a="http://schemas.openxmlformats.org/drawingml/2006/main" xmlns:r="http://schemas.openxmlformats.org/officeDocument/2006/relationships">
   <c:date1904 val="0"/>
   <c:lang val="fr-FR"/>
@@ -5636,7 +9051,7 @@
                 <a:ea typeface="Calibri"/>
                 <a:sym typeface="Calibri"/>
               </a:rPr>
-              <a:t>Staafgrafiek Variant 17 zonder aanpassingen</a:t>
+              <a:t>Variant 1</a:t>
             </a:r>
           </a:p>
         </c:rich>
@@ -5713,141 +9128,22 @@
           </c:dLbls>
           <c:cat>
             <c:strRef>
-              <c:f>sheet1!$A$2:$A$5</c:f>
+              <c:f>sheet1!$A$2:$A$2</c:f>
               <c:strCache>
-                <c:ptCount val="4"/>
+                <c:ptCount val="1"/>
                 <c:pt idx="0">
-                  <c:v>Jongen</c:v>
-                </c:pt>
-                <c:pt idx="1">
-                  <c:v>Meisje</c:v>
-                </c:pt>
-                <c:pt idx="2">
-                  <c:v>Klas 2</c:v>
-                </c:pt>
-                <c:pt idx="3">
-                  <c:v>Klas 4</c:v>
+                  <c:v>Heeft psychische klachten</c:v>
                 </c:pt>
               </c:strCache>
             </c:strRef>
           </c:cat>
           <c:val>
             <c:numRef>
-              <c:f>sheet1!$B$2:$B$5</c:f>
+              <c:f>sheet1!$B$2:$B$2</c:f>
               <c:numCache>
-                <c:ptCount val="4"/>
-                <c:pt idx="0">
-                  <c:v>0.2833711</c:v>
-                </c:pt>
-                <c:pt idx="1">
-                  <c:v>0.2587723</c:v>
-                </c:pt>
-                <c:pt idx="2">
-                  <c:v>0.2607700</c:v>
-                </c:pt>
-                <c:pt idx="3">
-                  <c:v>0.2945237</c:v>
-                </c:pt>
-              </c:numCache>
-            </c:numRef>
-          </c:val>
-        </c:ser>
-        <c:ser>
-          <c:idx val="1"/>
-          <c:order val="1"/>
-          <c:tx>
-            <c:strRef>
-              <c:f>sheet1!$C$1</c:f>
-              <c:strCache>
                 <c:ptCount val="1"/>
                 <c:pt idx="0">
-                  <c:v>Nederland</c:v>
-                </c:pt>
-              </c:strCache>
-            </c:strRef>
-          </c:tx>
-          <c:spPr>
-            <a:solidFill>
-              <a:srgbClr val="E54800">
-                <a:alpha val="100000"/>
-              </a:srgbClr>
-            </a:solidFill>
-            <a:ln w="25400">
-              <a:solidFill>
-                <a:srgbClr val="FFFFFF">
-                  <a:alpha val="0"/>
-                </a:srgbClr>
-              </a:solidFill>
-            </a:ln>
-            <a:effectLst/>
-          </c:spPr>
-          <c:invertIfNegative val="0"/>
-          <c:dLbls>
-            <c:dLblPos val="outEnd"/>
-            <c:numFmt formatCode="0%" sourceLinked="0"/>
-            <c:separator val=", "/>
-            <c:showBubbleSize val="0"/>
-            <c:showCatName val="0"/>
-            <c:showLegendKey val="0"/>
-            <c:showPercent val="0"/>
-            <c:showSerName val="0"/>
-            <c:showVal val="1"/>
-            <c:txPr>
-              <a:bodyPr/>
-              <a:lstStyle/>
-              <a:p>
-                <a:pPr>
-                  <a:defRPr cap="none" sz="800" i="0" b="0" u="none">
-                    <a:solidFill>
-                      <a:srgbClr val="000000">
-                        <a:alpha val="100000"/>
-                      </a:srgbClr>
-                    </a:solidFill>
-                    <a:latin typeface="Calibri"/>
-                    <a:cs typeface="Calibri"/>
-                    <a:ea typeface="Calibri"/>
-                    <a:sym typeface="Calibri"/>
-                  </a:defRPr>
-                </a:pPr>
-              </a:p>
-            </c:txPr>
-          </c:dLbls>
-          <c:cat>
-            <c:strRef>
-              <c:f>sheet1!$A$2:$A$5</c:f>
-              <c:strCache>
-                <c:ptCount val="4"/>
-                <c:pt idx="0">
-                  <c:v>Jongen</c:v>
-                </c:pt>
-                <c:pt idx="1">
-                  <c:v>Meisje</c:v>
-                </c:pt>
-                <c:pt idx="2">
-                  <c:v>Klas 2</c:v>
-                </c:pt>
-                <c:pt idx="3">
-                  <c:v>Klas 4</c:v>
-                </c:pt>
-              </c:strCache>
-            </c:strRef>
-          </c:cat>
-          <c:val>
-            <c:numRef>
-              <c:f>sheet1!$C$2:$C$5</c:f>
-              <c:numCache>
-                <c:ptCount val="4"/>
-                <c:pt idx="0">
-                  <c:v>0.2810797</c:v>
-                </c:pt>
-                <c:pt idx="1">
-                  <c:v>0.2733080</c:v>
-                </c:pt>
-                <c:pt idx="2">
-                  <c:v>0.2818699</c:v>
-                </c:pt>
-                <c:pt idx="3">
-                  <c:v>0.2738343</c:v>
+                  <c:v>0.2679194</c:v>
                 </c:pt>
               </c:numCache>
             </c:numRef>
@@ -6002,7 +9298,7 @@
 </c:chartSpace>
 </file>
 
-<file path=ppt/charts/chart4c4c4eda583e.xml><?xml version="1.0" encoding="utf-8"?>
+<file path=ppt/charts/chartc7079828a4.xml><?xml version="1.0" encoding="utf-8"?>
 <c:chartSpace xmlns:c="http://schemas.openxmlformats.org/drawingml/2006/chart" xmlns:a="http://schemas.openxmlformats.org/drawingml/2006/main" xmlns:r="http://schemas.openxmlformats.org/officeDocument/2006/relationships">
   <c:date1904 val="0"/>
   <c:lang val="fr-FR"/>
@@ -6296,7 +9592,7 @@
 </c:chartSpace>
 </file>
 
-<file path=ppt/charts/chart4c4c515356a9.xml><?xml version="1.0" encoding="utf-8"?>
+<file path=ppt/charts/chartc707bfc70f.xml><?xml version="1.0" encoding="utf-8"?>
 <c:chartSpace xmlns:c="http://schemas.openxmlformats.org/drawingml/2006/chart" xmlns:a="http://schemas.openxmlformats.org/drawingml/2006/main" xmlns:r="http://schemas.openxmlformats.org/officeDocument/2006/relationships">
   <c:date1904 val="0"/>
   <c:lang val="fr-FR"/>
@@ -6685,7 +9981,7 @@
 </c:chartSpace>
 </file>
 
-<file path=ppt/charts/chart4c4c53cc5514.xml><?xml version="1.0" encoding="utf-8"?>
+<file path=ppt/charts/chartc707e7557a.xml><?xml version="1.0" encoding="utf-8"?>
 <c:chartSpace xmlns:c="http://schemas.openxmlformats.org/drawingml/2006/chart" xmlns:a="http://schemas.openxmlformats.org/drawingml/2006/main" xmlns:r="http://schemas.openxmlformats.org/officeDocument/2006/relationships">
   <c:date1904 val="0"/>
   <c:lang val="fr-FR"/>
@@ -7110,7 +10406,7 @@
 </c:chartSpace>
 </file>
 
-<file path=ppt/charts/chart4c4c5645537e.xml><?xml version="1.0" encoding="utf-8"?>
+<file path=ppt/charts/chartc70ee3e5.xml><?xml version="1.0" encoding="utf-8"?>
 <c:chartSpace xmlns:c="http://schemas.openxmlformats.org/drawingml/2006/chart" xmlns:a="http://schemas.openxmlformats.org/drawingml/2006/main" xmlns:r="http://schemas.openxmlformats.org/officeDocument/2006/relationships">
   <c:date1904 val="0"/>
   <c:lang val="fr-FR"/>
@@ -7505,3302 +10801,6 @@
         </c:dLbls>
         <c:gapWidth val="150"/>
         <c:overlap val="0"/>
-        <c:axId val="64451712"/>
-        <c:axId val="64453248"/>
-      </c:barChart>
-      <c:catAx>
-        <c:axId val="64451712"/>
-        <c:scaling>
-          <c:orientation val="minMax"/>
-        </c:scaling>
-        <c:delete val="0"/>
-        <c:axPos val="l"/>
-        <c:majorTickMark val="none"/>
-        <c:minorTickMark val="none"/>
-        <c:tickLblPos val="nextTo"/>
-        <c:txPr>
-          <a:bodyPr rot="0" vert="horz"/>
-          <a:lstStyle/>
-          <a:p>
-            <a:pPr>
-              <a:defRPr cap="none" sz="800" i="0" b="0" u="none">
-                <a:solidFill>
-                  <a:srgbClr val="000000">
-                    <a:alpha val="100000"/>
-                  </a:srgbClr>
-                </a:solidFill>
-                <a:latin typeface="Calibri"/>
-                <a:cs typeface="Calibri"/>
-                <a:ea typeface="Calibri"/>
-                <a:sym typeface="Calibri"/>
-              </a:defRPr>
-            </a:pPr>
-          </a:p>
-        </c:txPr>
-        <c:spPr>
-          <a:ln algn="ctr" w="12700">
-            <a:solidFill>
-              <a:srgbClr val="000000">
-                <a:alpha val="100000"/>
-              </a:srgbClr>
-            </a:solidFill>
-            <a:prstDash val="solid"/>
-          </a:ln>
-        </c:spPr>
-        <c:numFmt formatCode="General" sourceLinked="0"/>
-        <c:crossAx val="64453248"/>
-        <c:crosses val="autoZero"/>
-      </c:catAx>
-      <c:valAx>
-        <c:axId val="64453248"/>
-        <c:scaling>
-          <c:orientation val="minMax"/>
-          <c:max val="1.00"/>
-          <c:min val="0.00"/>
-        </c:scaling>
-        <c:delete val="0"/>
-        <c:axPos val="l"/>
-        <c:majorTickMark val="none"/>
-        <c:minorTickMark val="none"/>
-        <c:tickLblPos val="nextTo"/>
-        <c:txPr>
-          <a:bodyPr rot="0" vert="horz"/>
-          <a:lstStyle/>
-          <a:p>
-            <a:pPr>
-              <a:defRPr cap="none" sz="900" i="0" b="0" u="none">
-                <a:solidFill>
-                  <a:srgbClr val="000000">
-                    <a:alpha val="100000"/>
-                  </a:srgbClr>
-                </a:solidFill>
-                <a:latin typeface="Calibri"/>
-                <a:cs typeface="Calibri"/>
-                <a:ea typeface="Calibri"/>
-                <a:sym typeface="Calibri"/>
-              </a:defRPr>
-            </a:pPr>
-          </a:p>
-        </c:txPr>
-        <c:spPr>
-          <a:ln algn="ctr" w="12700">
-            <a:solidFill>
-              <a:srgbClr val="000000">
-                <a:alpha val="100000"/>
-              </a:srgbClr>
-            </a:solidFill>
-            <a:prstDash val="solid"/>
-          </a:ln>
-        </c:spPr>
-        <c:numFmt formatCode="0%" sourceLinked="0"/>
-        <c:crossAx val="64451712"/>
-        <c:crosses val="autoZero"/>
-      </c:valAx>
-    </c:plotArea>
-    <c:legend>
-      <c:legendPos val="b"/>
-      <c:layout/>
-      <c:overlay val="0"/>
-      <c:txPr xmlns:c="http://schemas.openxmlformats.org/drawingml/2006/chart" xmlns:a="http://schemas.openxmlformats.org/drawingml/2006/main">
-        <a:bodyPr/>
-        <a:lstStyle/>
-        <a:p>
-          <a:pPr>
-            <a:defRPr cap="none" sz="900" i="0" b="0" u="none">
-              <a:solidFill>
-                <a:srgbClr val="000000">
-                  <a:alpha val="100000"/>
-                </a:srgbClr>
-              </a:solidFill>
-              <a:latin typeface="Calibri"/>
-              <a:cs typeface="Calibri"/>
-              <a:ea typeface="Calibri"/>
-              <a:sym typeface="Calibri"/>
-            </a:defRPr>
-          </a:pPr>
-        </a:p>
-      </c:txPr>
-    </c:legend>
-    <c:plotVisOnly val="1"/>
-    <c:dispBlanksAs val="gap"/>
-    <c:showDLblsOverMax val="0"/>
-  </c:chart>
-  <c:txPr>
-    <a:bodyPr/>
-    <a:lstStyle/>
-    <a:p>
-      <a:pPr>
-        <a:defRPr sz="1800"/>
-      </a:pPr>
-      <a:endParaRPr lang="fr-FR"/>
-    </a:p>
-  </c:txPr>
-  <c:externalData r:id="rId1">
-    <c:autoUpdate val="0"/>
-  </c:externalData>
-</c:chartSpace>
-</file>
-
-<file path=ppt/charts/chart4c4c58bf51e9.xml><?xml version="1.0" encoding="utf-8"?>
-<c:chartSpace xmlns:c="http://schemas.openxmlformats.org/drawingml/2006/chart" xmlns:a="http://schemas.openxmlformats.org/drawingml/2006/main" xmlns:r="http://schemas.openxmlformats.org/officeDocument/2006/relationships">
-  <c:date1904 val="0"/>
-  <c:lang val="fr-FR"/>
-  <c:roundedCorners val="0"/>
-  <mc:AlternateContent xmlns:mc="http://schemas.openxmlformats.org/markup-compatibility/2006">
-    <mc:Choice xmlns:c14="http://schemas.microsoft.com/office/drawing/2007/8/2/chart" Requires="c14">
-      <c14:style val="118"/>
-    </mc:Choice>
-    <mc:Fallback>
-      <c:style val="18"/>
-    </mc:Fallback>
-  </mc:AlternateContent>
-  <c:chart>
-    <c:title xmlns:c="http://schemas.openxmlformats.org/drawingml/2006/chart" xmlns:a="http://schemas.openxmlformats.org/drawingml/2006/main" xmlns:r="http://schemas.openxmlformats.org/officeDocument/2006/relationships">
-      <c:tx>
-        <c:rich>
-          <a:bodyPr/>
-          <a:lstStyle/>
-          <a:p>
-            <a:pPr>
-              <a:defRPr/>
-            </a:pPr>
-            <a:r>
-              <a:rPr cap="none" sz="900" i="0" b="1" u="none">
-                <a:solidFill>
-                  <a:srgbClr val="000000">
-                    <a:alpha val="100000"/>
-                  </a:srgbClr>
-                </a:solidFill>
-                <a:latin typeface="Calibri"/>
-                <a:cs typeface="Calibri"/>
-                <a:ea typeface="Calibri"/>
-                <a:sym typeface="Calibri"/>
-              </a:rPr>
-              <a:t>Variant 18</a:t>
-            </a:r>
-          </a:p>
-        </c:rich>
-      </c:tx>
-      <c:layout/>
-      <c:overlay val="0"/>
-    </c:title>
-    <c:autoTitleDeleted val="0"/>
-    <c:plotArea xmlns:c="http://schemas.openxmlformats.org/drawingml/2006/chart" xmlns:a="http://schemas.openxmlformats.org/drawingml/2006/main" xmlns:r="http://schemas.openxmlformats.org/officeDocument/2006/relationships">
-      <c:layout/>
-      <c:barChart>
-        <c:barDir val="col"/>
-        <c:grouping val="clustered"/>
-        <c:varyColors val="0"/>
-        <c:ser>
-          <c:idx val="0"/>
-          <c:order val="0"/>
-          <c:tx>
-            <c:strRef>
-              <c:f>sheet1!$B$1</c:f>
-              <c:strCache>
-                <c:ptCount val="1"/>
-                <c:pt idx="0">
-                  <c:v>Jongen</c:v>
-                </c:pt>
-              </c:strCache>
-            </c:strRef>
-          </c:tx>
-          <c:spPr>
-            <a:solidFill>
-              <a:srgbClr val="005C96">
-                <a:alpha val="100000"/>
-              </a:srgbClr>
-            </a:solidFill>
-            <a:ln w="25400">
-              <a:solidFill>
-                <a:srgbClr val="FFFFFF">
-                  <a:alpha val="0"/>
-                </a:srgbClr>
-              </a:solidFill>
-            </a:ln>
-            <a:effectLst/>
-          </c:spPr>
-          <c:invertIfNegative val="0"/>
-          <c:dLbls>
-            <c:dLblPos val="outEnd"/>
-            <c:numFmt formatCode="0%" sourceLinked="0"/>
-            <c:separator val=", "/>
-            <c:showBubbleSize val="0"/>
-            <c:showCatName val="0"/>
-            <c:showLegendKey val="0"/>
-            <c:showPercent val="0"/>
-            <c:showSerName val="0"/>
-            <c:showVal val="1"/>
-            <c:txPr>
-              <a:bodyPr/>
-              <a:lstStyle/>
-              <a:p>
-                <a:pPr>
-                  <a:defRPr cap="none" sz="800" i="0" b="0" u="none">
-                    <a:solidFill>
-                      <a:srgbClr val="000000">
-                        <a:alpha val="100000"/>
-                      </a:srgbClr>
-                    </a:solidFill>
-                    <a:latin typeface="Calibri"/>
-                    <a:cs typeface="Calibri"/>
-                    <a:ea typeface="Calibri"/>
-                    <a:sym typeface="Calibri"/>
-                  </a:defRPr>
-                </a:pPr>
-              </a:p>
-            </c:txPr>
-          </c:dLbls>
-          <c:cat>
-            <c:strRef>
-              <c:f>sheet1!$A$2:$A$3</c:f>
-              <c:strCache>
-                <c:ptCount val="2"/>
-                <c:pt idx="0">
-                  <c:v>Zandwijk</c:v>
-                </c:pt>
-                <c:pt idx="1">
-                  <c:v>Nederland</c:v>
-                </c:pt>
-              </c:strCache>
-            </c:strRef>
-          </c:cat>
-          <c:val>
-            <c:numRef>
-              <c:f>sheet1!$B$2:$B$3</c:f>
-              <c:numCache>
-                <c:ptCount val="2"/>
-                <c:pt idx="0">
-                  <c:v>0.2833711</c:v>
-                </c:pt>
-                <c:pt idx="1">
-                  <c:v>0.2810797</c:v>
-                </c:pt>
-              </c:numCache>
-            </c:numRef>
-          </c:val>
-        </c:ser>
-        <c:ser>
-          <c:idx val="1"/>
-          <c:order val="1"/>
-          <c:tx>
-            <c:strRef>
-              <c:f>sheet1!$C$1</c:f>
-              <c:strCache>
-                <c:ptCount val="1"/>
-                <c:pt idx="0">
-                  <c:v>Meisje</c:v>
-                </c:pt>
-              </c:strCache>
-            </c:strRef>
-          </c:tx>
-          <c:spPr>
-            <a:solidFill>
-              <a:srgbClr val="6FC7FF">
-                <a:alpha val="100000"/>
-              </a:srgbClr>
-            </a:solidFill>
-            <a:ln w="25400">
-              <a:solidFill>
-                <a:srgbClr val="FFFFFF">
-                  <a:alpha val="0"/>
-                </a:srgbClr>
-              </a:solidFill>
-            </a:ln>
-            <a:effectLst/>
-          </c:spPr>
-          <c:invertIfNegative val="0"/>
-          <c:dLbls>
-            <c:dLblPos val="outEnd"/>
-            <c:numFmt formatCode="0%" sourceLinked="0"/>
-            <c:separator val=", "/>
-            <c:showBubbleSize val="0"/>
-            <c:showCatName val="0"/>
-            <c:showLegendKey val="0"/>
-            <c:showPercent val="0"/>
-            <c:showSerName val="0"/>
-            <c:showVal val="1"/>
-            <c:txPr>
-              <a:bodyPr/>
-              <a:lstStyle/>
-              <a:p>
-                <a:pPr>
-                  <a:defRPr cap="none" sz="800" i="0" b="0" u="none">
-                    <a:solidFill>
-                      <a:srgbClr val="000000">
-                        <a:alpha val="100000"/>
-                      </a:srgbClr>
-                    </a:solidFill>
-                    <a:latin typeface="Calibri"/>
-                    <a:cs typeface="Calibri"/>
-                    <a:ea typeface="Calibri"/>
-                    <a:sym typeface="Calibri"/>
-                  </a:defRPr>
-                </a:pPr>
-              </a:p>
-            </c:txPr>
-          </c:dLbls>
-          <c:cat>
-            <c:strRef>
-              <c:f>sheet1!$A$2:$A$3</c:f>
-              <c:strCache>
-                <c:ptCount val="2"/>
-                <c:pt idx="0">
-                  <c:v>Zandwijk</c:v>
-                </c:pt>
-                <c:pt idx="1">
-                  <c:v>Nederland</c:v>
-                </c:pt>
-              </c:strCache>
-            </c:strRef>
-          </c:cat>
-          <c:val>
-            <c:numRef>
-              <c:f>sheet1!$C$2:$C$3</c:f>
-              <c:numCache>
-                <c:ptCount val="2"/>
-                <c:pt idx="0">
-                  <c:v>0.2587723</c:v>
-                </c:pt>
-                <c:pt idx="1">
-                  <c:v>0.2733080</c:v>
-                </c:pt>
-              </c:numCache>
-            </c:numRef>
-          </c:val>
-        </c:ser>
-        <c:ser>
-          <c:idx val="2"/>
-          <c:order val="2"/>
-          <c:tx>
-            <c:strRef>
-              <c:f>sheet1!$D$1</c:f>
-              <c:strCache>
-                <c:ptCount val="1"/>
-                <c:pt idx="0">
-                  <c:v>Klas 2</c:v>
-                </c:pt>
-              </c:strCache>
-            </c:strRef>
-          </c:tx>
-          <c:spPr>
-            <a:solidFill>
-              <a:srgbClr val="E54800">
-                <a:alpha val="100000"/>
-              </a:srgbClr>
-            </a:solidFill>
-            <a:ln w="25400">
-              <a:solidFill>
-                <a:srgbClr val="FFFFFF">
-                  <a:alpha val="0"/>
-                </a:srgbClr>
-              </a:solidFill>
-            </a:ln>
-            <a:effectLst/>
-          </c:spPr>
-          <c:invertIfNegative val="0"/>
-          <c:dLbls>
-            <c:dLblPos val="outEnd"/>
-            <c:numFmt formatCode="0%" sourceLinked="0"/>
-            <c:separator val=", "/>
-            <c:showBubbleSize val="0"/>
-            <c:showCatName val="0"/>
-            <c:showLegendKey val="0"/>
-            <c:showPercent val="0"/>
-            <c:showSerName val="0"/>
-            <c:showVal val="1"/>
-            <c:txPr>
-              <a:bodyPr/>
-              <a:lstStyle/>
-              <a:p>
-                <a:pPr>
-                  <a:defRPr cap="none" sz="800" i="0" b="0" u="none">
-                    <a:solidFill>
-                      <a:srgbClr val="000000">
-                        <a:alpha val="100000"/>
-                      </a:srgbClr>
-                    </a:solidFill>
-                    <a:latin typeface="Calibri"/>
-                    <a:cs typeface="Calibri"/>
-                    <a:ea typeface="Calibri"/>
-                    <a:sym typeface="Calibri"/>
-                  </a:defRPr>
-                </a:pPr>
-              </a:p>
-            </c:txPr>
-          </c:dLbls>
-          <c:cat>
-            <c:strRef>
-              <c:f>sheet1!$A$2:$A$3</c:f>
-              <c:strCache>
-                <c:ptCount val="2"/>
-                <c:pt idx="0">
-                  <c:v>Zandwijk</c:v>
-                </c:pt>
-                <c:pt idx="1">
-                  <c:v>Nederland</c:v>
-                </c:pt>
-              </c:strCache>
-            </c:strRef>
-          </c:cat>
-          <c:val>
-            <c:numRef>
-              <c:f>sheet1!$D$2:$D$3</c:f>
-              <c:numCache>
-                <c:ptCount val="2"/>
-                <c:pt idx="0">
-                  <c:v>0.2607700</c:v>
-                </c:pt>
-                <c:pt idx="1">
-                  <c:v>0.2818699</c:v>
-                </c:pt>
-              </c:numCache>
-            </c:numRef>
-          </c:val>
-        </c:ser>
-        <c:ser>
-          <c:idx val="3"/>
-          <c:order val="3"/>
-          <c:tx>
-            <c:strRef>
-              <c:f>sheet1!$E$1</c:f>
-              <c:strCache>
-                <c:ptCount val="1"/>
-                <c:pt idx="0">
-                  <c:v>Klas 4</c:v>
-                </c:pt>
-              </c:strCache>
-            </c:strRef>
-          </c:tx>
-          <c:spPr>
-            <a:solidFill>
-              <a:srgbClr val="FFB18E">
-                <a:alpha val="100000"/>
-              </a:srgbClr>
-            </a:solidFill>
-            <a:ln w="25400">
-              <a:solidFill>
-                <a:srgbClr val="FFFFFF">
-                  <a:alpha val="0"/>
-                </a:srgbClr>
-              </a:solidFill>
-            </a:ln>
-            <a:effectLst/>
-          </c:spPr>
-          <c:invertIfNegative val="0"/>
-          <c:dLbls>
-            <c:dLblPos val="outEnd"/>
-            <c:numFmt formatCode="0%" sourceLinked="0"/>
-            <c:separator val=", "/>
-            <c:showBubbleSize val="0"/>
-            <c:showCatName val="0"/>
-            <c:showLegendKey val="0"/>
-            <c:showPercent val="0"/>
-            <c:showSerName val="0"/>
-            <c:showVal val="1"/>
-            <c:txPr>
-              <a:bodyPr/>
-              <a:lstStyle/>
-              <a:p>
-                <a:pPr>
-                  <a:defRPr cap="none" sz="800" i="0" b="0" u="none">
-                    <a:solidFill>
-                      <a:srgbClr val="000000">
-                        <a:alpha val="100000"/>
-                      </a:srgbClr>
-                    </a:solidFill>
-                    <a:latin typeface="Calibri"/>
-                    <a:cs typeface="Calibri"/>
-                    <a:ea typeface="Calibri"/>
-                    <a:sym typeface="Calibri"/>
-                  </a:defRPr>
-                </a:pPr>
-              </a:p>
-            </c:txPr>
-          </c:dLbls>
-          <c:cat>
-            <c:strRef>
-              <c:f>sheet1!$A$2:$A$3</c:f>
-              <c:strCache>
-                <c:ptCount val="2"/>
-                <c:pt idx="0">
-                  <c:v>Zandwijk</c:v>
-                </c:pt>
-                <c:pt idx="1">
-                  <c:v>Nederland</c:v>
-                </c:pt>
-              </c:strCache>
-            </c:strRef>
-          </c:cat>
-          <c:val>
-            <c:numRef>
-              <c:f>sheet1!$E$2:$E$3</c:f>
-              <c:numCache>
-                <c:ptCount val="2"/>
-                <c:pt idx="0">
-                  <c:v>0.2945237</c:v>
-                </c:pt>
-                <c:pt idx="1">
-                  <c:v>0.2738343</c:v>
-                </c:pt>
-              </c:numCache>
-            </c:numRef>
-          </c:val>
-        </c:ser>
-        <c:dLbls>
-          <c:dLblPos val="outEnd"/>
-          <c:numFmt formatCode="0%" sourceLinked="0"/>
-          <c:separator val=", "/>
-          <c:showBubbleSize val="0"/>
-          <c:showCatName val="0"/>
-          <c:showLegendKey val="0"/>
-          <c:showPercent val="0"/>
-          <c:showSerName val="0"/>
-          <c:showVal val="1"/>
-        </c:dLbls>
-        <c:gapWidth val="150"/>
-        <c:overlap val="0"/>
-        <c:axId val="64451712"/>
-        <c:axId val="64453248"/>
-      </c:barChart>
-      <c:catAx>
-        <c:axId val="64451712"/>
-        <c:scaling>
-          <c:orientation val="minMax"/>
-        </c:scaling>
-        <c:delete val="0"/>
-        <c:axPos val="l"/>
-        <c:majorTickMark val="none"/>
-        <c:minorTickMark val="none"/>
-        <c:tickLblPos val="nextTo"/>
-        <c:txPr>
-          <a:bodyPr rot="0" vert="horz"/>
-          <a:lstStyle/>
-          <a:p>
-            <a:pPr>
-              <a:defRPr cap="none" sz="800" i="0" b="0" u="none">
-                <a:solidFill>
-                  <a:srgbClr val="000000">
-                    <a:alpha val="100000"/>
-                  </a:srgbClr>
-                </a:solidFill>
-                <a:latin typeface="Calibri"/>
-                <a:cs typeface="Calibri"/>
-                <a:ea typeface="Calibri"/>
-                <a:sym typeface="Calibri"/>
-              </a:defRPr>
-            </a:pPr>
-          </a:p>
-        </c:txPr>
-        <c:spPr>
-          <a:ln algn="ctr" w="12700">
-            <a:solidFill>
-              <a:srgbClr val="000000">
-                <a:alpha val="100000"/>
-              </a:srgbClr>
-            </a:solidFill>
-            <a:prstDash val="solid"/>
-          </a:ln>
-        </c:spPr>
-        <c:numFmt formatCode="General" sourceLinked="0"/>
-        <c:crossAx val="64453248"/>
-        <c:crosses val="autoZero"/>
-      </c:catAx>
-      <c:valAx>
-        <c:axId val="64453248"/>
-        <c:scaling>
-          <c:orientation val="minMax"/>
-          <c:max val="1.00"/>
-          <c:min val="0.00"/>
-        </c:scaling>
-        <c:delete val="0"/>
-        <c:axPos val="l"/>
-        <c:majorTickMark val="none"/>
-        <c:minorTickMark val="none"/>
-        <c:tickLblPos val="nextTo"/>
-        <c:txPr>
-          <a:bodyPr rot="0" vert="horz"/>
-          <a:lstStyle/>
-          <a:p>
-            <a:pPr>
-              <a:defRPr cap="none" sz="900" i="0" b="0" u="none">
-                <a:solidFill>
-                  <a:srgbClr val="000000">
-                    <a:alpha val="100000"/>
-                  </a:srgbClr>
-                </a:solidFill>
-                <a:latin typeface="Calibri"/>
-                <a:cs typeface="Calibri"/>
-                <a:ea typeface="Calibri"/>
-                <a:sym typeface="Calibri"/>
-              </a:defRPr>
-            </a:pPr>
-          </a:p>
-        </c:txPr>
-        <c:spPr>
-          <a:ln algn="ctr" w="12700">
-            <a:solidFill>
-              <a:srgbClr val="000000">
-                <a:alpha val="100000"/>
-              </a:srgbClr>
-            </a:solidFill>
-            <a:prstDash val="solid"/>
-          </a:ln>
-        </c:spPr>
-        <c:numFmt formatCode="0%" sourceLinked="0"/>
-        <c:crossAx val="64451712"/>
-        <c:crosses val="autoZero"/>
-      </c:valAx>
-    </c:plotArea>
-    <c:legend>
-      <c:legendPos val="b"/>
-      <c:layout/>
-      <c:overlay val="0"/>
-      <c:txPr xmlns:c="http://schemas.openxmlformats.org/drawingml/2006/chart" xmlns:a="http://schemas.openxmlformats.org/drawingml/2006/main">
-        <a:bodyPr/>
-        <a:lstStyle/>
-        <a:p>
-          <a:pPr>
-            <a:defRPr cap="none" sz="900" i="0" b="0" u="none">
-              <a:solidFill>
-                <a:srgbClr val="000000">
-                  <a:alpha val="100000"/>
-                </a:srgbClr>
-              </a:solidFill>
-              <a:latin typeface="Calibri"/>
-              <a:cs typeface="Calibri"/>
-              <a:ea typeface="Calibri"/>
-              <a:sym typeface="Calibri"/>
-            </a:defRPr>
-          </a:pPr>
-        </a:p>
-      </c:txPr>
-    </c:legend>
-    <c:plotVisOnly val="1"/>
-    <c:dispBlanksAs val="gap"/>
-    <c:showDLblsOverMax val="0"/>
-  </c:chart>
-  <c:txPr>
-    <a:bodyPr/>
-    <a:lstStyle/>
-    <a:p>
-      <a:pPr>
-        <a:defRPr sz="1800"/>
-      </a:pPr>
-      <a:endParaRPr lang="fr-FR"/>
-    </a:p>
-  </c:txPr>
-  <c:externalData r:id="rId1">
-    <c:autoUpdate val="0"/>
-  </c:externalData>
-</c:chartSpace>
-</file>
-
-<file path=ppt/charts/chart4c4c5b385054.xml><?xml version="1.0" encoding="utf-8"?>
-<c:chartSpace xmlns:c="http://schemas.openxmlformats.org/drawingml/2006/chart" xmlns:a="http://schemas.openxmlformats.org/drawingml/2006/main" xmlns:r="http://schemas.openxmlformats.org/officeDocument/2006/relationships">
-  <c:date1904 val="0"/>
-  <c:lang val="fr-FR"/>
-  <c:roundedCorners val="0"/>
-  <mc:AlternateContent xmlns:mc="http://schemas.openxmlformats.org/markup-compatibility/2006">
-    <mc:Choice xmlns:c14="http://schemas.microsoft.com/office/drawing/2007/8/2/chart" Requires="c14">
-      <c14:style val="118"/>
-    </mc:Choice>
-    <mc:Fallback>
-      <c:style val="18"/>
-    </mc:Fallback>
-  </mc:AlternateContent>
-  <c:chart>
-    <c:title xmlns:c="http://schemas.openxmlformats.org/drawingml/2006/chart" xmlns:a="http://schemas.openxmlformats.org/drawingml/2006/main" xmlns:r="http://schemas.openxmlformats.org/officeDocument/2006/relationships">
-      <c:tx>
-        <c:rich>
-          <a:bodyPr/>
-          <a:lstStyle/>
-          <a:p>
-            <a:pPr>
-              <a:defRPr/>
-            </a:pPr>
-            <a:r>
-              <a:rPr cap="none" sz="900" i="0" b="1" u="none">
-                <a:solidFill>
-                  <a:srgbClr val="000000">
-                    <a:alpha val="100000"/>
-                  </a:srgbClr>
-                </a:solidFill>
-                <a:latin typeface="Calibri"/>
-                <a:cs typeface="Calibri"/>
-                <a:ea typeface="Calibri"/>
-                <a:sym typeface="Calibri"/>
-              </a:rPr>
-              <a:t>Staafgrafiek Variant 17 liggend met aangepaste y-as</a:t>
-            </a:r>
-          </a:p>
-        </c:rich>
-      </c:tx>
-      <c:layout/>
-      <c:overlay val="0"/>
-    </c:title>
-    <c:autoTitleDeleted val="0"/>
-    <c:plotArea xmlns:c="http://schemas.openxmlformats.org/drawingml/2006/chart" xmlns:a="http://schemas.openxmlformats.org/drawingml/2006/main" xmlns:r="http://schemas.openxmlformats.org/officeDocument/2006/relationships">
-      <c:layout/>
-      <c:barChart>
-        <c:barDir val="bar"/>
-        <c:grouping val="clustered"/>
-        <c:varyColors val="0"/>
-        <c:ser>
-          <c:idx val="0"/>
-          <c:order val="0"/>
-          <c:tx>
-            <c:strRef>
-              <c:f>sheet1!$B$1</c:f>
-              <c:strCache>
-                <c:ptCount val="1"/>
-                <c:pt idx="0">
-                  <c:v>Nederland</c:v>
-                </c:pt>
-              </c:strCache>
-            </c:strRef>
-          </c:tx>
-          <c:spPr>
-            <a:solidFill>
-              <a:srgbClr val="E54800">
-                <a:alpha val="100000"/>
-              </a:srgbClr>
-            </a:solidFill>
-            <a:ln w="25400">
-              <a:solidFill>
-                <a:srgbClr val="FFFFFF">
-                  <a:alpha val="0"/>
-                </a:srgbClr>
-              </a:solidFill>
-            </a:ln>
-            <a:effectLst/>
-          </c:spPr>
-          <c:invertIfNegative val="0"/>
-          <c:dLbls>
-            <c:dLblPos val="outEnd"/>
-            <c:numFmt formatCode="0%" sourceLinked="0"/>
-            <c:separator val=", "/>
-            <c:showBubbleSize val="0"/>
-            <c:showCatName val="0"/>
-            <c:showLegendKey val="0"/>
-            <c:showPercent val="0"/>
-            <c:showSerName val="0"/>
-            <c:showVal val="1"/>
-            <c:txPr>
-              <a:bodyPr/>
-              <a:lstStyle/>
-              <a:p>
-                <a:pPr>
-                  <a:defRPr cap="none" sz="800" i="0" b="0" u="none">
-                    <a:solidFill>
-                      <a:srgbClr val="000000">
-                        <a:alpha val="100000"/>
-                      </a:srgbClr>
-                    </a:solidFill>
-                    <a:latin typeface="Calibri"/>
-                    <a:cs typeface="Calibri"/>
-                    <a:ea typeface="Calibri"/>
-                    <a:sym typeface="Calibri"/>
-                  </a:defRPr>
-                </a:pPr>
-              </a:p>
-            </c:txPr>
-          </c:dLbls>
-          <c:cat>
-            <c:strRef>
-              <c:f>sheet1!$A$2:$A$5</c:f>
-              <c:strCache>
-                <c:ptCount val="4"/>
-                <c:pt idx="0">
-                  <c:v>Klas 4</c:v>
-                </c:pt>
-                <c:pt idx="1">
-                  <c:v>Klas 2</c:v>
-                </c:pt>
-                <c:pt idx="2">
-                  <c:v>Meisje</c:v>
-                </c:pt>
-                <c:pt idx="3">
-                  <c:v>Jongen</c:v>
-                </c:pt>
-              </c:strCache>
-            </c:strRef>
-          </c:cat>
-          <c:val>
-            <c:numRef>
-              <c:f>sheet1!$B$2:$B$5</c:f>
-              <c:numCache>
-                <c:ptCount val="4"/>
-                <c:pt idx="0">
-                  <c:v>0.2738343</c:v>
-                </c:pt>
-                <c:pt idx="1">
-                  <c:v>0.2818699</c:v>
-                </c:pt>
-                <c:pt idx="2">
-                  <c:v>0.2733080</c:v>
-                </c:pt>
-                <c:pt idx="3">
-                  <c:v>0.2810797</c:v>
-                </c:pt>
-              </c:numCache>
-            </c:numRef>
-          </c:val>
-        </c:ser>
-        <c:ser>
-          <c:idx val="1"/>
-          <c:order val="1"/>
-          <c:tx>
-            <c:strRef>
-              <c:f>sheet1!$C$1</c:f>
-              <c:strCache>
-                <c:ptCount val="1"/>
-                <c:pt idx="0">
-                  <c:v>Zandwijk</c:v>
-                </c:pt>
-              </c:strCache>
-            </c:strRef>
-          </c:tx>
-          <c:spPr>
-            <a:solidFill>
-              <a:srgbClr val="005C96">
-                <a:alpha val="100000"/>
-              </a:srgbClr>
-            </a:solidFill>
-            <a:ln w="25400">
-              <a:solidFill>
-                <a:srgbClr val="FFFFFF">
-                  <a:alpha val="0"/>
-                </a:srgbClr>
-              </a:solidFill>
-            </a:ln>
-            <a:effectLst/>
-          </c:spPr>
-          <c:invertIfNegative val="0"/>
-          <c:dLbls>
-            <c:dLblPos val="outEnd"/>
-            <c:numFmt formatCode="0%" sourceLinked="0"/>
-            <c:separator val=", "/>
-            <c:showBubbleSize val="0"/>
-            <c:showCatName val="0"/>
-            <c:showLegendKey val="0"/>
-            <c:showPercent val="0"/>
-            <c:showSerName val="0"/>
-            <c:showVal val="1"/>
-            <c:txPr>
-              <a:bodyPr/>
-              <a:lstStyle/>
-              <a:p>
-                <a:pPr>
-                  <a:defRPr cap="none" sz="800" i="0" b="0" u="none">
-                    <a:solidFill>
-                      <a:srgbClr val="000000">
-                        <a:alpha val="100000"/>
-                      </a:srgbClr>
-                    </a:solidFill>
-                    <a:latin typeface="Calibri"/>
-                    <a:cs typeface="Calibri"/>
-                    <a:ea typeface="Calibri"/>
-                    <a:sym typeface="Calibri"/>
-                  </a:defRPr>
-                </a:pPr>
-              </a:p>
-            </c:txPr>
-          </c:dLbls>
-          <c:cat>
-            <c:strRef>
-              <c:f>sheet1!$A$2:$A$5</c:f>
-              <c:strCache>
-                <c:ptCount val="4"/>
-                <c:pt idx="0">
-                  <c:v>Klas 4</c:v>
-                </c:pt>
-                <c:pt idx="1">
-                  <c:v>Klas 2</c:v>
-                </c:pt>
-                <c:pt idx="2">
-                  <c:v>Meisje</c:v>
-                </c:pt>
-                <c:pt idx="3">
-                  <c:v>Jongen</c:v>
-                </c:pt>
-              </c:strCache>
-            </c:strRef>
-          </c:cat>
-          <c:val>
-            <c:numRef>
-              <c:f>sheet1!$C$2:$C$5</c:f>
-              <c:numCache>
-                <c:ptCount val="4"/>
-                <c:pt idx="0">
-                  <c:v>0.2945237</c:v>
-                </c:pt>
-                <c:pt idx="1">
-                  <c:v>0.2607700</c:v>
-                </c:pt>
-                <c:pt idx="2">
-                  <c:v>0.2587723</c:v>
-                </c:pt>
-                <c:pt idx="3">
-                  <c:v>0.2833711</c:v>
-                </c:pt>
-              </c:numCache>
-            </c:numRef>
-          </c:val>
-        </c:ser>
-        <c:dLbls>
-          <c:dLblPos val="outEnd"/>
-          <c:numFmt formatCode="0%" sourceLinked="0"/>
-          <c:separator val=", "/>
-          <c:showBubbleSize val="0"/>
-          <c:showCatName val="0"/>
-          <c:showLegendKey val="0"/>
-          <c:showPercent val="0"/>
-          <c:showSerName val="0"/>
-          <c:showVal val="1"/>
-        </c:dLbls>
-        <c:gapWidth val="30"/>
-        <c:overlap val="-30"/>
-        <c:axId val="64451712"/>
-        <c:axId val="64453248"/>
-      </c:barChart>
-      <c:catAx>
-        <c:axId val="64451712"/>
-        <c:scaling>
-          <c:orientation val="minMax"/>
-        </c:scaling>
-        <c:delete val="0"/>
-        <c:axPos val="l"/>
-        <c:majorTickMark val="none"/>
-        <c:minorTickMark val="none"/>
-        <c:tickLblPos val="nextTo"/>
-        <c:txPr>
-          <a:bodyPr rot="0" vert="horz"/>
-          <a:lstStyle/>
-          <a:p>
-            <a:pPr>
-              <a:defRPr cap="none" sz="800" i="0" b="0" u="none">
-                <a:solidFill>
-                  <a:srgbClr val="000000">
-                    <a:alpha val="100000"/>
-                  </a:srgbClr>
-                </a:solidFill>
-                <a:latin typeface="Calibri"/>
-                <a:cs typeface="Calibri"/>
-                <a:ea typeface="Calibri"/>
-                <a:sym typeface="Calibri"/>
-              </a:defRPr>
-            </a:pPr>
-          </a:p>
-        </c:txPr>
-        <c:spPr>
-          <a:ln algn="ctr" w="12700">
-            <a:solidFill>
-              <a:srgbClr val="000000">
-                <a:alpha val="100000"/>
-              </a:srgbClr>
-            </a:solidFill>
-            <a:prstDash val="solid"/>
-          </a:ln>
-        </c:spPr>
-        <c:numFmt formatCode="General" sourceLinked="0"/>
-        <c:crossAx val="64453248"/>
-        <c:crosses val="autoZero"/>
-      </c:catAx>
-      <c:valAx>
-        <c:axId val="64453248"/>
-        <c:scaling>
-          <c:orientation val="minMax"/>
-          <c:max val="0.50"/>
-          <c:min val="0.00"/>
-        </c:scaling>
-        <c:delete val="0"/>
-        <c:axPos val="l"/>
-        <c:majorTickMark val="none"/>
-        <c:minorTickMark val="none"/>
-        <c:tickLblPos val="nextTo"/>
-        <c:txPr>
-          <a:bodyPr rot="0" vert="horz"/>
-          <a:lstStyle/>
-          <a:p>
-            <a:pPr>
-              <a:defRPr cap="none" sz="900" i="0" b="0" u="none">
-                <a:solidFill>
-                  <a:srgbClr val="000000">
-                    <a:alpha val="100000"/>
-                  </a:srgbClr>
-                </a:solidFill>
-                <a:latin typeface="Calibri"/>
-                <a:cs typeface="Calibri"/>
-                <a:ea typeface="Calibri"/>
-                <a:sym typeface="Calibri"/>
-              </a:defRPr>
-            </a:pPr>
-          </a:p>
-        </c:txPr>
-        <c:spPr>
-          <a:ln algn="ctr" w="12700">
-            <a:solidFill>
-              <a:srgbClr val="000000">
-                <a:alpha val="100000"/>
-              </a:srgbClr>
-            </a:solidFill>
-            <a:prstDash val="solid"/>
-          </a:ln>
-        </c:spPr>
-        <c:numFmt formatCode="0%" sourceLinked="0"/>
-        <c:crossAx val="64451712"/>
-        <c:crosses val="autoZero"/>
-      </c:valAx>
-    </c:plotArea>
-    <c:legend>
-      <c:legendPos val="b"/>
-      <c:layout/>
-      <c:overlay val="0"/>
-      <c:txPr xmlns:c="http://schemas.openxmlformats.org/drawingml/2006/chart" xmlns:a="http://schemas.openxmlformats.org/drawingml/2006/main">
-        <a:bodyPr/>
-        <a:lstStyle/>
-        <a:p>
-          <a:pPr>
-            <a:defRPr cap="none" sz="900" i="0" b="0" u="none">
-              <a:solidFill>
-                <a:srgbClr val="000000">
-                  <a:alpha val="100000"/>
-                </a:srgbClr>
-              </a:solidFill>
-              <a:latin typeface="Calibri"/>
-              <a:cs typeface="Calibri"/>
-              <a:ea typeface="Calibri"/>
-              <a:sym typeface="Calibri"/>
-            </a:defRPr>
-          </a:pPr>
-        </a:p>
-      </c:txPr>
-    </c:legend>
-    <c:plotVisOnly val="1"/>
-    <c:dispBlanksAs val="gap"/>
-    <c:showDLblsOverMax val="0"/>
-  </c:chart>
-  <c:txPr>
-    <a:bodyPr/>
-    <a:lstStyle/>
-    <a:p>
-      <a:pPr>
-        <a:defRPr sz="1800"/>
-      </a:pPr>
-      <a:endParaRPr lang="fr-FR"/>
-    </a:p>
-  </c:txPr>
-  <c:externalData r:id="rId1">
-    <c:autoUpdate val="0"/>
-  </c:externalData>
-</c:chartSpace>
-</file>
-
-<file path=ppt/charts/chart4c4c642053be.xml><?xml version="1.0" encoding="utf-8"?>
-<c:chartSpace xmlns:c="http://schemas.openxmlformats.org/drawingml/2006/chart" xmlns:a="http://schemas.openxmlformats.org/drawingml/2006/main" xmlns:r="http://schemas.openxmlformats.org/officeDocument/2006/relationships">
-  <c:date1904 val="0"/>
-  <c:lang val="fr-FR"/>
-  <c:roundedCorners val="0"/>
-  <mc:AlternateContent xmlns:mc="http://schemas.openxmlformats.org/markup-compatibility/2006">
-    <mc:Choice xmlns:c14="http://schemas.microsoft.com/office/drawing/2007/8/2/chart" Requires="c14">
-      <c14:style val="118"/>
-    </mc:Choice>
-    <mc:Fallback>
-      <c:style val="18"/>
-    </mc:Fallback>
-  </mc:AlternateContent>
-  <c:chart>
-    <c:title xmlns:c="http://schemas.openxmlformats.org/drawingml/2006/chart" xmlns:a="http://schemas.openxmlformats.org/drawingml/2006/main" xmlns:r="http://schemas.openxmlformats.org/officeDocument/2006/relationships">
-      <c:tx>
-        <c:rich>
-          <a:bodyPr/>
-          <a:lstStyle/>
-          <a:p>
-            <a:pPr>
-              <a:defRPr/>
-            </a:pPr>
-            <a:r>
-              <a:rPr cap="none" sz="900" i="0" b="1" u="none">
-                <a:solidFill>
-                  <a:srgbClr val="000000">
-                    <a:alpha val="100000"/>
-                  </a:srgbClr>
-                </a:solidFill>
-                <a:latin typeface="Calibri"/>
-                <a:cs typeface="Calibri"/>
-                <a:ea typeface="Calibri"/>
-                <a:sym typeface="Calibri"/>
-              </a:rPr>
-              <a:t>Top 3 bronnen van stress</a:t>
-            </a:r>
-          </a:p>
-        </c:rich>
-      </c:tx>
-      <c:layout/>
-      <c:overlay val="0"/>
-    </c:title>
-    <c:autoTitleDeleted val="0"/>
-    <c:plotArea xmlns:c="http://schemas.openxmlformats.org/drawingml/2006/chart" xmlns:a="http://schemas.openxmlformats.org/drawingml/2006/main" xmlns:r="http://schemas.openxmlformats.org/officeDocument/2006/relationships">
-      <c:layout/>
-      <c:barChart>
-        <c:barDir val="col"/>
-        <c:grouping val="clustered"/>
-        <c:varyColors val="0"/>
-        <c:ser>
-          <c:idx val="0"/>
-          <c:order val="0"/>
-          <c:tx>
-            <c:strRef>
-              <c:f>sheet1!$B$1</c:f>
-              <c:strCache>
-                <c:ptCount val="1"/>
-                <c:pt idx="0">
-                  <c:v>Zandwijk</c:v>
-                </c:pt>
-              </c:strCache>
-            </c:strRef>
-          </c:tx>
-          <c:spPr>
-            <a:solidFill>
-              <a:srgbClr val="005C96">
-                <a:alpha val="100000"/>
-              </a:srgbClr>
-            </a:solidFill>
-            <a:ln w="25400">
-              <a:solidFill>
-                <a:srgbClr val="FFFFFF">
-                  <a:alpha val="0"/>
-                </a:srgbClr>
-              </a:solidFill>
-            </a:ln>
-            <a:effectLst/>
-          </c:spPr>
-          <c:invertIfNegative val="0"/>
-          <c:dLbls>
-            <c:dLblPos val="outEnd"/>
-            <c:numFmt formatCode="0%" sourceLinked="0"/>
-            <c:separator val=", "/>
-            <c:showBubbleSize val="0"/>
-            <c:showCatName val="0"/>
-            <c:showLegendKey val="0"/>
-            <c:showPercent val="0"/>
-            <c:showSerName val="0"/>
-            <c:showVal val="1"/>
-            <c:txPr>
-              <a:bodyPr/>
-              <a:lstStyle/>
-              <a:p>
-                <a:pPr>
-                  <a:defRPr cap="none" sz="800" i="0" b="0" u="none">
-                    <a:solidFill>
-                      <a:srgbClr val="000000">
-                        <a:alpha val="100000"/>
-                      </a:srgbClr>
-                    </a:solidFill>
-                    <a:latin typeface="Calibri"/>
-                    <a:cs typeface="Calibri"/>
-                    <a:ea typeface="Calibri"/>
-                    <a:sym typeface="Calibri"/>
-                  </a:defRPr>
-                </a:pPr>
-              </a:p>
-            </c:txPr>
-          </c:dLbls>
-          <c:cat>
-            <c:strRef>
-              <c:f>sheet1!$A$2:$A$4</c:f>
-              <c:strCache>
-                <c:ptCount val="3"/>
-                <c:pt idx="0">
-                  <c:v>Werk</c:v>
-                </c:pt>
-                <c:pt idx="1">
-                  <c:v>Thuissituatie</c:v>
-                </c:pt>
-                <c:pt idx="2">
-                  <c:v>Huiswerk</c:v>
-                </c:pt>
-              </c:strCache>
-            </c:strRef>
-          </c:cat>
-          <c:val>
-            <c:numRef>
-              <c:f>sheet1!$B$2:$B$4</c:f>
-              <c:numCache>
-                <c:ptCount val="3"/>
-                <c:pt idx="0">
-                  <c:v>0.9038882</c:v>
-                </c:pt>
-                <c:pt idx="1">
-                  <c:v>0.6779799</c:v>
-                </c:pt>
-                <c:pt idx="2">
-                  <c:v>0.6171864</c:v>
-                </c:pt>
-              </c:numCache>
-            </c:numRef>
-          </c:val>
-        </c:ser>
-        <c:dLbls>
-          <c:dLblPos val="outEnd"/>
-          <c:numFmt formatCode="0%" sourceLinked="0"/>
-          <c:separator val=", "/>
-          <c:showBubbleSize val="0"/>
-          <c:showCatName val="0"/>
-          <c:showLegendKey val="0"/>
-          <c:showPercent val="0"/>
-          <c:showSerName val="0"/>
-          <c:showVal val="1"/>
-        </c:dLbls>
-        <c:gapWidth val="150"/>
-        <c:overlap val="0"/>
-        <c:axId val="64451712"/>
-        <c:axId val="64453248"/>
-      </c:barChart>
-      <c:catAx>
-        <c:axId val="64451712"/>
-        <c:scaling>
-          <c:orientation val="minMax"/>
-        </c:scaling>
-        <c:delete val="0"/>
-        <c:axPos val="l"/>
-        <c:majorTickMark val="none"/>
-        <c:minorTickMark val="none"/>
-        <c:tickLblPos val="nextTo"/>
-        <c:txPr>
-          <a:bodyPr rot="0" vert="horz"/>
-          <a:lstStyle/>
-          <a:p>
-            <a:pPr>
-              <a:defRPr cap="none" sz="800" i="0" b="0" u="none">
-                <a:solidFill>
-                  <a:srgbClr val="000000">
-                    <a:alpha val="100000"/>
-                  </a:srgbClr>
-                </a:solidFill>
-                <a:latin typeface="Calibri"/>
-                <a:cs typeface="Calibri"/>
-                <a:ea typeface="Calibri"/>
-                <a:sym typeface="Calibri"/>
-              </a:defRPr>
-            </a:pPr>
-          </a:p>
-        </c:txPr>
-        <c:spPr>
-          <a:ln algn="ctr" w="12700">
-            <a:solidFill>
-              <a:srgbClr val="000000">
-                <a:alpha val="100000"/>
-              </a:srgbClr>
-            </a:solidFill>
-            <a:prstDash val="solid"/>
-          </a:ln>
-        </c:spPr>
-        <c:numFmt formatCode="General" sourceLinked="0"/>
-        <c:crossAx val="64453248"/>
-        <c:crosses val="autoZero"/>
-      </c:catAx>
-      <c:valAx>
-        <c:axId val="64453248"/>
-        <c:scaling>
-          <c:orientation val="minMax"/>
-          <c:max val="1.00"/>
-          <c:min val="0.00"/>
-        </c:scaling>
-        <c:delete val="0"/>
-        <c:axPos val="l"/>
-        <c:majorTickMark val="none"/>
-        <c:minorTickMark val="none"/>
-        <c:tickLblPos val="nextTo"/>
-        <c:txPr>
-          <a:bodyPr rot="0" vert="horz"/>
-          <a:lstStyle/>
-          <a:p>
-            <a:pPr>
-              <a:defRPr cap="none" sz="900" i="0" b="0" u="none">
-                <a:solidFill>
-                  <a:srgbClr val="000000">
-                    <a:alpha val="100000"/>
-                  </a:srgbClr>
-                </a:solidFill>
-                <a:latin typeface="Calibri"/>
-                <a:cs typeface="Calibri"/>
-                <a:ea typeface="Calibri"/>
-                <a:sym typeface="Calibri"/>
-              </a:defRPr>
-            </a:pPr>
-          </a:p>
-        </c:txPr>
-        <c:spPr>
-          <a:ln algn="ctr" w="12700">
-            <a:solidFill>
-              <a:srgbClr val="000000">
-                <a:alpha val="100000"/>
-              </a:srgbClr>
-            </a:solidFill>
-            <a:prstDash val="solid"/>
-          </a:ln>
-        </c:spPr>
-        <c:numFmt formatCode="0%" sourceLinked="0"/>
-        <c:crossAx val="64451712"/>
-        <c:crosses val="autoZero"/>
-      </c:valAx>
-    </c:plotArea>
-    <c:legend>
-      <c:legendPos val="b"/>
-      <c:layout/>
-      <c:overlay val="0"/>
-      <c:txPr xmlns:c="http://schemas.openxmlformats.org/drawingml/2006/chart" xmlns:a="http://schemas.openxmlformats.org/drawingml/2006/main">
-        <a:bodyPr/>
-        <a:lstStyle/>
-        <a:p>
-          <a:pPr>
-            <a:defRPr cap="none" sz="900" i="0" b="0" u="none">
-              <a:solidFill>
-                <a:srgbClr val="000000">
-                  <a:alpha val="100000"/>
-                </a:srgbClr>
-              </a:solidFill>
-              <a:latin typeface="Calibri"/>
-              <a:cs typeface="Calibri"/>
-              <a:ea typeface="Calibri"/>
-              <a:sym typeface="Calibri"/>
-            </a:defRPr>
-          </a:pPr>
-        </a:p>
-      </c:txPr>
-    </c:legend>
-    <c:plotVisOnly val="1"/>
-    <c:dispBlanksAs val="gap"/>
-    <c:showDLblsOverMax val="0"/>
-  </c:chart>
-  <c:txPr>
-    <a:bodyPr/>
-    <a:lstStyle/>
-    <a:p>
-      <a:pPr>
-        <a:defRPr sz="1800"/>
-      </a:pPr>
-      <a:endParaRPr lang="fr-FR"/>
-    </a:p>
-  </c:txPr>
-  <c:externalData r:id="rId1">
-    <c:autoUpdate val="0"/>
-  </c:externalData>
-</c:chartSpace>
-</file>
-
-<file path=ppt/charts/chart4c4c70b5770e.xml><?xml version="1.0" encoding="utf-8"?>
-<c:chartSpace xmlns:c="http://schemas.openxmlformats.org/drawingml/2006/chart" xmlns:a="http://schemas.openxmlformats.org/drawingml/2006/main" xmlns:r="http://schemas.openxmlformats.org/officeDocument/2006/relationships">
-  <c:date1904 val="0"/>
-  <c:lang val="fr-FR"/>
-  <c:roundedCorners val="0"/>
-  <mc:AlternateContent xmlns:mc="http://schemas.openxmlformats.org/markup-compatibility/2006">
-    <mc:Choice xmlns:c14="http://schemas.microsoft.com/office/drawing/2007/8/2/chart" Requires="c14">
-      <c14:style val="118"/>
-    </mc:Choice>
-    <mc:Fallback>
-      <c:style val="18"/>
-    </mc:Fallback>
-  </mc:AlternateContent>
-  <c:chart>
-    <c:title xmlns:c="http://schemas.openxmlformats.org/drawingml/2006/chart" xmlns:a="http://schemas.openxmlformats.org/drawingml/2006/main" xmlns:r="http://schemas.openxmlformats.org/officeDocument/2006/relationships">
-      <c:tx>
-        <c:rich>
-          <a:bodyPr/>
-          <a:lstStyle/>
-          <a:p>
-            <a:pPr>
-              <a:defRPr/>
-            </a:pPr>
-            <a:r>
-              <a:rPr cap="none" sz="900" i="0" b="1" u="none">
-                <a:solidFill>
-                  <a:srgbClr val="000000">
-                    <a:alpha val="100000"/>
-                  </a:srgbClr>
-                </a:solidFill>
-                <a:latin typeface="Calibri"/>
-                <a:cs typeface="Calibri"/>
-                <a:ea typeface="Calibri"/>
-                <a:sym typeface="Calibri"/>
-              </a:rPr>
-              <a:t>Variant 5</a:t>
-            </a:r>
-          </a:p>
-        </c:rich>
-      </c:tx>
-      <c:layout/>
-      <c:overlay val="0"/>
-    </c:title>
-    <c:autoTitleDeleted val="0"/>
-    <c:plotArea xmlns:c="http://schemas.openxmlformats.org/drawingml/2006/chart" xmlns:a="http://schemas.openxmlformats.org/drawingml/2006/main" xmlns:r="http://schemas.openxmlformats.org/officeDocument/2006/relationships">
-      <c:layout/>
-      <c:barChart>
-        <c:barDir val="col"/>
-        <c:grouping val="clustered"/>
-        <c:varyColors val="0"/>
-        <c:ser>
-          <c:idx val="0"/>
-          <c:order val="0"/>
-          <c:tx>
-            <c:strRef>
-              <c:f>sheet1!$B$1</c:f>
-              <c:strCache>
-                <c:ptCount val="1"/>
-                <c:pt idx="0">
-                  <c:v>Zandwijk</c:v>
-                </c:pt>
-              </c:strCache>
-            </c:strRef>
-          </c:tx>
-          <c:spPr>
-            <a:solidFill>
-              <a:srgbClr val="005C96">
-                <a:alpha val="100000"/>
-              </a:srgbClr>
-            </a:solidFill>
-            <a:ln w="25400">
-              <a:solidFill>
-                <a:srgbClr val="FFFFFF">
-                  <a:alpha val="0"/>
-                </a:srgbClr>
-              </a:solidFill>
-            </a:ln>
-            <a:effectLst/>
-          </c:spPr>
-          <c:invertIfNegative val="0"/>
-          <c:dLbls>
-            <c:dLblPos val="outEnd"/>
-            <c:numFmt formatCode="0%" sourceLinked="0"/>
-            <c:separator val=", "/>
-            <c:showBubbleSize val="0"/>
-            <c:showCatName val="0"/>
-            <c:showLegendKey val="0"/>
-            <c:showPercent val="0"/>
-            <c:showSerName val="0"/>
-            <c:showVal val="1"/>
-            <c:txPr>
-              <a:bodyPr/>
-              <a:lstStyle/>
-              <a:p>
-                <a:pPr>
-                  <a:defRPr cap="none" sz="800" i="0" b="0" u="none">
-                    <a:solidFill>
-                      <a:srgbClr val="000000">
-                        <a:alpha val="100000"/>
-                      </a:srgbClr>
-                    </a:solidFill>
-                    <a:latin typeface="Calibri"/>
-                    <a:cs typeface="Calibri"/>
-                    <a:ea typeface="Calibri"/>
-                    <a:sym typeface="Calibri"/>
-                  </a:defRPr>
-                </a:pPr>
-              </a:p>
-            </c:txPr>
-          </c:dLbls>
-          <c:cat>
-            <c:strRef>
-              <c:f>sheet1!$A$2:$A$3</c:f>
-              <c:strCache>
-                <c:ptCount val="2"/>
-                <c:pt idx="0">
-                  <c:v>Jongen</c:v>
-                </c:pt>
-                <c:pt idx="1">
-                  <c:v>Meisje</c:v>
-                </c:pt>
-              </c:strCache>
-            </c:strRef>
-          </c:cat>
-          <c:val>
-            <c:numRef>
-              <c:f>sheet1!$B$2:$B$3</c:f>
-              <c:numCache>
-                <c:ptCount val="2"/>
-                <c:pt idx="0">
-                  <c:v>0.2833711</c:v>
-                </c:pt>
-                <c:pt idx="1">
-                  <c:v>0.2587723</c:v>
-                </c:pt>
-              </c:numCache>
-            </c:numRef>
-          </c:val>
-        </c:ser>
-        <c:dLbls>
-          <c:dLblPos val="outEnd"/>
-          <c:numFmt formatCode="0%" sourceLinked="0"/>
-          <c:separator val=", "/>
-          <c:showBubbleSize val="0"/>
-          <c:showCatName val="0"/>
-          <c:showLegendKey val="0"/>
-          <c:showPercent val="0"/>
-          <c:showSerName val="0"/>
-          <c:showVal val="1"/>
-        </c:dLbls>
-        <c:gapWidth val="150"/>
-        <c:overlap val="0"/>
-        <c:axId val="64451712"/>
-        <c:axId val="64453248"/>
-      </c:barChart>
-      <c:catAx>
-        <c:axId val="64451712"/>
-        <c:scaling>
-          <c:orientation val="minMax"/>
-        </c:scaling>
-        <c:delete val="0"/>
-        <c:axPos val="l"/>
-        <c:majorTickMark val="none"/>
-        <c:minorTickMark val="none"/>
-        <c:tickLblPos val="nextTo"/>
-        <c:txPr>
-          <a:bodyPr rot="0" vert="horz"/>
-          <a:lstStyle/>
-          <a:p>
-            <a:pPr>
-              <a:defRPr cap="none" sz="800" i="0" b="0" u="none">
-                <a:solidFill>
-                  <a:srgbClr val="000000">
-                    <a:alpha val="100000"/>
-                  </a:srgbClr>
-                </a:solidFill>
-                <a:latin typeface="Calibri"/>
-                <a:cs typeface="Calibri"/>
-                <a:ea typeface="Calibri"/>
-                <a:sym typeface="Calibri"/>
-              </a:defRPr>
-            </a:pPr>
-          </a:p>
-        </c:txPr>
-        <c:spPr>
-          <a:ln algn="ctr" w="12700">
-            <a:solidFill>
-              <a:srgbClr val="000000">
-                <a:alpha val="100000"/>
-              </a:srgbClr>
-            </a:solidFill>
-            <a:prstDash val="solid"/>
-          </a:ln>
-        </c:spPr>
-        <c:numFmt formatCode="General" sourceLinked="0"/>
-        <c:crossAx val="64453248"/>
-        <c:crosses val="autoZero"/>
-      </c:catAx>
-      <c:valAx>
-        <c:axId val="64453248"/>
-        <c:scaling>
-          <c:orientation val="minMax"/>
-          <c:max val="1.00"/>
-          <c:min val="0.00"/>
-        </c:scaling>
-        <c:delete val="0"/>
-        <c:axPos val="l"/>
-        <c:majorTickMark val="none"/>
-        <c:minorTickMark val="none"/>
-        <c:tickLblPos val="nextTo"/>
-        <c:txPr>
-          <a:bodyPr rot="0" vert="horz"/>
-          <a:lstStyle/>
-          <a:p>
-            <a:pPr>
-              <a:defRPr cap="none" sz="900" i="0" b="0" u="none">
-                <a:solidFill>
-                  <a:srgbClr val="000000">
-                    <a:alpha val="100000"/>
-                  </a:srgbClr>
-                </a:solidFill>
-                <a:latin typeface="Calibri"/>
-                <a:cs typeface="Calibri"/>
-                <a:ea typeface="Calibri"/>
-                <a:sym typeface="Calibri"/>
-              </a:defRPr>
-            </a:pPr>
-          </a:p>
-        </c:txPr>
-        <c:spPr>
-          <a:ln algn="ctr" w="12700">
-            <a:solidFill>
-              <a:srgbClr val="000000">
-                <a:alpha val="100000"/>
-              </a:srgbClr>
-            </a:solidFill>
-            <a:prstDash val="solid"/>
-          </a:ln>
-        </c:spPr>
-        <c:numFmt formatCode="0%" sourceLinked="0"/>
-        <c:crossAx val="64451712"/>
-        <c:crosses val="autoZero"/>
-      </c:valAx>
-    </c:plotArea>
-    <c:legend>
-      <c:legendPos val="b"/>
-      <c:layout/>
-      <c:overlay val="0"/>
-      <c:txPr xmlns:c="http://schemas.openxmlformats.org/drawingml/2006/chart" xmlns:a="http://schemas.openxmlformats.org/drawingml/2006/main">
-        <a:bodyPr/>
-        <a:lstStyle/>
-        <a:p>
-          <a:pPr>
-            <a:defRPr cap="none" sz="900" i="0" b="0" u="none">
-              <a:solidFill>
-                <a:srgbClr val="000000">
-                  <a:alpha val="100000"/>
-                </a:srgbClr>
-              </a:solidFill>
-              <a:latin typeface="Calibri"/>
-              <a:cs typeface="Calibri"/>
-              <a:ea typeface="Calibri"/>
-              <a:sym typeface="Calibri"/>
-            </a:defRPr>
-          </a:pPr>
-        </a:p>
-      </c:txPr>
-    </c:legend>
-    <c:plotVisOnly val="1"/>
-    <c:dispBlanksAs val="gap"/>
-    <c:showDLblsOverMax val="0"/>
-  </c:chart>
-  <c:txPr>
-    <a:bodyPr/>
-    <a:lstStyle/>
-    <a:p>
-      <a:pPr>
-        <a:defRPr sz="1800"/>
-      </a:pPr>
-      <a:endParaRPr lang="fr-FR"/>
-    </a:p>
-  </c:txPr>
-  <c:externalData r:id="rId1">
-    <c:autoUpdate val="0"/>
-  </c:externalData>
-</c:chartSpace>
-</file>
-
-<file path=ppt/charts/chart4c4c732e7579.xml><?xml version="1.0" encoding="utf-8"?>
-<c:chartSpace xmlns:c="http://schemas.openxmlformats.org/drawingml/2006/chart" xmlns:a="http://schemas.openxmlformats.org/drawingml/2006/main" xmlns:r="http://schemas.openxmlformats.org/officeDocument/2006/relationships">
-  <c:date1904 val="0"/>
-  <c:lang val="fr-FR"/>
-  <c:roundedCorners val="0"/>
-  <mc:AlternateContent xmlns:mc="http://schemas.openxmlformats.org/markup-compatibility/2006">
-    <mc:Choice xmlns:c14="http://schemas.microsoft.com/office/drawing/2007/8/2/chart" Requires="c14">
-      <c14:style val="118"/>
-    </mc:Choice>
-    <mc:Fallback>
-      <c:style val="18"/>
-    </mc:Fallback>
-  </mc:AlternateContent>
-  <c:chart>
-    <c:title xmlns:c="http://schemas.openxmlformats.org/drawingml/2006/chart" xmlns:a="http://schemas.openxmlformats.org/drawingml/2006/main" xmlns:r="http://schemas.openxmlformats.org/officeDocument/2006/relationships">
-      <c:tx>
-        <c:rich>
-          <a:bodyPr/>
-          <a:lstStyle/>
-          <a:p>
-            <a:pPr>
-              <a:defRPr/>
-            </a:pPr>
-            <a:r>
-              <a:rPr cap="none" sz="900" i="0" b="1" u="none">
-                <a:solidFill>
-                  <a:srgbClr val="000000">
-                    <a:alpha val="100000"/>
-                  </a:srgbClr>
-                </a:solidFill>
-                <a:latin typeface="Calibri"/>
-                <a:cs typeface="Calibri"/>
-                <a:ea typeface="Calibri"/>
-                <a:sym typeface="Calibri"/>
-              </a:rPr>
-              <a:t>Variant 9</a:t>
-            </a:r>
-          </a:p>
-        </c:rich>
-      </c:tx>
-      <c:layout/>
-      <c:overlay val="0"/>
-    </c:title>
-    <c:autoTitleDeleted val="0"/>
-    <c:plotArea xmlns:c="http://schemas.openxmlformats.org/drawingml/2006/chart" xmlns:a="http://schemas.openxmlformats.org/drawingml/2006/main" xmlns:r="http://schemas.openxmlformats.org/officeDocument/2006/relationships">
-      <c:layout/>
-      <c:barChart>
-        <c:barDir val="col"/>
-        <c:grouping val="clustered"/>
-        <c:varyColors val="0"/>
-        <c:ser>
-          <c:idx val="0"/>
-          <c:order val="0"/>
-          <c:tx>
-            <c:strRef>
-              <c:f>sheet1!$B$1</c:f>
-              <c:strCache>
-                <c:ptCount val="1"/>
-                <c:pt idx="0">
-                  <c:v>Zandwijk</c:v>
-                </c:pt>
-              </c:strCache>
-            </c:strRef>
-          </c:tx>
-          <c:spPr>
-            <a:solidFill>
-              <a:srgbClr val="005C96">
-                <a:alpha val="100000"/>
-              </a:srgbClr>
-            </a:solidFill>
-            <a:ln w="25400">
-              <a:solidFill>
-                <a:srgbClr val="FFFFFF">
-                  <a:alpha val="0"/>
-                </a:srgbClr>
-              </a:solidFill>
-            </a:ln>
-            <a:effectLst/>
-          </c:spPr>
-          <c:invertIfNegative val="0"/>
-          <c:dLbls>
-            <c:dLblPos val="outEnd"/>
-            <c:numFmt formatCode="0%" sourceLinked="0"/>
-            <c:separator val=", "/>
-            <c:showBubbleSize val="0"/>
-            <c:showCatName val="0"/>
-            <c:showLegendKey val="0"/>
-            <c:showPercent val="0"/>
-            <c:showSerName val="0"/>
-            <c:showVal val="1"/>
-            <c:txPr>
-              <a:bodyPr/>
-              <a:lstStyle/>
-              <a:p>
-                <a:pPr>
-                  <a:defRPr cap="none" sz="800" i="0" b="0" u="none">
-                    <a:solidFill>
-                      <a:srgbClr val="000000">
-                        <a:alpha val="100000"/>
-                      </a:srgbClr>
-                    </a:solidFill>
-                    <a:latin typeface="Calibri"/>
-                    <a:cs typeface="Calibri"/>
-                    <a:ea typeface="Calibri"/>
-                    <a:sym typeface="Calibri"/>
-                  </a:defRPr>
-                </a:pPr>
-              </a:p>
-            </c:txPr>
-          </c:dLbls>
-          <c:cat>
-            <c:strRef>
-              <c:f>sheet1!$A$2:$A$3</c:f>
-              <c:strCache>
-                <c:ptCount val="2"/>
-                <c:pt idx="0">
-                  <c:v>Klas 2</c:v>
-                </c:pt>
-                <c:pt idx="1">
-                  <c:v>Klas 4</c:v>
-                </c:pt>
-              </c:strCache>
-            </c:strRef>
-          </c:cat>
-          <c:val>
-            <c:numRef>
-              <c:f>sheet1!$B$2:$B$3</c:f>
-              <c:numCache>
-                <c:ptCount val="2"/>
-                <c:pt idx="0">
-                  <c:v>0.2607700</c:v>
-                </c:pt>
-                <c:pt idx="1">
-                  <c:v>0.2945237</c:v>
-                </c:pt>
-              </c:numCache>
-            </c:numRef>
-          </c:val>
-        </c:ser>
-        <c:ser>
-          <c:idx val="1"/>
-          <c:order val="1"/>
-          <c:tx>
-            <c:strRef>
-              <c:f>sheet1!$C$1</c:f>
-              <c:strCache>
-                <c:ptCount val="1"/>
-                <c:pt idx="0">
-                  <c:v>Nederland</c:v>
-                </c:pt>
-              </c:strCache>
-            </c:strRef>
-          </c:tx>
-          <c:spPr>
-            <a:solidFill>
-              <a:srgbClr val="E54800">
-                <a:alpha val="100000"/>
-              </a:srgbClr>
-            </a:solidFill>
-            <a:ln w="25400">
-              <a:solidFill>
-                <a:srgbClr val="FFFFFF">
-                  <a:alpha val="0"/>
-                </a:srgbClr>
-              </a:solidFill>
-            </a:ln>
-            <a:effectLst/>
-          </c:spPr>
-          <c:invertIfNegative val="0"/>
-          <c:dLbls>
-            <c:dLblPos val="outEnd"/>
-            <c:numFmt formatCode="0%" sourceLinked="0"/>
-            <c:separator val=", "/>
-            <c:showBubbleSize val="0"/>
-            <c:showCatName val="0"/>
-            <c:showLegendKey val="0"/>
-            <c:showPercent val="0"/>
-            <c:showSerName val="0"/>
-            <c:showVal val="1"/>
-            <c:txPr>
-              <a:bodyPr/>
-              <a:lstStyle/>
-              <a:p>
-                <a:pPr>
-                  <a:defRPr cap="none" sz="800" i="0" b="0" u="none">
-                    <a:solidFill>
-                      <a:srgbClr val="000000">
-                        <a:alpha val="100000"/>
-                      </a:srgbClr>
-                    </a:solidFill>
-                    <a:latin typeface="Calibri"/>
-                    <a:cs typeface="Calibri"/>
-                    <a:ea typeface="Calibri"/>
-                    <a:sym typeface="Calibri"/>
-                  </a:defRPr>
-                </a:pPr>
-              </a:p>
-            </c:txPr>
-          </c:dLbls>
-          <c:cat>
-            <c:strRef>
-              <c:f>sheet1!$A$2:$A$3</c:f>
-              <c:strCache>
-                <c:ptCount val="2"/>
-                <c:pt idx="0">
-                  <c:v>Klas 2</c:v>
-                </c:pt>
-                <c:pt idx="1">
-                  <c:v>Klas 4</c:v>
-                </c:pt>
-              </c:strCache>
-            </c:strRef>
-          </c:cat>
-          <c:val>
-            <c:numRef>
-              <c:f>sheet1!$C$2:$C$3</c:f>
-              <c:numCache>
-                <c:ptCount val="2"/>
-                <c:pt idx="0">
-                  <c:v>0.2818699</c:v>
-                </c:pt>
-                <c:pt idx="1">
-                  <c:v>0.2738343</c:v>
-                </c:pt>
-              </c:numCache>
-            </c:numRef>
-          </c:val>
-        </c:ser>
-        <c:dLbls>
-          <c:dLblPos val="outEnd"/>
-          <c:numFmt formatCode="0%" sourceLinked="0"/>
-          <c:separator val=", "/>
-          <c:showBubbleSize val="0"/>
-          <c:showCatName val="0"/>
-          <c:showLegendKey val="0"/>
-          <c:showPercent val="0"/>
-          <c:showSerName val="0"/>
-          <c:showVal val="1"/>
-        </c:dLbls>
-        <c:gapWidth val="150"/>
-        <c:overlap val="0"/>
-        <c:axId val="64451712"/>
-        <c:axId val="64453248"/>
-      </c:barChart>
-      <c:catAx>
-        <c:axId val="64451712"/>
-        <c:scaling>
-          <c:orientation val="minMax"/>
-        </c:scaling>
-        <c:delete val="0"/>
-        <c:axPos val="l"/>
-        <c:majorTickMark val="none"/>
-        <c:minorTickMark val="none"/>
-        <c:tickLblPos val="nextTo"/>
-        <c:txPr>
-          <a:bodyPr rot="0" vert="horz"/>
-          <a:lstStyle/>
-          <a:p>
-            <a:pPr>
-              <a:defRPr cap="none" sz="800" i="0" b="0" u="none">
-                <a:solidFill>
-                  <a:srgbClr val="000000">
-                    <a:alpha val="100000"/>
-                  </a:srgbClr>
-                </a:solidFill>
-                <a:latin typeface="Calibri"/>
-                <a:cs typeface="Calibri"/>
-                <a:ea typeface="Calibri"/>
-                <a:sym typeface="Calibri"/>
-              </a:defRPr>
-            </a:pPr>
-          </a:p>
-        </c:txPr>
-        <c:spPr>
-          <a:ln algn="ctr" w="12700">
-            <a:solidFill>
-              <a:srgbClr val="000000">
-                <a:alpha val="100000"/>
-              </a:srgbClr>
-            </a:solidFill>
-            <a:prstDash val="solid"/>
-          </a:ln>
-        </c:spPr>
-        <c:numFmt formatCode="General" sourceLinked="0"/>
-        <c:crossAx val="64453248"/>
-        <c:crosses val="autoZero"/>
-      </c:catAx>
-      <c:valAx>
-        <c:axId val="64453248"/>
-        <c:scaling>
-          <c:orientation val="minMax"/>
-          <c:max val="1.00"/>
-          <c:min val="0.00"/>
-        </c:scaling>
-        <c:delete val="0"/>
-        <c:axPos val="l"/>
-        <c:majorTickMark val="none"/>
-        <c:minorTickMark val="none"/>
-        <c:tickLblPos val="nextTo"/>
-        <c:txPr>
-          <a:bodyPr rot="0" vert="horz"/>
-          <a:lstStyle/>
-          <a:p>
-            <a:pPr>
-              <a:defRPr cap="none" sz="900" i="0" b="0" u="none">
-                <a:solidFill>
-                  <a:srgbClr val="000000">
-                    <a:alpha val="100000"/>
-                  </a:srgbClr>
-                </a:solidFill>
-                <a:latin typeface="Calibri"/>
-                <a:cs typeface="Calibri"/>
-                <a:ea typeface="Calibri"/>
-                <a:sym typeface="Calibri"/>
-              </a:defRPr>
-            </a:pPr>
-          </a:p>
-        </c:txPr>
-        <c:spPr>
-          <a:ln algn="ctr" w="12700">
-            <a:solidFill>
-              <a:srgbClr val="000000">
-                <a:alpha val="100000"/>
-              </a:srgbClr>
-            </a:solidFill>
-            <a:prstDash val="solid"/>
-          </a:ln>
-        </c:spPr>
-        <c:numFmt formatCode="0%" sourceLinked="0"/>
-        <c:crossAx val="64451712"/>
-        <c:crosses val="autoZero"/>
-      </c:valAx>
-    </c:plotArea>
-    <c:legend>
-      <c:legendPos val="b"/>
-      <c:layout/>
-      <c:overlay val="0"/>
-      <c:txPr xmlns:c="http://schemas.openxmlformats.org/drawingml/2006/chart" xmlns:a="http://schemas.openxmlformats.org/drawingml/2006/main">
-        <a:bodyPr/>
-        <a:lstStyle/>
-        <a:p>
-          <a:pPr>
-            <a:defRPr cap="none" sz="900" i="0" b="0" u="none">
-              <a:solidFill>
-                <a:srgbClr val="000000">
-                  <a:alpha val="100000"/>
-                </a:srgbClr>
-              </a:solidFill>
-              <a:latin typeface="Calibri"/>
-              <a:cs typeface="Calibri"/>
-              <a:ea typeface="Calibri"/>
-              <a:sym typeface="Calibri"/>
-            </a:defRPr>
-          </a:pPr>
-        </a:p>
-      </c:txPr>
-    </c:legend>
-    <c:plotVisOnly val="1"/>
-    <c:dispBlanksAs val="gap"/>
-    <c:showDLblsOverMax val="0"/>
-  </c:chart>
-  <c:txPr>
-    <a:bodyPr/>
-    <a:lstStyle/>
-    <a:p>
-      <a:pPr>
-        <a:defRPr sz="1800"/>
-      </a:pPr>
-      <a:endParaRPr lang="fr-FR"/>
-    </a:p>
-  </c:txPr>
-  <c:externalData r:id="rId1">
-    <c:autoUpdate val="0"/>
-  </c:externalData>
-</c:chartSpace>
-</file>
-
-<file path=ppt/charts/chart4c4c75a773e4.xml><?xml version="1.0" encoding="utf-8"?>
-<c:chartSpace xmlns:c="http://schemas.openxmlformats.org/drawingml/2006/chart" xmlns:a="http://schemas.openxmlformats.org/drawingml/2006/main" xmlns:r="http://schemas.openxmlformats.org/officeDocument/2006/relationships">
-  <c:date1904 val="0"/>
-  <c:lang val="fr-FR"/>
-  <c:roundedCorners val="0"/>
-  <mc:AlternateContent xmlns:mc="http://schemas.openxmlformats.org/markup-compatibility/2006">
-    <mc:Choice xmlns:c14="http://schemas.microsoft.com/office/drawing/2007/8/2/chart" Requires="c14">
-      <c14:style val="118"/>
-    </mc:Choice>
-    <mc:Fallback>
-      <c:style val="18"/>
-    </mc:Fallback>
-  </mc:AlternateContent>
-  <c:chart>
-    <c:title xmlns:c="http://schemas.openxmlformats.org/drawingml/2006/chart" xmlns:a="http://schemas.openxmlformats.org/drawingml/2006/main" xmlns:r="http://schemas.openxmlformats.org/officeDocument/2006/relationships">
-      <c:tx>
-        <c:rich>
-          <a:bodyPr/>
-          <a:lstStyle/>
-          <a:p>
-            <a:pPr>
-              <a:defRPr/>
-            </a:pPr>
-            <a:r>
-              <a:rPr cap="none" sz="900" i="0" b="1" u="none">
-                <a:solidFill>
-                  <a:srgbClr val="000000">
-                    <a:alpha val="100000"/>
-                  </a:srgbClr>
-                </a:solidFill>
-                <a:latin typeface="Calibri"/>
-                <a:cs typeface="Calibri"/>
-                <a:ea typeface="Calibri"/>
-                <a:sym typeface="Calibri"/>
-              </a:rPr>
-              <a:t>Variant 13</a:t>
-            </a:r>
-          </a:p>
-        </c:rich>
-      </c:tx>
-      <c:layout/>
-      <c:overlay val="0"/>
-    </c:title>
-    <c:autoTitleDeleted val="0"/>
-    <c:plotArea xmlns:c="http://schemas.openxmlformats.org/drawingml/2006/chart" xmlns:a="http://schemas.openxmlformats.org/drawingml/2006/main" xmlns:r="http://schemas.openxmlformats.org/officeDocument/2006/relationships">
-      <c:layout/>
-      <c:barChart>
-        <c:barDir val="col"/>
-        <c:grouping val="clustered"/>
-        <c:varyColors val="0"/>
-        <c:ser>
-          <c:idx val="0"/>
-          <c:order val="0"/>
-          <c:tx>
-            <c:strRef>
-              <c:f>sheet1!$B$1</c:f>
-              <c:strCache>
-                <c:ptCount val="1"/>
-                <c:pt idx="0">
-                  <c:v>Jongen</c:v>
-                </c:pt>
-              </c:strCache>
-            </c:strRef>
-          </c:tx>
-          <c:spPr>
-            <a:solidFill>
-              <a:srgbClr val="005C96">
-                <a:alpha val="100000"/>
-              </a:srgbClr>
-            </a:solidFill>
-            <a:ln w="25400">
-              <a:solidFill>
-                <a:srgbClr val="FFFFFF">
-                  <a:alpha val="0"/>
-                </a:srgbClr>
-              </a:solidFill>
-            </a:ln>
-            <a:effectLst/>
-          </c:spPr>
-          <c:invertIfNegative val="0"/>
-          <c:dLbls>
-            <c:dLblPos val="outEnd"/>
-            <c:numFmt formatCode="0%" sourceLinked="0"/>
-            <c:separator val=", "/>
-            <c:showBubbleSize val="0"/>
-            <c:showCatName val="0"/>
-            <c:showLegendKey val="0"/>
-            <c:showPercent val="0"/>
-            <c:showSerName val="0"/>
-            <c:showVal val="1"/>
-            <c:txPr>
-              <a:bodyPr/>
-              <a:lstStyle/>
-              <a:p>
-                <a:pPr>
-                  <a:defRPr cap="none" sz="800" i="0" b="0" u="none">
-                    <a:solidFill>
-                      <a:srgbClr val="000000">
-                        <a:alpha val="100000"/>
-                      </a:srgbClr>
-                    </a:solidFill>
-                    <a:latin typeface="Calibri"/>
-                    <a:cs typeface="Calibri"/>
-                    <a:ea typeface="Calibri"/>
-                    <a:sym typeface="Calibri"/>
-                  </a:defRPr>
-                </a:pPr>
-              </a:p>
-            </c:txPr>
-          </c:dLbls>
-          <c:cat>
-            <c:strRef>
-              <c:f>sheet1!$A$2:$A$4</c:f>
-              <c:strCache>
-                <c:ptCount val="3"/>
-                <c:pt idx="0">
-                  <c:v>Heeft psychische klachten</c:v>
-                </c:pt>
-                <c:pt idx="1">
-                  <c:v>Geeft geen mantelzorg</c:v>
-                </c:pt>
-                <c:pt idx="2">
-                  <c:v>Heeft een zeer goede gezondheid</c:v>
-                </c:pt>
-              </c:strCache>
-            </c:strRef>
-          </c:cat>
-          <c:val>
-            <c:numRef>
-              <c:f>sheet1!$B$2:$B$4</c:f>
-              <c:numCache>
-                <c:ptCount val="3"/>
-                <c:pt idx="0">
-                  <c:v>0.2833711</c:v>
-                </c:pt>
-                <c:pt idx="1">
-                  <c:v>0.8544202</c:v>
-                </c:pt>
-                <c:pt idx="2">
-                  <c:v>0.3212508</c:v>
-                </c:pt>
-              </c:numCache>
-            </c:numRef>
-          </c:val>
-        </c:ser>
-        <c:ser>
-          <c:idx val="1"/>
-          <c:order val="1"/>
-          <c:tx>
-            <c:strRef>
-              <c:f>sheet1!$C$1</c:f>
-              <c:strCache>
-                <c:ptCount val="1"/>
-                <c:pt idx="0">
-                  <c:v>Meisje</c:v>
-                </c:pt>
-              </c:strCache>
-            </c:strRef>
-          </c:tx>
-          <c:spPr>
-            <a:solidFill>
-              <a:srgbClr val="6FC7FF">
-                <a:alpha val="100000"/>
-              </a:srgbClr>
-            </a:solidFill>
-            <a:ln w="25400">
-              <a:solidFill>
-                <a:srgbClr val="FFFFFF">
-                  <a:alpha val="0"/>
-                </a:srgbClr>
-              </a:solidFill>
-            </a:ln>
-            <a:effectLst/>
-          </c:spPr>
-          <c:invertIfNegative val="0"/>
-          <c:dLbls>
-            <c:dLblPos val="outEnd"/>
-            <c:numFmt formatCode="0%" sourceLinked="0"/>
-            <c:separator val=", "/>
-            <c:showBubbleSize val="0"/>
-            <c:showCatName val="0"/>
-            <c:showLegendKey val="0"/>
-            <c:showPercent val="0"/>
-            <c:showSerName val="0"/>
-            <c:showVal val="1"/>
-            <c:txPr>
-              <a:bodyPr/>
-              <a:lstStyle/>
-              <a:p>
-                <a:pPr>
-                  <a:defRPr cap="none" sz="800" i="0" b="0" u="none">
-                    <a:solidFill>
-                      <a:srgbClr val="000000">
-                        <a:alpha val="100000"/>
-                      </a:srgbClr>
-                    </a:solidFill>
-                    <a:latin typeface="Calibri"/>
-                    <a:cs typeface="Calibri"/>
-                    <a:ea typeface="Calibri"/>
-                    <a:sym typeface="Calibri"/>
-                  </a:defRPr>
-                </a:pPr>
-              </a:p>
-            </c:txPr>
-          </c:dLbls>
-          <c:cat>
-            <c:strRef>
-              <c:f>sheet1!$A$2:$A$4</c:f>
-              <c:strCache>
-                <c:ptCount val="3"/>
-                <c:pt idx="0">
-                  <c:v>Heeft psychische klachten</c:v>
-                </c:pt>
-                <c:pt idx="1">
-                  <c:v>Geeft geen mantelzorg</c:v>
-                </c:pt>
-                <c:pt idx="2">
-                  <c:v>Heeft een zeer goede gezondheid</c:v>
-                </c:pt>
-              </c:strCache>
-            </c:strRef>
-          </c:cat>
-          <c:val>
-            <c:numRef>
-              <c:f>sheet1!$C$2:$C$4</c:f>
-              <c:numCache>
-                <c:ptCount val="3"/>
-                <c:pt idx="0">
-                  <c:v>0.2587723</c:v>
-                </c:pt>
-                <c:pt idx="1">
-                  <c:v>0.8539607</c:v>
-                </c:pt>
-                <c:pt idx="2">
-                  <c:v>0.2719618</c:v>
-                </c:pt>
-              </c:numCache>
-            </c:numRef>
-          </c:val>
-        </c:ser>
-        <c:ser>
-          <c:idx val="2"/>
-          <c:order val="2"/>
-          <c:tx>
-            <c:strRef>
-              <c:f>sheet1!$D$1</c:f>
-              <c:strCache>
-                <c:ptCount val="1"/>
-                <c:pt idx="0">
-                  <c:v>Klas 2</c:v>
-                </c:pt>
-              </c:strCache>
-            </c:strRef>
-          </c:tx>
-          <c:spPr>
-            <a:solidFill>
-              <a:srgbClr val="E54800">
-                <a:alpha val="100000"/>
-              </a:srgbClr>
-            </a:solidFill>
-            <a:ln w="25400">
-              <a:solidFill>
-                <a:srgbClr val="FFFFFF">
-                  <a:alpha val="0"/>
-                </a:srgbClr>
-              </a:solidFill>
-            </a:ln>
-            <a:effectLst/>
-          </c:spPr>
-          <c:invertIfNegative val="0"/>
-          <c:dLbls>
-            <c:dLblPos val="outEnd"/>
-            <c:numFmt formatCode="0%" sourceLinked="0"/>
-            <c:separator val=", "/>
-            <c:showBubbleSize val="0"/>
-            <c:showCatName val="0"/>
-            <c:showLegendKey val="0"/>
-            <c:showPercent val="0"/>
-            <c:showSerName val="0"/>
-            <c:showVal val="1"/>
-            <c:txPr>
-              <a:bodyPr/>
-              <a:lstStyle/>
-              <a:p>
-                <a:pPr>
-                  <a:defRPr cap="none" sz="800" i="0" b="0" u="none">
-                    <a:solidFill>
-                      <a:srgbClr val="000000">
-                        <a:alpha val="100000"/>
-                      </a:srgbClr>
-                    </a:solidFill>
-                    <a:latin typeface="Calibri"/>
-                    <a:cs typeface="Calibri"/>
-                    <a:ea typeface="Calibri"/>
-                    <a:sym typeface="Calibri"/>
-                  </a:defRPr>
-                </a:pPr>
-              </a:p>
-            </c:txPr>
-          </c:dLbls>
-          <c:cat>
-            <c:strRef>
-              <c:f>sheet1!$A$2:$A$4</c:f>
-              <c:strCache>
-                <c:ptCount val="3"/>
-                <c:pt idx="0">
-                  <c:v>Heeft psychische klachten</c:v>
-                </c:pt>
-                <c:pt idx="1">
-                  <c:v>Geeft geen mantelzorg</c:v>
-                </c:pt>
-                <c:pt idx="2">
-                  <c:v>Heeft een zeer goede gezondheid</c:v>
-                </c:pt>
-              </c:strCache>
-            </c:strRef>
-          </c:cat>
-          <c:val>
-            <c:numRef>
-              <c:f>sheet1!$D$2:$D$4</c:f>
-              <c:numCache>
-                <c:ptCount val="3"/>
-                <c:pt idx="0">
-                  <c:v>0.2607700</c:v>
-                </c:pt>
-                <c:pt idx="1">
-                  <c:v>0.8433078</c:v>
-                </c:pt>
-                <c:pt idx="2">
-                  <c:v>0.2981898</c:v>
-                </c:pt>
-              </c:numCache>
-            </c:numRef>
-          </c:val>
-        </c:ser>
-        <c:ser>
-          <c:idx val="3"/>
-          <c:order val="3"/>
-          <c:tx>
-            <c:strRef>
-              <c:f>sheet1!$E$1</c:f>
-              <c:strCache>
-                <c:ptCount val="1"/>
-                <c:pt idx="0">
-                  <c:v>Klas 4</c:v>
-                </c:pt>
-              </c:strCache>
-            </c:strRef>
-          </c:tx>
-          <c:spPr>
-            <a:solidFill>
-              <a:srgbClr val="FFB18E">
-                <a:alpha val="100000"/>
-              </a:srgbClr>
-            </a:solidFill>
-            <a:ln w="25400">
-              <a:solidFill>
-                <a:srgbClr val="FFFFFF">
-                  <a:alpha val="0"/>
-                </a:srgbClr>
-              </a:solidFill>
-            </a:ln>
-            <a:effectLst/>
-          </c:spPr>
-          <c:invertIfNegative val="0"/>
-          <c:dLbls>
-            <c:dLblPos val="outEnd"/>
-            <c:numFmt formatCode="0%" sourceLinked="0"/>
-            <c:separator val=", "/>
-            <c:showBubbleSize val="0"/>
-            <c:showCatName val="0"/>
-            <c:showLegendKey val="0"/>
-            <c:showPercent val="0"/>
-            <c:showSerName val="0"/>
-            <c:showVal val="1"/>
-            <c:txPr>
-              <a:bodyPr/>
-              <a:lstStyle/>
-              <a:p>
-                <a:pPr>
-                  <a:defRPr cap="none" sz="800" i="0" b="0" u="none">
-                    <a:solidFill>
-                      <a:srgbClr val="000000">
-                        <a:alpha val="100000"/>
-                      </a:srgbClr>
-                    </a:solidFill>
-                    <a:latin typeface="Calibri"/>
-                    <a:cs typeface="Calibri"/>
-                    <a:ea typeface="Calibri"/>
-                    <a:sym typeface="Calibri"/>
-                  </a:defRPr>
-                </a:pPr>
-              </a:p>
-            </c:txPr>
-          </c:dLbls>
-          <c:cat>
-            <c:strRef>
-              <c:f>sheet1!$A$2:$A$4</c:f>
-              <c:strCache>
-                <c:ptCount val="3"/>
-                <c:pt idx="0">
-                  <c:v>Heeft psychische klachten</c:v>
-                </c:pt>
-                <c:pt idx="1">
-                  <c:v>Geeft geen mantelzorg</c:v>
-                </c:pt>
-                <c:pt idx="2">
-                  <c:v>Heeft een zeer goede gezondheid</c:v>
-                </c:pt>
-              </c:strCache>
-            </c:strRef>
-          </c:cat>
-          <c:val>
-            <c:numRef>
-              <c:f>sheet1!$E$2:$E$4</c:f>
-              <c:numCache>
-                <c:ptCount val="3"/>
-                <c:pt idx="0">
-                  <c:v>0.2945237</c:v>
-                </c:pt>
-                <c:pt idx="1">
-                  <c:v>0.8461971</c:v>
-                </c:pt>
-                <c:pt idx="2">
-                  <c:v>0.2963516</c:v>
-                </c:pt>
-              </c:numCache>
-            </c:numRef>
-          </c:val>
-        </c:ser>
-        <c:dLbls>
-          <c:dLblPos val="outEnd"/>
-          <c:numFmt formatCode="0%" sourceLinked="0"/>
-          <c:separator val=", "/>
-          <c:showBubbleSize val="0"/>
-          <c:showCatName val="0"/>
-          <c:showLegendKey val="0"/>
-          <c:showPercent val="0"/>
-          <c:showSerName val="0"/>
-          <c:showVal val="1"/>
-        </c:dLbls>
-        <c:gapWidth val="150"/>
-        <c:overlap val="0"/>
-        <c:axId val="64451712"/>
-        <c:axId val="64453248"/>
-      </c:barChart>
-      <c:catAx>
-        <c:axId val="64451712"/>
-        <c:scaling>
-          <c:orientation val="minMax"/>
-        </c:scaling>
-        <c:delete val="0"/>
-        <c:axPos val="l"/>
-        <c:majorTickMark val="none"/>
-        <c:minorTickMark val="none"/>
-        <c:tickLblPos val="nextTo"/>
-        <c:txPr>
-          <a:bodyPr rot="0" vert="horz"/>
-          <a:lstStyle/>
-          <a:p>
-            <a:pPr>
-              <a:defRPr cap="none" sz="800" i="0" b="0" u="none">
-                <a:solidFill>
-                  <a:srgbClr val="000000">
-                    <a:alpha val="100000"/>
-                  </a:srgbClr>
-                </a:solidFill>
-                <a:latin typeface="Calibri"/>
-                <a:cs typeface="Calibri"/>
-                <a:ea typeface="Calibri"/>
-                <a:sym typeface="Calibri"/>
-              </a:defRPr>
-            </a:pPr>
-          </a:p>
-        </c:txPr>
-        <c:spPr>
-          <a:ln algn="ctr" w="12700">
-            <a:solidFill>
-              <a:srgbClr val="000000">
-                <a:alpha val="100000"/>
-              </a:srgbClr>
-            </a:solidFill>
-            <a:prstDash val="solid"/>
-          </a:ln>
-        </c:spPr>
-        <c:numFmt formatCode="General" sourceLinked="0"/>
-        <c:crossAx val="64453248"/>
-        <c:crosses val="autoZero"/>
-      </c:catAx>
-      <c:valAx>
-        <c:axId val="64453248"/>
-        <c:scaling>
-          <c:orientation val="minMax"/>
-          <c:max val="1.00"/>
-          <c:min val="0.00"/>
-        </c:scaling>
-        <c:delete val="0"/>
-        <c:axPos val="l"/>
-        <c:majorTickMark val="none"/>
-        <c:minorTickMark val="none"/>
-        <c:tickLblPos val="nextTo"/>
-        <c:txPr>
-          <a:bodyPr rot="0" vert="horz"/>
-          <a:lstStyle/>
-          <a:p>
-            <a:pPr>
-              <a:defRPr cap="none" sz="900" i="0" b="0" u="none">
-                <a:solidFill>
-                  <a:srgbClr val="000000">
-                    <a:alpha val="100000"/>
-                  </a:srgbClr>
-                </a:solidFill>
-                <a:latin typeface="Calibri"/>
-                <a:cs typeface="Calibri"/>
-                <a:ea typeface="Calibri"/>
-                <a:sym typeface="Calibri"/>
-              </a:defRPr>
-            </a:pPr>
-          </a:p>
-        </c:txPr>
-        <c:spPr>
-          <a:ln algn="ctr" w="12700">
-            <a:solidFill>
-              <a:srgbClr val="000000">
-                <a:alpha val="100000"/>
-              </a:srgbClr>
-            </a:solidFill>
-            <a:prstDash val="solid"/>
-          </a:ln>
-        </c:spPr>
-        <c:numFmt formatCode="0%" sourceLinked="0"/>
-        <c:crossAx val="64451712"/>
-        <c:crosses val="autoZero"/>
-      </c:valAx>
-    </c:plotArea>
-    <c:legend>
-      <c:legendPos val="b"/>
-      <c:layout/>
-      <c:overlay val="0"/>
-      <c:txPr xmlns:c="http://schemas.openxmlformats.org/drawingml/2006/chart" xmlns:a="http://schemas.openxmlformats.org/drawingml/2006/main">
-        <a:bodyPr/>
-        <a:lstStyle/>
-        <a:p>
-          <a:pPr>
-            <a:defRPr cap="none" sz="900" i="0" b="0" u="none">
-              <a:solidFill>
-                <a:srgbClr val="000000">
-                  <a:alpha val="100000"/>
-                </a:srgbClr>
-              </a:solidFill>
-              <a:latin typeface="Calibri"/>
-              <a:cs typeface="Calibri"/>
-              <a:ea typeface="Calibri"/>
-              <a:sym typeface="Calibri"/>
-            </a:defRPr>
-          </a:pPr>
-        </a:p>
-      </c:txPr>
-    </c:legend>
-    <c:plotVisOnly val="1"/>
-    <c:dispBlanksAs val="gap"/>
-    <c:showDLblsOverMax val="0"/>
-  </c:chart>
-  <c:txPr>
-    <a:bodyPr/>
-    <a:lstStyle/>
-    <a:p>
-      <a:pPr>
-        <a:defRPr sz="1800"/>
-      </a:pPr>
-      <a:endParaRPr lang="fr-FR"/>
-    </a:p>
-  </c:txPr>
-  <c:externalData r:id="rId1">
-    <c:autoUpdate val="0"/>
-  </c:externalData>
-</c:chartSpace>
-</file>
-
-<file path=ppt/charts/chart4c4c7820724f.xml><?xml version="1.0" encoding="utf-8"?>
-<c:chartSpace xmlns:c="http://schemas.openxmlformats.org/drawingml/2006/chart" xmlns:a="http://schemas.openxmlformats.org/drawingml/2006/main" xmlns:r="http://schemas.openxmlformats.org/officeDocument/2006/relationships">
-  <c:date1904 val="0"/>
-  <c:lang val="fr-FR"/>
-  <c:roundedCorners val="0"/>
-  <mc:AlternateContent xmlns:mc="http://schemas.openxmlformats.org/markup-compatibility/2006">
-    <mc:Choice xmlns:c14="http://schemas.microsoft.com/office/drawing/2007/8/2/chart" Requires="c14">
-      <c14:style val="118"/>
-    </mc:Choice>
-    <mc:Fallback>
-      <c:style val="18"/>
-    </mc:Fallback>
-  </mc:AlternateContent>
-  <c:chart>
-    <c:title xmlns:c="http://schemas.openxmlformats.org/drawingml/2006/chart" xmlns:a="http://schemas.openxmlformats.org/drawingml/2006/main" xmlns:r="http://schemas.openxmlformats.org/officeDocument/2006/relationships">
-      <c:tx>
-        <c:rich>
-          <a:bodyPr/>
-          <a:lstStyle/>
-          <a:p>
-            <a:pPr>
-              <a:defRPr/>
-            </a:pPr>
-            <a:r>
-              <a:rPr cap="none" sz="900" i="0" b="1" u="none">
-                <a:solidFill>
-                  <a:srgbClr val="000000">
-                    <a:alpha val="100000"/>
-                  </a:srgbClr>
-                </a:solidFill>
-                <a:latin typeface="Calibri"/>
-                <a:cs typeface="Calibri"/>
-                <a:ea typeface="Calibri"/>
-                <a:sym typeface="Calibri"/>
-              </a:rPr>
-              <a:t>Variant 17</a:t>
-            </a:r>
-          </a:p>
-        </c:rich>
-      </c:tx>
-      <c:layout/>
-      <c:overlay val="0"/>
-    </c:title>
-    <c:autoTitleDeleted val="0"/>
-    <c:plotArea xmlns:c="http://schemas.openxmlformats.org/drawingml/2006/chart" xmlns:a="http://schemas.openxmlformats.org/drawingml/2006/main" xmlns:r="http://schemas.openxmlformats.org/officeDocument/2006/relationships">
-      <c:layout/>
-      <c:barChart>
-        <c:barDir val="col"/>
-        <c:grouping val="clustered"/>
-        <c:varyColors val="0"/>
-        <c:ser>
-          <c:idx val="0"/>
-          <c:order val="0"/>
-          <c:tx>
-            <c:strRef>
-              <c:f>sheet1!$B$1</c:f>
-              <c:strCache>
-                <c:ptCount val="1"/>
-                <c:pt idx="0">
-                  <c:v>Zandwijk</c:v>
-                </c:pt>
-              </c:strCache>
-            </c:strRef>
-          </c:tx>
-          <c:spPr>
-            <a:solidFill>
-              <a:srgbClr val="005C96">
-                <a:alpha val="100000"/>
-              </a:srgbClr>
-            </a:solidFill>
-            <a:ln w="25400">
-              <a:solidFill>
-                <a:srgbClr val="FFFFFF">
-                  <a:alpha val="0"/>
-                </a:srgbClr>
-              </a:solidFill>
-            </a:ln>
-            <a:effectLst/>
-          </c:spPr>
-          <c:invertIfNegative val="0"/>
-          <c:dLbls>
-            <c:dLblPos val="outEnd"/>
-            <c:numFmt formatCode="0%" sourceLinked="0"/>
-            <c:separator val=", "/>
-            <c:showBubbleSize val="0"/>
-            <c:showCatName val="0"/>
-            <c:showLegendKey val="0"/>
-            <c:showPercent val="0"/>
-            <c:showSerName val="0"/>
-            <c:showVal val="1"/>
-            <c:txPr>
-              <a:bodyPr/>
-              <a:lstStyle/>
-              <a:p>
-                <a:pPr>
-                  <a:defRPr cap="none" sz="800" i="0" b="0" u="none">
-                    <a:solidFill>
-                      <a:srgbClr val="000000">
-                        <a:alpha val="100000"/>
-                      </a:srgbClr>
-                    </a:solidFill>
-                    <a:latin typeface="Calibri"/>
-                    <a:cs typeface="Calibri"/>
-                    <a:ea typeface="Calibri"/>
-                    <a:sym typeface="Calibri"/>
-                  </a:defRPr>
-                </a:pPr>
-              </a:p>
-            </c:txPr>
-          </c:dLbls>
-          <c:cat>
-            <c:strRef>
-              <c:f>sheet1!$A$2:$A$5</c:f>
-              <c:strCache>
-                <c:ptCount val="4"/>
-                <c:pt idx="0">
-                  <c:v>Jongen</c:v>
-                </c:pt>
-                <c:pt idx="1">
-                  <c:v>Meisje</c:v>
-                </c:pt>
-                <c:pt idx="2">
-                  <c:v>Klas 2</c:v>
-                </c:pt>
-                <c:pt idx="3">
-                  <c:v>Klas 4</c:v>
-                </c:pt>
-              </c:strCache>
-            </c:strRef>
-          </c:cat>
-          <c:val>
-            <c:numRef>
-              <c:f>sheet1!$B$2:$B$5</c:f>
-              <c:numCache>
-                <c:ptCount val="4"/>
-                <c:pt idx="0">
-                  <c:v>0.2833711</c:v>
-                </c:pt>
-                <c:pt idx="1">
-                  <c:v>0.2587723</c:v>
-                </c:pt>
-                <c:pt idx="2">
-                  <c:v>0.2607700</c:v>
-                </c:pt>
-                <c:pt idx="3">
-                  <c:v>0.2945237</c:v>
-                </c:pt>
-              </c:numCache>
-            </c:numRef>
-          </c:val>
-        </c:ser>
-        <c:ser>
-          <c:idx val="1"/>
-          <c:order val="1"/>
-          <c:tx>
-            <c:strRef>
-              <c:f>sheet1!$C$1</c:f>
-              <c:strCache>
-                <c:ptCount val="1"/>
-                <c:pt idx="0">
-                  <c:v>Nederland</c:v>
-                </c:pt>
-              </c:strCache>
-            </c:strRef>
-          </c:tx>
-          <c:spPr>
-            <a:solidFill>
-              <a:srgbClr val="E54800">
-                <a:alpha val="100000"/>
-              </a:srgbClr>
-            </a:solidFill>
-            <a:ln w="25400">
-              <a:solidFill>
-                <a:srgbClr val="FFFFFF">
-                  <a:alpha val="0"/>
-                </a:srgbClr>
-              </a:solidFill>
-            </a:ln>
-            <a:effectLst/>
-          </c:spPr>
-          <c:invertIfNegative val="0"/>
-          <c:dLbls>
-            <c:dLblPos val="outEnd"/>
-            <c:numFmt formatCode="0%" sourceLinked="0"/>
-            <c:separator val=", "/>
-            <c:showBubbleSize val="0"/>
-            <c:showCatName val="0"/>
-            <c:showLegendKey val="0"/>
-            <c:showPercent val="0"/>
-            <c:showSerName val="0"/>
-            <c:showVal val="1"/>
-            <c:txPr>
-              <a:bodyPr/>
-              <a:lstStyle/>
-              <a:p>
-                <a:pPr>
-                  <a:defRPr cap="none" sz="800" i="0" b="0" u="none">
-                    <a:solidFill>
-                      <a:srgbClr val="000000">
-                        <a:alpha val="100000"/>
-                      </a:srgbClr>
-                    </a:solidFill>
-                    <a:latin typeface="Calibri"/>
-                    <a:cs typeface="Calibri"/>
-                    <a:ea typeface="Calibri"/>
-                    <a:sym typeface="Calibri"/>
-                  </a:defRPr>
-                </a:pPr>
-              </a:p>
-            </c:txPr>
-          </c:dLbls>
-          <c:cat>
-            <c:strRef>
-              <c:f>sheet1!$A$2:$A$5</c:f>
-              <c:strCache>
-                <c:ptCount val="4"/>
-                <c:pt idx="0">
-                  <c:v>Jongen</c:v>
-                </c:pt>
-                <c:pt idx="1">
-                  <c:v>Meisje</c:v>
-                </c:pt>
-                <c:pt idx="2">
-                  <c:v>Klas 2</c:v>
-                </c:pt>
-                <c:pt idx="3">
-                  <c:v>Klas 4</c:v>
-                </c:pt>
-              </c:strCache>
-            </c:strRef>
-          </c:cat>
-          <c:val>
-            <c:numRef>
-              <c:f>sheet1!$C$2:$C$5</c:f>
-              <c:numCache>
-                <c:ptCount val="4"/>
-                <c:pt idx="0">
-                  <c:v>0.2810797</c:v>
-                </c:pt>
-                <c:pt idx="1">
-                  <c:v>0.2733080</c:v>
-                </c:pt>
-                <c:pt idx="2">
-                  <c:v>0.2818699</c:v>
-                </c:pt>
-                <c:pt idx="3">
-                  <c:v>0.2738343</c:v>
-                </c:pt>
-              </c:numCache>
-            </c:numRef>
-          </c:val>
-        </c:ser>
-        <c:dLbls>
-          <c:dLblPos val="outEnd"/>
-          <c:numFmt formatCode="0%" sourceLinked="0"/>
-          <c:separator val=", "/>
-          <c:showBubbleSize val="0"/>
-          <c:showCatName val="0"/>
-          <c:showLegendKey val="0"/>
-          <c:showPercent val="0"/>
-          <c:showSerName val="0"/>
-          <c:showVal val="1"/>
-        </c:dLbls>
-        <c:gapWidth val="150"/>
-        <c:overlap val="0"/>
-        <c:axId val="64451712"/>
-        <c:axId val="64453248"/>
-      </c:barChart>
-      <c:catAx>
-        <c:axId val="64451712"/>
-        <c:scaling>
-          <c:orientation val="minMax"/>
-        </c:scaling>
-        <c:delete val="0"/>
-        <c:axPos val="l"/>
-        <c:majorTickMark val="none"/>
-        <c:minorTickMark val="none"/>
-        <c:tickLblPos val="nextTo"/>
-        <c:txPr>
-          <a:bodyPr rot="0" vert="horz"/>
-          <a:lstStyle/>
-          <a:p>
-            <a:pPr>
-              <a:defRPr cap="none" sz="800" i="0" b="0" u="none">
-                <a:solidFill>
-                  <a:srgbClr val="000000">
-                    <a:alpha val="100000"/>
-                  </a:srgbClr>
-                </a:solidFill>
-                <a:latin typeface="Calibri"/>
-                <a:cs typeface="Calibri"/>
-                <a:ea typeface="Calibri"/>
-                <a:sym typeface="Calibri"/>
-              </a:defRPr>
-            </a:pPr>
-          </a:p>
-        </c:txPr>
-        <c:spPr>
-          <a:ln algn="ctr" w="12700">
-            <a:solidFill>
-              <a:srgbClr val="000000">
-                <a:alpha val="100000"/>
-              </a:srgbClr>
-            </a:solidFill>
-            <a:prstDash val="solid"/>
-          </a:ln>
-        </c:spPr>
-        <c:numFmt formatCode="General" sourceLinked="0"/>
-        <c:crossAx val="64453248"/>
-        <c:crosses val="autoZero"/>
-      </c:catAx>
-      <c:valAx>
-        <c:axId val="64453248"/>
-        <c:scaling>
-          <c:orientation val="minMax"/>
-          <c:max val="1.00"/>
-          <c:min val="0.00"/>
-        </c:scaling>
-        <c:delete val="0"/>
-        <c:axPos val="l"/>
-        <c:majorTickMark val="none"/>
-        <c:minorTickMark val="none"/>
-        <c:tickLblPos val="nextTo"/>
-        <c:txPr>
-          <a:bodyPr rot="0" vert="horz"/>
-          <a:lstStyle/>
-          <a:p>
-            <a:pPr>
-              <a:defRPr cap="none" sz="900" i="0" b="0" u="none">
-                <a:solidFill>
-                  <a:srgbClr val="000000">
-                    <a:alpha val="100000"/>
-                  </a:srgbClr>
-                </a:solidFill>
-                <a:latin typeface="Calibri"/>
-                <a:cs typeface="Calibri"/>
-                <a:ea typeface="Calibri"/>
-                <a:sym typeface="Calibri"/>
-              </a:defRPr>
-            </a:pPr>
-          </a:p>
-        </c:txPr>
-        <c:spPr>
-          <a:ln algn="ctr" w="12700">
-            <a:solidFill>
-              <a:srgbClr val="000000">
-                <a:alpha val="100000"/>
-              </a:srgbClr>
-            </a:solidFill>
-            <a:prstDash val="solid"/>
-          </a:ln>
-        </c:spPr>
-        <c:numFmt formatCode="0%" sourceLinked="0"/>
-        <c:crossAx val="64451712"/>
-        <c:crosses val="autoZero"/>
-      </c:valAx>
-    </c:plotArea>
-    <c:legend>
-      <c:legendPos val="b"/>
-      <c:layout/>
-      <c:overlay val="0"/>
-      <c:txPr xmlns:c="http://schemas.openxmlformats.org/drawingml/2006/chart" xmlns:a="http://schemas.openxmlformats.org/drawingml/2006/main">
-        <a:bodyPr/>
-        <a:lstStyle/>
-        <a:p>
-          <a:pPr>
-            <a:defRPr cap="none" sz="900" i="0" b="0" u="none">
-              <a:solidFill>
-                <a:srgbClr val="000000">
-                  <a:alpha val="100000"/>
-                </a:srgbClr>
-              </a:solidFill>
-              <a:latin typeface="Calibri"/>
-              <a:cs typeface="Calibri"/>
-              <a:ea typeface="Calibri"/>
-              <a:sym typeface="Calibri"/>
-            </a:defRPr>
-          </a:pPr>
-        </a:p>
-      </c:txPr>
-    </c:legend>
-    <c:plotVisOnly val="1"/>
-    <c:dispBlanksAs val="gap"/>
-    <c:showDLblsOverMax val="0"/>
-  </c:chart>
-  <c:txPr>
-    <a:bodyPr/>
-    <a:lstStyle/>
-    <a:p>
-      <a:pPr>
-        <a:defRPr sz="1800"/>
-      </a:pPr>
-      <a:endParaRPr lang="fr-FR"/>
-    </a:p>
-  </c:txPr>
-  <c:externalData r:id="rId1">
-    <c:autoUpdate val="0"/>
-  </c:externalData>
-</c:chartSpace>
-</file>
-
-<file path=ppt/charts/chart4c4c7a9a70b9.xml><?xml version="1.0" encoding="utf-8"?>
-<c:chartSpace xmlns:c="http://schemas.openxmlformats.org/drawingml/2006/chart" xmlns:a="http://schemas.openxmlformats.org/drawingml/2006/main" xmlns:r="http://schemas.openxmlformats.org/officeDocument/2006/relationships">
-  <c:date1904 val="0"/>
-  <c:lang val="fr-FR"/>
-  <c:roundedCorners val="0"/>
-  <mc:AlternateContent xmlns:mc="http://schemas.openxmlformats.org/markup-compatibility/2006">
-    <mc:Choice xmlns:c14="http://schemas.microsoft.com/office/drawing/2007/8/2/chart" Requires="c14">
-      <c14:style val="118"/>
-    </mc:Choice>
-    <mc:Fallback>
-      <c:style val="18"/>
-    </mc:Fallback>
-  </mc:AlternateContent>
-  <c:chart>
-    <c:title xmlns:c="http://schemas.openxmlformats.org/drawingml/2006/chart" xmlns:a="http://schemas.openxmlformats.org/drawingml/2006/main" xmlns:r="http://schemas.openxmlformats.org/officeDocument/2006/relationships">
-      <c:tx>
-        <c:rich>
-          <a:bodyPr/>
-          <a:lstStyle/>
-          <a:p>
-            <a:pPr>
-              <a:defRPr/>
-            </a:pPr>
-            <a:r>
-              <a:rPr cap="none" sz="900" i="0" b="1" u="none">
-                <a:solidFill>
-                  <a:srgbClr val="000000">
-                    <a:alpha val="100000"/>
-                  </a:srgbClr>
-                </a:solidFill>
-                <a:latin typeface="Calibri"/>
-                <a:cs typeface="Calibri"/>
-                <a:ea typeface="Calibri"/>
-                <a:sym typeface="Calibri"/>
-              </a:rPr>
-              <a:t>Staafgrafiek Variant 17 liggend</a:t>
-            </a:r>
-          </a:p>
-        </c:rich>
-      </c:tx>
-      <c:layout/>
-      <c:overlay val="0"/>
-    </c:title>
-    <c:autoTitleDeleted val="0"/>
-    <c:plotArea xmlns:c="http://schemas.openxmlformats.org/drawingml/2006/chart" xmlns:a="http://schemas.openxmlformats.org/drawingml/2006/main" xmlns:r="http://schemas.openxmlformats.org/officeDocument/2006/relationships">
-      <c:layout/>
-      <c:barChart>
-        <c:barDir val="bar"/>
-        <c:grouping val="clustered"/>
-        <c:varyColors val="0"/>
-        <c:ser>
-          <c:idx val="0"/>
-          <c:order val="0"/>
-          <c:tx>
-            <c:strRef>
-              <c:f>sheet1!$B$1</c:f>
-              <c:strCache>
-                <c:ptCount val="1"/>
-                <c:pt idx="0">
-                  <c:v>Nederland</c:v>
-                </c:pt>
-              </c:strCache>
-            </c:strRef>
-          </c:tx>
-          <c:spPr>
-            <a:solidFill>
-              <a:srgbClr val="E54800">
-                <a:alpha val="100000"/>
-              </a:srgbClr>
-            </a:solidFill>
-            <a:ln w="25400">
-              <a:solidFill>
-                <a:srgbClr val="FFFFFF">
-                  <a:alpha val="0"/>
-                </a:srgbClr>
-              </a:solidFill>
-            </a:ln>
-            <a:effectLst/>
-          </c:spPr>
-          <c:invertIfNegative val="0"/>
-          <c:dLbls>
-            <c:dLblPos val="outEnd"/>
-            <c:numFmt formatCode="0%" sourceLinked="0"/>
-            <c:separator val=", "/>
-            <c:showBubbleSize val="0"/>
-            <c:showCatName val="0"/>
-            <c:showLegendKey val="0"/>
-            <c:showPercent val="0"/>
-            <c:showSerName val="0"/>
-            <c:showVal val="1"/>
-            <c:txPr>
-              <a:bodyPr/>
-              <a:lstStyle/>
-              <a:p>
-                <a:pPr>
-                  <a:defRPr cap="none" sz="800" i="0" b="0" u="none">
-                    <a:solidFill>
-                      <a:srgbClr val="000000">
-                        <a:alpha val="100000"/>
-                      </a:srgbClr>
-                    </a:solidFill>
-                    <a:latin typeface="Calibri"/>
-                    <a:cs typeface="Calibri"/>
-                    <a:ea typeface="Calibri"/>
-                    <a:sym typeface="Calibri"/>
-                  </a:defRPr>
-                </a:pPr>
-              </a:p>
-            </c:txPr>
-          </c:dLbls>
-          <c:cat>
-            <c:strRef>
-              <c:f>sheet1!$A$2:$A$5</c:f>
-              <c:strCache>
-                <c:ptCount val="4"/>
-                <c:pt idx="0">
-                  <c:v>Klas 4</c:v>
-                </c:pt>
-                <c:pt idx="1">
-                  <c:v>Klas 2</c:v>
-                </c:pt>
-                <c:pt idx="2">
-                  <c:v>Meisje</c:v>
-                </c:pt>
-                <c:pt idx="3">
-                  <c:v>Jongen</c:v>
-                </c:pt>
-              </c:strCache>
-            </c:strRef>
-          </c:cat>
-          <c:val>
-            <c:numRef>
-              <c:f>sheet1!$B$2:$B$5</c:f>
-              <c:numCache>
-                <c:ptCount val="4"/>
-                <c:pt idx="0">
-                  <c:v>0.2738343</c:v>
-                </c:pt>
-                <c:pt idx="1">
-                  <c:v>0.2818699</c:v>
-                </c:pt>
-                <c:pt idx="2">
-                  <c:v>0.2733080</c:v>
-                </c:pt>
-                <c:pt idx="3">
-                  <c:v>0.2810797</c:v>
-                </c:pt>
-              </c:numCache>
-            </c:numRef>
-          </c:val>
-        </c:ser>
-        <c:ser>
-          <c:idx val="1"/>
-          <c:order val="1"/>
-          <c:tx>
-            <c:strRef>
-              <c:f>sheet1!$C$1</c:f>
-              <c:strCache>
-                <c:ptCount val="1"/>
-                <c:pt idx="0">
-                  <c:v>Zandwijk</c:v>
-                </c:pt>
-              </c:strCache>
-            </c:strRef>
-          </c:tx>
-          <c:spPr>
-            <a:solidFill>
-              <a:srgbClr val="005C96">
-                <a:alpha val="100000"/>
-              </a:srgbClr>
-            </a:solidFill>
-            <a:ln w="25400">
-              <a:solidFill>
-                <a:srgbClr val="FFFFFF">
-                  <a:alpha val="0"/>
-                </a:srgbClr>
-              </a:solidFill>
-            </a:ln>
-            <a:effectLst/>
-          </c:spPr>
-          <c:invertIfNegative val="0"/>
-          <c:dLbls>
-            <c:dLblPos val="outEnd"/>
-            <c:numFmt formatCode="0%" sourceLinked="0"/>
-            <c:separator val=", "/>
-            <c:showBubbleSize val="0"/>
-            <c:showCatName val="0"/>
-            <c:showLegendKey val="0"/>
-            <c:showPercent val="0"/>
-            <c:showSerName val="0"/>
-            <c:showVal val="1"/>
-            <c:txPr>
-              <a:bodyPr/>
-              <a:lstStyle/>
-              <a:p>
-                <a:pPr>
-                  <a:defRPr cap="none" sz="800" i="0" b="0" u="none">
-                    <a:solidFill>
-                      <a:srgbClr val="000000">
-                        <a:alpha val="100000"/>
-                      </a:srgbClr>
-                    </a:solidFill>
-                    <a:latin typeface="Calibri"/>
-                    <a:cs typeface="Calibri"/>
-                    <a:ea typeface="Calibri"/>
-                    <a:sym typeface="Calibri"/>
-                  </a:defRPr>
-                </a:pPr>
-              </a:p>
-            </c:txPr>
-          </c:dLbls>
-          <c:cat>
-            <c:strRef>
-              <c:f>sheet1!$A$2:$A$5</c:f>
-              <c:strCache>
-                <c:ptCount val="4"/>
-                <c:pt idx="0">
-                  <c:v>Klas 4</c:v>
-                </c:pt>
-                <c:pt idx="1">
-                  <c:v>Klas 2</c:v>
-                </c:pt>
-                <c:pt idx="2">
-                  <c:v>Meisje</c:v>
-                </c:pt>
-                <c:pt idx="3">
-                  <c:v>Jongen</c:v>
-                </c:pt>
-              </c:strCache>
-            </c:strRef>
-          </c:cat>
-          <c:val>
-            <c:numRef>
-              <c:f>sheet1!$C$2:$C$5</c:f>
-              <c:numCache>
-                <c:ptCount val="4"/>
-                <c:pt idx="0">
-                  <c:v>0.2945237</c:v>
-                </c:pt>
-                <c:pt idx="1">
-                  <c:v>0.2607700</c:v>
-                </c:pt>
-                <c:pt idx="2">
-                  <c:v>0.2587723</c:v>
-                </c:pt>
-                <c:pt idx="3">
-                  <c:v>0.2833711</c:v>
-                </c:pt>
-              </c:numCache>
-            </c:numRef>
-          </c:val>
-        </c:ser>
-        <c:dLbls>
-          <c:dLblPos val="outEnd"/>
-          <c:numFmt formatCode="0%" sourceLinked="0"/>
-          <c:separator val=", "/>
-          <c:showBubbleSize val="0"/>
-          <c:showCatName val="0"/>
-          <c:showLegendKey val="0"/>
-          <c:showPercent val="0"/>
-          <c:showSerName val="0"/>
-          <c:showVal val="1"/>
-        </c:dLbls>
-        <c:gapWidth val="30"/>
-        <c:overlap val="-30"/>
         <c:axId val="64451712"/>
         <c:axId val="64453248"/>
       </c:barChart>
@@ -22834,7 +22834,7 @@
           <a:p>
             <a:r>
               <a:rPr/>
-              <a:t>16 mei 2025</a:t>
+              <a:t>20 mei 2025</a:t>
             </a:r>
           </a:p>
         </p:txBody>

--- a/example/Rapportage Heideveen.pptx
+++ b/example/Rapportage Heideveen.pptx
@@ -1483,7 +1483,7 @@
 </pc:chgInfo>
 </file>
 
-<file path=ppt/charts/chartc701b5d2775.xml><?xml version="1.0" encoding="utf-8"?>
+<file path=ppt/charts/chart56d413882801.xml><?xml version="1.0" encoding="utf-8"?>
 <c:chartSpace xmlns:c="http://schemas.openxmlformats.org/drawingml/2006/chart" xmlns:a="http://schemas.openxmlformats.org/drawingml/2006/main" xmlns:r="http://schemas.openxmlformats.org/officeDocument/2006/relationships">
   <c:date1904 val="0"/>
   <c:lang val="fr-FR"/>
@@ -1518,7 +1518,7 @@
                 <a:ea typeface="Calibri"/>
                 <a:sym typeface="Calibri"/>
               </a:rPr>
-              <a:t>Variant 5</a:t>
+              <a:t>Variant 2</a:t>
             </a:r>
           </a:p>
         </c:rich>
@@ -1595,28 +1595,34 @@
           </c:dLbls>
           <c:cat>
             <c:strRef>
-              <c:f>sheet1!$A$2:$A$3</c:f>
+              <c:f>sheet1!$A$2:$A$4</c:f>
               <c:strCache>
-                <c:ptCount val="2"/>
+                <c:ptCount val="3"/>
                 <c:pt idx="0">
-                  <c:v>Jongen</c:v>
+                  <c:v>Heeft psychische klachten</c:v>
                 </c:pt>
                 <c:pt idx="1">
-                  <c:v>Meisje</c:v>
+                  <c:v>Geeft geen mantelzorg</c:v>
+                </c:pt>
+                <c:pt idx="2">
+                  <c:v>Heeft een zeer goede gezondheid</c:v>
                 </c:pt>
               </c:strCache>
             </c:strRef>
           </c:cat>
           <c:val>
             <c:numRef>
-              <c:f>sheet1!$B$2:$B$3</c:f>
+              <c:f>sheet1!$B$2:$B$4</c:f>
               <c:numCache>
-                <c:ptCount val="2"/>
+                <c:ptCount val="3"/>
                 <c:pt idx="0">
-                  <c:v>0.2833711</c:v>
+                  <c:v>0.3146870</c:v>
                 </c:pt>
                 <c:pt idx="1">
-                  <c:v>0.2587723</c:v>
+                  <c:v>0.8719351</c:v>
+                </c:pt>
+                <c:pt idx="2">
+                  <c:v>0.3140401</c:v>
                 </c:pt>
               </c:numCache>
             </c:numRef>
@@ -1633,7 +1639,7 @@
           <c:showSerName val="0"/>
           <c:showVal val="1"/>
         </c:dLbls>
-        <c:gapWidth val="150"/>
+        <c:gapWidth val="50"/>
         <c:overlap val="0"/>
         <c:axId val="64451712"/>
         <c:axId val="64453248"/>
@@ -1771,7 +1777,7 @@
 </c:chartSpace>
 </file>
 
-<file path=ppt/charts/chartc701dd725df.xml><?xml version="1.0" encoding="utf-8"?>
+<file path=ppt/charts/chart56d414374e98.xml><?xml version="1.0" encoding="utf-8"?>
 <c:chartSpace xmlns:c="http://schemas.openxmlformats.org/drawingml/2006/chart" xmlns:a="http://schemas.openxmlformats.org/drawingml/2006/main" xmlns:r="http://schemas.openxmlformats.org/officeDocument/2006/relationships">
   <c:date1904 val="0"/>
   <c:lang val="fr-FR"/>
@@ -1806,7 +1812,7 @@
                 <a:ea typeface="Calibri"/>
                 <a:sym typeface="Calibri"/>
               </a:rPr>
-              <a:t>Variant 9</a:t>
+              <a:t>Top 3 bronnen van stress</a:t>
             </a:r>
           </a:p>
         </c:rich>
@@ -1883,117 +1889,34 @@
           </c:dLbls>
           <c:cat>
             <c:strRef>
-              <c:f>sheet1!$A$2:$A$3</c:f>
+              <c:f>sheet1!$A$2:$A$4</c:f>
               <c:strCache>
-                <c:ptCount val="2"/>
+                <c:ptCount val="3"/>
                 <c:pt idx="0">
-                  <c:v>Klas 2</c:v>
+                  <c:v>Werk</c:v>
                 </c:pt>
                 <c:pt idx="1">
-                  <c:v>Klas 4</c:v>
+                  <c:v>Thuissituatie</c:v>
+                </c:pt>
+                <c:pt idx="2">
+                  <c:v>Huiswerk</c:v>
                 </c:pt>
               </c:strCache>
             </c:strRef>
           </c:cat>
           <c:val>
             <c:numRef>
-              <c:f>sheet1!$B$2:$B$3</c:f>
+              <c:f>sheet1!$B$2:$B$4</c:f>
               <c:numCache>
-                <c:ptCount val="2"/>
+                <c:ptCount val="3"/>
                 <c:pt idx="0">
-                  <c:v>0.2607700</c:v>
+                  <c:v>0.8997992</c:v>
                 </c:pt>
                 <c:pt idx="1">
-                  <c:v>0.2945237</c:v>
-                </c:pt>
-              </c:numCache>
-            </c:numRef>
-          </c:val>
-        </c:ser>
-        <c:ser>
-          <c:idx val="1"/>
-          <c:order val="1"/>
-          <c:tx>
-            <c:strRef>
-              <c:f>sheet1!$C$1</c:f>
-              <c:strCache>
-                <c:ptCount val="1"/>
-                <c:pt idx="0">
-                  <c:v>Nederland</c:v>
-                </c:pt>
-              </c:strCache>
-            </c:strRef>
-          </c:tx>
-          <c:spPr>
-            <a:solidFill>
-              <a:srgbClr val="E54800">
-                <a:alpha val="100000"/>
-              </a:srgbClr>
-            </a:solidFill>
-            <a:ln w="25400">
-              <a:solidFill>
-                <a:srgbClr val="FFFFFF">
-                  <a:alpha val="0"/>
-                </a:srgbClr>
-              </a:solidFill>
-            </a:ln>
-            <a:effectLst/>
-          </c:spPr>
-          <c:invertIfNegative val="0"/>
-          <c:dLbls>
-            <c:dLblPos val="outEnd"/>
-            <c:numFmt formatCode="0%" sourceLinked="0"/>
-            <c:separator val=", "/>
-            <c:showBubbleSize val="0"/>
-            <c:showCatName val="0"/>
-            <c:showLegendKey val="0"/>
-            <c:showPercent val="0"/>
-            <c:showSerName val="0"/>
-            <c:showVal val="1"/>
-            <c:txPr>
-              <a:bodyPr/>
-              <a:lstStyle/>
-              <a:p>
-                <a:pPr>
-                  <a:defRPr cap="none" sz="800" i="0" b="0" u="none">
-                    <a:solidFill>
-                      <a:srgbClr val="000000">
-                        <a:alpha val="100000"/>
-                      </a:srgbClr>
-                    </a:solidFill>
-                    <a:latin typeface="Calibri"/>
-                    <a:cs typeface="Calibri"/>
-                    <a:ea typeface="Calibri"/>
-                    <a:sym typeface="Calibri"/>
-                  </a:defRPr>
-                </a:pPr>
-              </a:p>
-            </c:txPr>
-          </c:dLbls>
-          <c:cat>
-            <c:strRef>
-              <c:f>sheet1!$A$2:$A$3</c:f>
-              <c:strCache>
-                <c:ptCount val="2"/>
-                <c:pt idx="0">
-                  <c:v>Klas 2</c:v>
-                </c:pt>
-                <c:pt idx="1">
-                  <c:v>Klas 4</c:v>
-                </c:pt>
-              </c:strCache>
-            </c:strRef>
-          </c:cat>
-          <c:val>
-            <c:numRef>
-              <c:f>sheet1!$C$2:$C$3</c:f>
-              <c:numCache>
-                <c:ptCount val="2"/>
-                <c:pt idx="0">
-                  <c:v>0.2818699</c:v>
-                </c:pt>
-                <c:pt idx="1">
-                  <c:v>0.2738343</c:v>
+                  <c:v>0.6921856</c:v>
+                </c:pt>
+                <c:pt idx="2">
+                  <c:v>0.5912625</c:v>
                 </c:pt>
               </c:numCache>
             </c:numRef>
@@ -2148,7 +2071,7 @@
 </c:chartSpace>
 </file>
 
-<file path=ppt/charts/chartc702050244a.xml><?xml version="1.0" encoding="utf-8"?>
+<file path=ppt/charts/chart56d41601266c.xml><?xml version="1.0" encoding="utf-8"?>
 <c:chartSpace xmlns:c="http://schemas.openxmlformats.org/drawingml/2006/chart" xmlns:a="http://schemas.openxmlformats.org/drawingml/2006/main" xmlns:r="http://schemas.openxmlformats.org/officeDocument/2006/relationships">
   <c:date1904 val="0"/>
   <c:lang val="fr-FR"/>
@@ -2183,7 +2106,7 @@
                 <a:ea typeface="Calibri"/>
                 <a:sym typeface="Calibri"/>
               </a:rPr>
-              <a:t>Variant 13</a:t>
+              <a:t>Variant 6</a:t>
             </a:r>
           </a:p>
         </c:rich>
@@ -2281,13 +2204,13 @@
               <c:numCache>
                 <c:ptCount val="3"/>
                 <c:pt idx="0">
-                  <c:v>0.2833711</c:v>
+                  <c:v>0.3294372</c:v>
                 </c:pt>
                 <c:pt idx="1">
-                  <c:v>0.8544202</c:v>
+                  <c:v>0.8691535</c:v>
                 </c:pt>
                 <c:pt idx="2">
-                  <c:v>0.3212508</c:v>
+                  <c:v>0.3575902</c:v>
                 </c:pt>
               </c:numCache>
             </c:numRef>
@@ -2376,203 +2299,13 @@
               <c:numCache>
                 <c:ptCount val="3"/>
                 <c:pt idx="0">
-                  <c:v>0.2587723</c:v>
+                  <c:v>0.3138866</c:v>
                 </c:pt>
                 <c:pt idx="1">
-                  <c:v>0.8539607</c:v>
+                  <c:v>0.8763111</c:v>
                 </c:pt>
                 <c:pt idx="2">
-                  <c:v>0.2719618</c:v>
-                </c:pt>
-              </c:numCache>
-            </c:numRef>
-          </c:val>
-        </c:ser>
-        <c:ser>
-          <c:idx val="2"/>
-          <c:order val="2"/>
-          <c:tx>
-            <c:strRef>
-              <c:f>sheet1!$D$1</c:f>
-              <c:strCache>
-                <c:ptCount val="1"/>
-                <c:pt idx="0">
-                  <c:v>Klas 2</c:v>
-                </c:pt>
-              </c:strCache>
-            </c:strRef>
-          </c:tx>
-          <c:spPr>
-            <a:solidFill>
-              <a:srgbClr val="E54800">
-                <a:alpha val="100000"/>
-              </a:srgbClr>
-            </a:solidFill>
-            <a:ln w="25400">
-              <a:solidFill>
-                <a:srgbClr val="FFFFFF">
-                  <a:alpha val="0"/>
-                </a:srgbClr>
-              </a:solidFill>
-            </a:ln>
-            <a:effectLst/>
-          </c:spPr>
-          <c:invertIfNegative val="0"/>
-          <c:dLbls>
-            <c:dLblPos val="outEnd"/>
-            <c:numFmt formatCode="0%" sourceLinked="0"/>
-            <c:separator val=", "/>
-            <c:showBubbleSize val="0"/>
-            <c:showCatName val="0"/>
-            <c:showLegendKey val="0"/>
-            <c:showPercent val="0"/>
-            <c:showSerName val="0"/>
-            <c:showVal val="1"/>
-            <c:txPr>
-              <a:bodyPr/>
-              <a:lstStyle/>
-              <a:p>
-                <a:pPr>
-                  <a:defRPr cap="none" sz="800" i="0" b="0" u="none">
-                    <a:solidFill>
-                      <a:srgbClr val="000000">
-                        <a:alpha val="100000"/>
-                      </a:srgbClr>
-                    </a:solidFill>
-                    <a:latin typeface="Calibri"/>
-                    <a:cs typeface="Calibri"/>
-                    <a:ea typeface="Calibri"/>
-                    <a:sym typeface="Calibri"/>
-                  </a:defRPr>
-                </a:pPr>
-              </a:p>
-            </c:txPr>
-          </c:dLbls>
-          <c:cat>
-            <c:strRef>
-              <c:f>sheet1!$A$2:$A$4</c:f>
-              <c:strCache>
-                <c:ptCount val="3"/>
-                <c:pt idx="0">
-                  <c:v>Heeft psychische klachten</c:v>
-                </c:pt>
-                <c:pt idx="1">
-                  <c:v>Geeft geen mantelzorg</c:v>
-                </c:pt>
-                <c:pt idx="2">
-                  <c:v>Heeft een zeer goede gezondheid</c:v>
-                </c:pt>
-              </c:strCache>
-            </c:strRef>
-          </c:cat>
-          <c:val>
-            <c:numRef>
-              <c:f>sheet1!$D$2:$D$4</c:f>
-              <c:numCache>
-                <c:ptCount val="3"/>
-                <c:pt idx="0">
-                  <c:v>0.2607700</c:v>
-                </c:pt>
-                <c:pt idx="1">
-                  <c:v>0.8433078</c:v>
-                </c:pt>
-                <c:pt idx="2">
-                  <c:v>0.2981898</c:v>
-                </c:pt>
-              </c:numCache>
-            </c:numRef>
-          </c:val>
-        </c:ser>
-        <c:ser>
-          <c:idx val="3"/>
-          <c:order val="3"/>
-          <c:tx>
-            <c:strRef>
-              <c:f>sheet1!$E$1</c:f>
-              <c:strCache>
-                <c:ptCount val="1"/>
-                <c:pt idx="0">
-                  <c:v>Klas 4</c:v>
-                </c:pt>
-              </c:strCache>
-            </c:strRef>
-          </c:tx>
-          <c:spPr>
-            <a:solidFill>
-              <a:srgbClr val="FFB18E">
-                <a:alpha val="100000"/>
-              </a:srgbClr>
-            </a:solidFill>
-            <a:ln w="25400">
-              <a:solidFill>
-                <a:srgbClr val="FFFFFF">
-                  <a:alpha val="0"/>
-                </a:srgbClr>
-              </a:solidFill>
-            </a:ln>
-            <a:effectLst/>
-          </c:spPr>
-          <c:invertIfNegative val="0"/>
-          <c:dLbls>
-            <c:dLblPos val="outEnd"/>
-            <c:numFmt formatCode="0%" sourceLinked="0"/>
-            <c:separator val=", "/>
-            <c:showBubbleSize val="0"/>
-            <c:showCatName val="0"/>
-            <c:showLegendKey val="0"/>
-            <c:showPercent val="0"/>
-            <c:showSerName val="0"/>
-            <c:showVal val="1"/>
-            <c:txPr>
-              <a:bodyPr/>
-              <a:lstStyle/>
-              <a:p>
-                <a:pPr>
-                  <a:defRPr cap="none" sz="800" i="0" b="0" u="none">
-                    <a:solidFill>
-                      <a:srgbClr val="000000">
-                        <a:alpha val="100000"/>
-                      </a:srgbClr>
-                    </a:solidFill>
-                    <a:latin typeface="Calibri"/>
-                    <a:cs typeface="Calibri"/>
-                    <a:ea typeface="Calibri"/>
-                    <a:sym typeface="Calibri"/>
-                  </a:defRPr>
-                </a:pPr>
-              </a:p>
-            </c:txPr>
-          </c:dLbls>
-          <c:cat>
-            <c:strRef>
-              <c:f>sheet1!$A$2:$A$4</c:f>
-              <c:strCache>
-                <c:ptCount val="3"/>
-                <c:pt idx="0">
-                  <c:v>Heeft psychische klachten</c:v>
-                </c:pt>
-                <c:pt idx="1">
-                  <c:v>Geeft geen mantelzorg</c:v>
-                </c:pt>
-                <c:pt idx="2">
-                  <c:v>Heeft een zeer goede gezondheid</c:v>
-                </c:pt>
-              </c:strCache>
-            </c:strRef>
-          </c:cat>
-          <c:val>
-            <c:numRef>
-              <c:f>sheet1!$E$2:$E$4</c:f>
-              <c:numCache>
-                <c:ptCount val="3"/>
-                <c:pt idx="0">
-                  <c:v>0.2945237</c:v>
-                </c:pt>
-                <c:pt idx="1">
-                  <c:v>0.8461971</c:v>
-                </c:pt>
-                <c:pt idx="2">
-                  <c:v>0.2963516</c:v>
+                  <c:v>0.2703931</c:v>
                 </c:pt>
               </c:numCache>
             </c:numRef>
@@ -2589,7 +2322,7 @@
           <c:showSerName val="0"/>
           <c:showVal val="1"/>
         </c:dLbls>
-        <c:gapWidth val="150"/>
+        <c:gapWidth val="50"/>
         <c:overlap val="0"/>
         <c:axId val="64451712"/>
         <c:axId val="64453248"/>
@@ -2727,7 +2460,7 @@
 </c:chartSpace>
 </file>
 
-<file path=ppt/charts/chartc7022c922b5.xml><?xml version="1.0" encoding="utf-8"?>
+<file path=ppt/charts/chart56d4187a24d7.xml><?xml version="1.0" encoding="utf-8"?>
 <c:chartSpace xmlns:c="http://schemas.openxmlformats.org/drawingml/2006/chart" xmlns:a="http://schemas.openxmlformats.org/drawingml/2006/main" xmlns:r="http://schemas.openxmlformats.org/officeDocument/2006/relationships">
   <c:date1904 val="0"/>
   <c:lang val="fr-FR"/>
@@ -2762,7 +2495,7 @@
                 <a:ea typeface="Calibri"/>
                 <a:sym typeface="Calibri"/>
               </a:rPr>
-              <a:t>Variant 17</a:t>
+              <a:t>Variant 10</a:t>
             </a:r>
           </a:p>
         </c:rich>
@@ -2839,40 +2572,52 @@
           </c:dLbls>
           <c:cat>
             <c:strRef>
-              <c:f>sheet1!$A$2:$A$5</c:f>
+              <c:f>sheet1!$A$2:$A$7</c:f>
               <c:strCache>
-                <c:ptCount val="4"/>
+                <c:ptCount val="6"/>
                 <c:pt idx="0">
-                  <c:v>Jongen</c:v>
+                  <c:v>Heeft psychische klachten (Klas 2)</c:v>
                 </c:pt>
                 <c:pt idx="1">
-                  <c:v>Meisje</c:v>
+                  <c:v>Heeft psychische klachten (Klas 4)</c:v>
                 </c:pt>
                 <c:pt idx="2">
-                  <c:v>Klas 2</c:v>
+                  <c:v>Geeft geen mantelzorg (Klas 2)</c:v>
                 </c:pt>
                 <c:pt idx="3">
-                  <c:v>Klas 4</c:v>
+                  <c:v>Geeft geen mantelzorg (Klas 4)</c:v>
+                </c:pt>
+                <c:pt idx="4">
+                  <c:v>Heeft een zeer goede gezondheid (Klas 2)</c:v>
+                </c:pt>
+                <c:pt idx="5">
+                  <c:v>Heeft een zeer goede gezondheid (Klas 4)</c:v>
                 </c:pt>
               </c:strCache>
             </c:strRef>
           </c:cat>
           <c:val>
             <c:numRef>
-              <c:f>sheet1!$B$2:$B$5</c:f>
+              <c:f>sheet1!$B$2:$B$7</c:f>
               <c:numCache>
-                <c:ptCount val="4"/>
+                <c:ptCount val="6"/>
                 <c:pt idx="0">
-                  <c:v>0.2833711</c:v>
+                  <c:v>0.3350167</c:v>
                 </c:pt>
                 <c:pt idx="1">
-                  <c:v>0.2587723</c:v>
+                  <c:v>0.2875855</c:v>
                 </c:pt>
                 <c:pt idx="2">
-                  <c:v>0.2607700</c:v>
+                  <c:v>0.8639709</c:v>
                 </c:pt>
                 <c:pt idx="3">
-                  <c:v>0.2945237</c:v>
+                  <c:v>0.8883421</c:v>
+                </c:pt>
+                <c:pt idx="4">
+                  <c:v>0.3129731</c:v>
+                </c:pt>
+                <c:pt idx="5">
+                  <c:v>0.3154113</c:v>
                 </c:pt>
               </c:numCache>
             </c:numRef>
@@ -2940,40 +2685,52 @@
           </c:dLbls>
           <c:cat>
             <c:strRef>
-              <c:f>sheet1!$A$2:$A$5</c:f>
+              <c:f>sheet1!$A$2:$A$7</c:f>
               <c:strCache>
-                <c:ptCount val="4"/>
+                <c:ptCount val="6"/>
                 <c:pt idx="0">
-                  <c:v>Jongen</c:v>
+                  <c:v>Heeft psychische klachten (Klas 2)</c:v>
                 </c:pt>
                 <c:pt idx="1">
-                  <c:v>Meisje</c:v>
+                  <c:v>Heeft psychische klachten (Klas 4)</c:v>
                 </c:pt>
                 <c:pt idx="2">
-                  <c:v>Klas 2</c:v>
+                  <c:v>Geeft geen mantelzorg (Klas 2)</c:v>
                 </c:pt>
                 <c:pt idx="3">
-                  <c:v>Klas 4</c:v>
+                  <c:v>Geeft geen mantelzorg (Klas 4)</c:v>
+                </c:pt>
+                <c:pt idx="4">
+                  <c:v>Heeft een zeer goede gezondheid (Klas 2)</c:v>
+                </c:pt>
+                <c:pt idx="5">
+                  <c:v>Heeft een zeer goede gezondheid (Klas 4)</c:v>
                 </c:pt>
               </c:strCache>
             </c:strRef>
           </c:cat>
           <c:val>
             <c:numRef>
-              <c:f>sheet1!$C$2:$C$5</c:f>
+              <c:f>sheet1!$C$2:$C$7</c:f>
               <c:numCache>
-                <c:ptCount val="4"/>
+                <c:ptCount val="6"/>
                 <c:pt idx="0">
-                  <c:v>0.2810797</c:v>
+                  <c:v>0.2909934</c:v>
                 </c:pt>
                 <c:pt idx="1">
-                  <c:v>0.2733080</c:v>
+                  <c:v>0.2915095</c:v>
                 </c:pt>
                 <c:pt idx="2">
-                  <c:v>0.2818699</c:v>
+                  <c:v>0.8652417</c:v>
                 </c:pt>
                 <c:pt idx="3">
-                  <c:v>0.2738343</c:v>
+                  <c:v>0.8561228</c:v>
+                </c:pt>
+                <c:pt idx="4">
+                  <c:v>0.3008328</c:v>
+                </c:pt>
+                <c:pt idx="5">
+                  <c:v>0.3078520</c:v>
                 </c:pt>
               </c:numCache>
             </c:numRef>
@@ -2990,7 +2747,7 @@
           <c:showSerName val="0"/>
           <c:showVal val="1"/>
         </c:dLbls>
-        <c:gapWidth val="150"/>
+        <c:gapWidth val="50"/>
         <c:overlap val="0"/>
         <c:axId val="64451712"/>
         <c:axId val="64453248"/>
@@ -3128,7 +2885,7 @@
 </c:chartSpace>
 </file>
 
-<file path=ppt/charts/chartc7025422120.xml><?xml version="1.0" encoding="utf-8"?>
+<file path=ppt/charts/chart56d41af42342.xml><?xml version="1.0" encoding="utf-8"?>
 <c:chartSpace xmlns:c="http://schemas.openxmlformats.org/drawingml/2006/chart" xmlns:a="http://schemas.openxmlformats.org/drawingml/2006/main" xmlns:r="http://schemas.openxmlformats.org/officeDocument/2006/relationships">
   <c:date1904 val="0"/>
   <c:lang val="fr-FR"/>
@@ -3163,7 +2920,7 @@
                 <a:ea typeface="Calibri"/>
                 <a:sym typeface="Calibri"/>
               </a:rPr>
-              <a:t>Staafgrafiek Variant 17 liggend</a:t>
+              <a:t>Variant 14</a:t>
             </a:r>
           </a:p>
         </c:rich>
@@ -3175,7 +2932,7 @@
     <c:plotArea xmlns:c="http://schemas.openxmlformats.org/drawingml/2006/chart" xmlns:a="http://schemas.openxmlformats.org/drawingml/2006/main" xmlns:r="http://schemas.openxmlformats.org/officeDocument/2006/relationships">
       <c:layout/>
       <c:barChart>
-        <c:barDir val="bar"/>
+        <c:barDir val="col"/>
         <c:grouping val="clustered"/>
         <c:varyColors val="0"/>
         <c:ser>
@@ -3187,7 +2944,173 @@
               <c:strCache>
                 <c:ptCount val="1"/>
                 <c:pt idx="0">
-                  <c:v>Nederland</c:v>
+                  <c:v>Jongen</c:v>
+                </c:pt>
+              </c:strCache>
+            </c:strRef>
+          </c:tx>
+          <c:spPr>
+            <a:solidFill>
+              <a:srgbClr val="005C96">
+                <a:alpha val="100000"/>
+              </a:srgbClr>
+            </a:solidFill>
+            <a:ln w="25400">
+              <a:solidFill>
+                <a:srgbClr val="FFFFFF">
+                  <a:alpha val="0"/>
+                </a:srgbClr>
+              </a:solidFill>
+            </a:ln>
+            <a:effectLst/>
+          </c:spPr>
+          <c:invertIfNegative val="0"/>
+          <c:dLbls>
+            <c:dLblPos val="outEnd"/>
+            <c:numFmt formatCode="0%" sourceLinked="0"/>
+            <c:separator val=", "/>
+            <c:showBubbleSize val="0"/>
+            <c:showCatName val="0"/>
+            <c:showLegendKey val="0"/>
+            <c:showPercent val="0"/>
+            <c:showSerName val="0"/>
+            <c:showVal val="1"/>
+            <c:txPr>
+              <a:bodyPr/>
+              <a:lstStyle/>
+              <a:p>
+                <a:pPr>
+                  <a:defRPr cap="none" sz="800" i="0" b="0" u="none">
+                    <a:solidFill>
+                      <a:srgbClr val="000000">
+                        <a:alpha val="100000"/>
+                      </a:srgbClr>
+                    </a:solidFill>
+                    <a:latin typeface="Calibri"/>
+                    <a:cs typeface="Calibri"/>
+                    <a:ea typeface="Calibri"/>
+                    <a:sym typeface="Calibri"/>
+                  </a:defRPr>
+                </a:pPr>
+              </a:p>
+            </c:txPr>
+          </c:dLbls>
+          <c:cat>
+            <c:strRef>
+              <c:f>sheet1!$A$2:$A$2</c:f>
+              <c:strCache>
+                <c:ptCount val="1"/>
+                <c:pt idx="0">
+                  <c:v>Zandwijk</c:v>
+                </c:pt>
+              </c:strCache>
+            </c:strRef>
+          </c:cat>
+          <c:val>
+            <c:numRef>
+              <c:f>sheet1!$B$2:$B$2</c:f>
+              <c:numCache>
+                <c:ptCount val="1"/>
+                <c:pt idx="0">
+                  <c:v>0.3294372</c:v>
+                </c:pt>
+              </c:numCache>
+            </c:numRef>
+          </c:val>
+        </c:ser>
+        <c:ser>
+          <c:idx val="1"/>
+          <c:order val="1"/>
+          <c:tx>
+            <c:strRef>
+              <c:f>sheet1!$C$1</c:f>
+              <c:strCache>
+                <c:ptCount val="1"/>
+                <c:pt idx="0">
+                  <c:v>Meisje</c:v>
+                </c:pt>
+              </c:strCache>
+            </c:strRef>
+          </c:tx>
+          <c:spPr>
+            <a:solidFill>
+              <a:srgbClr val="6FC7FF">
+                <a:alpha val="100000"/>
+              </a:srgbClr>
+            </a:solidFill>
+            <a:ln w="25400">
+              <a:solidFill>
+                <a:srgbClr val="FFFFFF">
+                  <a:alpha val="0"/>
+                </a:srgbClr>
+              </a:solidFill>
+            </a:ln>
+            <a:effectLst/>
+          </c:spPr>
+          <c:invertIfNegative val="0"/>
+          <c:dLbls>
+            <c:dLblPos val="outEnd"/>
+            <c:numFmt formatCode="0%" sourceLinked="0"/>
+            <c:separator val=", "/>
+            <c:showBubbleSize val="0"/>
+            <c:showCatName val="0"/>
+            <c:showLegendKey val="0"/>
+            <c:showPercent val="0"/>
+            <c:showSerName val="0"/>
+            <c:showVal val="1"/>
+            <c:txPr>
+              <a:bodyPr/>
+              <a:lstStyle/>
+              <a:p>
+                <a:pPr>
+                  <a:defRPr cap="none" sz="800" i="0" b="0" u="none">
+                    <a:solidFill>
+                      <a:srgbClr val="000000">
+                        <a:alpha val="100000"/>
+                      </a:srgbClr>
+                    </a:solidFill>
+                    <a:latin typeface="Calibri"/>
+                    <a:cs typeface="Calibri"/>
+                    <a:ea typeface="Calibri"/>
+                    <a:sym typeface="Calibri"/>
+                  </a:defRPr>
+                </a:pPr>
+              </a:p>
+            </c:txPr>
+          </c:dLbls>
+          <c:cat>
+            <c:strRef>
+              <c:f>sheet1!$A$2:$A$2</c:f>
+              <c:strCache>
+                <c:ptCount val="1"/>
+                <c:pt idx="0">
+                  <c:v>Zandwijk</c:v>
+                </c:pt>
+              </c:strCache>
+            </c:strRef>
+          </c:cat>
+          <c:val>
+            <c:numRef>
+              <c:f>sheet1!$C$2:$C$2</c:f>
+              <c:numCache>
+                <c:ptCount val="1"/>
+                <c:pt idx="0">
+                  <c:v>0.3138866</c:v>
+                </c:pt>
+              </c:numCache>
+            </c:numRef>
+          </c:val>
+        </c:ser>
+        <c:ser>
+          <c:idx val="2"/>
+          <c:order val="2"/>
+          <c:tx>
+            <c:strRef>
+              <c:f>sheet1!$D$1</c:f>
+              <c:strCache>
+                <c:ptCount val="1"/>
+                <c:pt idx="0">
+                  <c:v>Klas 2</c:v>
                 </c:pt>
               </c:strCache>
             </c:strRef>
@@ -3240,62 +3163,44 @@
           </c:dLbls>
           <c:cat>
             <c:strRef>
-              <c:f>sheet1!$A$2:$A$5</c:f>
+              <c:f>sheet1!$A$2:$A$2</c:f>
               <c:strCache>
-                <c:ptCount val="4"/>
+                <c:ptCount val="1"/>
                 <c:pt idx="0">
-                  <c:v>Klas 4</c:v>
-                </c:pt>
-                <c:pt idx="1">
-                  <c:v>Klas 2</c:v>
-                </c:pt>
-                <c:pt idx="2">
-                  <c:v>Meisje</c:v>
-                </c:pt>
-                <c:pt idx="3">
-                  <c:v>Jongen</c:v>
+                  <c:v>Zandwijk</c:v>
                 </c:pt>
               </c:strCache>
             </c:strRef>
           </c:cat>
           <c:val>
             <c:numRef>
-              <c:f>sheet1!$B$2:$B$5</c:f>
+              <c:f>sheet1!$D$2:$D$2</c:f>
               <c:numCache>
-                <c:ptCount val="4"/>
+                <c:ptCount val="1"/>
                 <c:pt idx="0">
-                  <c:v>0.2738343</c:v>
-                </c:pt>
-                <c:pt idx="1">
-                  <c:v>0.2818699</c:v>
-                </c:pt>
-                <c:pt idx="2">
-                  <c:v>0.2733080</c:v>
-                </c:pt>
-                <c:pt idx="3">
-                  <c:v>0.2810797</c:v>
+                  <c:v>0.3350167</c:v>
                 </c:pt>
               </c:numCache>
             </c:numRef>
           </c:val>
         </c:ser>
         <c:ser>
-          <c:idx val="1"/>
-          <c:order val="1"/>
+          <c:idx val="3"/>
+          <c:order val="3"/>
           <c:tx>
             <c:strRef>
-              <c:f>sheet1!$C$1</c:f>
+              <c:f>sheet1!$E$1</c:f>
               <c:strCache>
                 <c:ptCount val="1"/>
                 <c:pt idx="0">
-                  <c:v>Zandwijk</c:v>
+                  <c:v>Klas 4</c:v>
                 </c:pt>
               </c:strCache>
             </c:strRef>
           </c:tx>
           <c:spPr>
             <a:solidFill>
-              <a:srgbClr val="005C96">
+              <a:srgbClr val="FFB18E">
                 <a:alpha val="100000"/>
               </a:srgbClr>
             </a:solidFill>
@@ -3341,40 +3246,22 @@
           </c:dLbls>
           <c:cat>
             <c:strRef>
-              <c:f>sheet1!$A$2:$A$5</c:f>
+              <c:f>sheet1!$A$2:$A$2</c:f>
               <c:strCache>
-                <c:ptCount val="4"/>
+                <c:ptCount val="1"/>
                 <c:pt idx="0">
-                  <c:v>Klas 4</c:v>
-                </c:pt>
-                <c:pt idx="1">
-                  <c:v>Klas 2</c:v>
-                </c:pt>
-                <c:pt idx="2">
-                  <c:v>Meisje</c:v>
-                </c:pt>
-                <c:pt idx="3">
-                  <c:v>Jongen</c:v>
+                  <c:v>Zandwijk</c:v>
                 </c:pt>
               </c:strCache>
             </c:strRef>
           </c:cat>
           <c:val>
             <c:numRef>
-              <c:f>sheet1!$C$2:$C$5</c:f>
+              <c:f>sheet1!$E$2:$E$2</c:f>
               <c:numCache>
-                <c:ptCount val="4"/>
+                <c:ptCount val="1"/>
                 <c:pt idx="0">
-                  <c:v>0.2945237</c:v>
-                </c:pt>
-                <c:pt idx="1">
-                  <c:v>0.2607700</c:v>
-                </c:pt>
-                <c:pt idx="2">
-                  <c:v>0.2587723</c:v>
-                </c:pt>
-                <c:pt idx="3">
-                  <c:v>0.2833711</c:v>
+                  <c:v>0.2875855</c:v>
                 </c:pt>
               </c:numCache>
             </c:numRef>
@@ -3391,8 +3278,8 @@
           <c:showSerName val="0"/>
           <c:showVal val="1"/>
         </c:dLbls>
-        <c:gapWidth val="30"/>
-        <c:overlap val="-30"/>
+        <c:gapWidth val="50"/>
+        <c:overlap val="0"/>
         <c:axId val="64451712"/>
         <c:axId val="64453248"/>
       </c:barChart>
@@ -3529,7 +3416,7 @@
 </c:chartSpace>
 </file>
 
-<file path=ppt/charts/chartc702dfa4abe.xml><?xml version="1.0" encoding="utf-8"?>
+<file path=ppt/charts/chart56d41d6d21ad.xml><?xml version="1.0" encoding="utf-8"?>
 <c:chartSpace xmlns:c="http://schemas.openxmlformats.org/drawingml/2006/chart" xmlns:a="http://schemas.openxmlformats.org/drawingml/2006/main" xmlns:r="http://schemas.openxmlformats.org/officeDocument/2006/relationships">
   <c:date1904 val="0"/>
   <c:lang val="fr-FR"/>
@@ -3564,7 +3451,7 @@
                 <a:ea typeface="Calibri"/>
                 <a:sym typeface="Calibri"/>
               </a:rPr>
-              <a:t>Top 3 bronnen van stress</a:t>
+              <a:t>Variant 18</a:t>
             </a:r>
           </a:p>
         </c:rich>
@@ -3588,7 +3475,7 @@
               <c:strCache>
                 <c:ptCount val="1"/>
                 <c:pt idx="0">
-                  <c:v>Zandwijk</c:v>
+                  <c:v>Jongen</c:v>
                 </c:pt>
               </c:strCache>
             </c:strRef>
@@ -3641,34 +3528,295 @@
           </c:dLbls>
           <c:cat>
             <c:strRef>
-              <c:f>sheet1!$A$2:$A$4</c:f>
+              <c:f>sheet1!$A$2:$A$3</c:f>
               <c:strCache>
-                <c:ptCount val="3"/>
+                <c:ptCount val="2"/>
                 <c:pt idx="0">
-                  <c:v>Werk</c:v>
+                  <c:v>Zandwijk</c:v>
                 </c:pt>
                 <c:pt idx="1">
-                  <c:v>Thuissituatie</c:v>
-                </c:pt>
-                <c:pt idx="2">
-                  <c:v>Huiswerk</c:v>
+                  <c:v>Nederland</c:v>
                 </c:pt>
               </c:strCache>
             </c:strRef>
           </c:cat>
           <c:val>
             <c:numRef>
-              <c:f>sheet1!$B$2:$B$4</c:f>
+              <c:f>sheet1!$B$2:$B$3</c:f>
               <c:numCache>
-                <c:ptCount val="3"/>
+                <c:ptCount val="2"/>
                 <c:pt idx="0">
-                  <c:v>0.9038882</c:v>
+                  <c:v>0.3294372</c:v>
                 </c:pt>
                 <c:pt idx="1">
-                  <c:v>0.6779799</c:v>
-                </c:pt>
-                <c:pt idx="2">
-                  <c:v>0.6171864</c:v>
+                  <c:v>0.2953391</c:v>
+                </c:pt>
+              </c:numCache>
+            </c:numRef>
+          </c:val>
+        </c:ser>
+        <c:ser>
+          <c:idx val="1"/>
+          <c:order val="1"/>
+          <c:tx>
+            <c:strRef>
+              <c:f>sheet1!$C$1</c:f>
+              <c:strCache>
+                <c:ptCount val="1"/>
+                <c:pt idx="0">
+                  <c:v>Meisje</c:v>
+                </c:pt>
+              </c:strCache>
+            </c:strRef>
+          </c:tx>
+          <c:spPr>
+            <a:solidFill>
+              <a:srgbClr val="6FC7FF">
+                <a:alpha val="100000"/>
+              </a:srgbClr>
+            </a:solidFill>
+            <a:ln w="25400">
+              <a:solidFill>
+                <a:srgbClr val="FFFFFF">
+                  <a:alpha val="0"/>
+                </a:srgbClr>
+              </a:solidFill>
+            </a:ln>
+            <a:effectLst/>
+          </c:spPr>
+          <c:invertIfNegative val="0"/>
+          <c:dLbls>
+            <c:dLblPos val="outEnd"/>
+            <c:numFmt formatCode="0%" sourceLinked="0"/>
+            <c:separator val=", "/>
+            <c:showBubbleSize val="0"/>
+            <c:showCatName val="0"/>
+            <c:showLegendKey val="0"/>
+            <c:showPercent val="0"/>
+            <c:showSerName val="0"/>
+            <c:showVal val="1"/>
+            <c:txPr>
+              <a:bodyPr/>
+              <a:lstStyle/>
+              <a:p>
+                <a:pPr>
+                  <a:defRPr cap="none" sz="800" i="0" b="0" u="none">
+                    <a:solidFill>
+                      <a:srgbClr val="000000">
+                        <a:alpha val="100000"/>
+                      </a:srgbClr>
+                    </a:solidFill>
+                    <a:latin typeface="Calibri"/>
+                    <a:cs typeface="Calibri"/>
+                    <a:ea typeface="Calibri"/>
+                    <a:sym typeface="Calibri"/>
+                  </a:defRPr>
+                </a:pPr>
+              </a:p>
+            </c:txPr>
+          </c:dLbls>
+          <c:cat>
+            <c:strRef>
+              <c:f>sheet1!$A$2:$A$3</c:f>
+              <c:strCache>
+                <c:ptCount val="2"/>
+                <c:pt idx="0">
+                  <c:v>Zandwijk</c:v>
+                </c:pt>
+                <c:pt idx="1">
+                  <c:v>Nederland</c:v>
+                </c:pt>
+              </c:strCache>
+            </c:strRef>
+          </c:cat>
+          <c:val>
+            <c:numRef>
+              <c:f>sheet1!$C$2:$C$3</c:f>
+              <c:numCache>
+                <c:ptCount val="2"/>
+                <c:pt idx="0">
+                  <c:v>0.3138866</c:v>
+                </c:pt>
+                <c:pt idx="1">
+                  <c:v>0.2947784</c:v>
+                </c:pt>
+              </c:numCache>
+            </c:numRef>
+          </c:val>
+        </c:ser>
+        <c:ser>
+          <c:idx val="2"/>
+          <c:order val="2"/>
+          <c:tx>
+            <c:strRef>
+              <c:f>sheet1!$D$1</c:f>
+              <c:strCache>
+                <c:ptCount val="1"/>
+                <c:pt idx="0">
+                  <c:v>Klas 2</c:v>
+                </c:pt>
+              </c:strCache>
+            </c:strRef>
+          </c:tx>
+          <c:spPr>
+            <a:solidFill>
+              <a:srgbClr val="E54800">
+                <a:alpha val="100000"/>
+              </a:srgbClr>
+            </a:solidFill>
+            <a:ln w="25400">
+              <a:solidFill>
+                <a:srgbClr val="FFFFFF">
+                  <a:alpha val="0"/>
+                </a:srgbClr>
+              </a:solidFill>
+            </a:ln>
+            <a:effectLst/>
+          </c:spPr>
+          <c:invertIfNegative val="0"/>
+          <c:dLbls>
+            <c:dLblPos val="outEnd"/>
+            <c:numFmt formatCode="0%" sourceLinked="0"/>
+            <c:separator val=", "/>
+            <c:showBubbleSize val="0"/>
+            <c:showCatName val="0"/>
+            <c:showLegendKey val="0"/>
+            <c:showPercent val="0"/>
+            <c:showSerName val="0"/>
+            <c:showVal val="1"/>
+            <c:txPr>
+              <a:bodyPr/>
+              <a:lstStyle/>
+              <a:p>
+                <a:pPr>
+                  <a:defRPr cap="none" sz="800" i="0" b="0" u="none">
+                    <a:solidFill>
+                      <a:srgbClr val="000000">
+                        <a:alpha val="100000"/>
+                      </a:srgbClr>
+                    </a:solidFill>
+                    <a:latin typeface="Calibri"/>
+                    <a:cs typeface="Calibri"/>
+                    <a:ea typeface="Calibri"/>
+                    <a:sym typeface="Calibri"/>
+                  </a:defRPr>
+                </a:pPr>
+              </a:p>
+            </c:txPr>
+          </c:dLbls>
+          <c:cat>
+            <c:strRef>
+              <c:f>sheet1!$A$2:$A$3</c:f>
+              <c:strCache>
+                <c:ptCount val="2"/>
+                <c:pt idx="0">
+                  <c:v>Zandwijk</c:v>
+                </c:pt>
+                <c:pt idx="1">
+                  <c:v>Nederland</c:v>
+                </c:pt>
+              </c:strCache>
+            </c:strRef>
+          </c:cat>
+          <c:val>
+            <c:numRef>
+              <c:f>sheet1!$D$2:$D$3</c:f>
+              <c:numCache>
+                <c:ptCount val="2"/>
+                <c:pt idx="0">
+                  <c:v>0.3350167</c:v>
+                </c:pt>
+                <c:pt idx="1">
+                  <c:v>0.2909934</c:v>
+                </c:pt>
+              </c:numCache>
+            </c:numRef>
+          </c:val>
+        </c:ser>
+        <c:ser>
+          <c:idx val="3"/>
+          <c:order val="3"/>
+          <c:tx>
+            <c:strRef>
+              <c:f>sheet1!$E$1</c:f>
+              <c:strCache>
+                <c:ptCount val="1"/>
+                <c:pt idx="0">
+                  <c:v>Klas 4</c:v>
+                </c:pt>
+              </c:strCache>
+            </c:strRef>
+          </c:tx>
+          <c:spPr>
+            <a:solidFill>
+              <a:srgbClr val="FFB18E">
+                <a:alpha val="100000"/>
+              </a:srgbClr>
+            </a:solidFill>
+            <a:ln w="25400">
+              <a:solidFill>
+                <a:srgbClr val="FFFFFF">
+                  <a:alpha val="0"/>
+                </a:srgbClr>
+              </a:solidFill>
+            </a:ln>
+            <a:effectLst/>
+          </c:spPr>
+          <c:invertIfNegative val="0"/>
+          <c:dLbls>
+            <c:dLblPos val="outEnd"/>
+            <c:numFmt formatCode="0%" sourceLinked="0"/>
+            <c:separator val=", "/>
+            <c:showBubbleSize val="0"/>
+            <c:showCatName val="0"/>
+            <c:showLegendKey val="0"/>
+            <c:showPercent val="0"/>
+            <c:showSerName val="0"/>
+            <c:showVal val="1"/>
+            <c:txPr>
+              <a:bodyPr/>
+              <a:lstStyle/>
+              <a:p>
+                <a:pPr>
+                  <a:defRPr cap="none" sz="800" i="0" b="0" u="none">
+                    <a:solidFill>
+                      <a:srgbClr val="000000">
+                        <a:alpha val="100000"/>
+                      </a:srgbClr>
+                    </a:solidFill>
+                    <a:latin typeface="Calibri"/>
+                    <a:cs typeface="Calibri"/>
+                    <a:ea typeface="Calibri"/>
+                    <a:sym typeface="Calibri"/>
+                  </a:defRPr>
+                </a:pPr>
+              </a:p>
+            </c:txPr>
+          </c:dLbls>
+          <c:cat>
+            <c:strRef>
+              <c:f>sheet1!$A$2:$A$3</c:f>
+              <c:strCache>
+                <c:ptCount val="2"/>
+                <c:pt idx="0">
+                  <c:v>Zandwijk</c:v>
+                </c:pt>
+                <c:pt idx="1">
+                  <c:v>Nederland</c:v>
+                </c:pt>
+              </c:strCache>
+            </c:strRef>
+          </c:cat>
+          <c:val>
+            <c:numRef>
+              <c:f>sheet1!$E$2:$E$3</c:f>
+              <c:numCache>
+                <c:ptCount val="2"/>
+                <c:pt idx="0">
+                  <c:v>0.2875855</c:v>
+                </c:pt>
+                <c:pt idx="1">
+                  <c:v>0.2915095</c:v>
                 </c:pt>
               </c:numCache>
             </c:numRef>
@@ -3685,7 +3833,7 @@
           <c:showSerName val="0"/>
           <c:showVal val="1"/>
         </c:dLbls>
-        <c:gapWidth val="150"/>
+        <c:gapWidth val="50"/>
         <c:overlap val="0"/>
         <c:axId val="64451712"/>
         <c:axId val="64453248"/>
@@ -3823,7 +3971,7 @@
 </c:chartSpace>
 </file>
 
-<file path=ppt/charts/chartc70367250.xml><?xml version="1.0" encoding="utf-8"?>
+<file path=ppt/charts/chart56d41fe62018.xml><?xml version="1.0" encoding="utf-8"?>
 <c:chartSpace xmlns:c="http://schemas.openxmlformats.org/drawingml/2006/chart" xmlns:a="http://schemas.openxmlformats.org/drawingml/2006/main" xmlns:r="http://schemas.openxmlformats.org/officeDocument/2006/relationships">
   <c:date1904 val="0"/>
   <c:lang val="fr-FR"/>
@@ -3858,7 +4006,7 @@
                 <a:ea typeface="Calibri"/>
                 <a:sym typeface="Calibri"/>
               </a:rPr>
-              <a:t>Variant 18</a:t>
+              <a:t>Staafgrafiek Variant 17 liggend met aangepaste y-as</a:t>
             </a:r>
           </a:p>
         </c:rich>
@@ -3870,7 +4018,7 @@
     <c:plotArea xmlns:c="http://schemas.openxmlformats.org/drawingml/2006/chart" xmlns:a="http://schemas.openxmlformats.org/drawingml/2006/main" xmlns:r="http://schemas.openxmlformats.org/officeDocument/2006/relationships">
       <c:layout/>
       <c:barChart>
-        <c:barDir val="col"/>
+        <c:barDir val="bar"/>
         <c:grouping val="clustered"/>
         <c:varyColors val="0"/>
         <c:ser>
@@ -3882,7 +4030,108 @@
               <c:strCache>
                 <c:ptCount val="1"/>
                 <c:pt idx="0">
+                  <c:v>Nederland</c:v>
+                </c:pt>
+              </c:strCache>
+            </c:strRef>
+          </c:tx>
+          <c:spPr>
+            <a:solidFill>
+              <a:srgbClr val="E54800">
+                <a:alpha val="100000"/>
+              </a:srgbClr>
+            </a:solidFill>
+            <a:ln w="25400">
+              <a:solidFill>
+                <a:srgbClr val="FFFFFF">
+                  <a:alpha val="0"/>
+                </a:srgbClr>
+              </a:solidFill>
+            </a:ln>
+            <a:effectLst/>
+          </c:spPr>
+          <c:invertIfNegative val="0"/>
+          <c:dLbls>
+            <c:dLblPos val="outEnd"/>
+            <c:numFmt formatCode="0%" sourceLinked="0"/>
+            <c:separator val=", "/>
+            <c:showBubbleSize val="0"/>
+            <c:showCatName val="0"/>
+            <c:showLegendKey val="0"/>
+            <c:showPercent val="0"/>
+            <c:showSerName val="0"/>
+            <c:showVal val="1"/>
+            <c:txPr>
+              <a:bodyPr/>
+              <a:lstStyle/>
+              <a:p>
+                <a:pPr>
+                  <a:defRPr cap="none" sz="800" i="0" b="0" u="none">
+                    <a:solidFill>
+                      <a:srgbClr val="000000">
+                        <a:alpha val="100000"/>
+                      </a:srgbClr>
+                    </a:solidFill>
+                    <a:latin typeface="Calibri"/>
+                    <a:cs typeface="Calibri"/>
+                    <a:ea typeface="Calibri"/>
+                    <a:sym typeface="Calibri"/>
+                  </a:defRPr>
+                </a:pPr>
+              </a:p>
+            </c:txPr>
+          </c:dLbls>
+          <c:cat>
+            <c:strRef>
+              <c:f>sheet1!$A$2:$A$5</c:f>
+              <c:strCache>
+                <c:ptCount val="4"/>
+                <c:pt idx="0">
+                  <c:v>Klas 4</c:v>
+                </c:pt>
+                <c:pt idx="1">
+                  <c:v>Klas 2</c:v>
+                </c:pt>
+                <c:pt idx="2">
+                  <c:v>Meisje</c:v>
+                </c:pt>
+                <c:pt idx="3">
                   <c:v>Jongen</c:v>
+                </c:pt>
+              </c:strCache>
+            </c:strRef>
+          </c:cat>
+          <c:val>
+            <c:numRef>
+              <c:f>sheet1!$B$2:$B$5</c:f>
+              <c:numCache>
+                <c:ptCount val="4"/>
+                <c:pt idx="0">
+                  <c:v>0.2915095</c:v>
+                </c:pt>
+                <c:pt idx="1">
+                  <c:v>0.2909934</c:v>
+                </c:pt>
+                <c:pt idx="2">
+                  <c:v>0.2947784</c:v>
+                </c:pt>
+                <c:pt idx="3">
+                  <c:v>0.2953391</c:v>
+                </c:pt>
+              </c:numCache>
+            </c:numRef>
+          </c:val>
+        </c:ser>
+        <c:ser>
+          <c:idx val="1"/>
+          <c:order val="1"/>
+          <c:tx>
+            <c:strRef>
+              <c:f>sheet1!$C$1</c:f>
+              <c:strCache>
+                <c:ptCount val="1"/>
+                <c:pt idx="0">
+                  <c:v>Zandwijk</c:v>
                 </c:pt>
               </c:strCache>
             </c:strRef>
@@ -3935,295 +4184,40 @@
           </c:dLbls>
           <c:cat>
             <c:strRef>
-              <c:f>sheet1!$A$2:$A$3</c:f>
+              <c:f>sheet1!$A$2:$A$5</c:f>
               <c:strCache>
-                <c:ptCount val="2"/>
+                <c:ptCount val="4"/>
                 <c:pt idx="0">
-                  <c:v>Zandwijk</c:v>
+                  <c:v>Klas 4</c:v>
                 </c:pt>
                 <c:pt idx="1">
-                  <c:v>Nederland</c:v>
+                  <c:v>Klas 2</c:v>
+                </c:pt>
+                <c:pt idx="2">
+                  <c:v>Meisje</c:v>
+                </c:pt>
+                <c:pt idx="3">
+                  <c:v>Jongen</c:v>
                 </c:pt>
               </c:strCache>
             </c:strRef>
           </c:cat>
           <c:val>
             <c:numRef>
-              <c:f>sheet1!$B$2:$B$3</c:f>
+              <c:f>sheet1!$C$2:$C$5</c:f>
               <c:numCache>
-                <c:ptCount val="2"/>
+                <c:ptCount val="4"/>
                 <c:pt idx="0">
-                  <c:v>0.2833711</c:v>
+                  <c:v>0.2875855</c:v>
                 </c:pt>
                 <c:pt idx="1">
-                  <c:v>0.2810797</c:v>
-                </c:pt>
-              </c:numCache>
-            </c:numRef>
-          </c:val>
-        </c:ser>
-        <c:ser>
-          <c:idx val="1"/>
-          <c:order val="1"/>
-          <c:tx>
-            <c:strRef>
-              <c:f>sheet1!$C$1</c:f>
-              <c:strCache>
-                <c:ptCount val="1"/>
-                <c:pt idx="0">
-                  <c:v>Meisje</c:v>
-                </c:pt>
-              </c:strCache>
-            </c:strRef>
-          </c:tx>
-          <c:spPr>
-            <a:solidFill>
-              <a:srgbClr val="6FC7FF">
-                <a:alpha val="100000"/>
-              </a:srgbClr>
-            </a:solidFill>
-            <a:ln w="25400">
-              <a:solidFill>
-                <a:srgbClr val="FFFFFF">
-                  <a:alpha val="0"/>
-                </a:srgbClr>
-              </a:solidFill>
-            </a:ln>
-            <a:effectLst/>
-          </c:spPr>
-          <c:invertIfNegative val="0"/>
-          <c:dLbls>
-            <c:dLblPos val="outEnd"/>
-            <c:numFmt formatCode="0%" sourceLinked="0"/>
-            <c:separator val=", "/>
-            <c:showBubbleSize val="0"/>
-            <c:showCatName val="0"/>
-            <c:showLegendKey val="0"/>
-            <c:showPercent val="0"/>
-            <c:showSerName val="0"/>
-            <c:showVal val="1"/>
-            <c:txPr>
-              <a:bodyPr/>
-              <a:lstStyle/>
-              <a:p>
-                <a:pPr>
-                  <a:defRPr cap="none" sz="800" i="0" b="0" u="none">
-                    <a:solidFill>
-                      <a:srgbClr val="000000">
-                        <a:alpha val="100000"/>
-                      </a:srgbClr>
-                    </a:solidFill>
-                    <a:latin typeface="Calibri"/>
-                    <a:cs typeface="Calibri"/>
-                    <a:ea typeface="Calibri"/>
-                    <a:sym typeface="Calibri"/>
-                  </a:defRPr>
-                </a:pPr>
-              </a:p>
-            </c:txPr>
-          </c:dLbls>
-          <c:cat>
-            <c:strRef>
-              <c:f>sheet1!$A$2:$A$3</c:f>
-              <c:strCache>
-                <c:ptCount val="2"/>
-                <c:pt idx="0">
-                  <c:v>Zandwijk</c:v>
-                </c:pt>
-                <c:pt idx="1">
-                  <c:v>Nederland</c:v>
-                </c:pt>
-              </c:strCache>
-            </c:strRef>
-          </c:cat>
-          <c:val>
-            <c:numRef>
-              <c:f>sheet1!$C$2:$C$3</c:f>
-              <c:numCache>
-                <c:ptCount val="2"/>
-                <c:pt idx="0">
-                  <c:v>0.2587723</c:v>
-                </c:pt>
-                <c:pt idx="1">
-                  <c:v>0.2733080</c:v>
-                </c:pt>
-              </c:numCache>
-            </c:numRef>
-          </c:val>
-        </c:ser>
-        <c:ser>
-          <c:idx val="2"/>
-          <c:order val="2"/>
-          <c:tx>
-            <c:strRef>
-              <c:f>sheet1!$D$1</c:f>
-              <c:strCache>
-                <c:ptCount val="1"/>
-                <c:pt idx="0">
-                  <c:v>Klas 2</c:v>
-                </c:pt>
-              </c:strCache>
-            </c:strRef>
-          </c:tx>
-          <c:spPr>
-            <a:solidFill>
-              <a:srgbClr val="E54800">
-                <a:alpha val="100000"/>
-              </a:srgbClr>
-            </a:solidFill>
-            <a:ln w="25400">
-              <a:solidFill>
-                <a:srgbClr val="FFFFFF">
-                  <a:alpha val="0"/>
-                </a:srgbClr>
-              </a:solidFill>
-            </a:ln>
-            <a:effectLst/>
-          </c:spPr>
-          <c:invertIfNegative val="0"/>
-          <c:dLbls>
-            <c:dLblPos val="outEnd"/>
-            <c:numFmt formatCode="0%" sourceLinked="0"/>
-            <c:separator val=", "/>
-            <c:showBubbleSize val="0"/>
-            <c:showCatName val="0"/>
-            <c:showLegendKey val="0"/>
-            <c:showPercent val="0"/>
-            <c:showSerName val="0"/>
-            <c:showVal val="1"/>
-            <c:txPr>
-              <a:bodyPr/>
-              <a:lstStyle/>
-              <a:p>
-                <a:pPr>
-                  <a:defRPr cap="none" sz="800" i="0" b="0" u="none">
-                    <a:solidFill>
-                      <a:srgbClr val="000000">
-                        <a:alpha val="100000"/>
-                      </a:srgbClr>
-                    </a:solidFill>
-                    <a:latin typeface="Calibri"/>
-                    <a:cs typeface="Calibri"/>
-                    <a:ea typeface="Calibri"/>
-                    <a:sym typeface="Calibri"/>
-                  </a:defRPr>
-                </a:pPr>
-              </a:p>
-            </c:txPr>
-          </c:dLbls>
-          <c:cat>
-            <c:strRef>
-              <c:f>sheet1!$A$2:$A$3</c:f>
-              <c:strCache>
-                <c:ptCount val="2"/>
-                <c:pt idx="0">
-                  <c:v>Zandwijk</c:v>
-                </c:pt>
-                <c:pt idx="1">
-                  <c:v>Nederland</c:v>
-                </c:pt>
-              </c:strCache>
-            </c:strRef>
-          </c:cat>
-          <c:val>
-            <c:numRef>
-              <c:f>sheet1!$D$2:$D$3</c:f>
-              <c:numCache>
-                <c:ptCount val="2"/>
-                <c:pt idx="0">
-                  <c:v>0.2607700</c:v>
-                </c:pt>
-                <c:pt idx="1">
-                  <c:v>0.2818699</c:v>
-                </c:pt>
-              </c:numCache>
-            </c:numRef>
-          </c:val>
-        </c:ser>
-        <c:ser>
-          <c:idx val="3"/>
-          <c:order val="3"/>
-          <c:tx>
-            <c:strRef>
-              <c:f>sheet1!$E$1</c:f>
-              <c:strCache>
-                <c:ptCount val="1"/>
-                <c:pt idx="0">
-                  <c:v>Klas 4</c:v>
-                </c:pt>
-              </c:strCache>
-            </c:strRef>
-          </c:tx>
-          <c:spPr>
-            <a:solidFill>
-              <a:srgbClr val="FFB18E">
-                <a:alpha val="100000"/>
-              </a:srgbClr>
-            </a:solidFill>
-            <a:ln w="25400">
-              <a:solidFill>
-                <a:srgbClr val="FFFFFF">
-                  <a:alpha val="0"/>
-                </a:srgbClr>
-              </a:solidFill>
-            </a:ln>
-            <a:effectLst/>
-          </c:spPr>
-          <c:invertIfNegative val="0"/>
-          <c:dLbls>
-            <c:dLblPos val="outEnd"/>
-            <c:numFmt formatCode="0%" sourceLinked="0"/>
-            <c:separator val=", "/>
-            <c:showBubbleSize val="0"/>
-            <c:showCatName val="0"/>
-            <c:showLegendKey val="0"/>
-            <c:showPercent val="0"/>
-            <c:showSerName val="0"/>
-            <c:showVal val="1"/>
-            <c:txPr>
-              <a:bodyPr/>
-              <a:lstStyle/>
-              <a:p>
-                <a:pPr>
-                  <a:defRPr cap="none" sz="800" i="0" b="0" u="none">
-                    <a:solidFill>
-                      <a:srgbClr val="000000">
-                        <a:alpha val="100000"/>
-                      </a:srgbClr>
-                    </a:solidFill>
-                    <a:latin typeface="Calibri"/>
-                    <a:cs typeface="Calibri"/>
-                    <a:ea typeface="Calibri"/>
-                    <a:sym typeface="Calibri"/>
-                  </a:defRPr>
-                </a:pPr>
-              </a:p>
-            </c:txPr>
-          </c:dLbls>
-          <c:cat>
-            <c:strRef>
-              <c:f>sheet1!$A$2:$A$3</c:f>
-              <c:strCache>
-                <c:ptCount val="2"/>
-                <c:pt idx="0">
-                  <c:v>Zandwijk</c:v>
-                </c:pt>
-                <c:pt idx="1">
-                  <c:v>Nederland</c:v>
-                </c:pt>
-              </c:strCache>
-            </c:strRef>
-          </c:cat>
-          <c:val>
-            <c:numRef>
-              <c:f>sheet1!$E$2:$E$3</c:f>
-              <c:numCache>
-                <c:ptCount val="2"/>
-                <c:pt idx="0">
-                  <c:v>0.2945237</c:v>
-                </c:pt>
-                <c:pt idx="1">
-                  <c:v>0.2738343</c:v>
+                  <c:v>0.3350167</c:v>
+                </c:pt>
+                <c:pt idx="2">
+                  <c:v>0.3138866</c:v>
+                </c:pt>
+                <c:pt idx="3">
+                  <c:v>0.3294372</c:v>
                 </c:pt>
               </c:numCache>
             </c:numRef>
@@ -4240,7 +4234,7 @@
           <c:showSerName val="0"/>
           <c:showVal val="1"/>
         </c:dLbls>
-        <c:gapWidth val="150"/>
+        <c:gapWidth val="50"/>
         <c:overlap val="0"/>
         <c:axId val="64451712"/>
         <c:axId val="64453248"/>
@@ -4292,7 +4286,7 @@
         <c:axId val="64453248"/>
         <c:scaling>
           <c:orientation val="minMax"/>
-          <c:max val="1.00"/>
+          <c:max val="0.50"/>
           <c:min val="0.00"/>
         </c:scaling>
         <c:delete val="0"/>
@@ -4378,7 +4372,7 @@
 </c:chartSpace>
 </file>
 
-<file path=ppt/charts/chartc703abf47da.xml><?xml version="1.0" encoding="utf-8"?>
+<file path=ppt/charts/chart56d4356346d2.xml><?xml version="1.0" encoding="utf-8"?>
 <c:chartSpace xmlns:c="http://schemas.openxmlformats.org/drawingml/2006/chart" xmlns:a="http://schemas.openxmlformats.org/drawingml/2006/main" xmlns:r="http://schemas.openxmlformats.org/officeDocument/2006/relationships">
   <c:date1904 val="0"/>
   <c:lang val="fr-FR"/>
@@ -4413,7 +4407,7 @@
                 <a:ea typeface="Calibri"/>
                 <a:sym typeface="Calibri"/>
               </a:rPr>
-              <a:t>Variant 4</a:t>
+              <a:t>Variant 5</a:t>
             </a:r>
           </a:p>
         </c:rich>
@@ -4490,129 +4484,28 @@
           </c:dLbls>
           <c:cat>
             <c:strRef>
-              <c:f>sheet1!$A$2:$A$4</c:f>
+              <c:f>sheet1!$A$2:$A$3</c:f>
               <c:strCache>
-                <c:ptCount val="3"/>
+                <c:ptCount val="2"/>
                 <c:pt idx="0">
-                  <c:v>Heeft psychische klachten</c:v>
+                  <c:v>Jongen</c:v>
                 </c:pt>
                 <c:pt idx="1">
-                  <c:v>Geeft geen mantelzorg</c:v>
-                </c:pt>
-                <c:pt idx="2">
-                  <c:v>Heeft een zeer goede gezondheid</c:v>
+                  <c:v>Meisje</c:v>
                 </c:pt>
               </c:strCache>
             </c:strRef>
           </c:cat>
           <c:val>
             <c:numRef>
-              <c:f>sheet1!$B$2:$B$4</c:f>
+              <c:f>sheet1!$B$2:$B$3</c:f>
               <c:numCache>
-                <c:ptCount val="3"/>
+                <c:ptCount val="2"/>
                 <c:pt idx="0">
-                  <c:v>0.2679194</c:v>
+                  <c:v>0.3294372</c:v>
                 </c:pt>
                 <c:pt idx="1">
-                  <c:v>0.8514397</c:v>
-                </c:pt>
-                <c:pt idx="2">
-                  <c:v>0.2936311</c:v>
-                </c:pt>
-              </c:numCache>
-            </c:numRef>
-          </c:val>
-        </c:ser>
-        <c:ser>
-          <c:idx val="1"/>
-          <c:order val="1"/>
-          <c:tx>
-            <c:strRef>
-              <c:f>sheet1!$C$1</c:f>
-              <c:strCache>
-                <c:ptCount val="1"/>
-                <c:pt idx="0">
-                  <c:v>Nederland</c:v>
-                </c:pt>
-              </c:strCache>
-            </c:strRef>
-          </c:tx>
-          <c:spPr>
-            <a:solidFill>
-              <a:srgbClr val="E54800">
-                <a:alpha val="100000"/>
-              </a:srgbClr>
-            </a:solidFill>
-            <a:ln w="25400">
-              <a:solidFill>
-                <a:srgbClr val="FFFFFF">
-                  <a:alpha val="0"/>
-                </a:srgbClr>
-              </a:solidFill>
-            </a:ln>
-            <a:effectLst/>
-          </c:spPr>
-          <c:invertIfNegative val="0"/>
-          <c:dLbls>
-            <c:dLblPos val="outEnd"/>
-            <c:numFmt formatCode="0%" sourceLinked="0"/>
-            <c:separator val=", "/>
-            <c:showBubbleSize val="0"/>
-            <c:showCatName val="0"/>
-            <c:showLegendKey val="0"/>
-            <c:showPercent val="0"/>
-            <c:showSerName val="0"/>
-            <c:showVal val="1"/>
-            <c:txPr>
-              <a:bodyPr/>
-              <a:lstStyle/>
-              <a:p>
-                <a:pPr>
-                  <a:defRPr cap="none" sz="800" i="0" b="0" u="none">
-                    <a:solidFill>
-                      <a:srgbClr val="000000">
-                        <a:alpha val="100000"/>
-                      </a:srgbClr>
-                    </a:solidFill>
-                    <a:latin typeface="Calibri"/>
-                    <a:cs typeface="Calibri"/>
-                    <a:ea typeface="Calibri"/>
-                    <a:sym typeface="Calibri"/>
-                  </a:defRPr>
-                </a:pPr>
-              </a:p>
-            </c:txPr>
-          </c:dLbls>
-          <c:cat>
-            <c:strRef>
-              <c:f>sheet1!$A$2:$A$4</c:f>
-              <c:strCache>
-                <c:ptCount val="3"/>
-                <c:pt idx="0">
-                  <c:v>Heeft psychische klachten</c:v>
-                </c:pt>
-                <c:pt idx="1">
-                  <c:v>Geeft geen mantelzorg</c:v>
-                </c:pt>
-                <c:pt idx="2">
-                  <c:v>Heeft een zeer goede gezondheid</c:v>
-                </c:pt>
-              </c:strCache>
-            </c:strRef>
-          </c:cat>
-          <c:val>
-            <c:numRef>
-              <c:f>sheet1!$C$2:$C$4</c:f>
-              <c:numCache>
-                <c:ptCount val="3"/>
-                <c:pt idx="0">
-                  <c:v>0.2753591</c:v>
-                </c:pt>
-                <c:pt idx="1">
-                  <c:v>0.8527339</c:v>
-                </c:pt>
-                <c:pt idx="2">
-                  <c:v>0.3070725</c:v>
+                  <c:v>0.3138866</c:v>
                 </c:pt>
               </c:numCache>
             </c:numRef>
@@ -4629,7 +4522,7 @@
           <c:showSerName val="0"/>
           <c:showVal val="1"/>
         </c:dLbls>
-        <c:gapWidth val="150"/>
+        <c:gapWidth val="50"/>
         <c:overlap val="0"/>
         <c:axId val="64451712"/>
         <c:axId val="64453248"/>
@@ -4767,7 +4660,7 @@
 </c:chartSpace>
 </file>
 
-<file path=ppt/charts/chartc703d384645.xml><?xml version="1.0" encoding="utf-8"?>
+<file path=ppt/charts/chart56d437dc453c.xml><?xml version="1.0" encoding="utf-8"?>
 <c:chartSpace xmlns:c="http://schemas.openxmlformats.org/drawingml/2006/chart" xmlns:a="http://schemas.openxmlformats.org/drawingml/2006/main" xmlns:r="http://schemas.openxmlformats.org/officeDocument/2006/relationships">
   <c:date1904 val="0"/>
   <c:lang val="fr-FR"/>
@@ -4802,7 +4695,7 @@
                 <a:ea typeface="Calibri"/>
                 <a:sym typeface="Calibri"/>
               </a:rPr>
-              <a:t>Variant 8</a:t>
+              <a:t>Variant 9</a:t>
             </a:r>
           </a:p>
         </c:rich>
@@ -4826,7 +4719,7 @@
               <c:strCache>
                 <c:ptCount val="1"/>
                 <c:pt idx="0">
-                  <c:v>Jongen</c:v>
+                  <c:v>Zandwijk</c:v>
                 </c:pt>
               </c:strCache>
             </c:strRef>
@@ -4879,34 +4772,28 @@
           </c:dLbls>
           <c:cat>
             <c:strRef>
-              <c:f>sheet1!$A$2:$A$4</c:f>
+              <c:f>sheet1!$A$2:$A$3</c:f>
               <c:strCache>
-                <c:ptCount val="3"/>
+                <c:ptCount val="2"/>
                 <c:pt idx="0">
-                  <c:v>Heeft psychische klachten</c:v>
+                  <c:v>Klas 2</c:v>
                 </c:pt>
                 <c:pt idx="1">
-                  <c:v>Geeft geen mantelzorg</c:v>
-                </c:pt>
-                <c:pt idx="2">
-                  <c:v>Heeft een zeer goede gezondheid</c:v>
+                  <c:v>Klas 4</c:v>
                 </c:pt>
               </c:strCache>
             </c:strRef>
           </c:cat>
           <c:val>
             <c:numRef>
-              <c:f>sheet1!$B$2:$B$4</c:f>
+              <c:f>sheet1!$B$2:$B$3</c:f>
               <c:numCache>
-                <c:ptCount val="3"/>
+                <c:ptCount val="2"/>
                 <c:pt idx="0">
-                  <c:v>0.2833711</c:v>
+                  <c:v>0.3350167</c:v>
                 </c:pt>
                 <c:pt idx="1">
-                  <c:v>0.8544202</c:v>
-                </c:pt>
-                <c:pt idx="2">
-                  <c:v>0.3212508</c:v>
+                  <c:v>0.2875855</c:v>
                 </c:pt>
               </c:numCache>
             </c:numRef>
@@ -4921,14 +4808,14 @@
               <c:strCache>
                 <c:ptCount val="1"/>
                 <c:pt idx="0">
-                  <c:v>Meisje</c:v>
+                  <c:v>Nederland</c:v>
                 </c:pt>
               </c:strCache>
             </c:strRef>
           </c:tx>
           <c:spPr>
             <a:solidFill>
-              <a:srgbClr val="6FC7FF">
+              <a:srgbClr val="E54800">
                 <a:alpha val="100000"/>
               </a:srgbClr>
             </a:solidFill>
@@ -4974,34 +4861,28 @@
           </c:dLbls>
           <c:cat>
             <c:strRef>
-              <c:f>sheet1!$A$2:$A$4</c:f>
+              <c:f>sheet1!$A$2:$A$3</c:f>
               <c:strCache>
-                <c:ptCount val="3"/>
+                <c:ptCount val="2"/>
                 <c:pt idx="0">
-                  <c:v>Heeft psychische klachten</c:v>
+                  <c:v>Klas 2</c:v>
                 </c:pt>
                 <c:pt idx="1">
-                  <c:v>Geeft geen mantelzorg</c:v>
-                </c:pt>
-                <c:pt idx="2">
-                  <c:v>Heeft een zeer goede gezondheid</c:v>
+                  <c:v>Klas 4</c:v>
                 </c:pt>
               </c:strCache>
             </c:strRef>
           </c:cat>
           <c:val>
             <c:numRef>
-              <c:f>sheet1!$C$2:$C$4</c:f>
+              <c:f>sheet1!$C$2:$C$3</c:f>
               <c:numCache>
-                <c:ptCount val="3"/>
+                <c:ptCount val="2"/>
                 <c:pt idx="0">
-                  <c:v>0.2587723</c:v>
+                  <c:v>0.2909934</c:v>
                 </c:pt>
                 <c:pt idx="1">
-                  <c:v>0.8539607</c:v>
-                </c:pt>
-                <c:pt idx="2">
-                  <c:v>0.2719618</c:v>
+                  <c:v>0.2915095</c:v>
                 </c:pt>
               </c:numCache>
             </c:numRef>
@@ -5018,7 +4899,7 @@
           <c:showSerName val="0"/>
           <c:showVal val="1"/>
         </c:dLbls>
-        <c:gapWidth val="150"/>
+        <c:gapWidth val="50"/>
         <c:overlap val="0"/>
         <c:axId val="64451712"/>
         <c:axId val="64453248"/>
@@ -5156,7 +5037,7 @@
 </c:chartSpace>
 </file>
 
-<file path=ppt/charts/chartc703fb244af.xml><?xml version="1.0" encoding="utf-8"?>
+<file path=ppt/charts/chart56d43ccf4212.xml><?xml version="1.0" encoding="utf-8"?>
 <c:chartSpace xmlns:c="http://schemas.openxmlformats.org/drawingml/2006/chart" xmlns:a="http://schemas.openxmlformats.org/drawingml/2006/main" xmlns:r="http://schemas.openxmlformats.org/officeDocument/2006/relationships">
   <c:date1904 val="0"/>
   <c:lang val="fr-FR"/>
@@ -5191,7 +5072,7 @@
                 <a:ea typeface="Calibri"/>
                 <a:sym typeface="Calibri"/>
               </a:rPr>
-              <a:t>Variant 12</a:t>
+              <a:t>Variant 17</a:t>
             </a:r>
           </a:p>
         </c:rich>
@@ -5292,16 +5173,117 @@
               <c:numCache>
                 <c:ptCount val="4"/>
                 <c:pt idx="0">
-                  <c:v>0.2833711</c:v>
+                  <c:v>0.3294372</c:v>
                 </c:pt>
                 <c:pt idx="1">
-                  <c:v>0.2587723</c:v>
+                  <c:v>0.3138866</c:v>
                 </c:pt>
                 <c:pt idx="2">
-                  <c:v>0.2607700</c:v>
+                  <c:v>0.3350167</c:v>
                 </c:pt>
                 <c:pt idx="3">
-                  <c:v>0.2945237</c:v>
+                  <c:v>0.2875855</c:v>
+                </c:pt>
+              </c:numCache>
+            </c:numRef>
+          </c:val>
+        </c:ser>
+        <c:ser>
+          <c:idx val="1"/>
+          <c:order val="1"/>
+          <c:tx>
+            <c:strRef>
+              <c:f>sheet1!$C$1</c:f>
+              <c:strCache>
+                <c:ptCount val="1"/>
+                <c:pt idx="0">
+                  <c:v>Nederland</c:v>
+                </c:pt>
+              </c:strCache>
+            </c:strRef>
+          </c:tx>
+          <c:spPr>
+            <a:solidFill>
+              <a:srgbClr val="E54800">
+                <a:alpha val="100000"/>
+              </a:srgbClr>
+            </a:solidFill>
+            <a:ln w="25400">
+              <a:solidFill>
+                <a:srgbClr val="FFFFFF">
+                  <a:alpha val="0"/>
+                </a:srgbClr>
+              </a:solidFill>
+            </a:ln>
+            <a:effectLst/>
+          </c:spPr>
+          <c:invertIfNegative val="0"/>
+          <c:dLbls>
+            <c:dLblPos val="outEnd"/>
+            <c:numFmt formatCode="0%" sourceLinked="0"/>
+            <c:separator val=", "/>
+            <c:showBubbleSize val="0"/>
+            <c:showCatName val="0"/>
+            <c:showLegendKey val="0"/>
+            <c:showPercent val="0"/>
+            <c:showSerName val="0"/>
+            <c:showVal val="1"/>
+            <c:txPr>
+              <a:bodyPr/>
+              <a:lstStyle/>
+              <a:p>
+                <a:pPr>
+                  <a:defRPr cap="none" sz="800" i="0" b="0" u="none">
+                    <a:solidFill>
+                      <a:srgbClr val="000000">
+                        <a:alpha val="100000"/>
+                      </a:srgbClr>
+                    </a:solidFill>
+                    <a:latin typeface="Calibri"/>
+                    <a:cs typeface="Calibri"/>
+                    <a:ea typeface="Calibri"/>
+                    <a:sym typeface="Calibri"/>
+                  </a:defRPr>
+                </a:pPr>
+              </a:p>
+            </c:txPr>
+          </c:dLbls>
+          <c:cat>
+            <c:strRef>
+              <c:f>sheet1!$A$2:$A$5</c:f>
+              <c:strCache>
+                <c:ptCount val="4"/>
+                <c:pt idx="0">
+                  <c:v>Jongen</c:v>
+                </c:pt>
+                <c:pt idx="1">
+                  <c:v>Meisje</c:v>
+                </c:pt>
+                <c:pt idx="2">
+                  <c:v>Klas 2</c:v>
+                </c:pt>
+                <c:pt idx="3">
+                  <c:v>Klas 4</c:v>
+                </c:pt>
+              </c:strCache>
+            </c:strRef>
+          </c:cat>
+          <c:val>
+            <c:numRef>
+              <c:f>sheet1!$C$2:$C$5</c:f>
+              <c:numCache>
+                <c:ptCount val="4"/>
+                <c:pt idx="0">
+                  <c:v>0.2953391</c:v>
+                </c:pt>
+                <c:pt idx="1">
+                  <c:v>0.2947784</c:v>
+                </c:pt>
+                <c:pt idx="2">
+                  <c:v>0.2909934</c:v>
+                </c:pt>
+                <c:pt idx="3">
+                  <c:v>0.2915095</c:v>
                 </c:pt>
               </c:numCache>
             </c:numRef>
@@ -5318,7 +5300,7 @@
           <c:showSerName val="0"/>
           <c:showVal val="1"/>
         </c:dLbls>
-        <c:gapWidth val="150"/>
+        <c:gapWidth val="50"/>
         <c:overlap val="0"/>
         <c:axId val="64451712"/>
         <c:axId val="64453248"/>
@@ -5456,7 +5438,7 @@
 </c:chartSpace>
 </file>
 
-<file path=ppt/charts/chartc70422b431a.xml><?xml version="1.0" encoding="utf-8"?>
+<file path=ppt/charts/chart56d43e641aa.xml><?xml version="1.0" encoding="utf-8"?>
 <c:chartSpace xmlns:c="http://schemas.openxmlformats.org/drawingml/2006/chart" xmlns:a="http://schemas.openxmlformats.org/drawingml/2006/main" xmlns:r="http://schemas.openxmlformats.org/officeDocument/2006/relationships">
   <c:date1904 val="0"/>
   <c:lang val="fr-FR"/>
@@ -5491,7 +5473,7 @@
                 <a:ea typeface="Calibri"/>
                 <a:sym typeface="Calibri"/>
               </a:rPr>
-              <a:t>Variant 16</a:t>
+              <a:t>Variant 1</a:t>
             </a:r>
           </a:p>
         </c:rich>
@@ -5515,7 +5497,7 @@
               <c:strCache>
                 <c:ptCount val="1"/>
                 <c:pt idx="0">
-                  <c:v>Jongen (Klas 2)</c:v>
+                  <c:v>Zandwijk</c:v>
                 </c:pt>
               </c:strCache>
             </c:strRef>
@@ -5568,319 +5550,22 @@
           </c:dLbls>
           <c:cat>
             <c:strRef>
-              <c:f>sheet1!$A$2:$A$4</c:f>
+              <c:f>sheet1!$A$2:$A$2</c:f>
               <c:strCache>
-                <c:ptCount val="3"/>
+                <c:ptCount val="1"/>
                 <c:pt idx="0">
                   <c:v>Heeft psychische klachten</c:v>
-                </c:pt>
-                <c:pt idx="1">
-                  <c:v>Geeft geen mantelzorg</c:v>
-                </c:pt>
-                <c:pt idx="2">
-                  <c:v>Heeft een zeer goede gezondheid</c:v>
                 </c:pt>
               </c:strCache>
             </c:strRef>
           </c:cat>
           <c:val>
             <c:numRef>
-              <c:f>sheet1!$B$2:$B$4</c:f>
+              <c:f>sheet1!$B$2:$B$2</c:f>
               <c:numCache>
-                <c:ptCount val="3"/>
-                <c:pt idx="0">
-                  <c:v>0.2810564</c:v>
-                </c:pt>
-                <c:pt idx="1">
-                  <c:v>0.8348222</c:v>
-                </c:pt>
-                <c:pt idx="2">
-                  <c:v>0.2718184</c:v>
-                </c:pt>
-              </c:numCache>
-            </c:numRef>
-          </c:val>
-        </c:ser>
-        <c:ser>
-          <c:idx val="1"/>
-          <c:order val="1"/>
-          <c:tx>
-            <c:strRef>
-              <c:f>sheet1!$C$1</c:f>
-              <c:strCache>
                 <c:ptCount val="1"/>
                 <c:pt idx="0">
-                  <c:v>Jongen (Klas 4)</c:v>
-                </c:pt>
-              </c:strCache>
-            </c:strRef>
-          </c:tx>
-          <c:spPr>
-            <a:solidFill>
-              <a:srgbClr val="6FC7FF">
-                <a:alpha val="100000"/>
-              </a:srgbClr>
-            </a:solidFill>
-            <a:ln w="25400">
-              <a:solidFill>
-                <a:srgbClr val="FFFFFF">
-                  <a:alpha val="0"/>
-                </a:srgbClr>
-              </a:solidFill>
-            </a:ln>
-            <a:effectLst/>
-          </c:spPr>
-          <c:invertIfNegative val="0"/>
-          <c:dLbls>
-            <c:dLblPos val="outEnd"/>
-            <c:numFmt formatCode="0%" sourceLinked="0"/>
-            <c:separator val=", "/>
-            <c:showBubbleSize val="0"/>
-            <c:showCatName val="0"/>
-            <c:showLegendKey val="0"/>
-            <c:showPercent val="0"/>
-            <c:showSerName val="0"/>
-            <c:showVal val="1"/>
-            <c:txPr>
-              <a:bodyPr/>
-              <a:lstStyle/>
-              <a:p>
-                <a:pPr>
-                  <a:defRPr cap="none" sz="800" i="0" b="0" u="none">
-                    <a:solidFill>
-                      <a:srgbClr val="000000">
-                        <a:alpha val="100000"/>
-                      </a:srgbClr>
-                    </a:solidFill>
-                    <a:latin typeface="Calibri"/>
-                    <a:cs typeface="Calibri"/>
-                    <a:ea typeface="Calibri"/>
-                    <a:sym typeface="Calibri"/>
-                  </a:defRPr>
-                </a:pPr>
-              </a:p>
-            </c:txPr>
-          </c:dLbls>
-          <c:cat>
-            <c:strRef>
-              <c:f>sheet1!$A$2:$A$4</c:f>
-              <c:strCache>
-                <c:ptCount val="3"/>
-                <c:pt idx="0">
-                  <c:v>Heeft psychische klachten</c:v>
-                </c:pt>
-                <c:pt idx="1">
-                  <c:v>Geeft geen mantelzorg</c:v>
-                </c:pt>
-                <c:pt idx="2">
-                  <c:v>Heeft een zeer goede gezondheid</c:v>
-                </c:pt>
-              </c:strCache>
-            </c:strRef>
-          </c:cat>
-          <c:val>
-            <c:numRef>
-              <c:f>sheet1!$C$2:$C$4</c:f>
-              <c:numCache>
-                <c:ptCount val="3"/>
-                <c:pt idx="0">
-                  <c:v>0.2994914</c:v>
-                </c:pt>
-                <c:pt idx="1">
-                  <c:v>0.8513757</c:v>
-                </c:pt>
-                <c:pt idx="2">
-                  <c:v>0.3782528</c:v>
-                </c:pt>
-              </c:numCache>
-            </c:numRef>
-          </c:val>
-        </c:ser>
-        <c:ser>
-          <c:idx val="2"/>
-          <c:order val="2"/>
-          <c:tx>
-            <c:strRef>
-              <c:f>sheet1!$D$1</c:f>
-              <c:strCache>
-                <c:ptCount val="1"/>
-                <c:pt idx="0">
-                  <c:v>Meisje (Klas 2)</c:v>
-                </c:pt>
-              </c:strCache>
-            </c:strRef>
-          </c:tx>
-          <c:spPr>
-            <a:solidFill>
-              <a:srgbClr val="E54800">
-                <a:alpha val="100000"/>
-              </a:srgbClr>
-            </a:solidFill>
-            <a:ln w="25400">
-              <a:solidFill>
-                <a:srgbClr val="FFFFFF">
-                  <a:alpha val="0"/>
-                </a:srgbClr>
-              </a:solidFill>
-            </a:ln>
-            <a:effectLst/>
-          </c:spPr>
-          <c:invertIfNegative val="0"/>
-          <c:dLbls>
-            <c:dLblPos val="outEnd"/>
-            <c:numFmt formatCode="0%" sourceLinked="0"/>
-            <c:separator val=", "/>
-            <c:showBubbleSize val="0"/>
-            <c:showCatName val="0"/>
-            <c:showLegendKey val="0"/>
-            <c:showPercent val="0"/>
-            <c:showSerName val="0"/>
-            <c:showVal val="1"/>
-            <c:txPr>
-              <a:bodyPr/>
-              <a:lstStyle/>
-              <a:p>
-                <a:pPr>
-                  <a:defRPr cap="none" sz="800" i="0" b="0" u="none">
-                    <a:solidFill>
-                      <a:srgbClr val="000000">
-                        <a:alpha val="100000"/>
-                      </a:srgbClr>
-                    </a:solidFill>
-                    <a:latin typeface="Calibri"/>
-                    <a:cs typeface="Calibri"/>
-                    <a:ea typeface="Calibri"/>
-                    <a:sym typeface="Calibri"/>
-                  </a:defRPr>
-                </a:pPr>
-              </a:p>
-            </c:txPr>
-          </c:dLbls>
-          <c:cat>
-            <c:strRef>
-              <c:f>sheet1!$A$2:$A$4</c:f>
-              <c:strCache>
-                <c:ptCount val="3"/>
-                <c:pt idx="0">
-                  <c:v>Heeft psychische klachten</c:v>
-                </c:pt>
-                <c:pt idx="1">
-                  <c:v>Geeft geen mantelzorg</c:v>
-                </c:pt>
-                <c:pt idx="2">
-                  <c:v>Heeft een zeer goede gezondheid</c:v>
-                </c:pt>
-              </c:strCache>
-            </c:strRef>
-          </c:cat>
-          <c:val>
-            <c:numRef>
-              <c:f>sheet1!$D$2:$D$4</c:f>
-              <c:numCache>
-                <c:ptCount val="3"/>
-                <c:pt idx="0">
-                  <c:v>0.2484313</c:v>
-                </c:pt>
-                <c:pt idx="1">
-                  <c:v>0.8430085</c:v>
-                </c:pt>
-                <c:pt idx="2">
-                  <c:v>0.3214396</c:v>
-                </c:pt>
-              </c:numCache>
-            </c:numRef>
-          </c:val>
-        </c:ser>
-        <c:ser>
-          <c:idx val="3"/>
-          <c:order val="3"/>
-          <c:tx>
-            <c:strRef>
-              <c:f>sheet1!$E$1</c:f>
-              <c:strCache>
-                <c:ptCount val="1"/>
-                <c:pt idx="0">
-                  <c:v>Meisje (Klas 4)</c:v>
-                </c:pt>
-              </c:strCache>
-            </c:strRef>
-          </c:tx>
-          <c:spPr>
-            <a:solidFill>
-              <a:srgbClr val="FFB18E">
-                <a:alpha val="100000"/>
-              </a:srgbClr>
-            </a:solidFill>
-            <a:ln w="25400">
-              <a:solidFill>
-                <a:srgbClr val="FFFFFF">
-                  <a:alpha val="0"/>
-                </a:srgbClr>
-              </a:solidFill>
-            </a:ln>
-            <a:effectLst/>
-          </c:spPr>
-          <c:invertIfNegative val="0"/>
-          <c:dLbls>
-            <c:dLblPos val="outEnd"/>
-            <c:numFmt formatCode="0%" sourceLinked="0"/>
-            <c:separator val=", "/>
-            <c:showBubbleSize val="0"/>
-            <c:showCatName val="0"/>
-            <c:showLegendKey val="0"/>
-            <c:showPercent val="0"/>
-            <c:showSerName val="0"/>
-            <c:showVal val="1"/>
-            <c:txPr>
-              <a:bodyPr/>
-              <a:lstStyle/>
-              <a:p>
-                <a:pPr>
-                  <a:defRPr cap="none" sz="800" i="0" b="0" u="none">
-                    <a:solidFill>
-                      <a:srgbClr val="000000">
-                        <a:alpha val="100000"/>
-                      </a:srgbClr>
-                    </a:solidFill>
-                    <a:latin typeface="Calibri"/>
-                    <a:cs typeface="Calibri"/>
-                    <a:ea typeface="Calibri"/>
-                    <a:sym typeface="Calibri"/>
-                  </a:defRPr>
-                </a:pPr>
-              </a:p>
-            </c:txPr>
-          </c:dLbls>
-          <c:cat>
-            <c:strRef>
-              <c:f>sheet1!$A$2:$A$4</c:f>
-              <c:strCache>
-                <c:ptCount val="3"/>
-                <c:pt idx="0">
-                  <c:v>Heeft psychische klachten</c:v>
-                </c:pt>
-                <c:pt idx="1">
-                  <c:v>Geeft geen mantelzorg</c:v>
-                </c:pt>
-                <c:pt idx="2">
-                  <c:v>Heeft een zeer goede gezondheid</c:v>
-                </c:pt>
-              </c:strCache>
-            </c:strRef>
-          </c:cat>
-          <c:val>
-            <c:numRef>
-              <c:f>sheet1!$E$2:$E$4</c:f>
-              <c:numCache>
-                <c:ptCount val="3"/>
-                <c:pt idx="0">
-                  <c:v>0.2907135</c:v>
-                </c:pt>
-                <c:pt idx="1">
-                  <c:v>0.8602841</c:v>
-                </c:pt>
-                <c:pt idx="2">
-                  <c:v>0.2203051</c:v>
+                  <c:v>0.314687</c:v>
                 </c:pt>
               </c:numCache>
             </c:numRef>
@@ -5897,7 +5582,7 @@
           <c:showSerName val="0"/>
           <c:showVal val="1"/>
         </c:dLbls>
-        <c:gapWidth val="150"/>
+        <c:gapWidth val="50"/>
         <c:overlap val="0"/>
         <c:axId val="64451712"/>
         <c:axId val="64453248"/>
@@ -6035,7 +5720,7 @@
 </c:chartSpace>
 </file>
 
-<file path=ppt/charts/chartc7044a44185.xml><?xml version="1.0" encoding="utf-8"?>
+<file path=ppt/charts/chart56d43f48407d.xml><?xml version="1.0" encoding="utf-8"?>
 <c:chartSpace xmlns:c="http://schemas.openxmlformats.org/drawingml/2006/chart" xmlns:a="http://schemas.openxmlformats.org/drawingml/2006/main" xmlns:r="http://schemas.openxmlformats.org/officeDocument/2006/relationships">
   <c:date1904 val="0"/>
   <c:lang val="fr-FR"/>
@@ -6070,7 +5755,7 @@
                 <a:ea typeface="Calibri"/>
                 <a:sym typeface="Calibri"/>
               </a:rPr>
-              <a:t>Staafgrafiek Variant 17 met aangepaste y-as</a:t>
+              <a:t>Staafgrafiek Variant 17 liggend</a:t>
             </a:r>
           </a:p>
         </c:rich>
@@ -6082,7 +5767,7 @@
     <c:plotArea xmlns:c="http://schemas.openxmlformats.org/drawingml/2006/chart" xmlns:a="http://schemas.openxmlformats.org/drawingml/2006/main" xmlns:r="http://schemas.openxmlformats.org/officeDocument/2006/relationships">
       <c:layout/>
       <c:barChart>
-        <c:barDir val="col"/>
+        <c:barDir val="bar"/>
         <c:grouping val="clustered"/>
         <c:varyColors val="0"/>
         <c:ser>
@@ -6091,6 +5776,107 @@
           <c:tx>
             <c:strRef>
               <c:f>sheet1!$B$1</c:f>
+              <c:strCache>
+                <c:ptCount val="1"/>
+                <c:pt idx="0">
+                  <c:v>Nederland</c:v>
+                </c:pt>
+              </c:strCache>
+            </c:strRef>
+          </c:tx>
+          <c:spPr>
+            <a:solidFill>
+              <a:srgbClr val="E54800">
+                <a:alpha val="100000"/>
+              </a:srgbClr>
+            </a:solidFill>
+            <a:ln w="25400">
+              <a:solidFill>
+                <a:srgbClr val="FFFFFF">
+                  <a:alpha val="0"/>
+                </a:srgbClr>
+              </a:solidFill>
+            </a:ln>
+            <a:effectLst/>
+          </c:spPr>
+          <c:invertIfNegative val="0"/>
+          <c:dLbls>
+            <c:dLblPos val="outEnd"/>
+            <c:numFmt formatCode="0%" sourceLinked="0"/>
+            <c:separator val=", "/>
+            <c:showBubbleSize val="0"/>
+            <c:showCatName val="0"/>
+            <c:showLegendKey val="0"/>
+            <c:showPercent val="0"/>
+            <c:showSerName val="0"/>
+            <c:showVal val="1"/>
+            <c:txPr>
+              <a:bodyPr/>
+              <a:lstStyle/>
+              <a:p>
+                <a:pPr>
+                  <a:defRPr cap="none" sz="800" i="0" b="0" u="none">
+                    <a:solidFill>
+                      <a:srgbClr val="000000">
+                        <a:alpha val="100000"/>
+                      </a:srgbClr>
+                    </a:solidFill>
+                    <a:latin typeface="Calibri"/>
+                    <a:cs typeface="Calibri"/>
+                    <a:ea typeface="Calibri"/>
+                    <a:sym typeface="Calibri"/>
+                  </a:defRPr>
+                </a:pPr>
+              </a:p>
+            </c:txPr>
+          </c:dLbls>
+          <c:cat>
+            <c:strRef>
+              <c:f>sheet1!$A$2:$A$5</c:f>
+              <c:strCache>
+                <c:ptCount val="4"/>
+                <c:pt idx="0">
+                  <c:v>Klas 4</c:v>
+                </c:pt>
+                <c:pt idx="1">
+                  <c:v>Klas 2</c:v>
+                </c:pt>
+                <c:pt idx="2">
+                  <c:v>Meisje</c:v>
+                </c:pt>
+                <c:pt idx="3">
+                  <c:v>Jongen</c:v>
+                </c:pt>
+              </c:strCache>
+            </c:strRef>
+          </c:cat>
+          <c:val>
+            <c:numRef>
+              <c:f>sheet1!$B$2:$B$5</c:f>
+              <c:numCache>
+                <c:ptCount val="4"/>
+                <c:pt idx="0">
+                  <c:v>0.2915095</c:v>
+                </c:pt>
+                <c:pt idx="1">
+                  <c:v>0.2909934</c:v>
+                </c:pt>
+                <c:pt idx="2">
+                  <c:v>0.2947784</c:v>
+                </c:pt>
+                <c:pt idx="3">
+                  <c:v>0.2953391</c:v>
+                </c:pt>
+              </c:numCache>
+            </c:numRef>
+          </c:val>
+        </c:ser>
+        <c:ser>
+          <c:idx val="1"/>
+          <c:order val="1"/>
+          <c:tx>
+            <c:strRef>
+              <c:f>sheet1!$C$1</c:f>
               <c:strCache>
                 <c:ptCount val="1"/>
                 <c:pt idx="0">
@@ -6151,117 +5937,16 @@
               <c:strCache>
                 <c:ptCount val="4"/>
                 <c:pt idx="0">
+                  <c:v>Klas 4</c:v>
+                </c:pt>
+                <c:pt idx="1">
+                  <c:v>Klas 2</c:v>
+                </c:pt>
+                <c:pt idx="2">
+                  <c:v>Meisje</c:v>
+                </c:pt>
+                <c:pt idx="3">
                   <c:v>Jongen</c:v>
-                </c:pt>
-                <c:pt idx="1">
-                  <c:v>Meisje</c:v>
-                </c:pt>
-                <c:pt idx="2">
-                  <c:v>Klas 2</c:v>
-                </c:pt>
-                <c:pt idx="3">
-                  <c:v>Klas 4</c:v>
-                </c:pt>
-              </c:strCache>
-            </c:strRef>
-          </c:cat>
-          <c:val>
-            <c:numRef>
-              <c:f>sheet1!$B$2:$B$5</c:f>
-              <c:numCache>
-                <c:ptCount val="4"/>
-                <c:pt idx="0">
-                  <c:v>0.2833711</c:v>
-                </c:pt>
-                <c:pt idx="1">
-                  <c:v>0.2587723</c:v>
-                </c:pt>
-                <c:pt idx="2">
-                  <c:v>0.2607700</c:v>
-                </c:pt>
-                <c:pt idx="3">
-                  <c:v>0.2945237</c:v>
-                </c:pt>
-              </c:numCache>
-            </c:numRef>
-          </c:val>
-        </c:ser>
-        <c:ser>
-          <c:idx val="1"/>
-          <c:order val="1"/>
-          <c:tx>
-            <c:strRef>
-              <c:f>sheet1!$C$1</c:f>
-              <c:strCache>
-                <c:ptCount val="1"/>
-                <c:pt idx="0">
-                  <c:v>Nederland</c:v>
-                </c:pt>
-              </c:strCache>
-            </c:strRef>
-          </c:tx>
-          <c:spPr>
-            <a:solidFill>
-              <a:srgbClr val="E54800">
-                <a:alpha val="100000"/>
-              </a:srgbClr>
-            </a:solidFill>
-            <a:ln w="25400">
-              <a:solidFill>
-                <a:srgbClr val="FFFFFF">
-                  <a:alpha val="0"/>
-                </a:srgbClr>
-              </a:solidFill>
-            </a:ln>
-            <a:effectLst/>
-          </c:spPr>
-          <c:invertIfNegative val="0"/>
-          <c:dLbls>
-            <c:dLblPos val="outEnd"/>
-            <c:numFmt formatCode="0%" sourceLinked="0"/>
-            <c:separator val=", "/>
-            <c:showBubbleSize val="0"/>
-            <c:showCatName val="0"/>
-            <c:showLegendKey val="0"/>
-            <c:showPercent val="0"/>
-            <c:showSerName val="0"/>
-            <c:showVal val="1"/>
-            <c:txPr>
-              <a:bodyPr/>
-              <a:lstStyle/>
-              <a:p>
-                <a:pPr>
-                  <a:defRPr cap="none" sz="800" i="0" b="0" u="none">
-                    <a:solidFill>
-                      <a:srgbClr val="000000">
-                        <a:alpha val="100000"/>
-                      </a:srgbClr>
-                    </a:solidFill>
-                    <a:latin typeface="Calibri"/>
-                    <a:cs typeface="Calibri"/>
-                    <a:ea typeface="Calibri"/>
-                    <a:sym typeface="Calibri"/>
-                  </a:defRPr>
-                </a:pPr>
-              </a:p>
-            </c:txPr>
-          </c:dLbls>
-          <c:cat>
-            <c:strRef>
-              <c:f>sheet1!$A$2:$A$5</c:f>
-              <c:strCache>
-                <c:ptCount val="4"/>
-                <c:pt idx="0">
-                  <c:v>Jongen</c:v>
-                </c:pt>
-                <c:pt idx="1">
-                  <c:v>Meisje</c:v>
-                </c:pt>
-                <c:pt idx="2">
-                  <c:v>Klas 2</c:v>
-                </c:pt>
-                <c:pt idx="3">
-                  <c:v>Klas 4</c:v>
                 </c:pt>
               </c:strCache>
             </c:strRef>
@@ -6272,16 +5957,16 @@
               <c:numCache>
                 <c:ptCount val="4"/>
                 <c:pt idx="0">
-                  <c:v>0.2810797</c:v>
+                  <c:v>0.2875855</c:v>
                 </c:pt>
                 <c:pt idx="1">
-                  <c:v>0.2733080</c:v>
+                  <c:v>0.3350167</c:v>
                 </c:pt>
                 <c:pt idx="2">
-                  <c:v>0.2818699</c:v>
+                  <c:v>0.3138866</c:v>
                 </c:pt>
                 <c:pt idx="3">
-                  <c:v>0.2738343</c:v>
+                  <c:v>0.3294372</c:v>
                 </c:pt>
               </c:numCache>
             </c:numRef>
@@ -6298,7 +5983,7 @@
           <c:showSerName val="0"/>
           <c:showVal val="1"/>
         </c:dLbls>
-        <c:gapWidth val="150"/>
+        <c:gapWidth val="50"/>
         <c:overlap val="0"/>
         <c:axId val="64451712"/>
         <c:axId val="64453248"/>
@@ -6350,7 +6035,7 @@
         <c:axId val="64453248"/>
         <c:scaling>
           <c:orientation val="minMax"/>
-          <c:max val="0.50"/>
+          <c:max val="1.00"/>
           <c:min val="0.00"/>
         </c:scaling>
         <c:delete val="0"/>
@@ -6436,7 +6121,7 @@
 </c:chartSpace>
 </file>
 
-<file path=ppt/charts/chartc70471d3ff0.xml><?xml version="1.0" encoding="utf-8"?>
+<file path=ppt/charts/chart56d454c56737.xml><?xml version="1.0" encoding="utf-8"?>
 <c:chartSpace xmlns:c="http://schemas.openxmlformats.org/drawingml/2006/chart" xmlns:a="http://schemas.openxmlformats.org/drawingml/2006/main" xmlns:r="http://schemas.openxmlformats.org/officeDocument/2006/relationships">
   <c:date1904 val="0"/>
   <c:lang val="fr-FR"/>
@@ -6471,7 +6156,7 @@
                 <a:ea typeface="Calibri"/>
                 <a:sym typeface="Calibri"/>
               </a:rPr>
-              <a:t>Top 3 bronnen van stress</a:t>
+              <a:t>Variant 4</a:t>
             </a:r>
           </a:p>
         </c:rich>
@@ -6483,7 +6168,7 @@
     <c:plotArea xmlns:c="http://schemas.openxmlformats.org/drawingml/2006/chart" xmlns:a="http://schemas.openxmlformats.org/drawingml/2006/main" xmlns:r="http://schemas.openxmlformats.org/officeDocument/2006/relationships">
       <c:layout/>
       <c:barChart>
-        <c:barDir val="bar"/>
+        <c:barDir val="col"/>
         <c:grouping val="clustered"/>
         <c:varyColors val="0"/>
         <c:ser>
@@ -6552,13 +6237,13 @@
               <c:strCache>
                 <c:ptCount val="3"/>
                 <c:pt idx="0">
-                  <c:v>Huiswerk</c:v>
+                  <c:v>Heeft psychische klachten</c:v>
                 </c:pt>
                 <c:pt idx="1">
-                  <c:v>Thuissituatie</c:v>
+                  <c:v>Geeft geen mantelzorg</c:v>
                 </c:pt>
                 <c:pt idx="2">
-                  <c:v>Werk</c:v>
+                  <c:v>Heeft een zeer goede gezondheid</c:v>
                 </c:pt>
               </c:strCache>
             </c:strRef>
@@ -6569,13 +6254,108 @@
               <c:numCache>
                 <c:ptCount val="3"/>
                 <c:pt idx="0">
-                  <c:v>0.6171864</c:v>
+                  <c:v>0.3146870</c:v>
                 </c:pt>
                 <c:pt idx="1">
-                  <c:v>0.6779799</c:v>
+                  <c:v>0.8719351</c:v>
                 </c:pt>
                 <c:pt idx="2">
-                  <c:v>0.9038882</c:v>
+                  <c:v>0.3140401</c:v>
+                </c:pt>
+              </c:numCache>
+            </c:numRef>
+          </c:val>
+        </c:ser>
+        <c:ser>
+          <c:idx val="1"/>
+          <c:order val="1"/>
+          <c:tx>
+            <c:strRef>
+              <c:f>sheet1!$C$1</c:f>
+              <c:strCache>
+                <c:ptCount val="1"/>
+                <c:pt idx="0">
+                  <c:v>Nederland</c:v>
+                </c:pt>
+              </c:strCache>
+            </c:strRef>
+          </c:tx>
+          <c:spPr>
+            <a:solidFill>
+              <a:srgbClr val="E54800">
+                <a:alpha val="100000"/>
+              </a:srgbClr>
+            </a:solidFill>
+            <a:ln w="25400">
+              <a:solidFill>
+                <a:srgbClr val="FFFFFF">
+                  <a:alpha val="0"/>
+                </a:srgbClr>
+              </a:solidFill>
+            </a:ln>
+            <a:effectLst/>
+          </c:spPr>
+          <c:invertIfNegative val="0"/>
+          <c:dLbls>
+            <c:dLblPos val="outEnd"/>
+            <c:numFmt formatCode="0%" sourceLinked="0"/>
+            <c:separator val=", "/>
+            <c:showBubbleSize val="0"/>
+            <c:showCatName val="0"/>
+            <c:showLegendKey val="0"/>
+            <c:showPercent val="0"/>
+            <c:showSerName val="0"/>
+            <c:showVal val="1"/>
+            <c:txPr>
+              <a:bodyPr/>
+              <a:lstStyle/>
+              <a:p>
+                <a:pPr>
+                  <a:defRPr cap="none" sz="800" i="0" b="0" u="none">
+                    <a:solidFill>
+                      <a:srgbClr val="000000">
+                        <a:alpha val="100000"/>
+                      </a:srgbClr>
+                    </a:solidFill>
+                    <a:latin typeface="Calibri"/>
+                    <a:cs typeface="Calibri"/>
+                    <a:ea typeface="Calibri"/>
+                    <a:sym typeface="Calibri"/>
+                  </a:defRPr>
+                </a:pPr>
+              </a:p>
+            </c:txPr>
+          </c:dLbls>
+          <c:cat>
+            <c:strRef>
+              <c:f>sheet1!$A$2:$A$4</c:f>
+              <c:strCache>
+                <c:ptCount val="3"/>
+                <c:pt idx="0">
+                  <c:v>Heeft psychische klachten</c:v>
+                </c:pt>
+                <c:pt idx="1">
+                  <c:v>Geeft geen mantelzorg</c:v>
+                </c:pt>
+                <c:pt idx="2">
+                  <c:v>Heeft een zeer goede gezondheid</c:v>
+                </c:pt>
+              </c:strCache>
+            </c:strRef>
+          </c:cat>
+          <c:val>
+            <c:numRef>
+              <c:f>sheet1!$C$2:$C$4</c:f>
+              <c:numCache>
+                <c:ptCount val="3"/>
+                <c:pt idx="0">
+                  <c:v>0.2915709</c:v>
+                </c:pt>
+                <c:pt idx="1">
+                  <c:v>0.8570118</c:v>
+                </c:pt>
+                <c:pt idx="2">
+                  <c:v>0.3045860</c:v>
                 </c:pt>
               </c:numCache>
             </c:numRef>
@@ -6592,8 +6372,8 @@
           <c:showSerName val="0"/>
           <c:showVal val="1"/>
         </c:dLbls>
-        <c:gapWidth val="30"/>
-        <c:overlap val="-30"/>
+        <c:gapWidth val="50"/>
+        <c:overlap val="0"/>
         <c:axId val="64451712"/>
         <c:axId val="64453248"/>
       </c:barChart>
@@ -6730,7 +6510,7 @@
 </c:chartSpace>
 </file>
 
-<file path=ppt/charts/chartc705a21683f.xml><?xml version="1.0" encoding="utf-8"?>
+<file path=ppt/charts/chart56d4573e65a2.xml><?xml version="1.0" encoding="utf-8"?>
 <c:chartSpace xmlns:c="http://schemas.openxmlformats.org/drawingml/2006/chart" xmlns:a="http://schemas.openxmlformats.org/drawingml/2006/main" xmlns:r="http://schemas.openxmlformats.org/officeDocument/2006/relationships">
   <c:date1904 val="0"/>
   <c:lang val="fr-FR"/>
@@ -6765,7 +6545,7 @@
                 <a:ea typeface="Calibri"/>
                 <a:sym typeface="Calibri"/>
               </a:rPr>
-              <a:t>Variant 3</a:t>
+              <a:t>Variant 8</a:t>
             </a:r>
           </a:p>
         </c:rich>
@@ -6789,7 +6569,7 @@
               <c:strCache>
                 <c:ptCount val="1"/>
                 <c:pt idx="0">
-                  <c:v>Zandwijk</c:v>
+                  <c:v>Jongen</c:v>
                 </c:pt>
               </c:strCache>
             </c:strRef>
@@ -6842,22 +6622,34 @@
           </c:dLbls>
           <c:cat>
             <c:strRef>
-              <c:f>sheet1!$A$2:$A$2</c:f>
+              <c:f>sheet1!$A$2:$A$4</c:f>
               <c:strCache>
-                <c:ptCount val="1"/>
+                <c:ptCount val="3"/>
                 <c:pt idx="0">
                   <c:v>Heeft psychische klachten</c:v>
+                </c:pt>
+                <c:pt idx="1">
+                  <c:v>Geeft geen mantelzorg</c:v>
+                </c:pt>
+                <c:pt idx="2">
+                  <c:v>Heeft een zeer goede gezondheid</c:v>
                 </c:pt>
               </c:strCache>
             </c:strRef>
           </c:cat>
           <c:val>
             <c:numRef>
-              <c:f>sheet1!$B$2:$B$2</c:f>
+              <c:f>sheet1!$B$2:$B$4</c:f>
               <c:numCache>
-                <c:ptCount val="1"/>
+                <c:ptCount val="3"/>
                 <c:pt idx="0">
-                  <c:v>0.2679194</c:v>
+                  <c:v>0.3294372</c:v>
+                </c:pt>
+                <c:pt idx="1">
+                  <c:v>0.8691535</c:v>
+                </c:pt>
+                <c:pt idx="2">
+                  <c:v>0.3575902</c:v>
                 </c:pt>
               </c:numCache>
             </c:numRef>
@@ -6872,14 +6664,14 @@
               <c:strCache>
                 <c:ptCount val="1"/>
                 <c:pt idx="0">
-                  <c:v>Nederland</c:v>
+                  <c:v>Meisje</c:v>
                 </c:pt>
               </c:strCache>
             </c:strRef>
           </c:tx>
           <c:spPr>
             <a:solidFill>
-              <a:srgbClr val="E54800">
+              <a:srgbClr val="6FC7FF">
                 <a:alpha val="100000"/>
               </a:srgbClr>
             </a:solidFill>
@@ -6925,22 +6717,34 @@
           </c:dLbls>
           <c:cat>
             <c:strRef>
-              <c:f>sheet1!$A$2:$A$2</c:f>
+              <c:f>sheet1!$A$2:$A$4</c:f>
               <c:strCache>
-                <c:ptCount val="1"/>
+                <c:ptCount val="3"/>
                 <c:pt idx="0">
                   <c:v>Heeft psychische klachten</c:v>
+                </c:pt>
+                <c:pt idx="1">
+                  <c:v>Geeft geen mantelzorg</c:v>
+                </c:pt>
+                <c:pt idx="2">
+                  <c:v>Heeft een zeer goede gezondheid</c:v>
                 </c:pt>
               </c:strCache>
             </c:strRef>
           </c:cat>
           <c:val>
             <c:numRef>
-              <c:f>sheet1!$C$2:$C$2</c:f>
+              <c:f>sheet1!$C$2:$C$4</c:f>
               <c:numCache>
-                <c:ptCount val="1"/>
+                <c:ptCount val="3"/>
                 <c:pt idx="0">
-                  <c:v>0.2753591</c:v>
+                  <c:v>0.3138866</c:v>
+                </c:pt>
+                <c:pt idx="1">
+                  <c:v>0.8763111</c:v>
+                </c:pt>
+                <c:pt idx="2">
+                  <c:v>0.2703931</c:v>
                 </c:pt>
               </c:numCache>
             </c:numRef>
@@ -6957,7 +6761,7 @@
           <c:showSerName val="0"/>
           <c:showVal val="1"/>
         </c:dLbls>
-        <c:gapWidth val="150"/>
+        <c:gapWidth val="50"/>
         <c:overlap val="0"/>
         <c:axId val="64451712"/>
         <c:axId val="64453248"/>
@@ -7095,7 +6899,7 @@
 </c:chartSpace>
 </file>
 
-<file path=ppt/charts/chartc705c9a66aa.xml><?xml version="1.0" encoding="utf-8"?>
+<file path=ppt/charts/chart56d459b7640c.xml><?xml version="1.0" encoding="utf-8"?>
 <c:chartSpace xmlns:c="http://schemas.openxmlformats.org/drawingml/2006/chart" xmlns:a="http://schemas.openxmlformats.org/drawingml/2006/main" xmlns:r="http://schemas.openxmlformats.org/officeDocument/2006/relationships">
   <c:date1904 val="0"/>
   <c:lang val="fr-FR"/>
@@ -7130,7 +6934,7 @@
                 <a:ea typeface="Calibri"/>
                 <a:sym typeface="Calibri"/>
               </a:rPr>
-              <a:t>Variant 7</a:t>
+              <a:t>Variant 12</a:t>
             </a:r>
           </a:p>
         </c:rich>
@@ -7142,7 +6946,7 @@
     <c:plotArea xmlns:c="http://schemas.openxmlformats.org/drawingml/2006/chart" xmlns:a="http://schemas.openxmlformats.org/drawingml/2006/main" xmlns:r="http://schemas.openxmlformats.org/officeDocument/2006/relationships">
       <c:layout/>
       <c:barChart>
-        <c:barDir val="col"/>
+        <c:barDir val="bar"/>
         <c:grouping val="clustered"/>
         <c:varyColors val="0"/>
         <c:ser>
@@ -7154,7 +6958,218 @@
               <c:strCache>
                 <c:ptCount val="1"/>
                 <c:pt idx="0">
+                  <c:v>MBOKK3S32</c:v>
+                </c:pt>
+              </c:strCache>
+            </c:strRef>
+          </c:tx>
+          <c:spPr>
+            <a:solidFill>
+              <a:srgbClr val="E54800">
+                <a:alpha val="100000"/>
+              </a:srgbClr>
+            </a:solidFill>
+            <a:ln w="25400">
+              <a:solidFill>
+                <a:srgbClr val="FFFFFF">
+                  <a:alpha val="0"/>
+                </a:srgbClr>
+              </a:solidFill>
+            </a:ln>
+            <a:effectLst/>
+          </c:spPr>
+          <c:invertIfNegative val="0"/>
+          <c:dLbls>
+            <c:dLblPos val="outEnd"/>
+            <c:numFmt formatCode="0%" sourceLinked="0"/>
+            <c:separator val=", "/>
+            <c:showBubbleSize val="0"/>
+            <c:showCatName val="0"/>
+            <c:showLegendKey val="0"/>
+            <c:showPercent val="0"/>
+            <c:showSerName val="0"/>
+            <c:showVal val="1"/>
+            <c:txPr>
+              <a:bodyPr/>
+              <a:lstStyle/>
+              <a:p>
+                <a:pPr>
+                  <a:defRPr cap="none" sz="800" i="0" b="0" u="none">
+                    <a:solidFill>
+                      <a:srgbClr val="000000">
+                        <a:alpha val="100000"/>
+                      </a:srgbClr>
+                    </a:solidFill>
+                    <a:latin typeface="Calibri"/>
+                    <a:cs typeface="Calibri"/>
+                    <a:ea typeface="Calibri"/>
+                    <a:sym typeface="Calibri"/>
+                  </a:defRPr>
+                </a:pPr>
+              </a:p>
+            </c:txPr>
+          </c:dLbls>
+          <c:cat>
+            <c:strRef>
+              <c:f>sheet1!$A$2:$A$8</c:f>
+              <c:strCache>
+                <c:ptCount val="7"/>
+                <c:pt idx="0">
+                  <c:v>Vwo</c:v>
+                </c:pt>
+                <c:pt idx="1">
+                  <c:v>Havo</c:v>
+                </c:pt>
+                <c:pt idx="2">
+                  <c:v>Vmbo</c:v>
+                </c:pt>
+                <c:pt idx="3">
+                  <c:v>Klas 4</c:v>
+                </c:pt>
+                <c:pt idx="4">
+                  <c:v>Klas 2</c:v>
+                </c:pt>
+                <c:pt idx="5">
+                  <c:v>Meisje</c:v>
+                </c:pt>
+                <c:pt idx="6">
                   <c:v>Jongen</c:v>
+                </c:pt>
+              </c:strCache>
+            </c:strRef>
+          </c:cat>
+          <c:val>
+            <c:numRef>
+              <c:f>sheet1!$B$2:$B$8</c:f>
+              <c:numCache>
+                <c:ptCount val="7"/>
+                <c:pt idx="0">
+                  <c:v>0.2792706</c:v>
+                </c:pt>
+                <c:pt idx="1">
+                  <c:v>0.3127372</c:v>
+                </c:pt>
+                <c:pt idx="2">
+                  <c:v>0.3515601</c:v>
+                </c:pt>
+              </c:numCache>
+            </c:numRef>
+          </c:val>
+        </c:ser>
+        <c:ser>
+          <c:idx val="1"/>
+          <c:order val="1"/>
+          <c:tx>
+            <c:strRef>
+              <c:f>sheet1!$C$1</c:f>
+              <c:strCache>
+                <c:ptCount val="1"/>
+                <c:pt idx="0">
+                  <c:v>KLAS</c:v>
+                </c:pt>
+              </c:strCache>
+            </c:strRef>
+          </c:tx>
+          <c:spPr>
+            <a:solidFill>
+              <a:srgbClr val="6FC7FF">
+                <a:alpha val="100000"/>
+              </a:srgbClr>
+            </a:solidFill>
+            <a:ln w="25400">
+              <a:solidFill>
+                <a:srgbClr val="FFFFFF">
+                  <a:alpha val="0"/>
+                </a:srgbClr>
+              </a:solidFill>
+            </a:ln>
+            <a:effectLst/>
+          </c:spPr>
+          <c:invertIfNegative val="0"/>
+          <c:dLbls>
+            <c:dLblPos val="outEnd"/>
+            <c:numFmt formatCode="0%" sourceLinked="0"/>
+            <c:separator val=", "/>
+            <c:showBubbleSize val="0"/>
+            <c:showCatName val="0"/>
+            <c:showLegendKey val="0"/>
+            <c:showPercent val="0"/>
+            <c:showSerName val="0"/>
+            <c:showVal val="1"/>
+            <c:txPr>
+              <a:bodyPr/>
+              <a:lstStyle/>
+              <a:p>
+                <a:pPr>
+                  <a:defRPr cap="none" sz="800" i="0" b="0" u="none">
+                    <a:solidFill>
+                      <a:srgbClr val="000000">
+                        <a:alpha val="100000"/>
+                      </a:srgbClr>
+                    </a:solidFill>
+                    <a:latin typeface="Calibri"/>
+                    <a:cs typeface="Calibri"/>
+                    <a:ea typeface="Calibri"/>
+                    <a:sym typeface="Calibri"/>
+                  </a:defRPr>
+                </a:pPr>
+              </a:p>
+            </c:txPr>
+          </c:dLbls>
+          <c:cat>
+            <c:strRef>
+              <c:f>sheet1!$A$2:$A$8</c:f>
+              <c:strCache>
+                <c:ptCount val="7"/>
+                <c:pt idx="0">
+                  <c:v>Vwo</c:v>
+                </c:pt>
+                <c:pt idx="1">
+                  <c:v>Havo</c:v>
+                </c:pt>
+                <c:pt idx="2">
+                  <c:v>Vmbo</c:v>
+                </c:pt>
+                <c:pt idx="3">
+                  <c:v>Klas 4</c:v>
+                </c:pt>
+                <c:pt idx="4">
+                  <c:v>Klas 2</c:v>
+                </c:pt>
+                <c:pt idx="5">
+                  <c:v>Meisje</c:v>
+                </c:pt>
+                <c:pt idx="6">
+                  <c:v>Jongen</c:v>
+                </c:pt>
+              </c:strCache>
+            </c:strRef>
+          </c:cat>
+          <c:val>
+            <c:numRef>
+              <c:f>sheet1!$C$2:$C$8</c:f>
+              <c:numCache>
+                <c:ptCount val="7"/>
+                <c:pt idx="3">
+                  <c:v>0.2875855</c:v>
+                </c:pt>
+                <c:pt idx="4">
+                  <c:v>0.3350167</c:v>
+                </c:pt>
+              </c:numCache>
+            </c:numRef>
+          </c:val>
+        </c:ser>
+        <c:ser>
+          <c:idx val="2"/>
+          <c:order val="2"/>
+          <c:tx>
+            <c:strRef>
+              <c:f>sheet1!$D$1</c:f>
+              <c:strCache>
+                <c:ptCount val="1"/>
+                <c:pt idx="0">
+                  <c:v>GENDER</c:v>
                 </c:pt>
               </c:strCache>
             </c:strRef>
@@ -7207,22 +7222,313 @@
           </c:dLbls>
           <c:cat>
             <c:strRef>
-              <c:f>sheet1!$A$2:$A$2</c:f>
+              <c:f>sheet1!$A$2:$A$8</c:f>
               <c:strCache>
-                <c:ptCount val="1"/>
+                <c:ptCount val="7"/>
                 <c:pt idx="0">
-                  <c:v>Heeft psychische klachten</c:v>
+                  <c:v>Vwo</c:v>
+                </c:pt>
+                <c:pt idx="1">
+                  <c:v>Havo</c:v>
+                </c:pt>
+                <c:pt idx="2">
+                  <c:v>Vmbo</c:v>
+                </c:pt>
+                <c:pt idx="3">
+                  <c:v>Klas 4</c:v>
+                </c:pt>
+                <c:pt idx="4">
+                  <c:v>Klas 2</c:v>
+                </c:pt>
+                <c:pt idx="5">
+                  <c:v>Meisje</c:v>
+                </c:pt>
+                <c:pt idx="6">
+                  <c:v>Jongen</c:v>
                 </c:pt>
               </c:strCache>
             </c:strRef>
           </c:cat>
           <c:val>
             <c:numRef>
-              <c:f>sheet1!$B$2:$B$2</c:f>
+              <c:f>sheet1!$D$2:$D$8</c:f>
               <c:numCache>
+                <c:ptCount val="7"/>
+                <c:pt idx="5">
+                  <c:v>0.3138866</c:v>
+                </c:pt>
+                <c:pt idx="6">
+                  <c:v>0.3294372</c:v>
+                </c:pt>
+              </c:numCache>
+            </c:numRef>
+          </c:val>
+        </c:ser>
+        <c:dLbls>
+          <c:dLblPos val="outEnd"/>
+          <c:numFmt formatCode="0%" sourceLinked="0"/>
+          <c:separator val=", "/>
+          <c:showBubbleSize val="0"/>
+          <c:showCatName val="0"/>
+          <c:showLegendKey val="0"/>
+          <c:showPercent val="0"/>
+          <c:showSerName val="0"/>
+          <c:showVal val="1"/>
+        </c:dLbls>
+        <c:gapWidth val="50"/>
+        <c:overlap val="100"/>
+        <c:axId val="64451712"/>
+        <c:axId val="64453248"/>
+      </c:barChart>
+      <c:catAx>
+        <c:axId val="64451712"/>
+        <c:scaling>
+          <c:orientation val="minMax"/>
+        </c:scaling>
+        <c:delete val="0"/>
+        <c:axPos val="l"/>
+        <c:majorTickMark val="none"/>
+        <c:minorTickMark val="none"/>
+        <c:tickLblPos val="nextTo"/>
+        <c:txPr>
+          <a:bodyPr rot="0" vert="horz"/>
+          <a:lstStyle/>
+          <a:p>
+            <a:pPr>
+              <a:defRPr cap="none" sz="800" i="0" b="0" u="none">
+                <a:solidFill>
+                  <a:srgbClr val="000000">
+                    <a:alpha val="100000"/>
+                  </a:srgbClr>
+                </a:solidFill>
+                <a:latin typeface="Calibri"/>
+                <a:cs typeface="Calibri"/>
+                <a:ea typeface="Calibri"/>
+                <a:sym typeface="Calibri"/>
+              </a:defRPr>
+            </a:pPr>
+          </a:p>
+        </c:txPr>
+        <c:spPr>
+          <a:ln algn="ctr" w="12700">
+            <a:solidFill>
+              <a:srgbClr val="000000">
+                <a:alpha val="100000"/>
+              </a:srgbClr>
+            </a:solidFill>
+            <a:prstDash val="solid"/>
+          </a:ln>
+        </c:spPr>
+        <c:numFmt formatCode="General" sourceLinked="0"/>
+        <c:crossAx val="64453248"/>
+        <c:crosses val="autoZero"/>
+      </c:catAx>
+      <c:valAx>
+        <c:axId val="64453248"/>
+        <c:scaling>
+          <c:orientation val="minMax"/>
+          <c:max val="1.00"/>
+          <c:min val="0.00"/>
+        </c:scaling>
+        <c:delete val="0"/>
+        <c:axPos val="l"/>
+        <c:majorTickMark val="none"/>
+        <c:minorTickMark val="none"/>
+        <c:tickLblPos val="nextTo"/>
+        <c:txPr>
+          <a:bodyPr rot="0" vert="horz"/>
+          <a:lstStyle/>
+          <a:p>
+            <a:pPr>
+              <a:defRPr cap="none" sz="900" i="0" b="0" u="none">
+                <a:solidFill>
+                  <a:srgbClr val="000000">
+                    <a:alpha val="100000"/>
+                  </a:srgbClr>
+                </a:solidFill>
+                <a:latin typeface="Calibri"/>
+                <a:cs typeface="Calibri"/>
+                <a:ea typeface="Calibri"/>
+                <a:sym typeface="Calibri"/>
+              </a:defRPr>
+            </a:pPr>
+          </a:p>
+        </c:txPr>
+        <c:spPr>
+          <a:ln algn="ctr" w="12700">
+            <a:solidFill>
+              <a:srgbClr val="000000">
+                <a:alpha val="100000"/>
+              </a:srgbClr>
+            </a:solidFill>
+            <a:prstDash val="solid"/>
+          </a:ln>
+        </c:spPr>
+        <c:numFmt formatCode="0%" sourceLinked="0"/>
+        <c:crossAx val="64451712"/>
+        <c:crosses val="autoZero"/>
+      </c:valAx>
+    </c:plotArea>
+    <c:plotVisOnly val="1"/>
+    <c:dispBlanksAs val="gap"/>
+    <c:showDLblsOverMax val="0"/>
+  </c:chart>
+  <c:txPr>
+    <a:bodyPr/>
+    <a:lstStyle/>
+    <a:p>
+      <a:pPr>
+        <a:defRPr sz="1800"/>
+      </a:pPr>
+      <a:endParaRPr lang="fr-FR"/>
+    </a:p>
+  </c:txPr>
+  <c:externalData r:id="rId1">
+    <c:autoUpdate val="0"/>
+  </c:externalData>
+</c:chartSpace>
+</file>
+
+<file path=ppt/charts/chart56d45c306277.xml><?xml version="1.0" encoding="utf-8"?>
+<c:chartSpace xmlns:c="http://schemas.openxmlformats.org/drawingml/2006/chart" xmlns:a="http://schemas.openxmlformats.org/drawingml/2006/main" xmlns:r="http://schemas.openxmlformats.org/officeDocument/2006/relationships">
+  <c:date1904 val="0"/>
+  <c:lang val="fr-FR"/>
+  <c:roundedCorners val="0"/>
+  <mc:AlternateContent xmlns:mc="http://schemas.openxmlformats.org/markup-compatibility/2006">
+    <mc:Choice xmlns:c14="http://schemas.microsoft.com/office/drawing/2007/8/2/chart" Requires="c14">
+      <c14:style val="118"/>
+    </mc:Choice>
+    <mc:Fallback>
+      <c:style val="18"/>
+    </mc:Fallback>
+  </mc:AlternateContent>
+  <c:chart>
+    <c:title xmlns:c="http://schemas.openxmlformats.org/drawingml/2006/chart" xmlns:a="http://schemas.openxmlformats.org/drawingml/2006/main" xmlns:r="http://schemas.openxmlformats.org/officeDocument/2006/relationships">
+      <c:tx>
+        <c:rich>
+          <a:bodyPr/>
+          <a:lstStyle/>
+          <a:p>
+            <a:pPr>
+              <a:defRPr/>
+            </a:pPr>
+            <a:r>
+              <a:rPr cap="none" sz="900" i="0" b="1" u="none">
+                <a:solidFill>
+                  <a:srgbClr val="000000">
+                    <a:alpha val="100000"/>
+                  </a:srgbClr>
+                </a:solidFill>
+                <a:latin typeface="Calibri"/>
+                <a:cs typeface="Calibri"/>
+                <a:ea typeface="Calibri"/>
+                <a:sym typeface="Calibri"/>
+              </a:rPr>
+              <a:t>Variant 16</a:t>
+            </a:r>
+          </a:p>
+        </c:rich>
+      </c:tx>
+      <c:layout/>
+      <c:overlay val="0"/>
+    </c:title>
+    <c:autoTitleDeleted val="0"/>
+    <c:plotArea xmlns:c="http://schemas.openxmlformats.org/drawingml/2006/chart" xmlns:a="http://schemas.openxmlformats.org/drawingml/2006/main" xmlns:r="http://schemas.openxmlformats.org/officeDocument/2006/relationships">
+      <c:layout/>
+      <c:barChart>
+        <c:barDir val="col"/>
+        <c:grouping val="clustered"/>
+        <c:varyColors val="0"/>
+        <c:ser>
+          <c:idx val="0"/>
+          <c:order val="0"/>
+          <c:tx>
+            <c:strRef>
+              <c:f>sheet1!$B$1</c:f>
+              <c:strCache>
                 <c:ptCount val="1"/>
                 <c:pt idx="0">
-                  <c:v>0.2833711</c:v>
+                  <c:v>Jongen (Klas 2)</c:v>
+                </c:pt>
+              </c:strCache>
+            </c:strRef>
+          </c:tx>
+          <c:spPr>
+            <a:solidFill>
+              <a:srgbClr val="005C96">
+                <a:alpha val="100000"/>
+              </a:srgbClr>
+            </a:solidFill>
+            <a:ln w="25400">
+              <a:solidFill>
+                <a:srgbClr val="FFFFFF">
+                  <a:alpha val="0"/>
+                </a:srgbClr>
+              </a:solidFill>
+            </a:ln>
+            <a:effectLst/>
+          </c:spPr>
+          <c:invertIfNegative val="0"/>
+          <c:dLbls>
+            <c:dLblPos val="outEnd"/>
+            <c:numFmt formatCode="0%" sourceLinked="0"/>
+            <c:separator val=", "/>
+            <c:showBubbleSize val="0"/>
+            <c:showCatName val="0"/>
+            <c:showLegendKey val="0"/>
+            <c:showPercent val="0"/>
+            <c:showSerName val="0"/>
+            <c:showVal val="1"/>
+            <c:txPr>
+              <a:bodyPr/>
+              <a:lstStyle/>
+              <a:p>
+                <a:pPr>
+                  <a:defRPr cap="none" sz="800" i="0" b="0" u="none">
+                    <a:solidFill>
+                      <a:srgbClr val="000000">
+                        <a:alpha val="100000"/>
+                      </a:srgbClr>
+                    </a:solidFill>
+                    <a:latin typeface="Calibri"/>
+                    <a:cs typeface="Calibri"/>
+                    <a:ea typeface="Calibri"/>
+                    <a:sym typeface="Calibri"/>
+                  </a:defRPr>
+                </a:pPr>
+              </a:p>
+            </c:txPr>
+          </c:dLbls>
+          <c:cat>
+            <c:strRef>
+              <c:f>sheet1!$A$2:$A$4</c:f>
+              <c:strCache>
+                <c:ptCount val="3"/>
+                <c:pt idx="0">
+                  <c:v>Heeft psychische klachten</c:v>
+                </c:pt>
+                <c:pt idx="1">
+                  <c:v>Geeft geen mantelzorg</c:v>
+                </c:pt>
+                <c:pt idx="2">
+                  <c:v>Heeft een zeer goede gezondheid</c:v>
+                </c:pt>
+              </c:strCache>
+            </c:strRef>
+          </c:cat>
+          <c:val>
+            <c:numRef>
+              <c:f>sheet1!$B$2:$B$4</c:f>
+              <c:numCache>
+                <c:ptCount val="3"/>
+                <c:pt idx="0">
+                  <c:v>0.3555708</c:v>
+                </c:pt>
+                <c:pt idx="1">
+                  <c:v>0.8651336</c:v>
+                </c:pt>
+                <c:pt idx="2">
+                  <c:v>0.3482791</c:v>
                 </c:pt>
               </c:numCache>
             </c:numRef>
@@ -7237,7 +7543,7 @@
               <c:strCache>
                 <c:ptCount val="1"/>
                 <c:pt idx="0">
-                  <c:v>Meisje</c:v>
+                  <c:v>Jongen (Klas 4)</c:v>
                 </c:pt>
               </c:strCache>
             </c:strRef>
@@ -7290,22 +7596,224 @@
           </c:dLbls>
           <c:cat>
             <c:strRef>
-              <c:f>sheet1!$A$2:$A$2</c:f>
+              <c:f>sheet1!$A$2:$A$4</c:f>
               <c:strCache>
-                <c:ptCount val="1"/>
+                <c:ptCount val="3"/>
                 <c:pt idx="0">
                   <c:v>Heeft psychische klachten</c:v>
+                </c:pt>
+                <c:pt idx="1">
+                  <c:v>Geeft geen mantelzorg</c:v>
+                </c:pt>
+                <c:pt idx="2">
+                  <c:v>Heeft een zeer goede gezondheid</c:v>
                 </c:pt>
               </c:strCache>
             </c:strRef>
           </c:cat>
           <c:val>
             <c:numRef>
-              <c:f>sheet1!$C$2:$C$2</c:f>
+              <c:f>sheet1!$C$2:$C$4</c:f>
               <c:numCache>
+                <c:ptCount val="3"/>
+                <c:pt idx="0">
+                  <c:v>0.2846438</c:v>
+                </c:pt>
+                <c:pt idx="1">
+                  <c:v>0.8917145</c:v>
+                </c:pt>
+                <c:pt idx="2">
+                  <c:v>0.3643363</c:v>
+                </c:pt>
+              </c:numCache>
+            </c:numRef>
+          </c:val>
+        </c:ser>
+        <c:ser>
+          <c:idx val="2"/>
+          <c:order val="2"/>
+          <c:tx>
+            <c:strRef>
+              <c:f>sheet1!$D$1</c:f>
+              <c:strCache>
                 <c:ptCount val="1"/>
                 <c:pt idx="0">
-                  <c:v>0.2587723</c:v>
+                  <c:v>Meisje (Klas 2)</c:v>
+                </c:pt>
+              </c:strCache>
+            </c:strRef>
+          </c:tx>
+          <c:spPr>
+            <a:solidFill>
+              <a:srgbClr val="E54800">
+                <a:alpha val="100000"/>
+              </a:srgbClr>
+            </a:solidFill>
+            <a:ln w="25400">
+              <a:solidFill>
+                <a:srgbClr val="FFFFFF">
+                  <a:alpha val="0"/>
+                </a:srgbClr>
+              </a:solidFill>
+            </a:ln>
+            <a:effectLst/>
+          </c:spPr>
+          <c:invertIfNegative val="0"/>
+          <c:dLbls>
+            <c:dLblPos val="outEnd"/>
+            <c:numFmt formatCode="0%" sourceLinked="0"/>
+            <c:separator val=", "/>
+            <c:showBubbleSize val="0"/>
+            <c:showCatName val="0"/>
+            <c:showLegendKey val="0"/>
+            <c:showPercent val="0"/>
+            <c:showSerName val="0"/>
+            <c:showVal val="1"/>
+            <c:txPr>
+              <a:bodyPr/>
+              <a:lstStyle/>
+              <a:p>
+                <a:pPr>
+                  <a:defRPr cap="none" sz="800" i="0" b="0" u="none">
+                    <a:solidFill>
+                      <a:srgbClr val="000000">
+                        <a:alpha val="100000"/>
+                      </a:srgbClr>
+                    </a:solidFill>
+                    <a:latin typeface="Calibri"/>
+                    <a:cs typeface="Calibri"/>
+                    <a:ea typeface="Calibri"/>
+                    <a:sym typeface="Calibri"/>
+                  </a:defRPr>
+                </a:pPr>
+              </a:p>
+            </c:txPr>
+          </c:dLbls>
+          <c:cat>
+            <c:strRef>
+              <c:f>sheet1!$A$2:$A$4</c:f>
+              <c:strCache>
+                <c:ptCount val="3"/>
+                <c:pt idx="0">
+                  <c:v>Heeft psychische klachten</c:v>
+                </c:pt>
+                <c:pt idx="1">
+                  <c:v>Geeft geen mantelzorg</c:v>
+                </c:pt>
+                <c:pt idx="2">
+                  <c:v>Heeft een zeer goede gezondheid</c:v>
+                </c:pt>
+              </c:strCache>
+            </c:strRef>
+          </c:cat>
+          <c:val>
+            <c:numRef>
+              <c:f>sheet1!$D$2:$D$4</c:f>
+              <c:numCache>
+                <c:ptCount val="3"/>
+                <c:pt idx="0">
+                  <c:v>0.3424407</c:v>
+                </c:pt>
+                <c:pt idx="1">
+                  <c:v>0.8644493</c:v>
+                </c:pt>
+                <c:pt idx="2">
+                  <c:v>0.2856890</c:v>
+                </c:pt>
+              </c:numCache>
+            </c:numRef>
+          </c:val>
+        </c:ser>
+        <c:ser>
+          <c:idx val="3"/>
+          <c:order val="3"/>
+          <c:tx>
+            <c:strRef>
+              <c:f>sheet1!$E$1</c:f>
+              <c:strCache>
+                <c:ptCount val="1"/>
+                <c:pt idx="0">
+                  <c:v>Meisje (Klas 4)</c:v>
+                </c:pt>
+              </c:strCache>
+            </c:strRef>
+          </c:tx>
+          <c:spPr>
+            <a:solidFill>
+              <a:srgbClr val="FFB18E">
+                <a:alpha val="100000"/>
+              </a:srgbClr>
+            </a:solidFill>
+            <a:ln w="25400">
+              <a:solidFill>
+                <a:srgbClr val="FFFFFF">
+                  <a:alpha val="0"/>
+                </a:srgbClr>
+              </a:solidFill>
+            </a:ln>
+            <a:effectLst/>
+          </c:spPr>
+          <c:invertIfNegative val="0"/>
+          <c:dLbls>
+            <c:dLblPos val="outEnd"/>
+            <c:numFmt formatCode="0%" sourceLinked="0"/>
+            <c:separator val=", "/>
+            <c:showBubbleSize val="0"/>
+            <c:showCatName val="0"/>
+            <c:showLegendKey val="0"/>
+            <c:showPercent val="0"/>
+            <c:showSerName val="0"/>
+            <c:showVal val="1"/>
+            <c:txPr>
+              <a:bodyPr/>
+              <a:lstStyle/>
+              <a:p>
+                <a:pPr>
+                  <a:defRPr cap="none" sz="800" i="0" b="0" u="none">
+                    <a:solidFill>
+                      <a:srgbClr val="000000">
+                        <a:alpha val="100000"/>
+                      </a:srgbClr>
+                    </a:solidFill>
+                    <a:latin typeface="Calibri"/>
+                    <a:cs typeface="Calibri"/>
+                    <a:ea typeface="Calibri"/>
+                    <a:sym typeface="Calibri"/>
+                  </a:defRPr>
+                </a:pPr>
+              </a:p>
+            </c:txPr>
+          </c:dLbls>
+          <c:cat>
+            <c:strRef>
+              <c:f>sheet1!$A$2:$A$4</c:f>
+              <c:strCache>
+                <c:ptCount val="3"/>
+                <c:pt idx="0">
+                  <c:v>Heeft psychische klachten</c:v>
+                </c:pt>
+                <c:pt idx="1">
+                  <c:v>Geeft geen mantelzorg</c:v>
+                </c:pt>
+                <c:pt idx="2">
+                  <c:v>Heeft een zeer goede gezondheid</c:v>
+                </c:pt>
+              </c:strCache>
+            </c:strRef>
+          </c:cat>
+          <c:val>
+            <c:numRef>
+              <c:f>sheet1!$E$2:$E$4</c:f>
+              <c:numCache>
+                <c:ptCount val="3"/>
+                <c:pt idx="0">
+                  <c:v>0.2922033</c:v>
+                </c:pt>
+                <c:pt idx="1">
+                  <c:v>0.8895152</c:v>
+                </c:pt>
+                <c:pt idx="2">
+                  <c:v>0.2617868</c:v>
                 </c:pt>
               </c:numCache>
             </c:numRef>
@@ -7322,7 +7830,7 @@
           <c:showSerName val="0"/>
           <c:showVal val="1"/>
         </c:dLbls>
-        <c:gapWidth val="150"/>
+        <c:gapWidth val="50"/>
         <c:overlap val="0"/>
         <c:axId val="64451712"/>
         <c:axId val="64453248"/>
@@ -7460,7 +7968,7 @@
 </c:chartSpace>
 </file>
 
-<file path=ppt/charts/chartc705e1ba.xml><?xml version="1.0" encoding="utf-8"?>
+<file path=ppt/charts/chart56d45eaa60e2.xml><?xml version="1.0" encoding="utf-8"?>
 <c:chartSpace xmlns:c="http://schemas.openxmlformats.org/drawingml/2006/chart" xmlns:a="http://schemas.openxmlformats.org/drawingml/2006/main" xmlns:r="http://schemas.openxmlformats.org/officeDocument/2006/relationships">
   <c:date1904 val="0"/>
   <c:lang val="fr-FR"/>
@@ -7495,7 +8003,7 @@
                 <a:ea typeface="Calibri"/>
                 <a:sym typeface="Calibri"/>
               </a:rPr>
-              <a:t>Staafgrafiek Variant 17 liggend met aangepaste y-as</a:t>
+              <a:t>Staafgrafiek Variant 17 met aangepaste y-as</a:t>
             </a:r>
           </a:p>
         </c:rich>
@@ -7507,7 +8015,7 @@
     <c:plotArea xmlns:c="http://schemas.openxmlformats.org/drawingml/2006/chart" xmlns:a="http://schemas.openxmlformats.org/drawingml/2006/main" xmlns:r="http://schemas.openxmlformats.org/officeDocument/2006/relationships">
       <c:layout/>
       <c:barChart>
-        <c:barDir val="bar"/>
+        <c:barDir val="col"/>
         <c:grouping val="clustered"/>
         <c:varyColors val="0"/>
         <c:ser>
@@ -7516,6 +8024,107 @@
           <c:tx>
             <c:strRef>
               <c:f>sheet1!$B$1</c:f>
+              <c:strCache>
+                <c:ptCount val="1"/>
+                <c:pt idx="0">
+                  <c:v>Zandwijk</c:v>
+                </c:pt>
+              </c:strCache>
+            </c:strRef>
+          </c:tx>
+          <c:spPr>
+            <a:solidFill>
+              <a:srgbClr val="005C96">
+                <a:alpha val="100000"/>
+              </a:srgbClr>
+            </a:solidFill>
+            <a:ln w="25400">
+              <a:solidFill>
+                <a:srgbClr val="FFFFFF">
+                  <a:alpha val="0"/>
+                </a:srgbClr>
+              </a:solidFill>
+            </a:ln>
+            <a:effectLst/>
+          </c:spPr>
+          <c:invertIfNegative val="0"/>
+          <c:dLbls>
+            <c:dLblPos val="outEnd"/>
+            <c:numFmt formatCode="0%" sourceLinked="0"/>
+            <c:separator val=", "/>
+            <c:showBubbleSize val="0"/>
+            <c:showCatName val="0"/>
+            <c:showLegendKey val="0"/>
+            <c:showPercent val="0"/>
+            <c:showSerName val="0"/>
+            <c:showVal val="1"/>
+            <c:txPr>
+              <a:bodyPr/>
+              <a:lstStyle/>
+              <a:p>
+                <a:pPr>
+                  <a:defRPr cap="none" sz="800" i="0" b="0" u="none">
+                    <a:solidFill>
+                      <a:srgbClr val="000000">
+                        <a:alpha val="100000"/>
+                      </a:srgbClr>
+                    </a:solidFill>
+                    <a:latin typeface="Calibri"/>
+                    <a:cs typeface="Calibri"/>
+                    <a:ea typeface="Calibri"/>
+                    <a:sym typeface="Calibri"/>
+                  </a:defRPr>
+                </a:pPr>
+              </a:p>
+            </c:txPr>
+          </c:dLbls>
+          <c:cat>
+            <c:strRef>
+              <c:f>sheet1!$A$2:$A$5</c:f>
+              <c:strCache>
+                <c:ptCount val="4"/>
+                <c:pt idx="0">
+                  <c:v>Jongen</c:v>
+                </c:pt>
+                <c:pt idx="1">
+                  <c:v>Meisje</c:v>
+                </c:pt>
+                <c:pt idx="2">
+                  <c:v>Klas 2</c:v>
+                </c:pt>
+                <c:pt idx="3">
+                  <c:v>Klas 4</c:v>
+                </c:pt>
+              </c:strCache>
+            </c:strRef>
+          </c:cat>
+          <c:val>
+            <c:numRef>
+              <c:f>sheet1!$B$2:$B$5</c:f>
+              <c:numCache>
+                <c:ptCount val="4"/>
+                <c:pt idx="0">
+                  <c:v>0.3294372</c:v>
+                </c:pt>
+                <c:pt idx="1">
+                  <c:v>0.3138866</c:v>
+                </c:pt>
+                <c:pt idx="2">
+                  <c:v>0.3350167</c:v>
+                </c:pt>
+                <c:pt idx="3">
+                  <c:v>0.2875855</c:v>
+                </c:pt>
+              </c:numCache>
+            </c:numRef>
+          </c:val>
+        </c:ser>
+        <c:ser>
+          <c:idx val="1"/>
+          <c:order val="1"/>
+          <c:tx>
+            <c:strRef>
+              <c:f>sheet1!$C$1</c:f>
               <c:strCache>
                 <c:ptCount val="1"/>
                 <c:pt idx="0">
@@ -7576,117 +8185,16 @@
               <c:strCache>
                 <c:ptCount val="4"/>
                 <c:pt idx="0">
+                  <c:v>Jongen</c:v>
+                </c:pt>
+                <c:pt idx="1">
+                  <c:v>Meisje</c:v>
+                </c:pt>
+                <c:pt idx="2">
+                  <c:v>Klas 2</c:v>
+                </c:pt>
+                <c:pt idx="3">
                   <c:v>Klas 4</c:v>
-                </c:pt>
-                <c:pt idx="1">
-                  <c:v>Klas 2</c:v>
-                </c:pt>
-                <c:pt idx="2">
-                  <c:v>Meisje</c:v>
-                </c:pt>
-                <c:pt idx="3">
-                  <c:v>Jongen</c:v>
-                </c:pt>
-              </c:strCache>
-            </c:strRef>
-          </c:cat>
-          <c:val>
-            <c:numRef>
-              <c:f>sheet1!$B$2:$B$5</c:f>
-              <c:numCache>
-                <c:ptCount val="4"/>
-                <c:pt idx="0">
-                  <c:v>0.2738343</c:v>
-                </c:pt>
-                <c:pt idx="1">
-                  <c:v>0.2818699</c:v>
-                </c:pt>
-                <c:pt idx="2">
-                  <c:v>0.2733080</c:v>
-                </c:pt>
-                <c:pt idx="3">
-                  <c:v>0.2810797</c:v>
-                </c:pt>
-              </c:numCache>
-            </c:numRef>
-          </c:val>
-        </c:ser>
-        <c:ser>
-          <c:idx val="1"/>
-          <c:order val="1"/>
-          <c:tx>
-            <c:strRef>
-              <c:f>sheet1!$C$1</c:f>
-              <c:strCache>
-                <c:ptCount val="1"/>
-                <c:pt idx="0">
-                  <c:v>Zandwijk</c:v>
-                </c:pt>
-              </c:strCache>
-            </c:strRef>
-          </c:tx>
-          <c:spPr>
-            <a:solidFill>
-              <a:srgbClr val="005C96">
-                <a:alpha val="100000"/>
-              </a:srgbClr>
-            </a:solidFill>
-            <a:ln w="25400">
-              <a:solidFill>
-                <a:srgbClr val="FFFFFF">
-                  <a:alpha val="0"/>
-                </a:srgbClr>
-              </a:solidFill>
-            </a:ln>
-            <a:effectLst/>
-          </c:spPr>
-          <c:invertIfNegative val="0"/>
-          <c:dLbls>
-            <c:dLblPos val="outEnd"/>
-            <c:numFmt formatCode="0%" sourceLinked="0"/>
-            <c:separator val=", "/>
-            <c:showBubbleSize val="0"/>
-            <c:showCatName val="0"/>
-            <c:showLegendKey val="0"/>
-            <c:showPercent val="0"/>
-            <c:showSerName val="0"/>
-            <c:showVal val="1"/>
-            <c:txPr>
-              <a:bodyPr/>
-              <a:lstStyle/>
-              <a:p>
-                <a:pPr>
-                  <a:defRPr cap="none" sz="800" i="0" b="0" u="none">
-                    <a:solidFill>
-                      <a:srgbClr val="000000">
-                        <a:alpha val="100000"/>
-                      </a:srgbClr>
-                    </a:solidFill>
-                    <a:latin typeface="Calibri"/>
-                    <a:cs typeface="Calibri"/>
-                    <a:ea typeface="Calibri"/>
-                    <a:sym typeface="Calibri"/>
-                  </a:defRPr>
-                </a:pPr>
-              </a:p>
-            </c:txPr>
-          </c:dLbls>
-          <c:cat>
-            <c:strRef>
-              <c:f>sheet1!$A$2:$A$5</c:f>
-              <c:strCache>
-                <c:ptCount val="4"/>
-                <c:pt idx="0">
-                  <c:v>Klas 4</c:v>
-                </c:pt>
-                <c:pt idx="1">
-                  <c:v>Klas 2</c:v>
-                </c:pt>
-                <c:pt idx="2">
-                  <c:v>Meisje</c:v>
-                </c:pt>
-                <c:pt idx="3">
-                  <c:v>Jongen</c:v>
                 </c:pt>
               </c:strCache>
             </c:strRef>
@@ -7697,16 +8205,16 @@
               <c:numCache>
                 <c:ptCount val="4"/>
                 <c:pt idx="0">
-                  <c:v>0.2945237</c:v>
+                  <c:v>0.2953391</c:v>
                 </c:pt>
                 <c:pt idx="1">
-                  <c:v>0.2607700</c:v>
+                  <c:v>0.2947784</c:v>
                 </c:pt>
                 <c:pt idx="2">
-                  <c:v>0.2587723</c:v>
+                  <c:v>0.2909934</c:v>
                 </c:pt>
                 <c:pt idx="3">
-                  <c:v>0.2833711</c:v>
+                  <c:v>0.2915095</c:v>
                 </c:pt>
               </c:numCache>
             </c:numRef>
@@ -7723,8 +8231,8 @@
           <c:showSerName val="0"/>
           <c:showVal val="1"/>
         </c:dLbls>
-        <c:gapWidth val="30"/>
-        <c:overlap val="-30"/>
+        <c:gapWidth val="50"/>
+        <c:overlap val="0"/>
         <c:axId val="64451712"/>
         <c:axId val="64453248"/>
       </c:barChart>
@@ -7861,7 +8369,7 @@
 </c:chartSpace>
 </file>
 
-<file path=ppt/charts/chartc705f136515.xml><?xml version="1.0" encoding="utf-8"?>
+<file path=ppt/charts/chart56d461235f4d.xml><?xml version="1.0" encoding="utf-8"?>
 <c:chartSpace xmlns:c="http://schemas.openxmlformats.org/drawingml/2006/chart" xmlns:a="http://schemas.openxmlformats.org/drawingml/2006/main" xmlns:r="http://schemas.openxmlformats.org/officeDocument/2006/relationships">
   <c:date1904 val="0"/>
   <c:lang val="fr-FR"/>
@@ -7896,7 +8404,7 @@
                 <a:ea typeface="Calibri"/>
                 <a:sym typeface="Calibri"/>
               </a:rPr>
-              <a:t>Variant 11</a:t>
+              <a:t>Top 3 bronnen van stress</a:t>
             </a:r>
           </a:p>
         </c:rich>
@@ -7908,7 +8416,7 @@
     <c:plotArea xmlns:c="http://schemas.openxmlformats.org/drawingml/2006/chart" xmlns:a="http://schemas.openxmlformats.org/drawingml/2006/main" xmlns:r="http://schemas.openxmlformats.org/officeDocument/2006/relationships">
       <c:layout/>
       <c:barChart>
-        <c:barDir val="col"/>
+        <c:barDir val="bar"/>
         <c:grouping val="clustered"/>
         <c:varyColors val="0"/>
         <c:ser>
@@ -7920,7 +8428,7 @@
               <c:strCache>
                 <c:ptCount val="1"/>
                 <c:pt idx="0">
-                  <c:v>Klas 2</c:v>
+                  <c:v>Zandwijk</c:v>
                 </c:pt>
               </c:strCache>
             </c:strRef>
@@ -7973,117 +8481,34 @@
           </c:dLbls>
           <c:cat>
             <c:strRef>
-              <c:f>sheet1!$A$2:$A$3</c:f>
+              <c:f>sheet1!$A$2:$A$4</c:f>
               <c:strCache>
-                <c:ptCount val="2"/>
+                <c:ptCount val="3"/>
                 <c:pt idx="0">
-                  <c:v>Zandwijk</c:v>
+                  <c:v>Huiswerk</c:v>
                 </c:pt>
                 <c:pt idx="1">
-                  <c:v>Nederland</c:v>
+                  <c:v>Thuissituatie</c:v>
+                </c:pt>
+                <c:pt idx="2">
+                  <c:v>Werk</c:v>
                 </c:pt>
               </c:strCache>
             </c:strRef>
           </c:cat>
           <c:val>
             <c:numRef>
-              <c:f>sheet1!$B$2:$B$3</c:f>
+              <c:f>sheet1!$B$2:$B$4</c:f>
               <c:numCache>
-                <c:ptCount val="2"/>
+                <c:ptCount val="3"/>
                 <c:pt idx="0">
-                  <c:v>0.2607700</c:v>
+                  <c:v>0.5912625</c:v>
                 </c:pt>
                 <c:pt idx="1">
-                  <c:v>0.2818699</c:v>
-                </c:pt>
-              </c:numCache>
-            </c:numRef>
-          </c:val>
-        </c:ser>
-        <c:ser>
-          <c:idx val="1"/>
-          <c:order val="1"/>
-          <c:tx>
-            <c:strRef>
-              <c:f>sheet1!$C$1</c:f>
-              <c:strCache>
-                <c:ptCount val="1"/>
-                <c:pt idx="0">
-                  <c:v>Klas 4</c:v>
-                </c:pt>
-              </c:strCache>
-            </c:strRef>
-          </c:tx>
-          <c:spPr>
-            <a:solidFill>
-              <a:srgbClr val="6FC7FF">
-                <a:alpha val="100000"/>
-              </a:srgbClr>
-            </a:solidFill>
-            <a:ln w="25400">
-              <a:solidFill>
-                <a:srgbClr val="FFFFFF">
-                  <a:alpha val="0"/>
-                </a:srgbClr>
-              </a:solidFill>
-            </a:ln>
-            <a:effectLst/>
-          </c:spPr>
-          <c:invertIfNegative val="0"/>
-          <c:dLbls>
-            <c:dLblPos val="outEnd"/>
-            <c:numFmt formatCode="0%" sourceLinked="0"/>
-            <c:separator val=", "/>
-            <c:showBubbleSize val="0"/>
-            <c:showCatName val="0"/>
-            <c:showLegendKey val="0"/>
-            <c:showPercent val="0"/>
-            <c:showSerName val="0"/>
-            <c:showVal val="1"/>
-            <c:txPr>
-              <a:bodyPr/>
-              <a:lstStyle/>
-              <a:p>
-                <a:pPr>
-                  <a:defRPr cap="none" sz="800" i="0" b="0" u="none">
-                    <a:solidFill>
-                      <a:srgbClr val="000000">
-                        <a:alpha val="100000"/>
-                      </a:srgbClr>
-                    </a:solidFill>
-                    <a:latin typeface="Calibri"/>
-                    <a:cs typeface="Calibri"/>
-                    <a:ea typeface="Calibri"/>
-                    <a:sym typeface="Calibri"/>
-                  </a:defRPr>
-                </a:pPr>
-              </a:p>
-            </c:txPr>
-          </c:dLbls>
-          <c:cat>
-            <c:strRef>
-              <c:f>sheet1!$A$2:$A$3</c:f>
-              <c:strCache>
-                <c:ptCount val="2"/>
-                <c:pt idx="0">
-                  <c:v>Zandwijk</c:v>
-                </c:pt>
-                <c:pt idx="1">
-                  <c:v>Nederland</c:v>
-                </c:pt>
-              </c:strCache>
-            </c:strRef>
-          </c:cat>
-          <c:val>
-            <c:numRef>
-              <c:f>sheet1!$C$2:$C$3</c:f>
-              <c:numCache>
-                <c:ptCount val="2"/>
-                <c:pt idx="0">
-                  <c:v>0.2945237</c:v>
-                </c:pt>
-                <c:pt idx="1">
-                  <c:v>0.2738343</c:v>
+                  <c:v>0.6921856</c:v>
+                </c:pt>
+                <c:pt idx="2">
+                  <c:v>0.8997992</c:v>
                 </c:pt>
               </c:numCache>
             </c:numRef>
@@ -8100,8 +8525,8 @@
           <c:showSerName val="0"/>
           <c:showVal val="1"/>
         </c:dLbls>
-        <c:gapWidth val="150"/>
-        <c:overlap val="0"/>
+        <c:gapWidth val="30"/>
+        <c:overlap val="-30"/>
         <c:axId val="64451712"/>
         <c:axId val="64453248"/>
       </c:barChart>
@@ -8238,7 +8663,7 @@
 </c:chartSpace>
 </file>
 
-<file path=ppt/charts/chartc70618d6380.xml><?xml version="1.0" encoding="utf-8"?>
+<file path=ppt/charts/chart56d4742679c.xml><?xml version="1.0" encoding="utf-8"?>
 <c:chartSpace xmlns:c="http://schemas.openxmlformats.org/drawingml/2006/chart" xmlns:a="http://schemas.openxmlformats.org/drawingml/2006/main" xmlns:r="http://schemas.openxmlformats.org/officeDocument/2006/relationships">
   <c:date1904 val="0"/>
   <c:lang val="fr-FR"/>
@@ -8273,7 +8698,7 @@
                 <a:ea typeface="Calibri"/>
                 <a:sym typeface="Calibri"/>
               </a:rPr>
-              <a:t>Variant 15</a:t>
+              <a:t>Variant 3</a:t>
             </a:r>
           </a:p>
         </c:rich>
@@ -8297,7 +8722,7 @@
               <c:strCache>
                 <c:ptCount val="1"/>
                 <c:pt idx="0">
-                  <c:v>Klas 2</c:v>
+                  <c:v>Zandwijk</c:v>
                 </c:pt>
               </c:strCache>
             </c:strRef>
@@ -8350,28 +8775,22 @@
           </c:dLbls>
           <c:cat>
             <c:strRef>
-              <c:f>sheet1!$A$2:$A$3</c:f>
+              <c:f>sheet1!$A$2:$A$2</c:f>
               <c:strCache>
-                <c:ptCount val="2"/>
+                <c:ptCount val="1"/>
                 <c:pt idx="0">
-                  <c:v>Jongen</c:v>
-                </c:pt>
-                <c:pt idx="1">
-                  <c:v>Meisje</c:v>
+                  <c:v>Heeft psychische klachten</c:v>
                 </c:pt>
               </c:strCache>
             </c:strRef>
           </c:cat>
           <c:val>
             <c:numRef>
-              <c:f>sheet1!$B$2:$B$3</c:f>
+              <c:f>sheet1!$B$2:$B$2</c:f>
               <c:numCache>
-                <c:ptCount val="2"/>
+                <c:ptCount val="1"/>
                 <c:pt idx="0">
-                  <c:v>0.2810564</c:v>
-                </c:pt>
-                <c:pt idx="1">
-                  <c:v>0.2484313</c:v>
+                  <c:v>0.314687</c:v>
                 </c:pt>
               </c:numCache>
             </c:numRef>
@@ -8386,14 +8805,14 @@
               <c:strCache>
                 <c:ptCount val="1"/>
                 <c:pt idx="0">
-                  <c:v>Klas 4</c:v>
+                  <c:v>Nederland</c:v>
                 </c:pt>
               </c:strCache>
             </c:strRef>
           </c:tx>
           <c:spPr>
             <a:solidFill>
-              <a:srgbClr val="6FC7FF">
+              <a:srgbClr val="E54800">
                 <a:alpha val="100000"/>
               </a:srgbClr>
             </a:solidFill>
@@ -8439,28 +8858,22 @@
           </c:dLbls>
           <c:cat>
             <c:strRef>
-              <c:f>sheet1!$A$2:$A$3</c:f>
+              <c:f>sheet1!$A$2:$A$2</c:f>
               <c:strCache>
-                <c:ptCount val="2"/>
+                <c:ptCount val="1"/>
                 <c:pt idx="0">
-                  <c:v>Jongen</c:v>
-                </c:pt>
-                <c:pt idx="1">
-                  <c:v>Meisje</c:v>
+                  <c:v>Heeft psychische klachten</c:v>
                 </c:pt>
               </c:strCache>
             </c:strRef>
           </c:cat>
           <c:val>
             <c:numRef>
-              <c:f>sheet1!$C$2:$C$3</c:f>
+              <c:f>sheet1!$C$2:$C$2</c:f>
               <c:numCache>
-                <c:ptCount val="2"/>
+                <c:ptCount val="1"/>
                 <c:pt idx="0">
-                  <c:v>0.2994914</c:v>
-                </c:pt>
-                <c:pt idx="1">
-                  <c:v>0.2907135</c:v>
+                  <c:v>0.2915709</c:v>
                 </c:pt>
               </c:numCache>
             </c:numRef>
@@ -8477,7 +8890,7 @@
           <c:showSerName val="0"/>
           <c:showVal val="1"/>
         </c:dLbls>
-        <c:gapWidth val="150"/>
+        <c:gapWidth val="50"/>
         <c:overlap val="0"/>
         <c:axId val="64451712"/>
         <c:axId val="64453248"/>
@@ -8615,7 +9028,7 @@
 </c:chartSpace>
 </file>
 
-<file path=ppt/charts/chartc70640661ea.xml><?xml version="1.0" encoding="utf-8"?>
+<file path=ppt/charts/chart56d4769f607.xml><?xml version="1.0" encoding="utf-8"?>
 <c:chartSpace xmlns:c="http://schemas.openxmlformats.org/drawingml/2006/chart" xmlns:a="http://schemas.openxmlformats.org/drawingml/2006/main" xmlns:r="http://schemas.openxmlformats.org/officeDocument/2006/relationships">
   <c:date1904 val="0"/>
   <c:lang val="fr-FR"/>
@@ -8650,7 +9063,7 @@
                 <a:ea typeface="Calibri"/>
                 <a:sym typeface="Calibri"/>
               </a:rPr>
-              <a:t>Staafgrafiek Variant 17 zonder aanpassingen</a:t>
+              <a:t>Variant 7</a:t>
             </a:r>
           </a:p>
         </c:rich>
@@ -8674,7 +9087,7 @@
               <c:strCache>
                 <c:ptCount val="1"/>
                 <c:pt idx="0">
-                  <c:v>Zandwijk</c:v>
+                  <c:v>Jongen</c:v>
                 </c:pt>
               </c:strCache>
             </c:strRef>
@@ -8727,40 +9140,22 @@
           </c:dLbls>
           <c:cat>
             <c:strRef>
-              <c:f>sheet1!$A$2:$A$5</c:f>
+              <c:f>sheet1!$A$2:$A$2</c:f>
               <c:strCache>
-                <c:ptCount val="4"/>
+                <c:ptCount val="1"/>
                 <c:pt idx="0">
-                  <c:v>Jongen</c:v>
-                </c:pt>
-                <c:pt idx="1">
-                  <c:v>Meisje</c:v>
-                </c:pt>
-                <c:pt idx="2">
-                  <c:v>Klas 2</c:v>
-                </c:pt>
-                <c:pt idx="3">
-                  <c:v>Klas 4</c:v>
+                  <c:v>Heeft psychische klachten</c:v>
                 </c:pt>
               </c:strCache>
             </c:strRef>
           </c:cat>
           <c:val>
             <c:numRef>
-              <c:f>sheet1!$B$2:$B$5</c:f>
+              <c:f>sheet1!$B$2:$B$2</c:f>
               <c:numCache>
-                <c:ptCount val="4"/>
+                <c:ptCount val="1"/>
                 <c:pt idx="0">
-                  <c:v>0.2833711</c:v>
-                </c:pt>
-                <c:pt idx="1">
-                  <c:v>0.2587723</c:v>
-                </c:pt>
-                <c:pt idx="2">
-                  <c:v>0.2607700</c:v>
-                </c:pt>
-                <c:pt idx="3">
-                  <c:v>0.2945237</c:v>
+                  <c:v>0.3294372</c:v>
                 </c:pt>
               </c:numCache>
             </c:numRef>
@@ -8775,14 +9170,14 @@
               <c:strCache>
                 <c:ptCount val="1"/>
                 <c:pt idx="0">
-                  <c:v>Nederland</c:v>
+                  <c:v>Meisje</c:v>
                 </c:pt>
               </c:strCache>
             </c:strRef>
           </c:tx>
           <c:spPr>
             <a:solidFill>
-              <a:srgbClr val="E54800">
+              <a:srgbClr val="6FC7FF">
                 <a:alpha val="100000"/>
               </a:srgbClr>
             </a:solidFill>
@@ -8828,40 +9223,22 @@
           </c:dLbls>
           <c:cat>
             <c:strRef>
-              <c:f>sheet1!$A$2:$A$5</c:f>
+              <c:f>sheet1!$A$2:$A$2</c:f>
               <c:strCache>
-                <c:ptCount val="4"/>
+                <c:ptCount val="1"/>
                 <c:pt idx="0">
-                  <c:v>Jongen</c:v>
-                </c:pt>
-                <c:pt idx="1">
-                  <c:v>Meisje</c:v>
-                </c:pt>
-                <c:pt idx="2">
-                  <c:v>Klas 2</c:v>
-                </c:pt>
-                <c:pt idx="3">
-                  <c:v>Klas 4</c:v>
+                  <c:v>Heeft psychische klachten</c:v>
                 </c:pt>
               </c:strCache>
             </c:strRef>
           </c:cat>
           <c:val>
             <c:numRef>
-              <c:f>sheet1!$C$2:$C$5</c:f>
+              <c:f>sheet1!$C$2:$C$2</c:f>
               <c:numCache>
-                <c:ptCount val="4"/>
+                <c:ptCount val="1"/>
                 <c:pt idx="0">
-                  <c:v>0.2810797</c:v>
-                </c:pt>
-                <c:pt idx="1">
-                  <c:v>0.2733080</c:v>
-                </c:pt>
-                <c:pt idx="2">
-                  <c:v>0.2818699</c:v>
-                </c:pt>
-                <c:pt idx="3">
-                  <c:v>0.2738343</c:v>
+                  <c:v>0.3138866</c:v>
                 </c:pt>
               </c:numCache>
             </c:numRef>
@@ -8878,7 +9255,7 @@
           <c:showSerName val="0"/>
           <c:showVal val="1"/>
         </c:dLbls>
-        <c:gapWidth val="150"/>
+        <c:gapWidth val="50"/>
         <c:overlap val="0"/>
         <c:axId val="64451712"/>
         <c:axId val="64453248"/>
@@ -9016,7 +9393,7 @@
 </c:chartSpace>
 </file>
 
-<file path=ppt/charts/chartc707036f2.xml><?xml version="1.0" encoding="utf-8"?>
+<file path=ppt/charts/chart56d47919472.xml><?xml version="1.0" encoding="utf-8"?>
 <c:chartSpace xmlns:c="http://schemas.openxmlformats.org/drawingml/2006/chart" xmlns:a="http://schemas.openxmlformats.org/drawingml/2006/main" xmlns:r="http://schemas.openxmlformats.org/officeDocument/2006/relationships">
   <c:date1904 val="0"/>
   <c:lang val="fr-FR"/>
@@ -9051,7 +9428,7 @@
                 <a:ea typeface="Calibri"/>
                 <a:sym typeface="Calibri"/>
               </a:rPr>
-              <a:t>Variant 1</a:t>
+              <a:t>Variant 11</a:t>
             </a:r>
           </a:p>
         </c:rich>
@@ -9075,7 +9452,7 @@
               <c:strCache>
                 <c:ptCount val="1"/>
                 <c:pt idx="0">
-                  <c:v>Zandwijk</c:v>
+                  <c:v>Klas 2</c:v>
                 </c:pt>
               </c:strCache>
             </c:strRef>
@@ -9128,22 +9505,117 @@
           </c:dLbls>
           <c:cat>
             <c:strRef>
-              <c:f>sheet1!$A$2:$A$2</c:f>
+              <c:f>sheet1!$A$2:$A$3</c:f>
               <c:strCache>
-                <c:ptCount val="1"/>
+                <c:ptCount val="2"/>
                 <c:pt idx="0">
-                  <c:v>Heeft psychische klachten</c:v>
+                  <c:v>Zandwijk</c:v>
+                </c:pt>
+                <c:pt idx="1">
+                  <c:v>Nederland</c:v>
                 </c:pt>
               </c:strCache>
             </c:strRef>
           </c:cat>
           <c:val>
             <c:numRef>
-              <c:f>sheet1!$B$2:$B$2</c:f>
+              <c:f>sheet1!$B$2:$B$3</c:f>
               <c:numCache>
+                <c:ptCount val="2"/>
+                <c:pt idx="0">
+                  <c:v>0.3350167</c:v>
+                </c:pt>
+                <c:pt idx="1">
+                  <c:v>0.2909934</c:v>
+                </c:pt>
+              </c:numCache>
+            </c:numRef>
+          </c:val>
+        </c:ser>
+        <c:ser>
+          <c:idx val="1"/>
+          <c:order val="1"/>
+          <c:tx>
+            <c:strRef>
+              <c:f>sheet1!$C$1</c:f>
+              <c:strCache>
                 <c:ptCount val="1"/>
                 <c:pt idx="0">
-                  <c:v>0.2679194</c:v>
+                  <c:v>Klas 4</c:v>
+                </c:pt>
+              </c:strCache>
+            </c:strRef>
+          </c:tx>
+          <c:spPr>
+            <a:solidFill>
+              <a:srgbClr val="6FC7FF">
+                <a:alpha val="100000"/>
+              </a:srgbClr>
+            </a:solidFill>
+            <a:ln w="25400">
+              <a:solidFill>
+                <a:srgbClr val="FFFFFF">
+                  <a:alpha val="0"/>
+                </a:srgbClr>
+              </a:solidFill>
+            </a:ln>
+            <a:effectLst/>
+          </c:spPr>
+          <c:invertIfNegative val="0"/>
+          <c:dLbls>
+            <c:dLblPos val="outEnd"/>
+            <c:numFmt formatCode="0%" sourceLinked="0"/>
+            <c:separator val=", "/>
+            <c:showBubbleSize val="0"/>
+            <c:showCatName val="0"/>
+            <c:showLegendKey val="0"/>
+            <c:showPercent val="0"/>
+            <c:showSerName val="0"/>
+            <c:showVal val="1"/>
+            <c:txPr>
+              <a:bodyPr/>
+              <a:lstStyle/>
+              <a:p>
+                <a:pPr>
+                  <a:defRPr cap="none" sz="800" i="0" b="0" u="none">
+                    <a:solidFill>
+                      <a:srgbClr val="000000">
+                        <a:alpha val="100000"/>
+                      </a:srgbClr>
+                    </a:solidFill>
+                    <a:latin typeface="Calibri"/>
+                    <a:cs typeface="Calibri"/>
+                    <a:ea typeface="Calibri"/>
+                    <a:sym typeface="Calibri"/>
+                  </a:defRPr>
+                </a:pPr>
+              </a:p>
+            </c:txPr>
+          </c:dLbls>
+          <c:cat>
+            <c:strRef>
+              <c:f>sheet1!$A$2:$A$3</c:f>
+              <c:strCache>
+                <c:ptCount val="2"/>
+                <c:pt idx="0">
+                  <c:v>Zandwijk</c:v>
+                </c:pt>
+                <c:pt idx="1">
+                  <c:v>Nederland</c:v>
+                </c:pt>
+              </c:strCache>
+            </c:strRef>
+          </c:cat>
+          <c:val>
+            <c:numRef>
+              <c:f>sheet1!$C$2:$C$3</c:f>
+              <c:numCache>
+                <c:ptCount val="2"/>
+                <c:pt idx="0">
+                  <c:v>0.2875855</c:v>
+                </c:pt>
+                <c:pt idx="1">
+                  <c:v>0.2915095</c:v>
                 </c:pt>
               </c:numCache>
             </c:numRef>
@@ -9160,7 +9632,7 @@
           <c:showSerName val="0"/>
           <c:showVal val="1"/>
         </c:dLbls>
-        <c:gapWidth val="150"/>
+        <c:gapWidth val="50"/>
         <c:overlap val="0"/>
         <c:axId val="64451712"/>
         <c:axId val="64453248"/>
@@ -9298,7 +9770,7 @@
 </c:chartSpace>
 </file>
 
-<file path=ppt/charts/chartc7079828a4.xml><?xml version="1.0" encoding="utf-8"?>
+<file path=ppt/charts/chart56d47b922dd.xml><?xml version="1.0" encoding="utf-8"?>
 <c:chartSpace xmlns:c="http://schemas.openxmlformats.org/drawingml/2006/chart" xmlns:a="http://schemas.openxmlformats.org/drawingml/2006/main" xmlns:r="http://schemas.openxmlformats.org/officeDocument/2006/relationships">
   <c:date1904 val="0"/>
   <c:lang val="fr-FR"/>
@@ -9333,7 +9805,7 @@
                 <a:ea typeface="Calibri"/>
                 <a:sym typeface="Calibri"/>
               </a:rPr>
-              <a:t>Variant 2</a:t>
+              <a:t>Variant 15</a:t>
             </a:r>
           </a:p>
         </c:rich>
@@ -9357,7 +9829,7 @@
               <c:strCache>
                 <c:ptCount val="1"/>
                 <c:pt idx="0">
-                  <c:v>Zandwijk</c:v>
+                  <c:v>Klas 2</c:v>
                 </c:pt>
               </c:strCache>
             </c:strRef>
@@ -9410,34 +9882,117 @@
           </c:dLbls>
           <c:cat>
             <c:strRef>
-              <c:f>sheet1!$A$2:$A$4</c:f>
+              <c:f>sheet1!$A$2:$A$3</c:f>
               <c:strCache>
-                <c:ptCount val="3"/>
+                <c:ptCount val="2"/>
                 <c:pt idx="0">
-                  <c:v>Heeft psychische klachten</c:v>
+                  <c:v>Jongen</c:v>
                 </c:pt>
                 <c:pt idx="1">
-                  <c:v>Geeft geen mantelzorg</c:v>
-                </c:pt>
-                <c:pt idx="2">
-                  <c:v>Heeft een zeer goede gezondheid</c:v>
+                  <c:v>Meisje</c:v>
                 </c:pt>
               </c:strCache>
             </c:strRef>
           </c:cat>
           <c:val>
             <c:numRef>
-              <c:f>sheet1!$B$2:$B$4</c:f>
+              <c:f>sheet1!$B$2:$B$3</c:f>
               <c:numCache>
-                <c:ptCount val="3"/>
+                <c:ptCount val="2"/>
                 <c:pt idx="0">
-                  <c:v>0.2679194</c:v>
+                  <c:v>0.3555708</c:v>
                 </c:pt>
                 <c:pt idx="1">
-                  <c:v>0.8514397</c:v>
-                </c:pt>
-                <c:pt idx="2">
-                  <c:v>0.2936311</c:v>
+                  <c:v>0.3424407</c:v>
+                </c:pt>
+              </c:numCache>
+            </c:numRef>
+          </c:val>
+        </c:ser>
+        <c:ser>
+          <c:idx val="1"/>
+          <c:order val="1"/>
+          <c:tx>
+            <c:strRef>
+              <c:f>sheet1!$C$1</c:f>
+              <c:strCache>
+                <c:ptCount val="1"/>
+                <c:pt idx="0">
+                  <c:v>Klas 4</c:v>
+                </c:pt>
+              </c:strCache>
+            </c:strRef>
+          </c:tx>
+          <c:spPr>
+            <a:solidFill>
+              <a:srgbClr val="6FC7FF">
+                <a:alpha val="100000"/>
+              </a:srgbClr>
+            </a:solidFill>
+            <a:ln w="25400">
+              <a:solidFill>
+                <a:srgbClr val="FFFFFF">
+                  <a:alpha val="0"/>
+                </a:srgbClr>
+              </a:solidFill>
+            </a:ln>
+            <a:effectLst/>
+          </c:spPr>
+          <c:invertIfNegative val="0"/>
+          <c:dLbls>
+            <c:dLblPos val="outEnd"/>
+            <c:numFmt formatCode="0%" sourceLinked="0"/>
+            <c:separator val=", "/>
+            <c:showBubbleSize val="0"/>
+            <c:showCatName val="0"/>
+            <c:showLegendKey val="0"/>
+            <c:showPercent val="0"/>
+            <c:showSerName val="0"/>
+            <c:showVal val="1"/>
+            <c:txPr>
+              <a:bodyPr/>
+              <a:lstStyle/>
+              <a:p>
+                <a:pPr>
+                  <a:defRPr cap="none" sz="800" i="0" b="0" u="none">
+                    <a:solidFill>
+                      <a:srgbClr val="000000">
+                        <a:alpha val="100000"/>
+                      </a:srgbClr>
+                    </a:solidFill>
+                    <a:latin typeface="Calibri"/>
+                    <a:cs typeface="Calibri"/>
+                    <a:ea typeface="Calibri"/>
+                    <a:sym typeface="Calibri"/>
+                  </a:defRPr>
+                </a:pPr>
+              </a:p>
+            </c:txPr>
+          </c:dLbls>
+          <c:cat>
+            <c:strRef>
+              <c:f>sheet1!$A$2:$A$3</c:f>
+              <c:strCache>
+                <c:ptCount val="2"/>
+                <c:pt idx="0">
+                  <c:v>Jongen</c:v>
+                </c:pt>
+                <c:pt idx="1">
+                  <c:v>Meisje</c:v>
+                </c:pt>
+              </c:strCache>
+            </c:strRef>
+          </c:cat>
+          <c:val>
+            <c:numRef>
+              <c:f>sheet1!$C$2:$C$3</c:f>
+              <c:numCache>
+                <c:ptCount val="2"/>
+                <c:pt idx="0">
+                  <c:v>0.2846438</c:v>
+                </c:pt>
+                <c:pt idx="1">
+                  <c:v>0.2922033</c:v>
                 </c:pt>
               </c:numCache>
             </c:numRef>
@@ -9454,7 +10009,7 @@
           <c:showSerName val="0"/>
           <c:showVal val="1"/>
         </c:dLbls>
-        <c:gapWidth val="150"/>
+        <c:gapWidth val="50"/>
         <c:overlap val="0"/>
         <c:axId val="64451712"/>
         <c:axId val="64453248"/>
@@ -9592,7 +10147,7 @@
 </c:chartSpace>
 </file>
 
-<file path=ppt/charts/chartc707bfc70f.xml><?xml version="1.0" encoding="utf-8"?>
+<file path=ppt/charts/chart56d47e0b147.xml><?xml version="1.0" encoding="utf-8"?>
 <c:chartSpace xmlns:c="http://schemas.openxmlformats.org/drawingml/2006/chart" xmlns:a="http://schemas.openxmlformats.org/drawingml/2006/main" xmlns:r="http://schemas.openxmlformats.org/officeDocument/2006/relationships">
   <c:date1904 val="0"/>
   <c:lang val="fr-FR"/>
@@ -9627,7 +10182,7 @@
                 <a:ea typeface="Calibri"/>
                 <a:sym typeface="Calibri"/>
               </a:rPr>
-              <a:t>Variant 6</a:t>
+              <a:t>Staafgrafiek Variant 17 zonder aanpassingen</a:t>
             </a:r>
           </a:p>
         </c:rich>
@@ -9651,7 +10206,7 @@
               <c:strCache>
                 <c:ptCount val="1"/>
                 <c:pt idx="0">
-                  <c:v>Jongen</c:v>
+                  <c:v>Zandwijk</c:v>
                 </c:pt>
               </c:strCache>
             </c:strRef>
@@ -9704,34 +10259,40 @@
           </c:dLbls>
           <c:cat>
             <c:strRef>
-              <c:f>sheet1!$A$2:$A$4</c:f>
+              <c:f>sheet1!$A$2:$A$5</c:f>
               <c:strCache>
-                <c:ptCount val="3"/>
+                <c:ptCount val="4"/>
                 <c:pt idx="0">
-                  <c:v>Heeft psychische klachten</c:v>
+                  <c:v>Jongen</c:v>
                 </c:pt>
                 <c:pt idx="1">
-                  <c:v>Geeft geen mantelzorg</c:v>
+                  <c:v>Meisje</c:v>
                 </c:pt>
                 <c:pt idx="2">
-                  <c:v>Heeft een zeer goede gezondheid</c:v>
+                  <c:v>Klas 2</c:v>
+                </c:pt>
+                <c:pt idx="3">
+                  <c:v>Klas 4</c:v>
                 </c:pt>
               </c:strCache>
             </c:strRef>
           </c:cat>
           <c:val>
             <c:numRef>
-              <c:f>sheet1!$B$2:$B$4</c:f>
+              <c:f>sheet1!$B$2:$B$5</c:f>
               <c:numCache>
-                <c:ptCount val="3"/>
+                <c:ptCount val="4"/>
                 <c:pt idx="0">
-                  <c:v>0.2833711</c:v>
+                  <c:v>0.3294372</c:v>
                 </c:pt>
                 <c:pt idx="1">
-                  <c:v>0.8544202</c:v>
+                  <c:v>0.3138866</c:v>
                 </c:pt>
                 <c:pt idx="2">
-                  <c:v>0.3212508</c:v>
+                  <c:v>0.3350167</c:v>
+                </c:pt>
+                <c:pt idx="3">
+                  <c:v>0.2875855</c:v>
                 </c:pt>
               </c:numCache>
             </c:numRef>
@@ -9746,14 +10307,14 @@
               <c:strCache>
                 <c:ptCount val="1"/>
                 <c:pt idx="0">
-                  <c:v>Meisje</c:v>
+                  <c:v>Nederland</c:v>
                 </c:pt>
               </c:strCache>
             </c:strRef>
           </c:tx>
           <c:spPr>
             <a:solidFill>
-              <a:srgbClr val="6FC7FF">
+              <a:srgbClr val="E54800">
                 <a:alpha val="100000"/>
               </a:srgbClr>
             </a:solidFill>
@@ -9799,34 +10360,40 @@
           </c:dLbls>
           <c:cat>
             <c:strRef>
-              <c:f>sheet1!$A$2:$A$4</c:f>
+              <c:f>sheet1!$A$2:$A$5</c:f>
               <c:strCache>
-                <c:ptCount val="3"/>
+                <c:ptCount val="4"/>
                 <c:pt idx="0">
-                  <c:v>Heeft psychische klachten</c:v>
+                  <c:v>Jongen</c:v>
                 </c:pt>
                 <c:pt idx="1">
-                  <c:v>Geeft geen mantelzorg</c:v>
+                  <c:v>Meisje</c:v>
                 </c:pt>
                 <c:pt idx="2">
-                  <c:v>Heeft een zeer goede gezondheid</c:v>
+                  <c:v>Klas 2</c:v>
+                </c:pt>
+                <c:pt idx="3">
+                  <c:v>Klas 4</c:v>
                 </c:pt>
               </c:strCache>
             </c:strRef>
           </c:cat>
           <c:val>
             <c:numRef>
-              <c:f>sheet1!$C$2:$C$4</c:f>
+              <c:f>sheet1!$C$2:$C$5</c:f>
               <c:numCache>
-                <c:ptCount val="3"/>
+                <c:ptCount val="4"/>
                 <c:pt idx="0">
-                  <c:v>0.2587723</c:v>
+                  <c:v>0.2953391</c:v>
                 </c:pt>
                 <c:pt idx="1">
-                  <c:v>0.8539607</c:v>
+                  <c:v>0.2947784</c:v>
                 </c:pt>
                 <c:pt idx="2">
-                  <c:v>0.2719618</c:v>
+                  <c:v>0.2909934</c:v>
+                </c:pt>
+                <c:pt idx="3">
+                  <c:v>0.2915095</c:v>
                 </c:pt>
               </c:numCache>
             </c:numRef>
@@ -9843,7 +10410,7 @@
           <c:showSerName val="0"/>
           <c:showVal val="1"/>
         </c:dLbls>
-        <c:gapWidth val="150"/>
+        <c:gapWidth val="50"/>
         <c:overlap val="0"/>
         <c:axId val="64451712"/>
         <c:axId val="64453248"/>
@@ -9981,7 +10548,7 @@
 </c:chartSpace>
 </file>
 
-<file path=ppt/charts/chartc707e7557a.xml><?xml version="1.0" encoding="utf-8"?>
+<file path=ppt/charts/chart56d4d5c2814.xml><?xml version="1.0" encoding="utf-8"?>
 <c:chartSpace xmlns:c="http://schemas.openxmlformats.org/drawingml/2006/chart" xmlns:a="http://schemas.openxmlformats.org/drawingml/2006/main" xmlns:r="http://schemas.openxmlformats.org/officeDocument/2006/relationships">
   <c:date1904 val="0"/>
   <c:lang val="fr-FR"/>
@@ -10016,7 +10583,7 @@
                 <a:ea typeface="Calibri"/>
                 <a:sym typeface="Calibri"/>
               </a:rPr>
-              <a:t>Variant 10</a:t>
+              <a:t>Variant 13</a:t>
             </a:r>
           </a:p>
         </c:rich>
@@ -10040,7 +10607,7 @@
               <c:strCache>
                 <c:ptCount val="1"/>
                 <c:pt idx="0">
-                  <c:v>Zandwijk</c:v>
+                  <c:v>Jongen</c:v>
                 </c:pt>
               </c:strCache>
             </c:strRef>
@@ -10093,52 +10660,34 @@
           </c:dLbls>
           <c:cat>
             <c:strRef>
-              <c:f>sheet1!$A$2:$A$7</c:f>
+              <c:f>sheet1!$A$2:$A$4</c:f>
               <c:strCache>
-                <c:ptCount val="6"/>
+                <c:ptCount val="3"/>
                 <c:pt idx="0">
-                  <c:v>Heeft psychische klachten (Klas 2)</c:v>
+                  <c:v>Heeft psychische klachten</c:v>
                 </c:pt>
                 <c:pt idx="1">
-                  <c:v>Heeft psychische klachten (Klas 4)</c:v>
+                  <c:v>Geeft geen mantelzorg</c:v>
                 </c:pt>
                 <c:pt idx="2">
-                  <c:v>Geeft geen mantelzorg (Klas 2)</c:v>
-                </c:pt>
-                <c:pt idx="3">
-                  <c:v>Geeft geen mantelzorg (Klas 4)</c:v>
-                </c:pt>
-                <c:pt idx="4">
-                  <c:v>Heeft een zeer goede gezondheid (Klas 2)</c:v>
-                </c:pt>
-                <c:pt idx="5">
-                  <c:v>Heeft een zeer goede gezondheid (Klas 4)</c:v>
+                  <c:v>Heeft een zeer goede gezondheid</c:v>
                 </c:pt>
               </c:strCache>
             </c:strRef>
           </c:cat>
           <c:val>
             <c:numRef>
-              <c:f>sheet1!$B$2:$B$7</c:f>
+              <c:f>sheet1!$B$2:$B$4</c:f>
               <c:numCache>
-                <c:ptCount val="6"/>
+                <c:ptCount val="3"/>
                 <c:pt idx="0">
-                  <c:v>0.2607700</c:v>
+                  <c:v>0.3294372</c:v>
                 </c:pt>
                 <c:pt idx="1">
-                  <c:v>0.2945237</c:v>
+                  <c:v>0.8691535</c:v>
                 </c:pt>
                 <c:pt idx="2">
-                  <c:v>0.8433078</c:v>
-                </c:pt>
-                <c:pt idx="3">
-                  <c:v>0.8461971</c:v>
-                </c:pt>
-                <c:pt idx="4">
-                  <c:v>0.2981898</c:v>
-                </c:pt>
-                <c:pt idx="5">
-                  <c:v>0.2963516</c:v>
+                  <c:v>0.3575902</c:v>
                 </c:pt>
               </c:numCache>
             </c:numRef>
@@ -10153,7 +10702,102 @@
               <c:strCache>
                 <c:ptCount val="1"/>
                 <c:pt idx="0">
-                  <c:v>Nederland</c:v>
+                  <c:v>Meisje</c:v>
+                </c:pt>
+              </c:strCache>
+            </c:strRef>
+          </c:tx>
+          <c:spPr>
+            <a:solidFill>
+              <a:srgbClr val="6FC7FF">
+                <a:alpha val="100000"/>
+              </a:srgbClr>
+            </a:solidFill>
+            <a:ln w="25400">
+              <a:solidFill>
+                <a:srgbClr val="FFFFFF">
+                  <a:alpha val="0"/>
+                </a:srgbClr>
+              </a:solidFill>
+            </a:ln>
+            <a:effectLst/>
+          </c:spPr>
+          <c:invertIfNegative val="0"/>
+          <c:dLbls>
+            <c:dLblPos val="outEnd"/>
+            <c:numFmt formatCode="0%" sourceLinked="0"/>
+            <c:separator val=", "/>
+            <c:showBubbleSize val="0"/>
+            <c:showCatName val="0"/>
+            <c:showLegendKey val="0"/>
+            <c:showPercent val="0"/>
+            <c:showSerName val="0"/>
+            <c:showVal val="1"/>
+            <c:txPr>
+              <a:bodyPr/>
+              <a:lstStyle/>
+              <a:p>
+                <a:pPr>
+                  <a:defRPr cap="none" sz="800" i="0" b="0" u="none">
+                    <a:solidFill>
+                      <a:srgbClr val="000000">
+                        <a:alpha val="100000"/>
+                      </a:srgbClr>
+                    </a:solidFill>
+                    <a:latin typeface="Calibri"/>
+                    <a:cs typeface="Calibri"/>
+                    <a:ea typeface="Calibri"/>
+                    <a:sym typeface="Calibri"/>
+                  </a:defRPr>
+                </a:pPr>
+              </a:p>
+            </c:txPr>
+          </c:dLbls>
+          <c:cat>
+            <c:strRef>
+              <c:f>sheet1!$A$2:$A$4</c:f>
+              <c:strCache>
+                <c:ptCount val="3"/>
+                <c:pt idx="0">
+                  <c:v>Heeft psychische klachten</c:v>
+                </c:pt>
+                <c:pt idx="1">
+                  <c:v>Geeft geen mantelzorg</c:v>
+                </c:pt>
+                <c:pt idx="2">
+                  <c:v>Heeft een zeer goede gezondheid</c:v>
+                </c:pt>
+              </c:strCache>
+            </c:strRef>
+          </c:cat>
+          <c:val>
+            <c:numRef>
+              <c:f>sheet1!$C$2:$C$4</c:f>
+              <c:numCache>
+                <c:ptCount val="3"/>
+                <c:pt idx="0">
+                  <c:v>0.3138866</c:v>
+                </c:pt>
+                <c:pt idx="1">
+                  <c:v>0.8763111</c:v>
+                </c:pt>
+                <c:pt idx="2">
+                  <c:v>0.2703931</c:v>
+                </c:pt>
+              </c:numCache>
+            </c:numRef>
+          </c:val>
+        </c:ser>
+        <c:ser>
+          <c:idx val="2"/>
+          <c:order val="2"/>
+          <c:tx>
+            <c:strRef>
+              <c:f>sheet1!$D$1</c:f>
+              <c:strCache>
+                <c:ptCount val="1"/>
+                <c:pt idx="0">
+                  <c:v>Klas 2</c:v>
                 </c:pt>
               </c:strCache>
             </c:strRef>
@@ -10206,500 +10850,34 @@
           </c:dLbls>
           <c:cat>
             <c:strRef>
-              <c:f>sheet1!$A$2:$A$7</c:f>
+              <c:f>sheet1!$A$2:$A$4</c:f>
               <c:strCache>
-                <c:ptCount val="6"/>
+                <c:ptCount val="3"/>
                 <c:pt idx="0">
-                  <c:v>Heeft psychische klachten (Klas 2)</c:v>
+                  <c:v>Heeft psychische klachten</c:v>
                 </c:pt>
                 <c:pt idx="1">
-                  <c:v>Heeft psychische klachten (Klas 4)</c:v>
+                  <c:v>Geeft geen mantelzorg</c:v>
                 </c:pt>
                 <c:pt idx="2">
-                  <c:v>Geeft geen mantelzorg (Klas 2)</c:v>
-                </c:pt>
-                <c:pt idx="3">
-                  <c:v>Geeft geen mantelzorg (Klas 4)</c:v>
-                </c:pt>
-                <c:pt idx="4">
-                  <c:v>Heeft een zeer goede gezondheid (Klas 2)</c:v>
-                </c:pt>
-                <c:pt idx="5">
-                  <c:v>Heeft een zeer goede gezondheid (Klas 4)</c:v>
+                  <c:v>Heeft een zeer goede gezondheid</c:v>
                 </c:pt>
               </c:strCache>
             </c:strRef>
           </c:cat>
           <c:val>
             <c:numRef>
-              <c:f>sheet1!$C$2:$C$7</c:f>
+              <c:f>sheet1!$D$2:$D$4</c:f>
               <c:numCache>
-                <c:ptCount val="6"/>
+                <c:ptCount val="3"/>
                 <c:pt idx="0">
-                  <c:v>0.2818699</c:v>
+                  <c:v>0.3350167</c:v>
                 </c:pt>
                 <c:pt idx="1">
-                  <c:v>0.2738343</c:v>
+                  <c:v>0.8639709</c:v>
                 </c:pt>
                 <c:pt idx="2">
-                  <c:v>0.8523787</c:v>
-                </c:pt>
-                <c:pt idx="3">
-                  <c:v>0.8516908</c:v>
-                </c:pt>
-                <c:pt idx="4">
-                  <c:v>0.3191411</c:v>
-                </c:pt>
-                <c:pt idx="5">
-                  <c:v>0.2939317</c:v>
-                </c:pt>
-              </c:numCache>
-            </c:numRef>
-          </c:val>
-        </c:ser>
-        <c:dLbls>
-          <c:dLblPos val="outEnd"/>
-          <c:numFmt formatCode="0%" sourceLinked="0"/>
-          <c:separator val=", "/>
-          <c:showBubbleSize val="0"/>
-          <c:showCatName val="0"/>
-          <c:showLegendKey val="0"/>
-          <c:showPercent val="0"/>
-          <c:showSerName val="0"/>
-          <c:showVal val="1"/>
-        </c:dLbls>
-        <c:gapWidth val="150"/>
-        <c:overlap val="0"/>
-        <c:axId val="64451712"/>
-        <c:axId val="64453248"/>
-      </c:barChart>
-      <c:catAx>
-        <c:axId val="64451712"/>
-        <c:scaling>
-          <c:orientation val="minMax"/>
-        </c:scaling>
-        <c:delete val="0"/>
-        <c:axPos val="l"/>
-        <c:majorTickMark val="none"/>
-        <c:minorTickMark val="none"/>
-        <c:tickLblPos val="nextTo"/>
-        <c:txPr>
-          <a:bodyPr rot="0" vert="horz"/>
-          <a:lstStyle/>
-          <a:p>
-            <a:pPr>
-              <a:defRPr cap="none" sz="800" i="0" b="0" u="none">
-                <a:solidFill>
-                  <a:srgbClr val="000000">
-                    <a:alpha val="100000"/>
-                  </a:srgbClr>
-                </a:solidFill>
-                <a:latin typeface="Calibri"/>
-                <a:cs typeface="Calibri"/>
-                <a:ea typeface="Calibri"/>
-                <a:sym typeface="Calibri"/>
-              </a:defRPr>
-            </a:pPr>
-          </a:p>
-        </c:txPr>
-        <c:spPr>
-          <a:ln algn="ctr" w="12700">
-            <a:solidFill>
-              <a:srgbClr val="000000">
-                <a:alpha val="100000"/>
-              </a:srgbClr>
-            </a:solidFill>
-            <a:prstDash val="solid"/>
-          </a:ln>
-        </c:spPr>
-        <c:numFmt formatCode="General" sourceLinked="0"/>
-        <c:crossAx val="64453248"/>
-        <c:crosses val="autoZero"/>
-      </c:catAx>
-      <c:valAx>
-        <c:axId val="64453248"/>
-        <c:scaling>
-          <c:orientation val="minMax"/>
-          <c:max val="1.00"/>
-          <c:min val="0.00"/>
-        </c:scaling>
-        <c:delete val="0"/>
-        <c:axPos val="l"/>
-        <c:majorTickMark val="none"/>
-        <c:minorTickMark val="none"/>
-        <c:tickLblPos val="nextTo"/>
-        <c:txPr>
-          <a:bodyPr rot="0" vert="horz"/>
-          <a:lstStyle/>
-          <a:p>
-            <a:pPr>
-              <a:defRPr cap="none" sz="900" i="0" b="0" u="none">
-                <a:solidFill>
-                  <a:srgbClr val="000000">
-                    <a:alpha val="100000"/>
-                  </a:srgbClr>
-                </a:solidFill>
-                <a:latin typeface="Calibri"/>
-                <a:cs typeface="Calibri"/>
-                <a:ea typeface="Calibri"/>
-                <a:sym typeface="Calibri"/>
-              </a:defRPr>
-            </a:pPr>
-          </a:p>
-        </c:txPr>
-        <c:spPr>
-          <a:ln algn="ctr" w="12700">
-            <a:solidFill>
-              <a:srgbClr val="000000">
-                <a:alpha val="100000"/>
-              </a:srgbClr>
-            </a:solidFill>
-            <a:prstDash val="solid"/>
-          </a:ln>
-        </c:spPr>
-        <c:numFmt formatCode="0%" sourceLinked="0"/>
-        <c:crossAx val="64451712"/>
-        <c:crosses val="autoZero"/>
-      </c:valAx>
-    </c:plotArea>
-    <c:legend>
-      <c:legendPos val="b"/>
-      <c:layout/>
-      <c:overlay val="0"/>
-      <c:txPr xmlns:c="http://schemas.openxmlformats.org/drawingml/2006/chart" xmlns:a="http://schemas.openxmlformats.org/drawingml/2006/main">
-        <a:bodyPr/>
-        <a:lstStyle/>
-        <a:p>
-          <a:pPr>
-            <a:defRPr cap="none" sz="900" i="0" b="0" u="none">
-              <a:solidFill>
-                <a:srgbClr val="000000">
-                  <a:alpha val="100000"/>
-                </a:srgbClr>
-              </a:solidFill>
-              <a:latin typeface="Calibri"/>
-              <a:cs typeface="Calibri"/>
-              <a:ea typeface="Calibri"/>
-              <a:sym typeface="Calibri"/>
-            </a:defRPr>
-          </a:pPr>
-        </a:p>
-      </c:txPr>
-    </c:legend>
-    <c:plotVisOnly val="1"/>
-    <c:dispBlanksAs val="gap"/>
-    <c:showDLblsOverMax val="0"/>
-  </c:chart>
-  <c:txPr>
-    <a:bodyPr/>
-    <a:lstStyle/>
-    <a:p>
-      <a:pPr>
-        <a:defRPr sz="1800"/>
-      </a:pPr>
-      <a:endParaRPr lang="fr-FR"/>
-    </a:p>
-  </c:txPr>
-  <c:externalData r:id="rId1">
-    <c:autoUpdate val="0"/>
-  </c:externalData>
-</c:chartSpace>
-</file>
-
-<file path=ppt/charts/chartc70ee3e5.xml><?xml version="1.0" encoding="utf-8"?>
-<c:chartSpace xmlns:c="http://schemas.openxmlformats.org/drawingml/2006/chart" xmlns:a="http://schemas.openxmlformats.org/drawingml/2006/main" xmlns:r="http://schemas.openxmlformats.org/officeDocument/2006/relationships">
-  <c:date1904 val="0"/>
-  <c:lang val="fr-FR"/>
-  <c:roundedCorners val="0"/>
-  <mc:AlternateContent xmlns:mc="http://schemas.openxmlformats.org/markup-compatibility/2006">
-    <mc:Choice xmlns:c14="http://schemas.microsoft.com/office/drawing/2007/8/2/chart" Requires="c14">
-      <c14:style val="118"/>
-    </mc:Choice>
-    <mc:Fallback>
-      <c:style val="18"/>
-    </mc:Fallback>
-  </mc:AlternateContent>
-  <c:chart>
-    <c:title xmlns:c="http://schemas.openxmlformats.org/drawingml/2006/chart" xmlns:a="http://schemas.openxmlformats.org/drawingml/2006/main" xmlns:r="http://schemas.openxmlformats.org/officeDocument/2006/relationships">
-      <c:tx>
-        <c:rich>
-          <a:bodyPr/>
-          <a:lstStyle/>
-          <a:p>
-            <a:pPr>
-              <a:defRPr/>
-            </a:pPr>
-            <a:r>
-              <a:rPr cap="none" sz="900" i="0" b="1" u="none">
-                <a:solidFill>
-                  <a:srgbClr val="000000">
-                    <a:alpha val="100000"/>
-                  </a:srgbClr>
-                </a:solidFill>
-                <a:latin typeface="Calibri"/>
-                <a:cs typeface="Calibri"/>
-                <a:ea typeface="Calibri"/>
-                <a:sym typeface="Calibri"/>
-              </a:rPr>
-              <a:t>Variant 14</a:t>
-            </a:r>
-          </a:p>
-        </c:rich>
-      </c:tx>
-      <c:layout/>
-      <c:overlay val="0"/>
-    </c:title>
-    <c:autoTitleDeleted val="0"/>
-    <c:plotArea xmlns:c="http://schemas.openxmlformats.org/drawingml/2006/chart" xmlns:a="http://schemas.openxmlformats.org/drawingml/2006/main" xmlns:r="http://schemas.openxmlformats.org/officeDocument/2006/relationships">
-      <c:layout/>
-      <c:barChart>
-        <c:barDir val="col"/>
-        <c:grouping val="clustered"/>
-        <c:varyColors val="0"/>
-        <c:ser>
-          <c:idx val="0"/>
-          <c:order val="0"/>
-          <c:tx>
-            <c:strRef>
-              <c:f>sheet1!$B$1</c:f>
-              <c:strCache>
-                <c:ptCount val="1"/>
-                <c:pt idx="0">
-                  <c:v>Jongen</c:v>
-                </c:pt>
-              </c:strCache>
-            </c:strRef>
-          </c:tx>
-          <c:spPr>
-            <a:solidFill>
-              <a:srgbClr val="005C96">
-                <a:alpha val="100000"/>
-              </a:srgbClr>
-            </a:solidFill>
-            <a:ln w="25400">
-              <a:solidFill>
-                <a:srgbClr val="FFFFFF">
-                  <a:alpha val="0"/>
-                </a:srgbClr>
-              </a:solidFill>
-            </a:ln>
-            <a:effectLst/>
-          </c:spPr>
-          <c:invertIfNegative val="0"/>
-          <c:dLbls>
-            <c:dLblPos val="outEnd"/>
-            <c:numFmt formatCode="0%" sourceLinked="0"/>
-            <c:separator val=", "/>
-            <c:showBubbleSize val="0"/>
-            <c:showCatName val="0"/>
-            <c:showLegendKey val="0"/>
-            <c:showPercent val="0"/>
-            <c:showSerName val="0"/>
-            <c:showVal val="1"/>
-            <c:txPr>
-              <a:bodyPr/>
-              <a:lstStyle/>
-              <a:p>
-                <a:pPr>
-                  <a:defRPr cap="none" sz="800" i="0" b="0" u="none">
-                    <a:solidFill>
-                      <a:srgbClr val="000000">
-                        <a:alpha val="100000"/>
-                      </a:srgbClr>
-                    </a:solidFill>
-                    <a:latin typeface="Calibri"/>
-                    <a:cs typeface="Calibri"/>
-                    <a:ea typeface="Calibri"/>
-                    <a:sym typeface="Calibri"/>
-                  </a:defRPr>
-                </a:pPr>
-              </a:p>
-            </c:txPr>
-          </c:dLbls>
-          <c:cat>
-            <c:strRef>
-              <c:f>sheet1!$A$2:$A$2</c:f>
-              <c:strCache>
-                <c:ptCount val="1"/>
-                <c:pt idx="0">
-                  <c:v>Zandwijk</c:v>
-                </c:pt>
-              </c:strCache>
-            </c:strRef>
-          </c:cat>
-          <c:val>
-            <c:numRef>
-              <c:f>sheet1!$B$2:$B$2</c:f>
-              <c:numCache>
-                <c:ptCount val="1"/>
-                <c:pt idx="0">
-                  <c:v>0.2833711</c:v>
-                </c:pt>
-              </c:numCache>
-            </c:numRef>
-          </c:val>
-        </c:ser>
-        <c:ser>
-          <c:idx val="1"/>
-          <c:order val="1"/>
-          <c:tx>
-            <c:strRef>
-              <c:f>sheet1!$C$1</c:f>
-              <c:strCache>
-                <c:ptCount val="1"/>
-                <c:pt idx="0">
-                  <c:v>Meisje</c:v>
-                </c:pt>
-              </c:strCache>
-            </c:strRef>
-          </c:tx>
-          <c:spPr>
-            <a:solidFill>
-              <a:srgbClr val="6FC7FF">
-                <a:alpha val="100000"/>
-              </a:srgbClr>
-            </a:solidFill>
-            <a:ln w="25400">
-              <a:solidFill>
-                <a:srgbClr val="FFFFFF">
-                  <a:alpha val="0"/>
-                </a:srgbClr>
-              </a:solidFill>
-            </a:ln>
-            <a:effectLst/>
-          </c:spPr>
-          <c:invertIfNegative val="0"/>
-          <c:dLbls>
-            <c:dLblPos val="outEnd"/>
-            <c:numFmt formatCode="0%" sourceLinked="0"/>
-            <c:separator val=", "/>
-            <c:showBubbleSize val="0"/>
-            <c:showCatName val="0"/>
-            <c:showLegendKey val="0"/>
-            <c:showPercent val="0"/>
-            <c:showSerName val="0"/>
-            <c:showVal val="1"/>
-            <c:txPr>
-              <a:bodyPr/>
-              <a:lstStyle/>
-              <a:p>
-                <a:pPr>
-                  <a:defRPr cap="none" sz="800" i="0" b="0" u="none">
-                    <a:solidFill>
-                      <a:srgbClr val="000000">
-                        <a:alpha val="100000"/>
-                      </a:srgbClr>
-                    </a:solidFill>
-                    <a:latin typeface="Calibri"/>
-                    <a:cs typeface="Calibri"/>
-                    <a:ea typeface="Calibri"/>
-                    <a:sym typeface="Calibri"/>
-                  </a:defRPr>
-                </a:pPr>
-              </a:p>
-            </c:txPr>
-          </c:dLbls>
-          <c:cat>
-            <c:strRef>
-              <c:f>sheet1!$A$2:$A$2</c:f>
-              <c:strCache>
-                <c:ptCount val="1"/>
-                <c:pt idx="0">
-                  <c:v>Zandwijk</c:v>
-                </c:pt>
-              </c:strCache>
-            </c:strRef>
-          </c:cat>
-          <c:val>
-            <c:numRef>
-              <c:f>sheet1!$C$2:$C$2</c:f>
-              <c:numCache>
-                <c:ptCount val="1"/>
-                <c:pt idx="0">
-                  <c:v>0.2587723</c:v>
-                </c:pt>
-              </c:numCache>
-            </c:numRef>
-          </c:val>
-        </c:ser>
-        <c:ser>
-          <c:idx val="2"/>
-          <c:order val="2"/>
-          <c:tx>
-            <c:strRef>
-              <c:f>sheet1!$D$1</c:f>
-              <c:strCache>
-                <c:ptCount val="1"/>
-                <c:pt idx="0">
-                  <c:v>Klas 2</c:v>
-                </c:pt>
-              </c:strCache>
-            </c:strRef>
-          </c:tx>
-          <c:spPr>
-            <a:solidFill>
-              <a:srgbClr val="E54800">
-                <a:alpha val="100000"/>
-              </a:srgbClr>
-            </a:solidFill>
-            <a:ln w="25400">
-              <a:solidFill>
-                <a:srgbClr val="FFFFFF">
-                  <a:alpha val="0"/>
-                </a:srgbClr>
-              </a:solidFill>
-            </a:ln>
-            <a:effectLst/>
-          </c:spPr>
-          <c:invertIfNegative val="0"/>
-          <c:dLbls>
-            <c:dLblPos val="outEnd"/>
-            <c:numFmt formatCode="0%" sourceLinked="0"/>
-            <c:separator val=", "/>
-            <c:showBubbleSize val="0"/>
-            <c:showCatName val="0"/>
-            <c:showLegendKey val="0"/>
-            <c:showPercent val="0"/>
-            <c:showSerName val="0"/>
-            <c:showVal val="1"/>
-            <c:txPr>
-              <a:bodyPr/>
-              <a:lstStyle/>
-              <a:p>
-                <a:pPr>
-                  <a:defRPr cap="none" sz="800" i="0" b="0" u="none">
-                    <a:solidFill>
-                      <a:srgbClr val="000000">
-                        <a:alpha val="100000"/>
-                      </a:srgbClr>
-                    </a:solidFill>
-                    <a:latin typeface="Calibri"/>
-                    <a:cs typeface="Calibri"/>
-                    <a:ea typeface="Calibri"/>
-                    <a:sym typeface="Calibri"/>
-                  </a:defRPr>
-                </a:pPr>
-              </a:p>
-            </c:txPr>
-          </c:dLbls>
-          <c:cat>
-            <c:strRef>
-              <c:f>sheet1!$A$2:$A$2</c:f>
-              <c:strCache>
-                <c:ptCount val="1"/>
-                <c:pt idx="0">
-                  <c:v>Zandwijk</c:v>
-                </c:pt>
-              </c:strCache>
-            </c:strRef>
-          </c:cat>
-          <c:val>
-            <c:numRef>
-              <c:f>sheet1!$D$2:$D$2</c:f>
-              <c:numCache>
-                <c:ptCount val="1"/>
-                <c:pt idx="0">
-                  <c:v>0.26077</c:v>
+                  <c:v>0.3129731</c:v>
                 </c:pt>
               </c:numCache>
             </c:numRef>
@@ -10767,22 +10945,34 @@
           </c:dLbls>
           <c:cat>
             <c:strRef>
-              <c:f>sheet1!$A$2:$A$2</c:f>
+              <c:f>sheet1!$A$2:$A$4</c:f>
               <c:strCache>
-                <c:ptCount val="1"/>
+                <c:ptCount val="3"/>
                 <c:pt idx="0">
-                  <c:v>Zandwijk</c:v>
+                  <c:v>Heeft psychische klachten</c:v>
+                </c:pt>
+                <c:pt idx="1">
+                  <c:v>Geeft geen mantelzorg</c:v>
+                </c:pt>
+                <c:pt idx="2">
+                  <c:v>Heeft een zeer goede gezondheid</c:v>
                 </c:pt>
               </c:strCache>
             </c:strRef>
           </c:cat>
           <c:val>
             <c:numRef>
-              <c:f>sheet1!$E$2:$E$2</c:f>
+              <c:f>sheet1!$E$2:$E$4</c:f>
               <c:numCache>
-                <c:ptCount val="1"/>
+                <c:ptCount val="3"/>
                 <c:pt idx="0">
-                  <c:v>0.2945237</c:v>
+                  <c:v>0.2875855</c:v>
+                </c:pt>
+                <c:pt idx="1">
+                  <c:v>0.8883421</c:v>
+                </c:pt>
+                <c:pt idx="2">
+                  <c:v>0.3154113</c:v>
                 </c:pt>
               </c:numCache>
             </c:numRef>
@@ -10799,7 +10989,7 @@
           <c:showSerName val="0"/>
           <c:showVal val="1"/>
         </c:dLbls>
-        <c:gapWidth val="150"/>
+        <c:gapWidth val="50"/>
         <c:overlap val="0"/>
         <c:axId val="64451712"/>
         <c:axId val="64453248"/>
@@ -22834,7 +23024,7 @@
           <a:p>
             <a:r>
               <a:rPr/>
-              <a:t>20 mei 2025</a:t>
+              <a:t>21 mei 2025</a:t>
             </a:r>
           </a:p>
         </p:txBody>
@@ -22924,7 +23114,7 @@
           <a:p>
             <a:r>
               <a:rPr/>
-              <a:t>In uw gemeente ervaart 29% van de inwoners een zeer goede gezondheid.</a:t>
+              <a:t>In uw gemeente ervaart 31% van de inwoners een zeer goede gezondheid.</a:t>
             </a:r>
           </a:p>
         </p:txBody>
@@ -22951,7 +23141,7 @@
           <a:p>
             <a:r>
               <a:rPr/>
-              <a:t>In Nederland ervaart 31% van de inwoners een zeer goede gezondheid.</a:t>
+              <a:t>In Nederland ervaart 30% van de inwoners een zeer goede gezondheid.</a:t>
             </a:r>
           </a:p>
         </p:txBody>
@@ -22978,7 +23168,7 @@
           <a:p>
             <a:r>
               <a:rPr/>
-              <a:t>In uw gemeente ervaart 29% van de inwoners een zeer goede gezondheid en heeft 27% psychische klachten.</a:t>
+              <a:t>In uw gemeente ervaart 31% van de inwoners een zeer goede gezondheid en heeft 31% psychische klachten.</a:t>
             </a:r>
           </a:p>
         </p:txBody>
@@ -23005,7 +23195,7 @@
           <a:p>
             <a:r>
               <a:rPr/>
-              <a:t>In Nederland ervaart 31% van de inwoners een zeer goede gezondheid en heeft 28% psychische klachten.</a:t>
+              <a:t>In Nederland ervaart 30% van de inwoners een zeer goede gezondheid en heeft 29% psychische klachten.</a:t>
             </a:r>
           </a:p>
         </p:txBody>
@@ -23106,890 +23296,33 @@
           <a:chExt cx="0" cy="0"/>
         </a:xfrm>
       </p:grpSpPr>
-      <p:graphicFrame>
-        <p:nvGraphicFramePr>
+      <p:sp>
+        <p:nvSpPr>
           <p:cNvPr id="2" name="Rekenhulp 1"/>
-          <p:cNvGraphicFramePr>
-            <a:graphicFrameLocks noGrp="true"/>
-          </p:cNvGraphicFramePr>
-          <p:nvPr/>
-        </p:nvGraphicFramePr>
-        <p:xfrm rot="0">
-          <a:off x="4368812" y="1519200"/>
-          <a:ext cx="7365851" cy="2376000"/>
-        </p:xfrm>
-        <a:graphic>
-          <a:graphicData uri="http://schemas.openxmlformats.org/drawingml/2006/table">
-            <a:tbl>
-              <a:tblPr/>
-              <a:tblGrid>
-                <a:gridCol w="762000"/>
-                <a:gridCol w="514286"/>
-                <a:gridCol w="514286"/>
-                <a:gridCol w="514286"/>
-                <a:gridCol w="514286"/>
-                <a:gridCol w="514286"/>
-              </a:tblGrid>
-              <a:tr h="228600">
-                <a:tc>
-                  <a:txBody>
-                    <a:bodyPr/>
-                    <a:lstStyle/>
-                    <a:p>
-                      <a:pPr algn="ctr" marL="63500" marR="63500">
-                        <a:lnSpc>
-                          <a:spcPct val="100000"/>
-                        </a:lnSpc>
-                        <a:spcBef>
-                          <a:spcPts val="500"/>
-                        </a:spcBef>
-                        <a:spcAft>
-                          <a:spcPts val="500"/>
-                        </a:spcAft>
-                        <a:buNone/>
-                      </a:pPr>
-                      <a:r>
-                        <a:rPr cap="none" sz="1000" i="0" b="0" u="none">
-                          <a:solidFill>
-                            <a:srgbClr val="FFFFFF">
-                              <a:alpha val="100000"/>
-                            </a:srgbClr>
-                          </a:solidFill>
-                          <a:latin typeface="Calibri"/>
-                          <a:cs typeface="Calibri"/>
-                          <a:ea typeface="Calibri"/>
-                          <a:sym typeface="Calibri"/>
-                        </a:rPr>
-                        <a:t>Heideveen</a:t>
-                      </a:r>
-                    </a:p>
-                  </a:txBody>
-                  <a:tcPr anchor="ctr" marB="63500" marT="63500" marR="0" marL="0">
-                    <a:lnL algn="ctr" cmpd="sng" cap="flat" w="25400">
-                      <a:solidFill>
-                        <a:srgbClr val="FFFFFF">
-                          <a:alpha val="100000"/>
-                        </a:srgbClr>
-                      </a:solidFill>
-                      <a:prstDash val="solid"/>
-                    </a:lnL>
-                    <a:lnR algn="ctr" cmpd="sng" cap="flat" w="25400">
-                      <a:solidFill>
-                        <a:srgbClr val="FFFFFF">
-                          <a:alpha val="100000"/>
-                        </a:srgbClr>
-                      </a:solidFill>
-                      <a:prstDash val="solid"/>
-                    </a:lnR>
-                    <a:lnT algn="ctr" cmpd="sng" cap="flat" w="25400">
-                      <a:solidFill>
-                        <a:srgbClr val="FFFFFF">
-                          <a:alpha val="100000"/>
-                        </a:srgbClr>
-                      </a:solidFill>
-                      <a:prstDash val="solid"/>
-                    </a:lnT>
-                    <a:lnB algn="ctr" cmpd="sng" cap="flat" w="25400">
-                      <a:solidFill>
-                        <a:srgbClr val="FFFFFF">
-                          <a:alpha val="100000"/>
-                        </a:srgbClr>
-                      </a:solidFill>
-                      <a:prstDash val="solid"/>
-                    </a:lnB>
-                    <a:solidFill>
-                      <a:srgbClr val="005C96">
-                        <a:alpha val="100000"/>
-                      </a:srgbClr>
-                    </a:solidFill>
-                  </a:tcPr>
-                </a:tc>
-                <a:tc>
-                  <a:txBody>
-                    <a:bodyPr/>
-                    <a:lstStyle/>
-                    <a:p>
-                      <a:pPr algn="ctr" marL="63500" marR="63500">
-                        <a:lnSpc>
-                          <a:spcPct val="100000"/>
-                        </a:lnSpc>
-                        <a:spcBef>
-                          <a:spcPts val="500"/>
-                        </a:spcBef>
-                        <a:spcAft>
-                          <a:spcPts val="500"/>
-                        </a:spcAft>
-                        <a:buNone/>
-                      </a:pPr>
-                      <a:r>
-                        <a:rPr cap="none" sz="1000" i="0" b="0" u="none">
-                          <a:solidFill>
-                            <a:srgbClr val="FFFFFF">
-                              <a:alpha val="100000"/>
-                            </a:srgbClr>
-                          </a:solidFill>
-                          <a:latin typeface="Calibri"/>
-                          <a:cs typeface="Calibri"/>
-                          <a:ea typeface="Calibri"/>
-                          <a:sym typeface="Calibri"/>
-                        </a:rPr>
-                        <a:t>1%</a:t>
-                      </a:r>
-                    </a:p>
-                  </a:txBody>
-                  <a:tcPr anchor="ctr" marB="63500" marT="63500" marR="0" marL="0">
-                    <a:lnL algn="ctr" cmpd="sng" cap="flat" w="25400">
-                      <a:solidFill>
-                        <a:srgbClr val="FFFFFF">
-                          <a:alpha val="100000"/>
-                        </a:srgbClr>
-                      </a:solidFill>
-                      <a:prstDash val="solid"/>
-                    </a:lnL>
-                    <a:lnR algn="ctr" cmpd="sng" cap="flat" w="25400">
-                      <a:solidFill>
-                        <a:srgbClr val="FFFFFF">
-                          <a:alpha val="100000"/>
-                        </a:srgbClr>
-                      </a:solidFill>
-                      <a:prstDash val="solid"/>
-                    </a:lnR>
-                    <a:lnT algn="ctr" cmpd="sng" cap="flat" w="25400">
-                      <a:solidFill>
-                        <a:srgbClr val="FFFFFF">
-                          <a:alpha val="100000"/>
-                        </a:srgbClr>
-                      </a:solidFill>
-                      <a:prstDash val="solid"/>
-                    </a:lnT>
-                    <a:lnB algn="ctr" cmpd="sng" cap="flat" w="25400">
-                      <a:solidFill>
-                        <a:srgbClr val="FFFFFF">
-                          <a:alpha val="100000"/>
-                        </a:srgbClr>
-                      </a:solidFill>
-                      <a:prstDash val="solid"/>
-                    </a:lnB>
-                    <a:solidFill>
-                      <a:srgbClr val="005C96">
-                        <a:alpha val="100000"/>
-                      </a:srgbClr>
-                    </a:solidFill>
-                  </a:tcPr>
-                </a:tc>
-                <a:tc>
-                  <a:txBody>
-                    <a:bodyPr/>
-                    <a:lstStyle/>
-                    <a:p>
-                      <a:pPr algn="ctr" marL="63500" marR="63500">
-                        <a:lnSpc>
-                          <a:spcPct val="100000"/>
-                        </a:lnSpc>
-                        <a:spcBef>
-                          <a:spcPts val="500"/>
-                        </a:spcBef>
-                        <a:spcAft>
-                          <a:spcPts val="500"/>
-                        </a:spcAft>
-                        <a:buNone/>
-                      </a:pPr>
-                      <a:r>
-                        <a:rPr cap="none" sz="1000" i="0" b="0" u="none">
-                          <a:solidFill>
-                            <a:srgbClr val="FFFFFF">
-                              <a:alpha val="100000"/>
-                            </a:srgbClr>
-                          </a:solidFill>
-                          <a:latin typeface="Calibri"/>
-                          <a:cs typeface="Calibri"/>
-                          <a:ea typeface="Calibri"/>
-                          <a:sym typeface="Calibri"/>
-                        </a:rPr>
-                        <a:t>5%</a:t>
-                      </a:r>
-                    </a:p>
-                  </a:txBody>
-                  <a:tcPr anchor="ctr" marB="63500" marT="63500" marR="0" marL="0">
-                    <a:lnL algn="ctr" cmpd="sng" cap="flat" w="25400">
-                      <a:solidFill>
-                        <a:srgbClr val="FFFFFF">
-                          <a:alpha val="100000"/>
-                        </a:srgbClr>
-                      </a:solidFill>
-                      <a:prstDash val="solid"/>
-                    </a:lnL>
-                    <a:lnR algn="ctr" cmpd="sng" cap="flat" w="25400">
-                      <a:solidFill>
-                        <a:srgbClr val="FFFFFF">
-                          <a:alpha val="100000"/>
-                        </a:srgbClr>
-                      </a:solidFill>
-                      <a:prstDash val="solid"/>
-                    </a:lnR>
-                    <a:lnT algn="ctr" cmpd="sng" cap="flat" w="25400">
-                      <a:solidFill>
-                        <a:srgbClr val="FFFFFF">
-                          <a:alpha val="100000"/>
-                        </a:srgbClr>
-                      </a:solidFill>
-                      <a:prstDash val="solid"/>
-                    </a:lnT>
-                    <a:lnB algn="ctr" cmpd="sng" cap="flat" w="25400">
-                      <a:solidFill>
-                        <a:srgbClr val="FFFFFF">
-                          <a:alpha val="100000"/>
-                        </a:srgbClr>
-                      </a:solidFill>
-                      <a:prstDash val="solid"/>
-                    </a:lnB>
-                    <a:solidFill>
-                      <a:srgbClr val="005C96">
-                        <a:alpha val="100000"/>
-                      </a:srgbClr>
-                    </a:solidFill>
-                  </a:tcPr>
-                </a:tc>
-                <a:tc>
-                  <a:txBody>
-                    <a:bodyPr/>
-                    <a:lstStyle/>
-                    <a:p>
-                      <a:pPr algn="ctr" marL="63500" marR="63500">
-                        <a:lnSpc>
-                          <a:spcPct val="100000"/>
-                        </a:lnSpc>
-                        <a:spcBef>
-                          <a:spcPts val="500"/>
-                        </a:spcBef>
-                        <a:spcAft>
-                          <a:spcPts val="500"/>
-                        </a:spcAft>
-                        <a:buNone/>
-                      </a:pPr>
-                      <a:r>
-                        <a:rPr cap="none" sz="1000" i="0" b="0" u="none">
-                          <a:solidFill>
-                            <a:srgbClr val="FFFFFF">
-                              <a:alpha val="100000"/>
-                            </a:srgbClr>
-                          </a:solidFill>
-                          <a:latin typeface="Calibri"/>
-                          <a:cs typeface="Calibri"/>
-                          <a:ea typeface="Calibri"/>
-                          <a:sym typeface="Calibri"/>
-                        </a:rPr>
-                        <a:t>10%</a:t>
-                      </a:r>
-                    </a:p>
-                  </a:txBody>
-                  <a:tcPr anchor="ctr" marB="63500" marT="63500" marR="0" marL="0">
-                    <a:lnL algn="ctr" cmpd="sng" cap="flat" w="25400">
-                      <a:solidFill>
-                        <a:srgbClr val="FFFFFF">
-                          <a:alpha val="100000"/>
-                        </a:srgbClr>
-                      </a:solidFill>
-                      <a:prstDash val="solid"/>
-                    </a:lnL>
-                    <a:lnR algn="ctr" cmpd="sng" cap="flat" w="25400">
-                      <a:solidFill>
-                        <a:srgbClr val="FFFFFF">
-                          <a:alpha val="100000"/>
-                        </a:srgbClr>
-                      </a:solidFill>
-                      <a:prstDash val="solid"/>
-                    </a:lnR>
-                    <a:lnT algn="ctr" cmpd="sng" cap="flat" w="25400">
-                      <a:solidFill>
-                        <a:srgbClr val="FFFFFF">
-                          <a:alpha val="100000"/>
-                        </a:srgbClr>
-                      </a:solidFill>
-                      <a:prstDash val="solid"/>
-                    </a:lnT>
-                    <a:lnB algn="ctr" cmpd="sng" cap="flat" w="25400">
-                      <a:solidFill>
-                        <a:srgbClr val="FFFFFF">
-                          <a:alpha val="100000"/>
-                        </a:srgbClr>
-                      </a:solidFill>
-                      <a:prstDash val="solid"/>
-                    </a:lnB>
-                    <a:solidFill>
-                      <a:srgbClr val="005C96">
-                        <a:alpha val="100000"/>
-                      </a:srgbClr>
-                    </a:solidFill>
-                  </a:tcPr>
-                </a:tc>
-                <a:tc>
-                  <a:txBody>
-                    <a:bodyPr/>
-                    <a:lstStyle/>
-                    <a:p>
-                      <a:pPr algn="ctr" marL="63500" marR="63500">
-                        <a:lnSpc>
-                          <a:spcPct val="100000"/>
-                        </a:lnSpc>
-                        <a:spcBef>
-                          <a:spcPts val="500"/>
-                        </a:spcBef>
-                        <a:spcAft>
-                          <a:spcPts val="500"/>
-                        </a:spcAft>
-                        <a:buNone/>
-                      </a:pPr>
-                      <a:r>
-                        <a:rPr cap="none" sz="1000" i="0" b="0" u="none">
-                          <a:solidFill>
-                            <a:srgbClr val="FFFFFF">
-                              <a:alpha val="100000"/>
-                            </a:srgbClr>
-                          </a:solidFill>
-                          <a:latin typeface="Calibri"/>
-                          <a:cs typeface="Calibri"/>
-                          <a:ea typeface="Calibri"/>
-                          <a:sym typeface="Calibri"/>
-                        </a:rPr>
-                        <a:t>25%</a:t>
-                      </a:r>
-                    </a:p>
-                  </a:txBody>
-                  <a:tcPr anchor="ctr" marB="63500" marT="63500" marR="0" marL="0">
-                    <a:lnL algn="ctr" cmpd="sng" cap="flat" w="25400">
-                      <a:solidFill>
-                        <a:srgbClr val="FFFFFF">
-                          <a:alpha val="100000"/>
-                        </a:srgbClr>
-                      </a:solidFill>
-                      <a:prstDash val="solid"/>
-                    </a:lnL>
-                    <a:lnR algn="ctr" cmpd="sng" cap="flat" w="25400">
-                      <a:solidFill>
-                        <a:srgbClr val="FFFFFF">
-                          <a:alpha val="100000"/>
-                        </a:srgbClr>
-                      </a:solidFill>
-                      <a:prstDash val="solid"/>
-                    </a:lnR>
-                    <a:lnT algn="ctr" cmpd="sng" cap="flat" w="25400">
-                      <a:solidFill>
-                        <a:srgbClr val="FFFFFF">
-                          <a:alpha val="100000"/>
-                        </a:srgbClr>
-                      </a:solidFill>
-                      <a:prstDash val="solid"/>
-                    </a:lnT>
-                    <a:lnB algn="ctr" cmpd="sng" cap="flat" w="25400">
-                      <a:solidFill>
-                        <a:srgbClr val="FFFFFF">
-                          <a:alpha val="100000"/>
-                        </a:srgbClr>
-                      </a:solidFill>
-                      <a:prstDash val="solid"/>
-                    </a:lnB>
-                    <a:solidFill>
-                      <a:srgbClr val="005C96">
-                        <a:alpha val="100000"/>
-                      </a:srgbClr>
-                    </a:solidFill>
-                  </a:tcPr>
-                </a:tc>
-                <a:tc>
-                  <a:txBody>
-                    <a:bodyPr/>
-                    <a:lstStyle/>
-                    <a:p>
-                      <a:pPr algn="ctr" marL="63500" marR="63500">
-                        <a:lnSpc>
-                          <a:spcPct val="100000"/>
-                        </a:lnSpc>
-                        <a:spcBef>
-                          <a:spcPts val="500"/>
-                        </a:spcBef>
-                        <a:spcAft>
-                          <a:spcPts val="500"/>
-                        </a:spcAft>
-                        <a:buNone/>
-                      </a:pPr>
-                      <a:r>
-                        <a:rPr cap="none" sz="1000" i="0" b="0" u="none">
-                          <a:solidFill>
-                            <a:srgbClr val="FFFFFF">
-                              <a:alpha val="100000"/>
-                            </a:srgbClr>
-                          </a:solidFill>
-                          <a:latin typeface="Calibri"/>
-                          <a:cs typeface="Calibri"/>
-                          <a:ea typeface="Calibri"/>
-                          <a:sym typeface="Calibri"/>
-                        </a:rPr>
-                        <a:t>50%</a:t>
-                      </a:r>
-                    </a:p>
-                  </a:txBody>
-                  <a:tcPr anchor="ctr" marB="63500" marT="63500" marR="0" marL="0">
-                    <a:lnL algn="ctr" cmpd="sng" cap="flat" w="25400">
-                      <a:solidFill>
-                        <a:srgbClr val="FFFFFF">
-                          <a:alpha val="100000"/>
-                        </a:srgbClr>
-                      </a:solidFill>
-                      <a:prstDash val="solid"/>
-                    </a:lnL>
-                    <a:lnR algn="ctr" cmpd="sng" cap="flat" w="25400">
-                      <a:solidFill>
-                        <a:srgbClr val="FFFFFF">
-                          <a:alpha val="100000"/>
-                        </a:srgbClr>
-                      </a:solidFill>
-                      <a:prstDash val="solid"/>
-                    </a:lnR>
-                    <a:lnT algn="ctr" cmpd="sng" cap="flat" w="25400">
-                      <a:solidFill>
-                        <a:srgbClr val="FFFFFF">
-                          <a:alpha val="100000"/>
-                        </a:srgbClr>
-                      </a:solidFill>
-                      <a:prstDash val="solid"/>
-                    </a:lnT>
-                    <a:lnB algn="ctr" cmpd="sng" cap="flat" w="25400">
-                      <a:solidFill>
-                        <a:srgbClr val="FFFFFF">
-                          <a:alpha val="100000"/>
-                        </a:srgbClr>
-                      </a:solidFill>
-                      <a:prstDash val="solid"/>
-                    </a:lnB>
-                    <a:solidFill>
-                      <a:srgbClr val="005C96">
-                        <a:alpha val="100000"/>
-                      </a:srgbClr>
-                    </a:solidFill>
-                  </a:tcPr>
-                </a:tc>
-              </a:tr>
-              <a:tr h="228600">
-                <a:tc>
-                  <a:txBody>
-                    <a:bodyPr/>
-                    <a:lstStyle/>
-                    <a:p>
-                      <a:pPr algn="ctr" marL="63500" marR="63500">
-                        <a:lnSpc>
-                          <a:spcPct val="100000"/>
-                        </a:lnSpc>
-                        <a:spcBef>
-                          <a:spcPts val="500"/>
-                        </a:spcBef>
-                        <a:spcAft>
-                          <a:spcPts val="500"/>
-                        </a:spcAft>
-                        <a:buNone/>
-                      </a:pPr>
-                      <a:r>
-                        <a:rPr cap="none" sz="1000" i="0" b="0" u="none">
-                          <a:solidFill>
-                            <a:srgbClr val="000000">
-                              <a:alpha val="100000"/>
-                            </a:srgbClr>
-                          </a:solidFill>
-                          <a:latin typeface="Calibri"/>
-                          <a:cs typeface="Calibri"/>
-                          <a:ea typeface="Calibri"/>
-                          <a:sym typeface="Calibri"/>
-                        </a:rPr>
-                        <a:t>13702</a:t>
-                      </a:r>
-                    </a:p>
-                  </a:txBody>
-                  <a:tcPr anchor="ctr" marB="63500" marT="63500" marR="0" marL="0">
-                    <a:lnL algn="ctr" cmpd="sng" cap="flat" w="25400">
-                      <a:solidFill>
-                        <a:srgbClr val="FFFFFF">
-                          <a:alpha val="100000"/>
-                        </a:srgbClr>
-                      </a:solidFill>
-                      <a:prstDash val="solid"/>
-                    </a:lnL>
-                    <a:lnR algn="ctr" cmpd="sng" cap="flat" w="25400">
-                      <a:solidFill>
-                        <a:srgbClr val="FFFFFF">
-                          <a:alpha val="100000"/>
-                        </a:srgbClr>
-                      </a:solidFill>
-                      <a:prstDash val="solid"/>
-                    </a:lnR>
-                    <a:lnT algn="ctr" cmpd="sng" cap="flat" w="0">
-                      <a:noFill/>
-                      <a:prstDash val="solid"/>
-                    </a:lnT>
-                    <a:lnB algn="ctr" cmpd="sng" cap="flat" w="25400">
-                      <a:solidFill>
-                        <a:srgbClr val="FFFFFF">
-                          <a:alpha val="100000"/>
-                        </a:srgbClr>
-                      </a:solidFill>
-                      <a:prstDash val="solid"/>
-                    </a:lnB>
-                    <a:solidFill>
-                      <a:srgbClr val="D3D3D3">
-                        <a:alpha val="100000"/>
-                      </a:srgbClr>
-                    </a:solidFill>
-                  </a:tcPr>
-                </a:tc>
-                <a:tc>
-                  <a:txBody>
-                    <a:bodyPr/>
-                    <a:lstStyle/>
-                    <a:p>
-                      <a:pPr algn="ctr" marL="63500" marR="63500">
-                        <a:lnSpc>
-                          <a:spcPct val="100000"/>
-                        </a:lnSpc>
-                        <a:spcBef>
-                          <a:spcPts val="500"/>
-                        </a:spcBef>
-                        <a:spcAft>
-                          <a:spcPts val="500"/>
-                        </a:spcAft>
-                        <a:buNone/>
-                      </a:pPr>
-                      <a:r>
-                        <a:rPr cap="none" sz="1000" i="0" b="0" u="none">
-                          <a:solidFill>
-                            <a:srgbClr val="000000">
-                              <a:alpha val="100000"/>
-                            </a:srgbClr>
-                          </a:solidFill>
-                          <a:latin typeface="Calibri"/>
-                          <a:cs typeface="Calibri"/>
-                          <a:ea typeface="Calibri"/>
-                          <a:sym typeface="Calibri"/>
-                        </a:rPr>
-                        <a:t>137</a:t>
-                      </a:r>
-                    </a:p>
-                  </a:txBody>
-                  <a:tcPr anchor="ctr" marB="63500" marT="63500" marR="0" marL="0">
-                    <a:lnL algn="ctr" cmpd="sng" cap="flat" w="25400">
-                      <a:solidFill>
-                        <a:srgbClr val="FFFFFF">
-                          <a:alpha val="100000"/>
-                        </a:srgbClr>
-                      </a:solidFill>
-                      <a:prstDash val="solid"/>
-                    </a:lnL>
-                    <a:lnR algn="ctr" cmpd="sng" cap="flat" w="25400">
-                      <a:solidFill>
-                        <a:srgbClr val="FFFFFF">
-                          <a:alpha val="100000"/>
-                        </a:srgbClr>
-                      </a:solidFill>
-                      <a:prstDash val="solid"/>
-                    </a:lnR>
-                    <a:lnT algn="ctr" cmpd="sng" cap="flat" w="0">
-                      <a:noFill/>
-                      <a:prstDash val="solid"/>
-                    </a:lnT>
-                    <a:lnB algn="ctr" cmpd="sng" cap="flat" w="25400">
-                      <a:solidFill>
-                        <a:srgbClr val="FFFFFF">
-                          <a:alpha val="100000"/>
-                        </a:srgbClr>
-                      </a:solidFill>
-                      <a:prstDash val="solid"/>
-                    </a:lnB>
-                    <a:solidFill>
-                      <a:srgbClr val="D3D3D3">
-                        <a:alpha val="100000"/>
-                      </a:srgbClr>
-                    </a:solidFill>
-                  </a:tcPr>
-                </a:tc>
-                <a:tc>
-                  <a:txBody>
-                    <a:bodyPr/>
-                    <a:lstStyle/>
-                    <a:p>
-                      <a:pPr algn="ctr" marL="63500" marR="63500">
-                        <a:lnSpc>
-                          <a:spcPct val="100000"/>
-                        </a:lnSpc>
-                        <a:spcBef>
-                          <a:spcPts val="500"/>
-                        </a:spcBef>
-                        <a:spcAft>
-                          <a:spcPts val="500"/>
-                        </a:spcAft>
-                        <a:buNone/>
-                      </a:pPr>
-                      <a:r>
-                        <a:rPr cap="none" sz="1000" i="0" b="0" u="none">
-                          <a:solidFill>
-                            <a:srgbClr val="000000">
-                              <a:alpha val="100000"/>
-                            </a:srgbClr>
-                          </a:solidFill>
-                          <a:latin typeface="Calibri"/>
-                          <a:cs typeface="Calibri"/>
-                          <a:ea typeface="Calibri"/>
-                          <a:sym typeface="Calibri"/>
-                        </a:rPr>
-                        <a:t>685</a:t>
-                      </a:r>
-                    </a:p>
-                  </a:txBody>
-                  <a:tcPr anchor="ctr" marB="63500" marT="63500" marR="0" marL="0">
-                    <a:lnL algn="ctr" cmpd="sng" cap="flat" w="25400">
-                      <a:solidFill>
-                        <a:srgbClr val="FFFFFF">
-                          <a:alpha val="100000"/>
-                        </a:srgbClr>
-                      </a:solidFill>
-                      <a:prstDash val="solid"/>
-                    </a:lnL>
-                    <a:lnR algn="ctr" cmpd="sng" cap="flat" w="25400">
-                      <a:solidFill>
-                        <a:srgbClr val="FFFFFF">
-                          <a:alpha val="100000"/>
-                        </a:srgbClr>
-                      </a:solidFill>
-                      <a:prstDash val="solid"/>
-                    </a:lnR>
-                    <a:lnT algn="ctr" cmpd="sng" cap="flat" w="0">
-                      <a:noFill/>
-                      <a:prstDash val="solid"/>
-                    </a:lnT>
-                    <a:lnB algn="ctr" cmpd="sng" cap="flat" w="25400">
-                      <a:solidFill>
-                        <a:srgbClr val="FFFFFF">
-                          <a:alpha val="100000"/>
-                        </a:srgbClr>
-                      </a:solidFill>
-                      <a:prstDash val="solid"/>
-                    </a:lnB>
-                    <a:solidFill>
-                      <a:srgbClr val="D3D3D3">
-                        <a:alpha val="100000"/>
-                      </a:srgbClr>
-                    </a:solidFill>
-                  </a:tcPr>
-                </a:tc>
-                <a:tc>
-                  <a:txBody>
-                    <a:bodyPr/>
-                    <a:lstStyle/>
-                    <a:p>
-                      <a:pPr algn="ctr" marL="63500" marR="63500">
-                        <a:lnSpc>
-                          <a:spcPct val="100000"/>
-                        </a:lnSpc>
-                        <a:spcBef>
-                          <a:spcPts val="500"/>
-                        </a:spcBef>
-                        <a:spcAft>
-                          <a:spcPts val="500"/>
-                        </a:spcAft>
-                        <a:buNone/>
-                      </a:pPr>
-                      <a:r>
-                        <a:rPr cap="none" sz="1000" i="0" b="0" u="none">
-                          <a:solidFill>
-                            <a:srgbClr val="000000">
-                              <a:alpha val="100000"/>
-                            </a:srgbClr>
-                          </a:solidFill>
-                          <a:latin typeface="Calibri"/>
-                          <a:cs typeface="Calibri"/>
-                          <a:ea typeface="Calibri"/>
-                          <a:sym typeface="Calibri"/>
-                        </a:rPr>
-                        <a:t>1370</a:t>
-                      </a:r>
-                    </a:p>
-                  </a:txBody>
-                  <a:tcPr anchor="ctr" marB="63500" marT="63500" marR="0" marL="0">
-                    <a:lnL algn="ctr" cmpd="sng" cap="flat" w="25400">
-                      <a:solidFill>
-                        <a:srgbClr val="FFFFFF">
-                          <a:alpha val="100000"/>
-                        </a:srgbClr>
-                      </a:solidFill>
-                      <a:prstDash val="solid"/>
-                    </a:lnL>
-                    <a:lnR algn="ctr" cmpd="sng" cap="flat" w="25400">
-                      <a:solidFill>
-                        <a:srgbClr val="FFFFFF">
-                          <a:alpha val="100000"/>
-                        </a:srgbClr>
-                      </a:solidFill>
-                      <a:prstDash val="solid"/>
-                    </a:lnR>
-                    <a:lnT algn="ctr" cmpd="sng" cap="flat" w="0">
-                      <a:noFill/>
-                      <a:prstDash val="solid"/>
-                    </a:lnT>
-                    <a:lnB algn="ctr" cmpd="sng" cap="flat" w="25400">
-                      <a:solidFill>
-                        <a:srgbClr val="FFFFFF">
-                          <a:alpha val="100000"/>
-                        </a:srgbClr>
-                      </a:solidFill>
-                      <a:prstDash val="solid"/>
-                    </a:lnB>
-                    <a:solidFill>
-                      <a:srgbClr val="D3D3D3">
-                        <a:alpha val="100000"/>
-                      </a:srgbClr>
-                    </a:solidFill>
-                  </a:tcPr>
-                </a:tc>
-                <a:tc>
-                  <a:txBody>
-                    <a:bodyPr/>
-                    <a:lstStyle/>
-                    <a:p>
-                      <a:pPr algn="ctr" marL="63500" marR="63500">
-                        <a:lnSpc>
-                          <a:spcPct val="100000"/>
-                        </a:lnSpc>
-                        <a:spcBef>
-                          <a:spcPts val="500"/>
-                        </a:spcBef>
-                        <a:spcAft>
-                          <a:spcPts val="500"/>
-                        </a:spcAft>
-                        <a:buNone/>
-                      </a:pPr>
-                      <a:r>
-                        <a:rPr cap="none" sz="1000" i="0" b="0" u="none">
-                          <a:solidFill>
-                            <a:srgbClr val="000000">
-                              <a:alpha val="100000"/>
-                            </a:srgbClr>
-                          </a:solidFill>
-                          <a:latin typeface="Calibri"/>
-                          <a:cs typeface="Calibri"/>
-                          <a:ea typeface="Calibri"/>
-                          <a:sym typeface="Calibri"/>
-                        </a:rPr>
-                        <a:t>3426</a:t>
-                      </a:r>
-                    </a:p>
-                  </a:txBody>
-                  <a:tcPr anchor="ctr" marB="63500" marT="63500" marR="0" marL="0">
-                    <a:lnL algn="ctr" cmpd="sng" cap="flat" w="25400">
-                      <a:solidFill>
-                        <a:srgbClr val="FFFFFF">
-                          <a:alpha val="100000"/>
-                        </a:srgbClr>
-                      </a:solidFill>
-                      <a:prstDash val="solid"/>
-                    </a:lnL>
-                    <a:lnR algn="ctr" cmpd="sng" cap="flat" w="25400">
-                      <a:solidFill>
-                        <a:srgbClr val="FFFFFF">
-                          <a:alpha val="100000"/>
-                        </a:srgbClr>
-                      </a:solidFill>
-                      <a:prstDash val="solid"/>
-                    </a:lnR>
-                    <a:lnT algn="ctr" cmpd="sng" cap="flat" w="0">
-                      <a:noFill/>
-                      <a:prstDash val="solid"/>
-                    </a:lnT>
-                    <a:lnB algn="ctr" cmpd="sng" cap="flat" w="25400">
-                      <a:solidFill>
-                        <a:srgbClr val="FFFFFF">
-                          <a:alpha val="100000"/>
-                        </a:srgbClr>
-                      </a:solidFill>
-                      <a:prstDash val="solid"/>
-                    </a:lnB>
-                    <a:solidFill>
-                      <a:srgbClr val="D3D3D3">
-                        <a:alpha val="100000"/>
-                      </a:srgbClr>
-                    </a:solidFill>
-                  </a:tcPr>
-                </a:tc>
-                <a:tc>
-                  <a:txBody>
-                    <a:bodyPr/>
-                    <a:lstStyle/>
-                    <a:p>
-                      <a:pPr algn="ctr" marL="63500" marR="63500">
-                        <a:lnSpc>
-                          <a:spcPct val="100000"/>
-                        </a:lnSpc>
-                        <a:spcBef>
-                          <a:spcPts val="500"/>
-                        </a:spcBef>
-                        <a:spcAft>
-                          <a:spcPts val="500"/>
-                        </a:spcAft>
-                        <a:buNone/>
-                      </a:pPr>
-                      <a:r>
-                        <a:rPr cap="none" sz="1000" i="0" b="0" u="none">
-                          <a:solidFill>
-                            <a:srgbClr val="000000">
-                              <a:alpha val="100000"/>
-                            </a:srgbClr>
-                          </a:solidFill>
-                          <a:latin typeface="Calibri"/>
-                          <a:cs typeface="Calibri"/>
-                          <a:ea typeface="Calibri"/>
-                          <a:sym typeface="Calibri"/>
-                        </a:rPr>
-                        <a:t>6851</a:t>
-                      </a:r>
-                    </a:p>
-                  </a:txBody>
-                  <a:tcPr anchor="ctr" marB="63500" marT="63500" marR="0" marL="0">
-                    <a:lnL algn="ctr" cmpd="sng" cap="flat" w="25400">
-                      <a:solidFill>
-                        <a:srgbClr val="FFFFFF">
-                          <a:alpha val="100000"/>
-                        </a:srgbClr>
-                      </a:solidFill>
-                      <a:prstDash val="solid"/>
-                    </a:lnL>
-                    <a:lnR algn="ctr" cmpd="sng" cap="flat" w="25400">
-                      <a:solidFill>
-                        <a:srgbClr val="FFFFFF">
-                          <a:alpha val="100000"/>
-                        </a:srgbClr>
-                      </a:solidFill>
-                      <a:prstDash val="solid"/>
-                    </a:lnR>
-                    <a:lnT algn="ctr" cmpd="sng" cap="flat" w="0">
-                      <a:noFill/>
-                      <a:prstDash val="solid"/>
-                    </a:lnT>
-                    <a:lnB algn="ctr" cmpd="sng" cap="flat" w="25400">
-                      <a:solidFill>
-                        <a:srgbClr val="FFFFFF">
-                          <a:alpha val="100000"/>
-                        </a:srgbClr>
-                      </a:solidFill>
-                      <a:prstDash val="solid"/>
-                    </a:lnB>
-                    <a:solidFill>
-                      <a:srgbClr val="D3D3D3">
-                        <a:alpha val="100000"/>
-                      </a:srgbClr>
-                    </a:solidFill>
-                  </a:tcPr>
-                </a:tc>
-              </a:tr>
-            </a:tbl>
-          </a:graphicData>
-        </a:graphic>
-      </p:graphicFrame>
+          <p:cNvSpPr>
+            <a:spLocks noGrp="1"/>
+          </p:cNvSpPr>
+          <p:nvPr>
+            <p:ph type="chart" sz="quarter" idx="14"/>
+          </p:nvPr>
+        </p:nvSpPr>
+        <p:spPr>
+          <a:xfrm>
+            <a:off x="4368812" y="1519200"/>
+            <a:ext cx="7365851" cy="2376000"/>
+          </a:xfrm>
+        </p:spPr>
+        <p:txBody>
+          <a:bodyPr/>
+          <a:lstStyle/>
+          <a:p>
+            <a:r>
+              <a:rPr/>
+              <a:t>Niet uitgedraaid vanwege geen reactie cbs package</a:t>
+            </a:r>
+          </a:p>
+        </p:txBody>
+      </p:sp>
     </p:spTree>
     <p:extLst>
       <p:ext uri="{BB962C8B-B14F-4D97-AF65-F5344CB8AC3E}">
@@ -24042,7 +23375,7 @@
           <a:p>
             <a:r>
               <a:rPr/>
-              <a:t>27%</a:t>
+              <a:t>31%</a:t>
             </a:r>
           </a:p>
         </p:txBody>
@@ -24069,7 +23402,7 @@
           <a:p>
             <a:r>
               <a:rPr/>
-              <a:t>73%</a:t>
+              <a:t>69%</a:t>
             </a:r>
           </a:p>
         </p:txBody>
@@ -24123,7 +23456,7 @@
           <a:p>
             <a:r>
               <a:rPr/>
-              <a:t>29%</a:t>
+              <a:t>31%</a:t>
             </a:r>
           </a:p>
         </p:txBody>
@@ -24808,7 +24141,7 @@
           <a:p>
             <a:r>
               <a:rPr/>
-              <a:t>De ervaren gezondheid van jongeren in klas 2 (30%) is vergelijkbaar met jongeren in klas 4 (30%). De ervaren gezondheid van jongens (32%) ligt super veel hoger dan meisjes (27%).</a:t>
+              <a:t>De ervaren gezondheid van jongeren in klas 2 (31%) is vergelijkbaar met jongeren in klas 4 (32%). De ervaren gezondheid van jongens (36%) ligt super veel hoger dan meisjes (27%).</a:t>
             </a:r>
           </a:p>
         </p:txBody>
@@ -24835,7 +24168,7 @@
           <a:p>
             <a:r>
               <a:rPr/>
-              <a:t>De ervaren gezondheid van jongens (32%) ligt hoger dan meisjes (27%).</a:t>
+              <a:t>De ervaren gezondheid van jongens (36%) ligt hoger dan meisjes (27%).</a:t>
             </a:r>
           </a:p>
         </p:txBody>
@@ -24862,7 +24195,7 @@
           <a:p>
             <a:r>
               <a:rPr/>
-              <a:t>Het percentage inwoners in uw gemeente dat een goede gezondheid ervaart in 2024 (29%) is vergelijkbaar met Nederland (31%).</a:t>
+              <a:t>Het percentage inwoners in uw gemeente dat een goede gezondheid ervaart in 2024 (31%) is vergelijkbaar met Nederland (30%).</a:t>
             </a:r>
           </a:p>
         </p:txBody>
@@ -24889,7 +24222,7 @@
           <a:p>
             <a:r>
               <a:rPr/>
-              <a:t>In uw gemeente (29%) is de ervaren gezondheid in 2024 gelijk gebleven ten opzichte van 2020 (31%).</a:t>
+              <a:t>In uw gemeente (31%) is de ervaren gezondheid in 2024 gelijk gebleven ten opzichte van 2020 (30%).</a:t>
             </a:r>
           </a:p>
         </p:txBody>
